--- a/AB_TOPs/02_Top_Maquette/Top_Maquette_V2.0.pptx
+++ b/AB_TOPs/02_Top_Maquette/Top_Maquette_V2.0.pptx
@@ -4324,7 +4324,7 @@
                       <a:pPr/>
                       <a:t>[PLAGECELL]</a:t>
                     </a:fld>
-                    <a:endParaRPr lang="de-DE"/>
+                    <a:endParaRPr lang="fr-FR"/>
                   </a:p>
                 </c:rich>
               </c:tx>
@@ -4352,12 +4352,12 @@
                   <a:bodyPr/>
                   <a:lstStyle/>
                   <a:p>
-                    <a:fld id="{6917AE88-1BA7-44C8-A7E8-D1F4E4FCC2BC}" type="CELLRANGE">
-                      <a:rPr lang="de-DE"/>
+                    <a:fld id="{B4F08761-BA7A-4E9B-B916-17B3B74B8886}" type="CELLRANGE">
+                      <a:rPr lang="en-US"/>
                       <a:pPr/>
                       <a:t>[PLAGECELL]</a:t>
                     </a:fld>
-                    <a:endParaRPr lang="de-DE"/>
+                    <a:endParaRPr lang="fr-FR"/>
                   </a:p>
                 </c:rich>
               </c:tx>
@@ -4386,12 +4386,12 @@
                   <a:bodyPr/>
                   <a:lstStyle/>
                   <a:p>
-                    <a:fld id="{ECAC8E54-5AD3-4A2A-9071-7AF05C6D79C0}" type="CELLRANGE">
-                      <a:rPr lang="de-DE"/>
+                    <a:fld id="{B1520173-E08D-4FEE-AB77-1B92C8158C55}" type="CELLRANGE">
+                      <a:rPr lang="en-US"/>
                       <a:pPr/>
                       <a:t>[PLAGECELL]</a:t>
                     </a:fld>
-                    <a:endParaRPr lang="de-DE"/>
+                    <a:endParaRPr lang="fr-FR"/>
                   </a:p>
                 </c:rich>
               </c:tx>
@@ -4420,12 +4420,12 @@
                   <a:bodyPr/>
                   <a:lstStyle/>
                   <a:p>
-                    <a:fld id="{3503C953-453B-45EB-AC5A-A4F9462F5D03}" type="CELLRANGE">
-                      <a:rPr lang="de-DE"/>
+                    <a:fld id="{030ED6C5-2FA8-42EF-AE5E-169C0C53D118}" type="CELLRANGE">
+                      <a:rPr lang="en-US"/>
                       <a:pPr/>
                       <a:t>[PLAGECELL]</a:t>
                     </a:fld>
-                    <a:endParaRPr lang="de-DE"/>
+                    <a:endParaRPr lang="fr-FR"/>
                   </a:p>
                 </c:rich>
               </c:tx>
@@ -4454,12 +4454,12 @@
                   <a:bodyPr/>
                   <a:lstStyle/>
                   <a:p>
-                    <a:fld id="{8AC008D1-2196-4BA8-B61F-D40EF806A17F}" type="CELLRANGE">
-                      <a:rPr lang="de-DE"/>
+                    <a:fld id="{AC423DAD-6025-48EE-B992-3013339F8DA2}" type="CELLRANGE">
+                      <a:rPr lang="en-US"/>
                       <a:pPr/>
                       <a:t>[PLAGECELL]</a:t>
                     </a:fld>
-                    <a:endParaRPr lang="de-DE"/>
+                    <a:endParaRPr lang="fr-FR"/>
                   </a:p>
                 </c:rich>
               </c:tx>
@@ -4488,12 +4488,12 @@
                   <a:bodyPr/>
                   <a:lstStyle/>
                   <a:p>
-                    <a:fld id="{F16FA539-9673-479E-A291-11CF5B413BB5}" type="CELLRANGE">
-                      <a:rPr lang="de-DE"/>
+                    <a:fld id="{D3FE637D-8DDE-4FB5-833C-0D45E34F5601}" type="CELLRANGE">
+                      <a:rPr lang="en-US"/>
                       <a:pPr/>
                       <a:t>[PLAGECELL]</a:t>
                     </a:fld>
-                    <a:endParaRPr lang="de-DE"/>
+                    <a:endParaRPr lang="fr-FR"/>
                   </a:p>
                 </c:rich>
               </c:tx>
@@ -4897,7 +4897,7 @@
                       <a:pPr/>
                       <a:t>[PLAGECELL]</a:t>
                     </a:fld>
-                    <a:endParaRPr lang="de-DE"/>
+                    <a:endParaRPr lang="fr-FR"/>
                   </a:p>
                 </c:rich>
               </c:tx>
@@ -4925,12 +4925,12 @@
                   <a:bodyPr/>
                   <a:lstStyle/>
                   <a:p>
-                    <a:fld id="{00F589C5-D0ED-4FD0-9979-66E39187EF4E}" type="CELLRANGE">
-                      <a:rPr lang="de-DE"/>
+                    <a:fld id="{3A6E3F48-B209-4CA4-B1FA-961527D86A4A}" type="CELLRANGE">
+                      <a:rPr lang="en-US"/>
                       <a:pPr/>
                       <a:t>[PLAGECELL]</a:t>
                     </a:fld>
-                    <a:endParaRPr lang="de-DE"/>
+                    <a:endParaRPr lang="fr-FR"/>
                   </a:p>
                 </c:rich>
               </c:tx>
@@ -4959,12 +4959,12 @@
                   <a:bodyPr/>
                   <a:lstStyle/>
                   <a:p>
-                    <a:fld id="{B4A4AAF1-B827-4219-93BD-13919615E12E}" type="CELLRANGE">
-                      <a:rPr lang="de-DE"/>
+                    <a:fld id="{A0A2F8B3-0ABD-4D72-ADE7-0690A5B4C525}" type="CELLRANGE">
+                      <a:rPr lang="en-US"/>
                       <a:pPr/>
                       <a:t>[PLAGECELL]</a:t>
                     </a:fld>
-                    <a:endParaRPr lang="de-DE"/>
+                    <a:endParaRPr lang="fr-FR"/>
                   </a:p>
                 </c:rich>
               </c:tx>
@@ -4993,12 +4993,12 @@
                   <a:bodyPr/>
                   <a:lstStyle/>
                   <a:p>
-                    <a:fld id="{C8283071-5EA0-43FE-85E8-FDA5098DF4E7}" type="CELLRANGE">
-                      <a:rPr lang="de-DE"/>
+                    <a:fld id="{3BCA86C2-ACE4-4AE5-AB48-09357CCF0A57}" type="CELLRANGE">
+                      <a:rPr lang="en-US"/>
                       <a:pPr/>
                       <a:t>[PLAGECELL]</a:t>
                     </a:fld>
-                    <a:endParaRPr lang="de-DE"/>
+                    <a:endParaRPr lang="fr-FR"/>
                   </a:p>
                 </c:rich>
               </c:tx>
@@ -5027,12 +5027,12 @@
                   <a:bodyPr/>
                   <a:lstStyle/>
                   <a:p>
-                    <a:fld id="{FE0E0F71-87AF-4C14-BCA3-CC722A0CABA5}" type="CELLRANGE">
-                      <a:rPr lang="de-DE"/>
+                    <a:fld id="{61EE4D52-A84B-414F-BB2E-5ACC19DB5CA2}" type="CELLRANGE">
+                      <a:rPr lang="en-US"/>
                       <a:pPr/>
                       <a:t>[PLAGECELL]</a:t>
                     </a:fld>
-                    <a:endParaRPr lang="de-DE"/>
+                    <a:endParaRPr lang="fr-FR"/>
                   </a:p>
                 </c:rich>
               </c:tx>
@@ -5449,7 +5449,7 @@
                       <a:pPr/>
                       <a:t>[PLAGECELL]</a:t>
                     </a:fld>
-                    <a:endParaRPr lang="de-DE"/>
+                    <a:endParaRPr lang="fr-FR"/>
                   </a:p>
                 </c:rich>
               </c:tx>
@@ -5477,12 +5477,12 @@
                   <a:bodyPr/>
                   <a:lstStyle/>
                   <a:p>
-                    <a:fld id="{CD3C199C-B24B-4A91-9748-D53C0C5AA6DB}" type="CELLRANGE">
-                      <a:rPr lang="de-DE"/>
+                    <a:fld id="{1241601D-B189-44FE-BC02-58CAD01FEBF7}" type="CELLRANGE">
+                      <a:rPr lang="en-US"/>
                       <a:pPr/>
                       <a:t>[PLAGECELL]</a:t>
                     </a:fld>
-                    <a:endParaRPr lang="de-DE"/>
+                    <a:endParaRPr lang="fr-FR"/>
                   </a:p>
                 </c:rich>
               </c:tx>
@@ -5511,12 +5511,12 @@
                   <a:bodyPr/>
                   <a:lstStyle/>
                   <a:p>
-                    <a:fld id="{35541EE8-A63E-4685-8A5A-80DDD9477953}" type="CELLRANGE">
-                      <a:rPr lang="de-DE"/>
+                    <a:fld id="{F847E2D5-59BF-4389-8E8F-B6E2D8A82D81}" type="CELLRANGE">
+                      <a:rPr lang="en-US"/>
                       <a:pPr/>
                       <a:t>[PLAGECELL]</a:t>
                     </a:fld>
-                    <a:endParaRPr lang="de-DE"/>
+                    <a:endParaRPr lang="fr-FR"/>
                   </a:p>
                 </c:rich>
               </c:tx>
@@ -5545,12 +5545,12 @@
                   <a:bodyPr/>
                   <a:lstStyle/>
                   <a:p>
-                    <a:fld id="{8808B0A2-630F-46C6-AA20-0E2E2364A7FF}" type="CELLRANGE">
-                      <a:rPr lang="de-DE"/>
+                    <a:fld id="{559CECDA-7097-4BDD-AD94-5E8080E44C33}" type="CELLRANGE">
+                      <a:rPr lang="en-US"/>
                       <a:pPr/>
                       <a:t>[PLAGECELL]</a:t>
                     </a:fld>
-                    <a:endParaRPr lang="de-DE"/>
+                    <a:endParaRPr lang="fr-FR"/>
                   </a:p>
                 </c:rich>
               </c:tx>
@@ -5579,12 +5579,12 @@
                   <a:bodyPr/>
                   <a:lstStyle/>
                   <a:p>
-                    <a:fld id="{C19D3BAE-0F1C-4514-A986-F439E28B54E5}" type="CELLRANGE">
-                      <a:rPr lang="de-DE"/>
+                    <a:fld id="{948AF343-AD7A-481B-84AE-81E6F4BE9A26}" type="CELLRANGE">
+                      <a:rPr lang="en-US"/>
                       <a:pPr/>
                       <a:t>[PLAGECELL]</a:t>
                     </a:fld>
-                    <a:endParaRPr lang="de-DE"/>
+                    <a:endParaRPr lang="fr-FR"/>
                   </a:p>
                 </c:rich>
               </c:tx>
@@ -5613,12 +5613,12 @@
                   <a:bodyPr/>
                   <a:lstStyle/>
                   <a:p>
-                    <a:fld id="{6BBE3055-3DD5-4183-B546-FB32AE02F593}" type="CELLRANGE">
-                      <a:rPr lang="de-DE"/>
+                    <a:fld id="{C21F4B9F-162A-430E-9900-917634473DE0}" type="CELLRANGE">
+                      <a:rPr lang="en-US"/>
                       <a:pPr/>
                       <a:t>[PLAGECELL]</a:t>
                     </a:fld>
-                    <a:endParaRPr lang="de-DE"/>
+                    <a:endParaRPr lang="fr-FR"/>
                   </a:p>
                 </c:rich>
               </c:tx>
@@ -29964,7 +29964,7 @@
               <a:buNone/>
             </a:pPr>
             <a:r>
-              <a:rPr lang="fr-FR" sz="2400" b="1" u="sng">
+              <a:rPr lang="fr-FR" sz="2400" b="1" u="sng" dirty="0">
                 <a:solidFill>
                   <a:srgbClr val="C2381E"/>
                 </a:solidFill>
@@ -29973,9 +29973,9 @@
                 <a:cs typeface="Calibri"/>
                 <a:sym typeface="Calibri"/>
               </a:rPr>
-              <a:t>TOP Maquette : Maquette MIS 3D</a:t>
+              <a:t>TOP Maquette : Maquette MIS-2D</a:t>
             </a:r>
-            <a:endParaRPr/>
+            <a:endParaRPr dirty="0"/>
           </a:p>
         </p:txBody>
       </p:sp>
@@ -30129,7 +30129,7 @@
               <a:buNone/>
             </a:pPr>
             <a:r>
-              <a:rPr lang="fr-FR" sz="2400" b="1" u="sng">
+              <a:rPr lang="fr-FR" sz="2400" b="1" u="sng" dirty="0">
                 <a:solidFill>
                   <a:srgbClr val="C2381E"/>
                 </a:solidFill>
@@ -30138,9 +30138,9 @@
                 <a:cs typeface="Calibri"/>
                 <a:sym typeface="Calibri"/>
               </a:rPr>
-              <a:t>TOP Maquette : Nomenclature Prévisionnelle des Livrables</a:t>
+              <a:t>TOP Maquette : Jalonnement Prévisionnel des Livrables</a:t>
             </a:r>
-            <a:endParaRPr/>
+            <a:endParaRPr dirty="0"/>
           </a:p>
         </p:txBody>
       </p:sp>
@@ -30827,7 +30827,13 @@
         <p:nvGraphicFramePr>
           <p:cNvPr id="113" name="Google Shape;113;p16"/>
           <p:cNvGraphicFramePr/>
-          <p:nvPr/>
+          <p:nvPr>
+            <p:extLst>
+              <p:ext uri="{D42A27DB-BD31-4B8C-83A1-F6EECF244321}">
+                <p14:modId xmlns:p14="http://schemas.microsoft.com/office/powerpoint/2010/main" val="1126876064"/>
+              </p:ext>
+            </p:extLst>
+          </p:nvPr>
         </p:nvGraphicFramePr>
         <p:xfrm>
           <a:off x="1027040" y="1378625"/>
@@ -30912,10 +30918,35 @@
                         <a:buNone/>
                       </a:pPr>
                       <a:r>
-                        <a:rPr lang="fr-FR" sz="1800"/>
+                        <a:rPr lang="fr-FR" sz="1800" dirty="0"/>
                         <a:t>Directeur Projet</a:t>
                       </a:r>
-                      <a:endParaRPr/>
+                      <a:endParaRPr dirty="0"/>
+                    </a:p>
+                    <a:p>
+                      <a:pPr marL="0" marR="0" lvl="0" indent="0" algn="l" defTabSz="914400" rtl="0" eaLnBrk="1" fontAlgn="auto" latinLnBrk="0" hangingPunct="1">
+                        <a:lnSpc>
+                          <a:spcPct val="100000"/>
+                        </a:lnSpc>
+                        <a:spcBef>
+                          <a:spcPts val="0"/>
+                        </a:spcBef>
+                        <a:spcAft>
+                          <a:spcPts val="0"/>
+                        </a:spcAft>
+                        <a:buClr>
+                          <a:srgbClr val="000000"/>
+                        </a:buClr>
+                        <a:buSzTx/>
+                        <a:buFont typeface="Arial"/>
+                        <a:buNone/>
+                        <a:tabLst/>
+                        <a:defRPr/>
+                      </a:pPr>
+                      <a:r>
+                        <a:rPr lang="fr-FR" sz="1800" dirty="0"/>
+                        <a:t>Directeur Technique</a:t>
+                      </a:r>
                     </a:p>
                     <a:p>
                       <a:pPr marL="0" marR="0" lvl="0" indent="0" algn="l" rtl="0">
@@ -30928,10 +30959,10 @@
                         <a:buNone/>
                       </a:pPr>
                       <a:r>
-                        <a:rPr lang="fr-FR" sz="1800"/>
+                        <a:rPr lang="fr-FR" sz="1800" dirty="0"/>
                         <a:t>Directeur Financier</a:t>
                       </a:r>
-                      <a:endParaRPr/>
+                      <a:endParaRPr dirty="0"/>
                     </a:p>
                     <a:p>
                       <a:pPr marL="0" marR="0" lvl="0" indent="0" algn="l" rtl="0">
@@ -30944,26 +30975,10 @@
                         <a:buNone/>
                       </a:pPr>
                       <a:r>
-                        <a:rPr lang="fr-FR" sz="1800"/>
-                        <a:t>Directeur Technique</a:t>
-                      </a:r>
-                      <a:endParaRPr/>
-                    </a:p>
-                    <a:p>
-                      <a:pPr marL="0" marR="0" lvl="0" indent="0" algn="l" rtl="0">
-                        <a:spcBef>
-                          <a:spcPts val="0"/>
-                        </a:spcBef>
-                        <a:spcAft>
-                          <a:spcPts val="0"/>
-                        </a:spcAft>
-                        <a:buNone/>
-                      </a:pPr>
-                      <a:r>
-                        <a:rPr lang="fr-FR" sz="1800"/>
+                        <a:rPr lang="fr-FR" sz="1800" dirty="0"/>
                         <a:t>Directeur Performance</a:t>
                       </a:r>
-                      <a:endParaRPr/>
+                      <a:endParaRPr dirty="0"/>
                     </a:p>
                   </a:txBody>
                   <a:tcPr marL="91450" marR="91450" marT="45725" marB="45725"/>
@@ -30983,10 +30998,35 @@
                         <a:buNone/>
                       </a:pPr>
                       <a:r>
-                        <a:rPr lang="fr-FR" sz="1800"/>
+                        <a:rPr lang="fr-FR" sz="1800" dirty="0"/>
                         <a:t>Arthur RODRIGUEZ</a:t>
                       </a:r>
-                      <a:endParaRPr/>
+                      <a:endParaRPr dirty="0"/>
+                    </a:p>
+                    <a:p>
+                      <a:pPr marL="0" marR="0" lvl="0" indent="0" algn="l" defTabSz="914400" rtl="0" eaLnBrk="1" fontAlgn="auto" latinLnBrk="0" hangingPunct="1">
+                        <a:lnSpc>
+                          <a:spcPct val="100000"/>
+                        </a:lnSpc>
+                        <a:spcBef>
+                          <a:spcPts val="0"/>
+                        </a:spcBef>
+                        <a:spcAft>
+                          <a:spcPts val="0"/>
+                        </a:spcAft>
+                        <a:buClr>
+                          <a:srgbClr val="000000"/>
+                        </a:buClr>
+                        <a:buSzTx/>
+                        <a:buFont typeface="Arial"/>
+                        <a:buNone/>
+                        <a:tabLst/>
+                        <a:defRPr/>
+                      </a:pPr>
+                      <a:r>
+                        <a:rPr lang="fr-FR" sz="1800" dirty="0"/>
+                        <a:t>Thibaud LASSUS</a:t>
+                      </a:r>
                     </a:p>
                     <a:p>
                       <a:pPr marL="0" marR="0" lvl="0" indent="0" algn="l" rtl="0">
@@ -30999,10 +31039,10 @@
                         <a:buNone/>
                       </a:pPr>
                       <a:r>
-                        <a:rPr lang="fr-FR" sz="1800"/>
+                        <a:rPr lang="fr-FR" sz="1800" dirty="0"/>
                         <a:t>Romain MARTIN</a:t>
                       </a:r>
-                      <a:endParaRPr/>
+                      <a:endParaRPr dirty="0"/>
                     </a:p>
                     <a:p>
                       <a:pPr marL="0" marR="0" lvl="0" indent="0" algn="l" rtl="0">
@@ -31015,26 +31055,10 @@
                         <a:buNone/>
                       </a:pPr>
                       <a:r>
-                        <a:rPr lang="fr-FR" sz="1800"/>
-                        <a:t>Thibaud LASSUS</a:t>
-                      </a:r>
-                      <a:endParaRPr/>
-                    </a:p>
-                    <a:p>
-                      <a:pPr marL="0" marR="0" lvl="0" indent="0" algn="l" rtl="0">
-                        <a:spcBef>
-                          <a:spcPts val="0"/>
-                        </a:spcBef>
-                        <a:spcAft>
-                          <a:spcPts val="0"/>
-                        </a:spcAft>
-                        <a:buNone/>
-                      </a:pPr>
-                      <a:r>
-                        <a:rPr lang="fr-FR" sz="1800"/>
+                        <a:rPr lang="fr-FR" sz="1800" dirty="0"/>
                         <a:t>Martin KAWCZYNSKI</a:t>
                       </a:r>
-                      <a:endParaRPr/>
+                      <a:endParaRPr dirty="0"/>
                     </a:p>
                   </a:txBody>
                   <a:tcPr marL="91450" marR="91450" marT="45725" marB="45725"/>
@@ -31287,11 +31311,17 @@
         <p:nvGraphicFramePr>
           <p:cNvPr id="115" name="Google Shape;115;p16"/>
           <p:cNvGraphicFramePr/>
-          <p:nvPr/>
+          <p:nvPr>
+            <p:extLst>
+              <p:ext uri="{D42A27DB-BD31-4B8C-83A1-F6EECF244321}">
+                <p14:modId xmlns:p14="http://schemas.microsoft.com/office/powerpoint/2010/main" val="1664363227"/>
+              </p:ext>
+            </p:extLst>
+          </p:nvPr>
         </p:nvGraphicFramePr>
         <p:xfrm>
           <a:off x="6679098" y="1378625"/>
-          <a:ext cx="4485875" cy="1285260"/>
+          <a:ext cx="4485875" cy="1559580"/>
         </p:xfrm>
         <a:graphic>
           <a:graphicData uri="http://schemas.openxmlformats.org/drawingml/2006/table">
@@ -31372,10 +31402,9 @@
                         <a:buNone/>
                       </a:pPr>
                       <a:r>
-                        <a:rPr lang="fr-FR" sz="1800"/>
+                        <a:rPr lang="fr-FR" sz="1800" dirty="0"/>
                         <a:t>Président</a:t>
                       </a:r>
-                      <a:endParaRPr/>
                     </a:p>
                     <a:p>
                       <a:pPr marL="0" marR="0" lvl="0" indent="0" algn="l" rtl="0">
@@ -31388,10 +31417,10 @@
                         <a:buNone/>
                       </a:pPr>
                       <a:r>
-                        <a:rPr lang="fr-FR" sz="1800"/>
-                        <a:t>Trésorier</a:t>
+                        <a:rPr lang="fr-FR" sz="1800" dirty="0"/>
+                        <a:t>Vice Président</a:t>
                       </a:r>
-                      <a:endParaRPr/>
+                      <a:endParaRPr dirty="0"/>
                     </a:p>
                     <a:p>
                       <a:pPr marL="0" marR="0" lvl="0" indent="0" algn="l" rtl="0">
@@ -31404,10 +31433,26 @@
                         <a:buNone/>
                       </a:pPr>
                       <a:r>
-                        <a:rPr lang="fr-FR" sz="1800"/>
+                        <a:rPr lang="fr-FR" sz="1800" dirty="0"/>
+                        <a:t>Trésorier</a:t>
+                      </a:r>
+                      <a:endParaRPr dirty="0"/>
+                    </a:p>
+                    <a:p>
+                      <a:pPr marL="0" marR="0" lvl="0" indent="0" algn="l" rtl="0">
+                        <a:spcBef>
+                          <a:spcPts val="0"/>
+                        </a:spcBef>
+                        <a:spcAft>
+                          <a:spcPts val="0"/>
+                        </a:spcAft>
+                        <a:buNone/>
+                      </a:pPr>
+                      <a:r>
+                        <a:rPr lang="fr-FR" sz="1800" dirty="0"/>
                         <a:t>Secrétaire Général</a:t>
                       </a:r>
-                      <a:endParaRPr/>
+                      <a:endParaRPr dirty="0"/>
                     </a:p>
                   </a:txBody>
                   <a:tcPr marL="91450" marR="91450" marT="45725" marB="45725"/>
@@ -31427,10 +31472,25 @@
                         <a:buNone/>
                       </a:pPr>
                       <a:r>
-                        <a:rPr lang="fr-FR" sz="1800"/>
+                        <a:rPr lang="fr-FR" sz="1800" dirty="0"/>
                         <a:t>Mathieu JACQUET</a:t>
                       </a:r>
-                      <a:endParaRPr/>
+                    </a:p>
+                    <a:p>
+                      <a:pPr marL="0" marR="0" lvl="0" indent="0" algn="l" rtl="0">
+                        <a:spcBef>
+                          <a:spcPts val="0"/>
+                        </a:spcBef>
+                        <a:spcAft>
+                          <a:spcPts val="0"/>
+                        </a:spcAft>
+                        <a:buNone/>
+                      </a:pPr>
+                      <a:r>
+                        <a:rPr lang="fr-FR" sz="1800" dirty="0"/>
+                        <a:t>Aurélien BIENNER</a:t>
+                      </a:r>
+                      <a:endParaRPr dirty="0"/>
                     </a:p>
                     <a:p>
                       <a:pPr marL="0" lvl="0" indent="0" algn="l" rtl="0">
@@ -31447,10 +31507,10 @@
                         <a:buNone/>
                       </a:pPr>
                       <a:r>
-                        <a:rPr lang="fr-FR" sz="1800"/>
+                        <a:rPr lang="fr-FR" sz="1800" dirty="0"/>
                         <a:t>Romain MARTIN</a:t>
                       </a:r>
-                      <a:endParaRPr/>
+                      <a:endParaRPr dirty="0"/>
                     </a:p>
                     <a:p>
                       <a:pPr marL="0" lvl="0" indent="0" algn="l" rtl="0">
@@ -31467,10 +31527,10 @@
                         <a:buNone/>
                       </a:pPr>
                       <a:r>
-                        <a:rPr lang="fr-FR" sz="1800"/>
+                        <a:rPr lang="fr-FR" sz="1800" dirty="0"/>
                         <a:t>Aimery SAULIERE</a:t>
                       </a:r>
-                      <a:endParaRPr sz="1800"/>
+                      <a:endParaRPr sz="1800" dirty="0"/>
                     </a:p>
                   </a:txBody>
                   <a:tcPr marL="91450" marR="91450" marT="45725" marB="45725"/>
@@ -31654,11 +31714,17 @@
         <p:nvGraphicFramePr>
           <p:cNvPr id="123" name="Google Shape;123;p17"/>
           <p:cNvGraphicFramePr/>
-          <p:nvPr/>
+          <p:nvPr>
+            <p:extLst>
+              <p:ext uri="{D42A27DB-BD31-4B8C-83A1-F6EECF244321}">
+                <p14:modId xmlns:p14="http://schemas.microsoft.com/office/powerpoint/2010/main" val="4237797397"/>
+              </p:ext>
+            </p:extLst>
+          </p:nvPr>
         </p:nvGraphicFramePr>
         <p:xfrm>
           <a:off x="-904" y="1561179"/>
-          <a:ext cx="4671750" cy="1559580"/>
+          <a:ext cx="4479338" cy="1559580"/>
         </p:xfrm>
         <a:graphic>
           <a:graphicData uri="http://schemas.openxmlformats.org/drawingml/2006/table">
@@ -31675,7 +31741,7 @@
                     </a:ext>
                   </a:extLst>
                 </a:gridCol>
-                <a:gridCol w="2335875">
+                <a:gridCol w="2143463">
                   <a:extLst>
                     <a:ext uri="{9D8B030D-6E8A-4147-A177-3AD203B41FA5}">
                       <a16:colId xmlns:a16="http://schemas.microsoft.com/office/drawing/2014/main" val="20001"/>
@@ -31739,10 +31805,35 @@
                         <a:buNone/>
                       </a:pPr>
                       <a:r>
-                        <a:rPr lang="fr-FR" sz="1800"/>
+                        <a:rPr lang="fr-FR" sz="1800" dirty="0"/>
                         <a:t>Directeur Projet</a:t>
                       </a:r>
-                      <a:endParaRPr/>
+                      <a:endParaRPr dirty="0"/>
+                    </a:p>
+                    <a:p>
+                      <a:pPr marL="0" marR="0" lvl="0" indent="0" algn="l" defTabSz="914400" rtl="0" eaLnBrk="1" fontAlgn="auto" latinLnBrk="0" hangingPunct="1">
+                        <a:lnSpc>
+                          <a:spcPct val="100000"/>
+                        </a:lnSpc>
+                        <a:spcBef>
+                          <a:spcPts val="0"/>
+                        </a:spcBef>
+                        <a:spcAft>
+                          <a:spcPts val="0"/>
+                        </a:spcAft>
+                        <a:buClr>
+                          <a:srgbClr val="000000"/>
+                        </a:buClr>
+                        <a:buSzTx/>
+                        <a:buFont typeface="Arial"/>
+                        <a:buNone/>
+                        <a:tabLst/>
+                        <a:defRPr/>
+                      </a:pPr>
+                      <a:r>
+                        <a:rPr lang="fr-FR" sz="1800" dirty="0"/>
+                        <a:t>Directeur Technique</a:t>
+                      </a:r>
                     </a:p>
                     <a:p>
                       <a:pPr marL="0" marR="0" lvl="0" indent="0" algn="l" rtl="0">
@@ -31755,10 +31846,10 @@
                         <a:buNone/>
                       </a:pPr>
                       <a:r>
-                        <a:rPr lang="fr-FR" sz="1800"/>
+                        <a:rPr lang="fr-FR" sz="1800" dirty="0"/>
                         <a:t>Directeur Financier</a:t>
                       </a:r>
-                      <a:endParaRPr/>
+                      <a:endParaRPr dirty="0"/>
                     </a:p>
                     <a:p>
                       <a:pPr marL="0" marR="0" lvl="0" indent="0" algn="l" rtl="0">
@@ -31771,26 +31862,10 @@
                         <a:buNone/>
                       </a:pPr>
                       <a:r>
-                        <a:rPr lang="fr-FR" sz="1800"/>
-                        <a:t>Directeur Technique</a:t>
-                      </a:r>
-                      <a:endParaRPr/>
-                    </a:p>
-                    <a:p>
-                      <a:pPr marL="0" marR="0" lvl="0" indent="0" algn="l" rtl="0">
-                        <a:spcBef>
-                          <a:spcPts val="0"/>
-                        </a:spcBef>
-                        <a:spcAft>
-                          <a:spcPts val="0"/>
-                        </a:spcAft>
-                        <a:buNone/>
-                      </a:pPr>
-                      <a:r>
-                        <a:rPr lang="fr-FR" sz="1800"/>
+                        <a:rPr lang="fr-FR" sz="1800" dirty="0"/>
                         <a:t>Directeur Performance</a:t>
                       </a:r>
-                      <a:endParaRPr/>
+                      <a:endParaRPr dirty="0"/>
                     </a:p>
                   </a:txBody>
                   <a:tcPr marL="91450" marR="91450" marT="45725" marB="45725"/>
@@ -31810,10 +31885,35 @@
                         <a:buNone/>
                       </a:pPr>
                       <a:r>
-                        <a:rPr lang="fr-FR" sz="1800"/>
+                        <a:rPr lang="fr-FR" sz="1800" dirty="0"/>
                         <a:t>Arthur RODRIGUEZ</a:t>
                       </a:r>
-                      <a:endParaRPr/>
+                      <a:endParaRPr dirty="0"/>
+                    </a:p>
+                    <a:p>
+                      <a:pPr marL="0" marR="0" lvl="0" indent="0" algn="l" defTabSz="914400" rtl="0" eaLnBrk="1" fontAlgn="auto" latinLnBrk="0" hangingPunct="1">
+                        <a:lnSpc>
+                          <a:spcPct val="100000"/>
+                        </a:lnSpc>
+                        <a:spcBef>
+                          <a:spcPts val="0"/>
+                        </a:spcBef>
+                        <a:spcAft>
+                          <a:spcPts val="0"/>
+                        </a:spcAft>
+                        <a:buClr>
+                          <a:srgbClr val="000000"/>
+                        </a:buClr>
+                        <a:buSzTx/>
+                        <a:buFont typeface="Arial"/>
+                        <a:buNone/>
+                        <a:tabLst/>
+                        <a:defRPr/>
+                      </a:pPr>
+                      <a:r>
+                        <a:rPr lang="fr-FR" sz="1800" dirty="0"/>
+                        <a:t>Thibaud LASSUS</a:t>
+                      </a:r>
                     </a:p>
                     <a:p>
                       <a:pPr marL="0" marR="0" lvl="0" indent="0" algn="l" rtl="0">
@@ -31826,10 +31926,10 @@
                         <a:buNone/>
                       </a:pPr>
                       <a:r>
-                        <a:rPr lang="fr-FR" sz="1800"/>
+                        <a:rPr lang="fr-FR" sz="1800" dirty="0"/>
                         <a:t>Romain MARTIN</a:t>
                       </a:r>
-                      <a:endParaRPr/>
+                      <a:endParaRPr dirty="0"/>
                     </a:p>
                     <a:p>
                       <a:pPr marL="0" marR="0" lvl="0" indent="0" algn="l" rtl="0">
@@ -31842,26 +31942,10 @@
                         <a:buNone/>
                       </a:pPr>
                       <a:r>
-                        <a:rPr lang="fr-FR" sz="1800"/>
-                        <a:t>Thibaud LASSUS</a:t>
-                      </a:r>
-                      <a:endParaRPr/>
-                    </a:p>
-                    <a:p>
-                      <a:pPr marL="0" marR="0" lvl="0" indent="0" algn="l" rtl="0">
-                        <a:spcBef>
-                          <a:spcPts val="0"/>
-                        </a:spcBef>
-                        <a:spcAft>
-                          <a:spcPts val="0"/>
-                        </a:spcAft>
-                        <a:buNone/>
-                      </a:pPr>
-                      <a:r>
-                        <a:rPr lang="fr-FR" sz="1800"/>
+                        <a:rPr lang="fr-FR" sz="1800" dirty="0"/>
                         <a:t>Martin KAWCZYNSKI</a:t>
                       </a:r>
-                      <a:endParaRPr/>
+                      <a:endParaRPr dirty="0"/>
                     </a:p>
                   </a:txBody>
                   <a:tcPr marL="91450" marR="91450" marT="45725" marB="45725"/>
@@ -31880,11 +31964,17 @@
         <p:nvGraphicFramePr>
           <p:cNvPr id="124" name="Google Shape;124;p17"/>
           <p:cNvGraphicFramePr/>
-          <p:nvPr/>
+          <p:nvPr>
+            <p:extLst>
+              <p:ext uri="{D42A27DB-BD31-4B8C-83A1-F6EECF244321}">
+                <p14:modId xmlns:p14="http://schemas.microsoft.com/office/powerpoint/2010/main" val="2466231891"/>
+              </p:ext>
+            </p:extLst>
+          </p:nvPr>
         </p:nvGraphicFramePr>
         <p:xfrm>
-          <a:off x="4944440" y="1556175"/>
-          <a:ext cx="3970150" cy="1559580"/>
+          <a:off x="4749130" y="1556175"/>
+          <a:ext cx="4165460" cy="1559580"/>
         </p:xfrm>
         <a:graphic>
           <a:graphicData uri="http://schemas.openxmlformats.org/drawingml/2006/table">
@@ -31894,14 +31984,14 @@
                 <a:tableStyleId>{B66C77B7-72B2-49AA-88F4-1DF366D76EA2}</a:tableStyleId>
               </a:tblPr>
               <a:tblGrid>
-                <a:gridCol w="1489500">
+                <a:gridCol w="1997899">
                   <a:extLst>
                     <a:ext uri="{9D8B030D-6E8A-4147-A177-3AD203B41FA5}">
                       <a16:colId xmlns:a16="http://schemas.microsoft.com/office/drawing/2014/main" val="20000"/>
                     </a:ext>
                   </a:extLst>
                 </a:gridCol>
-                <a:gridCol w="2480650">
+                <a:gridCol w="2167561">
                   <a:extLst>
                     <a:ext uri="{9D8B030D-6E8A-4147-A177-3AD203B41FA5}">
                       <a16:colId xmlns:a16="http://schemas.microsoft.com/office/drawing/2014/main" val="20001"/>
@@ -31965,10 +32055,9 @@
                         <a:buNone/>
                       </a:pPr>
                       <a:r>
-                        <a:rPr lang="fr-FR" sz="1800"/>
+                        <a:rPr lang="fr-FR" sz="1800" dirty="0"/>
                         <a:t>Président</a:t>
                       </a:r>
-                      <a:endParaRPr/>
                     </a:p>
                     <a:p>
                       <a:pPr marL="0" marR="0" lvl="0" indent="0" algn="l" rtl="0">
@@ -31981,10 +32070,10 @@
                         <a:buNone/>
                       </a:pPr>
                       <a:r>
-                        <a:rPr lang="fr-FR" sz="1800"/>
-                        <a:t>Trésorier</a:t>
+                        <a:rPr lang="fr-FR" sz="1800" dirty="0"/>
+                        <a:t>Vice Président</a:t>
                       </a:r>
-                      <a:endParaRPr/>
+                      <a:endParaRPr dirty="0"/>
                     </a:p>
                     <a:p>
                       <a:pPr marL="0" marR="0" lvl="0" indent="0" algn="l" rtl="0">
@@ -31997,10 +32086,26 @@
                         <a:buNone/>
                       </a:pPr>
                       <a:r>
-                        <a:rPr lang="fr-FR" sz="1800"/>
+                        <a:rPr lang="fr-FR" sz="1800" dirty="0"/>
+                        <a:t>Trésorier</a:t>
+                      </a:r>
+                      <a:endParaRPr dirty="0"/>
+                    </a:p>
+                    <a:p>
+                      <a:pPr marL="0" marR="0" lvl="0" indent="0" algn="l" rtl="0">
+                        <a:spcBef>
+                          <a:spcPts val="0"/>
+                        </a:spcBef>
+                        <a:spcAft>
+                          <a:spcPts val="0"/>
+                        </a:spcAft>
+                        <a:buNone/>
+                      </a:pPr>
+                      <a:r>
+                        <a:rPr lang="fr-FR" sz="1800" dirty="0"/>
                         <a:t>Secrétaire Général</a:t>
                       </a:r>
-                      <a:endParaRPr/>
+                      <a:endParaRPr dirty="0"/>
                     </a:p>
                   </a:txBody>
                   <a:tcPr marL="91450" marR="91450" marT="45725" marB="45725"/>
@@ -32020,10 +32125,25 @@
                         <a:buNone/>
                       </a:pPr>
                       <a:r>
-                        <a:rPr lang="fr-FR" sz="1800"/>
+                        <a:rPr lang="fr-FR" sz="1800" dirty="0"/>
                         <a:t>Mathieu JACQUET</a:t>
                       </a:r>
-                      <a:endParaRPr sz="1800"/>
+                    </a:p>
+                    <a:p>
+                      <a:pPr marL="0" marR="0" lvl="0" indent="0" algn="l" rtl="0">
+                        <a:spcBef>
+                          <a:spcPts val="0"/>
+                        </a:spcBef>
+                        <a:spcAft>
+                          <a:spcPts val="0"/>
+                        </a:spcAft>
+                        <a:buNone/>
+                      </a:pPr>
+                      <a:r>
+                        <a:rPr lang="fr-FR" sz="1800" dirty="0"/>
+                        <a:t>Aurélien BIENNER</a:t>
+                      </a:r>
+                      <a:endParaRPr sz="1800" dirty="0"/>
                     </a:p>
                     <a:p>
                       <a:pPr marL="0" lvl="0" indent="0" algn="l" rtl="0">
@@ -32040,10 +32160,10 @@
                         <a:buNone/>
                       </a:pPr>
                       <a:r>
-                        <a:rPr lang="fr-FR" sz="1800"/>
+                        <a:rPr lang="fr-FR" sz="1800" dirty="0"/>
                         <a:t>Romain MARTIN</a:t>
                       </a:r>
-                      <a:endParaRPr/>
+                      <a:endParaRPr dirty="0"/>
                     </a:p>
                     <a:p>
                       <a:pPr marL="0" lvl="0" indent="0" algn="l" rtl="0">
@@ -32060,10 +32180,10 @@
                         <a:buNone/>
                       </a:pPr>
                       <a:r>
-                        <a:rPr lang="fr-FR" sz="1800"/>
+                        <a:rPr lang="fr-FR" sz="1800" dirty="0"/>
                         <a:t>Aimery SAULIERE</a:t>
                       </a:r>
-                      <a:endParaRPr sz="1800"/>
+                      <a:endParaRPr sz="1800" dirty="0"/>
                     </a:p>
                   </a:txBody>
                   <a:tcPr marL="91450" marR="91450" marT="45725" marB="45725"/>
@@ -32966,7 +33086,7 @@
         </p:nvCxnSpPr>
         <p:spPr>
           <a:xfrm rot="10800000" flipH="1">
-            <a:off x="4670840" y="2335859"/>
+            <a:off x="4475530" y="2335859"/>
             <a:ext cx="273600" cy="5100"/>
           </a:xfrm>
           <a:prstGeom prst="straightConnector1">
@@ -33247,11 +33367,17 @@
         <p:nvGraphicFramePr>
           <p:cNvPr id="139" name="Google Shape;139;p17"/>
           <p:cNvGraphicFramePr/>
-          <p:nvPr/>
+          <p:nvPr>
+            <p:extLst>
+              <p:ext uri="{D42A27DB-BD31-4B8C-83A1-F6EECF244321}">
+                <p14:modId xmlns:p14="http://schemas.microsoft.com/office/powerpoint/2010/main" val="535118271"/>
+              </p:ext>
+            </p:extLst>
+          </p:nvPr>
         </p:nvGraphicFramePr>
         <p:xfrm>
-          <a:off x="890939" y="5294905"/>
-          <a:ext cx="6757250" cy="1554500"/>
+          <a:off x="3013758" y="5303500"/>
+          <a:ext cx="3627795" cy="1554500"/>
         </p:xfrm>
         <a:graphic>
           <a:graphicData uri="http://schemas.openxmlformats.org/drawingml/2006/table">
@@ -33268,23 +33394,16 @@
                     </a:ext>
                   </a:extLst>
                 </a:gridCol>
-                <a:gridCol w="3058325">
+                <a:gridCol w="2290695">
                   <a:extLst>
                     <a:ext uri="{9D8B030D-6E8A-4147-A177-3AD203B41FA5}">
                       <a16:colId xmlns:a16="http://schemas.microsoft.com/office/drawing/2014/main" val="20001"/>
                     </a:ext>
                   </a:extLst>
                 </a:gridCol>
-                <a:gridCol w="2361825">
-                  <a:extLst>
-                    <a:ext uri="{9D8B030D-6E8A-4147-A177-3AD203B41FA5}">
-                      <a16:colId xmlns:a16="http://schemas.microsoft.com/office/drawing/2014/main" val="20002"/>
-                    </a:ext>
-                  </a:extLst>
-                </a:gridCol>
               </a:tblGrid>
               <a:tr h="261650">
-                <a:tc gridSpan="3">
+                <a:tc gridSpan="2">
                   <a:txBody>
                     <a:bodyPr/>
                     <a:lstStyle/>
@@ -33306,16 +33425,6 @@
                     </a:p>
                   </a:txBody>
                   <a:tcPr marL="91450" marR="91450" marT="45725" marB="45725"/>
-                </a:tc>
-                <a:tc hMerge="1">
-                  <a:txBody>
-                    <a:bodyPr/>
-                    <a:lstStyle/>
-                    <a:p>
-                      <a:endParaRPr lang="fr-FR"/>
-                    </a:p>
-                  </a:txBody>
-                  <a:tcPr/>
                 </a:tc>
                 <a:tc hMerge="1">
                   <a:txBody>
@@ -33420,10 +33529,10 @@
                         <a:buNone/>
                       </a:pPr>
                       <a:r>
-                        <a:rPr lang="fr-FR" sz="1800" b="1"/>
+                        <a:rPr lang="fr-FR" sz="1800" b="1" dirty="0"/>
                         <a:t>Aimery SAULIÈRE</a:t>
                       </a:r>
-                      <a:endParaRPr/>
+                      <a:endParaRPr dirty="0"/>
                     </a:p>
                     <a:p>
                       <a:pPr marL="0" marR="0" lvl="0" indent="0" algn="l" rtl="0">
@@ -33436,10 +33545,9 @@
                         <a:buNone/>
                       </a:pPr>
                       <a:r>
-                        <a:rPr lang="fr-FR" sz="1800"/>
+                        <a:rPr lang="fr-FR" sz="1800" dirty="0"/>
                         <a:t>Mathieu JACQUET</a:t>
                       </a:r>
-                      <a:endParaRPr sz="1800"/>
                     </a:p>
                     <a:p>
                       <a:pPr marL="0" marR="0" lvl="0" indent="0" algn="l" rtl="0">
@@ -33452,77 +33560,10 @@
                         <a:buNone/>
                       </a:pPr>
                       <a:r>
-                        <a:rPr lang="fr-FR" sz="1800"/>
-                        <a:t>Thibaud LASSUS</a:t>
+                        <a:rPr lang="fr-FR" sz="1800" dirty="0"/>
+                        <a:t>Côme ARCHINARD</a:t>
                       </a:r>
-                      <a:endParaRPr sz="1800"/>
-                    </a:p>
-                    <a:p>
-                      <a:pPr marL="0" marR="0" lvl="0" indent="0" algn="l" rtl="0">
-                        <a:spcBef>
-                          <a:spcPts val="0"/>
-                        </a:spcBef>
-                        <a:spcAft>
-                          <a:spcPts val="0"/>
-                        </a:spcAft>
-                        <a:buNone/>
-                      </a:pPr>
-                      <a:r>
-                        <a:rPr lang="fr-FR" sz="1800"/>
-                        <a:t>Erwan BENKARA-MAHAMMED</a:t>
-                      </a:r>
-                      <a:endParaRPr sz="1800"/>
-                    </a:p>
-                  </a:txBody>
-                  <a:tcPr marL="91450" marR="91450" marT="45725" marB="45725"/>
-                </a:tc>
-                <a:tc>
-                  <a:txBody>
-                    <a:bodyPr/>
-                    <a:lstStyle/>
-                    <a:p>
-                      <a:pPr marL="0" marR="0" lvl="0" indent="0" algn="l" rtl="0">
-                        <a:spcBef>
-                          <a:spcPts val="0"/>
-                        </a:spcBef>
-                        <a:spcAft>
-                          <a:spcPts val="0"/>
-                        </a:spcAft>
-                        <a:buNone/>
-                      </a:pPr>
-                      <a:endParaRPr sz="1800"/>
-                    </a:p>
-                    <a:p>
-                      <a:pPr marL="0" marR="0" lvl="0" indent="0" algn="l" rtl="0">
-                        <a:spcBef>
-                          <a:spcPts val="0"/>
-                        </a:spcBef>
-                        <a:spcAft>
-                          <a:spcPts val="0"/>
-                        </a:spcAft>
-                        <a:buNone/>
-                      </a:pPr>
-                      <a:r>
-                        <a:rPr lang="fr-FR" sz="1800"/>
-                        <a:t>Idriss GOUIGAH</a:t>
-                      </a:r>
-                      <a:endParaRPr sz="1800"/>
-                    </a:p>
-                    <a:p>
-                      <a:pPr marL="0" marR="0" lvl="0" indent="0" algn="l" rtl="0">
-                        <a:spcBef>
-                          <a:spcPts val="0"/>
-                        </a:spcBef>
-                        <a:spcAft>
-                          <a:spcPts val="0"/>
-                        </a:spcAft>
-                        <a:buNone/>
-                      </a:pPr>
-                      <a:r>
-                        <a:rPr lang="fr-FR" sz="1800"/>
-                        <a:t>Ghassen LASSOUED</a:t>
-                      </a:r>
-                      <a:endParaRPr sz="1800"/>
+                      <a:endParaRPr sz="1800" dirty="0"/>
                     </a:p>
                   </a:txBody>
                   <a:tcPr marL="91450" marR="91450" marT="45725" marB="45725"/>

--- a/AB_TOPs/02_Top_Maquette/Top_Maquette_V2.0.pptx
+++ b/AB_TOPs/02_Top_Maquette/Top_Maquette_V2.0.pptx
@@ -5,7 +5,7 @@
     <p:sldMasterId id="2147483659" r:id="rId1"/>
   </p:sldMasterIdLst>
   <p:notesMasterIdLst>
-    <p:notesMasterId r:id="rId18"/>
+    <p:notesMasterId r:id="rId17"/>
   </p:notesMasterIdLst>
   <p:sldIdLst>
     <p:sldId id="256" r:id="rId2"/>
@@ -17,13 +17,12 @@
     <p:sldId id="269" r:id="rId8"/>
     <p:sldId id="270" r:id="rId9"/>
     <p:sldId id="262" r:id="rId10"/>
-    <p:sldId id="263" r:id="rId11"/>
-    <p:sldId id="264" r:id="rId12"/>
-    <p:sldId id="265" r:id="rId13"/>
-    <p:sldId id="271" r:id="rId14"/>
-    <p:sldId id="266" r:id="rId15"/>
+    <p:sldId id="272" r:id="rId11"/>
+    <p:sldId id="263" r:id="rId12"/>
+    <p:sldId id="264" r:id="rId13"/>
+    <p:sldId id="265" r:id="rId14"/>
+    <p:sldId id="271" r:id="rId15"/>
     <p:sldId id="267" r:id="rId16"/>
-    <p:sldId id="268" r:id="rId17"/>
   </p:sldIdLst>
   <p:sldSz cx="12192000" cy="6858000"/>
   <p:notesSz cx="6858000" cy="9144000"/>
@@ -4319,12 +4318,12 @@
                   <a:bodyPr/>
                   <a:lstStyle/>
                   <a:p>
-                    <a:fld id="{984DF392-E268-408E-901A-DECBA2A3A855}" type="CELLRANGE">
+                    <a:fld id="{47E28F0C-6A57-42E7-AB19-FFA6EAF5E07C}" type="CELLRANGE">
                       <a:rPr lang="en-US"/>
                       <a:pPr/>
                       <a:t>[PLAGECELL]</a:t>
                     </a:fld>
-                    <a:endParaRPr lang="fr-FR"/>
+                    <a:endParaRPr lang="de-DE"/>
                   </a:p>
                 </c:rich>
               </c:tx>
@@ -4352,12 +4351,12 @@
                   <a:bodyPr/>
                   <a:lstStyle/>
                   <a:p>
-                    <a:fld id="{B4F08761-BA7A-4E9B-B916-17B3B74B8886}" type="CELLRANGE">
+                    <a:fld id="{34ED2D9F-F195-4A88-812C-9CAAFD2EAD01}" type="CELLRANGE">
                       <a:rPr lang="en-US"/>
                       <a:pPr/>
                       <a:t>[PLAGECELL]</a:t>
                     </a:fld>
-                    <a:endParaRPr lang="fr-FR"/>
+                    <a:endParaRPr lang="de-DE"/>
                   </a:p>
                 </c:rich>
               </c:tx>
@@ -4371,7 +4370,6 @@
               <c:extLst>
                 <c:ext xmlns:c15="http://schemas.microsoft.com/office/drawing/2012/chart" uri="{CE6537A1-D6FC-4f65-9D91-7224C49458BB}">
                   <c15:dlblFieldTable/>
-                  <c15:xForSave val="1"/>
                   <c15:showDataLabelsRange val="1"/>
                 </c:ext>
                 <c:ext xmlns:c16="http://schemas.microsoft.com/office/drawing/2014/chart" uri="{C3380CC4-5D6E-409C-BE32-E72D297353CC}">
@@ -4386,12 +4384,12 @@
                   <a:bodyPr/>
                   <a:lstStyle/>
                   <a:p>
-                    <a:fld id="{B1520173-E08D-4FEE-AB77-1B92C8158C55}" type="CELLRANGE">
+                    <a:fld id="{AD735F56-480A-4D01-8F6F-AB3EC6F79295}" type="CELLRANGE">
                       <a:rPr lang="en-US"/>
                       <a:pPr/>
                       <a:t>[PLAGECELL]</a:t>
                     </a:fld>
-                    <a:endParaRPr lang="fr-FR"/>
+                    <a:endParaRPr lang="de-DE"/>
                   </a:p>
                 </c:rich>
               </c:tx>
@@ -4405,7 +4403,6 @@
               <c:extLst>
                 <c:ext xmlns:c15="http://schemas.microsoft.com/office/drawing/2012/chart" uri="{CE6537A1-D6FC-4f65-9D91-7224C49458BB}">
                   <c15:dlblFieldTable/>
-                  <c15:xForSave val="1"/>
                   <c15:showDataLabelsRange val="1"/>
                 </c:ext>
                 <c:ext xmlns:c16="http://schemas.microsoft.com/office/drawing/2014/chart" uri="{C3380CC4-5D6E-409C-BE32-E72D297353CC}">
@@ -4420,12 +4417,12 @@
                   <a:bodyPr/>
                   <a:lstStyle/>
                   <a:p>
-                    <a:fld id="{030ED6C5-2FA8-42EF-AE5E-169C0C53D118}" type="CELLRANGE">
+                    <a:fld id="{DAB27870-DDA7-45AD-B300-44F82DACA5D6}" type="CELLRANGE">
                       <a:rPr lang="en-US"/>
                       <a:pPr/>
                       <a:t>[PLAGECELL]</a:t>
                     </a:fld>
-                    <a:endParaRPr lang="fr-FR"/>
+                    <a:endParaRPr lang="de-DE"/>
                   </a:p>
                 </c:rich>
               </c:tx>
@@ -4439,7 +4436,6 @@
               <c:extLst>
                 <c:ext xmlns:c15="http://schemas.microsoft.com/office/drawing/2012/chart" uri="{CE6537A1-D6FC-4f65-9D91-7224C49458BB}">
                   <c15:dlblFieldTable/>
-                  <c15:xForSave val="1"/>
                   <c15:showDataLabelsRange val="1"/>
                 </c:ext>
                 <c:ext xmlns:c16="http://schemas.microsoft.com/office/drawing/2014/chart" uri="{C3380CC4-5D6E-409C-BE32-E72D297353CC}">
@@ -4454,12 +4450,12 @@
                   <a:bodyPr/>
                   <a:lstStyle/>
                   <a:p>
-                    <a:fld id="{AC423DAD-6025-48EE-B992-3013339F8DA2}" type="CELLRANGE">
+                    <a:fld id="{7EAFAAEC-8B71-4FBC-AFF8-77F71C286B86}" type="CELLRANGE">
                       <a:rPr lang="en-US"/>
                       <a:pPr/>
                       <a:t>[PLAGECELL]</a:t>
                     </a:fld>
-                    <a:endParaRPr lang="fr-FR"/>
+                    <a:endParaRPr lang="de-DE"/>
                   </a:p>
                 </c:rich>
               </c:tx>
@@ -4473,7 +4469,6 @@
               <c:extLst>
                 <c:ext xmlns:c15="http://schemas.microsoft.com/office/drawing/2012/chart" uri="{CE6537A1-D6FC-4f65-9D91-7224C49458BB}">
                   <c15:dlblFieldTable/>
-                  <c15:xForSave val="1"/>
                   <c15:showDataLabelsRange val="1"/>
                 </c:ext>
                 <c:ext xmlns:c16="http://schemas.microsoft.com/office/drawing/2014/chart" uri="{C3380CC4-5D6E-409C-BE32-E72D297353CC}">
@@ -4488,12 +4483,12 @@
                   <a:bodyPr/>
                   <a:lstStyle/>
                   <a:p>
-                    <a:fld id="{D3FE637D-8DDE-4FB5-833C-0D45E34F5601}" type="CELLRANGE">
+                    <a:fld id="{0173466B-EE4D-4ADE-B3AC-0D725ED5BDE1}" type="CELLRANGE">
                       <a:rPr lang="en-US"/>
                       <a:pPr/>
                       <a:t>[PLAGECELL]</a:t>
                     </a:fld>
-                    <a:endParaRPr lang="fr-FR"/>
+                    <a:endParaRPr lang="de-DE"/>
                   </a:p>
                 </c:rich>
               </c:tx>
@@ -4507,7 +4502,6 @@
               <c:extLst>
                 <c:ext xmlns:c15="http://schemas.microsoft.com/office/drawing/2012/chart" uri="{CE6537A1-D6FC-4f65-9D91-7224C49458BB}">
                   <c15:dlblFieldTable/>
-                  <c15:xForSave val="1"/>
                   <c15:showDataLabelsRange val="1"/>
                 </c:ext>
                 <c:ext xmlns:c16="http://schemas.microsoft.com/office/drawing/2014/chart" uri="{C3380CC4-5D6E-409C-BE32-E72D297353CC}">
@@ -4897,7 +4891,7 @@
                       <a:pPr/>
                       <a:t>[PLAGECELL]</a:t>
                     </a:fld>
-                    <a:endParaRPr lang="fr-FR"/>
+                    <a:endParaRPr lang="de-DE"/>
                   </a:p>
                 </c:rich>
               </c:tx>
@@ -4925,12 +4919,12 @@
                   <a:bodyPr/>
                   <a:lstStyle/>
                   <a:p>
-                    <a:fld id="{3A6E3F48-B209-4CA4-B1FA-961527D86A4A}" type="CELLRANGE">
-                      <a:rPr lang="en-US"/>
+                    <a:fld id="{68DD729B-339B-41F7-A533-EAB8F3152F34}" type="CELLRANGE">
+                      <a:rPr lang="de-DE"/>
                       <a:pPr/>
                       <a:t>[PLAGECELL]</a:t>
                     </a:fld>
-                    <a:endParaRPr lang="fr-FR"/>
+                    <a:endParaRPr lang="de-DE"/>
                   </a:p>
                 </c:rich>
               </c:tx>
@@ -4959,12 +4953,12 @@
                   <a:bodyPr/>
                   <a:lstStyle/>
                   <a:p>
-                    <a:fld id="{A0A2F8B3-0ABD-4D72-ADE7-0690A5B4C525}" type="CELLRANGE">
-                      <a:rPr lang="en-US"/>
+                    <a:fld id="{909207C7-9724-445D-A0F0-94CCA6EFDBD0}" type="CELLRANGE">
+                      <a:rPr lang="de-DE"/>
                       <a:pPr/>
                       <a:t>[PLAGECELL]</a:t>
                     </a:fld>
-                    <a:endParaRPr lang="fr-FR"/>
+                    <a:endParaRPr lang="de-DE"/>
                   </a:p>
                 </c:rich>
               </c:tx>
@@ -4993,12 +4987,12 @@
                   <a:bodyPr/>
                   <a:lstStyle/>
                   <a:p>
-                    <a:fld id="{3BCA86C2-ACE4-4AE5-AB48-09357CCF0A57}" type="CELLRANGE">
-                      <a:rPr lang="en-US"/>
+                    <a:fld id="{D3C1EC04-0420-408A-99C0-EA1BC84B2C11}" type="CELLRANGE">
+                      <a:rPr lang="de-DE"/>
                       <a:pPr/>
                       <a:t>[PLAGECELL]</a:t>
                     </a:fld>
-                    <a:endParaRPr lang="fr-FR"/>
+                    <a:endParaRPr lang="de-DE"/>
                   </a:p>
                 </c:rich>
               </c:tx>
@@ -5027,12 +5021,12 @@
                   <a:bodyPr/>
                   <a:lstStyle/>
                   <a:p>
-                    <a:fld id="{61EE4D52-A84B-414F-BB2E-5ACC19DB5CA2}" type="CELLRANGE">
-                      <a:rPr lang="en-US"/>
+                    <a:fld id="{E4E42D8E-802D-4940-BC4F-B8C1575B796B}" type="CELLRANGE">
+                      <a:rPr lang="de-DE"/>
                       <a:pPr/>
                       <a:t>[PLAGECELL]</a:t>
                     </a:fld>
-                    <a:endParaRPr lang="fr-FR"/>
+                    <a:endParaRPr lang="de-DE"/>
                   </a:p>
                 </c:rich>
               </c:tx>
@@ -5449,7 +5443,7 @@
                       <a:pPr/>
                       <a:t>[PLAGECELL]</a:t>
                     </a:fld>
-                    <a:endParaRPr lang="fr-FR"/>
+                    <a:endParaRPr lang="de-DE"/>
                   </a:p>
                 </c:rich>
               </c:tx>
@@ -5477,12 +5471,12 @@
                   <a:bodyPr/>
                   <a:lstStyle/>
                   <a:p>
-                    <a:fld id="{1241601D-B189-44FE-BC02-58CAD01FEBF7}" type="CELLRANGE">
-                      <a:rPr lang="en-US"/>
+                    <a:fld id="{D9BAB92B-E7EF-4138-A75A-E98D0C0CEC70}" type="CELLRANGE">
+                      <a:rPr lang="de-DE"/>
                       <a:pPr/>
                       <a:t>[PLAGECELL]</a:t>
                     </a:fld>
-                    <a:endParaRPr lang="fr-FR"/>
+                    <a:endParaRPr lang="de-DE"/>
                   </a:p>
                 </c:rich>
               </c:tx>
@@ -5511,12 +5505,12 @@
                   <a:bodyPr/>
                   <a:lstStyle/>
                   <a:p>
-                    <a:fld id="{F847E2D5-59BF-4389-8E8F-B6E2D8A82D81}" type="CELLRANGE">
-                      <a:rPr lang="en-US"/>
+                    <a:fld id="{9F0AE93B-F27A-4544-800D-4B7B409D261F}" type="CELLRANGE">
+                      <a:rPr lang="de-DE"/>
                       <a:pPr/>
                       <a:t>[PLAGECELL]</a:t>
                     </a:fld>
-                    <a:endParaRPr lang="fr-FR"/>
+                    <a:endParaRPr lang="de-DE"/>
                   </a:p>
                 </c:rich>
               </c:tx>
@@ -5545,12 +5539,12 @@
                   <a:bodyPr/>
                   <a:lstStyle/>
                   <a:p>
-                    <a:fld id="{559CECDA-7097-4BDD-AD94-5E8080E44C33}" type="CELLRANGE">
-                      <a:rPr lang="en-US"/>
+                    <a:fld id="{E4EC8310-992D-4E21-8662-DCE5F8EC175A}" type="CELLRANGE">
+                      <a:rPr lang="de-DE"/>
                       <a:pPr/>
                       <a:t>[PLAGECELL]</a:t>
                     </a:fld>
-                    <a:endParaRPr lang="fr-FR"/>
+                    <a:endParaRPr lang="de-DE"/>
                   </a:p>
                 </c:rich>
               </c:tx>
@@ -5579,12 +5573,12 @@
                   <a:bodyPr/>
                   <a:lstStyle/>
                   <a:p>
-                    <a:fld id="{948AF343-AD7A-481B-84AE-81E6F4BE9A26}" type="CELLRANGE">
-                      <a:rPr lang="en-US"/>
+                    <a:fld id="{C1EB9EC0-A1E8-4924-A31B-7444075E4F8D}" type="CELLRANGE">
+                      <a:rPr lang="de-DE"/>
                       <a:pPr/>
                       <a:t>[PLAGECELL]</a:t>
                     </a:fld>
-                    <a:endParaRPr lang="fr-FR"/>
+                    <a:endParaRPr lang="de-DE"/>
                   </a:p>
                 </c:rich>
               </c:tx>
@@ -5613,12 +5607,12 @@
                   <a:bodyPr/>
                   <a:lstStyle/>
                   <a:p>
-                    <a:fld id="{C21F4B9F-162A-430E-9900-917634473DE0}" type="CELLRANGE">
-                      <a:rPr lang="en-US"/>
+                    <a:fld id="{86511432-7F9D-41D4-8019-09CF1C18A12D}" type="CELLRANGE">
+                      <a:rPr lang="de-DE"/>
                       <a:pPr/>
                       <a:t>[PLAGECELL]</a:t>
                     </a:fld>
-                    <a:endParaRPr lang="fr-FR"/>
+                    <a:endParaRPr lang="de-DE"/>
                   </a:p>
                 </c:rich>
               </c:tx>
@@ -16673,6 +16667,115 @@
   <p:cSld>
     <p:spTree>
       <p:nvGrpSpPr>
+        <p:cNvPr id="1" name="Shape 146"/>
+        <p:cNvGrpSpPr/>
+        <p:nvPr/>
+      </p:nvGrpSpPr>
+      <p:grpSpPr>
+        <a:xfrm>
+          <a:off x="0" y="0"/>
+          <a:ext cx="0" cy="0"/>
+          <a:chOff x="0" y="0"/>
+          <a:chExt cx="0" cy="0"/>
+        </a:xfrm>
+      </p:grpSpPr>
+      <p:sp>
+        <p:nvSpPr>
+          <p:cNvPr id="147" name="Google Shape;147;p8:notes"/>
+          <p:cNvSpPr txBox="1">
+            <a:spLocks noGrp="1"/>
+          </p:cNvSpPr>
+          <p:nvPr>
+            <p:ph type="body" idx="1"/>
+          </p:nvPr>
+        </p:nvSpPr>
+        <p:spPr>
+          <a:xfrm>
+            <a:off x="685800" y="4400550"/>
+            <a:ext cx="5486400" cy="3600450"/>
+          </a:xfrm>
+          <a:prstGeom prst="rect">
+            <a:avLst/>
+          </a:prstGeom>
+        </p:spPr>
+        <p:txBody>
+          <a:bodyPr spcFirstLastPara="1" wrap="square" lIns="91425" tIns="45700" rIns="91425" bIns="45700" anchor="t" anchorCtr="0">
+            <a:noAutofit/>
+          </a:bodyPr>
+          <a:lstStyle/>
+          <a:p>
+            <a:pPr marL="0" lvl="0" indent="0" algn="l" rtl="0">
+              <a:spcBef>
+                <a:spcPts val="0"/>
+              </a:spcBef>
+              <a:spcAft>
+                <a:spcPts val="0"/>
+              </a:spcAft>
+              <a:buNone/>
+            </a:pPr>
+            <a:endParaRPr/>
+          </a:p>
+        </p:txBody>
+      </p:sp>
+      <p:sp>
+        <p:nvSpPr>
+          <p:cNvPr id="148" name="Google Shape;148;p8:notes"/>
+          <p:cNvSpPr>
+            <a:spLocks noGrp="1" noRot="1" noChangeAspect="1"/>
+          </p:cNvSpPr>
+          <p:nvPr>
+            <p:ph type="sldImg" idx="2"/>
+          </p:nvPr>
+        </p:nvSpPr>
+        <p:spPr>
+          <a:xfrm>
+            <a:off x="685800" y="1143000"/>
+            <a:ext cx="5486400" cy="3086100"/>
+          </a:xfrm>
+          <a:custGeom>
+            <a:avLst/>
+            <a:gdLst/>
+            <a:ahLst/>
+            <a:cxnLst/>
+            <a:rect l="l" t="t" r="r" b="b"/>
+            <a:pathLst>
+              <a:path w="120000" h="120000" extrusionOk="0">
+                <a:moveTo>
+                  <a:pt x="0" y="0"/>
+                </a:moveTo>
+                <a:lnTo>
+                  <a:pt x="120000" y="0"/>
+                </a:lnTo>
+                <a:lnTo>
+                  <a:pt x="120000" y="120000"/>
+                </a:lnTo>
+                <a:lnTo>
+                  <a:pt x="0" y="120000"/>
+                </a:lnTo>
+                <a:close/>
+              </a:path>
+            </a:pathLst>
+          </a:custGeom>
+        </p:spPr>
+      </p:sp>
+    </p:spTree>
+    <p:extLst>
+      <p:ext uri="{BB962C8B-B14F-4D97-AF65-F5344CB8AC3E}">
+        <p14:creationId xmlns:p14="http://schemas.microsoft.com/office/powerpoint/2010/main" val="1830920609"/>
+      </p:ext>
+    </p:extLst>
+  </p:cSld>
+  <p:clrMapOvr>
+    <a:masterClrMapping/>
+  </p:clrMapOvr>
+</p:notes>
+</file>
+
+<file path=ppt/notesSlides/notesSlide11.xml><?xml version="1.0" encoding="utf-8"?>
+<p:notes xmlns:a="http://schemas.openxmlformats.org/drawingml/2006/main" xmlns:r="http://schemas.openxmlformats.org/officeDocument/2006/relationships" xmlns:p="http://schemas.openxmlformats.org/presentationml/2006/main" showMasterSp="0" showMasterPhAnim="0">
+  <p:cSld>
+    <p:spTree>
+      <p:nvGrpSpPr>
         <p:cNvPr id="1" name="Shape 153"/>
         <p:cNvGrpSpPr/>
         <p:nvPr/>
@@ -16772,7 +16875,7 @@
 </p:notes>
 </file>
 
-<file path=ppt/notesSlides/notesSlide11.xml><?xml version="1.0" encoding="utf-8"?>
+<file path=ppt/notesSlides/notesSlide12.xml><?xml version="1.0" encoding="utf-8"?>
 <p:notes xmlns:a="http://schemas.openxmlformats.org/drawingml/2006/main" xmlns:r="http://schemas.openxmlformats.org/officeDocument/2006/relationships" xmlns:p="http://schemas.openxmlformats.org/presentationml/2006/main" showMasterSp="0" showMasterPhAnim="0">
   <p:cSld>
     <p:spTree>
@@ -16830,110 +16933,6 @@
       <p:sp>
         <p:nvSpPr>
           <p:cNvPr id="162" name="Google Shape;162;g590b723460_4_12:notes"/>
-          <p:cNvSpPr>
-            <a:spLocks noGrp="1" noRot="1" noChangeAspect="1"/>
-          </p:cNvSpPr>
-          <p:nvPr>
-            <p:ph type="sldImg" idx="2"/>
-          </p:nvPr>
-        </p:nvSpPr>
-        <p:spPr>
-          <a:xfrm>
-            <a:off x="685800" y="1143000"/>
-            <a:ext cx="5486400" cy="3086100"/>
-          </a:xfrm>
-          <a:custGeom>
-            <a:avLst/>
-            <a:gdLst/>
-            <a:ahLst/>
-            <a:cxnLst/>
-            <a:rect l="l" t="t" r="r" b="b"/>
-            <a:pathLst>
-              <a:path w="120000" h="120000" extrusionOk="0">
-                <a:moveTo>
-                  <a:pt x="0" y="0"/>
-                </a:moveTo>
-                <a:lnTo>
-                  <a:pt x="120000" y="0"/>
-                </a:lnTo>
-                <a:lnTo>
-                  <a:pt x="120000" y="120000"/>
-                </a:lnTo>
-                <a:lnTo>
-                  <a:pt x="0" y="120000"/>
-                </a:lnTo>
-                <a:close/>
-              </a:path>
-            </a:pathLst>
-          </a:custGeom>
-        </p:spPr>
-      </p:sp>
-    </p:spTree>
-  </p:cSld>
-  <p:clrMapOvr>
-    <a:masterClrMapping/>
-  </p:clrMapOvr>
-</p:notes>
-</file>
-
-<file path=ppt/notesSlides/notesSlide12.xml><?xml version="1.0" encoding="utf-8"?>
-<p:notes xmlns:a="http://schemas.openxmlformats.org/drawingml/2006/main" xmlns:r="http://schemas.openxmlformats.org/officeDocument/2006/relationships" xmlns:p="http://schemas.openxmlformats.org/presentationml/2006/main" showMasterSp="0" showMasterPhAnim="0">
-  <p:cSld>
-    <p:spTree>
-      <p:nvGrpSpPr>
-        <p:cNvPr id="1" name="Shape 167"/>
-        <p:cNvGrpSpPr/>
-        <p:nvPr/>
-      </p:nvGrpSpPr>
-      <p:grpSpPr>
-        <a:xfrm>
-          <a:off x="0" y="0"/>
-          <a:ext cx="0" cy="0"/>
-          <a:chOff x="0" y="0"/>
-          <a:chExt cx="0" cy="0"/>
-        </a:xfrm>
-      </p:grpSpPr>
-      <p:sp>
-        <p:nvSpPr>
-          <p:cNvPr id="168" name="Google Shape;168;g590b723460_4_6:notes"/>
-          <p:cNvSpPr txBox="1">
-            <a:spLocks noGrp="1"/>
-          </p:cNvSpPr>
-          <p:nvPr>
-            <p:ph type="body" idx="1"/>
-          </p:nvPr>
-        </p:nvSpPr>
-        <p:spPr>
-          <a:xfrm>
-            <a:off x="685800" y="4400550"/>
-            <a:ext cx="5486400" cy="3600600"/>
-          </a:xfrm>
-          <a:prstGeom prst="rect">
-            <a:avLst/>
-          </a:prstGeom>
-        </p:spPr>
-        <p:txBody>
-          <a:bodyPr spcFirstLastPara="1" wrap="square" lIns="91425" tIns="45700" rIns="91425" bIns="45700" anchor="t" anchorCtr="0">
-            <a:noAutofit/>
-          </a:bodyPr>
-          <a:lstStyle/>
-          <a:p>
-            <a:pPr marL="0" lvl="0" indent="0" algn="l" rtl="0">
-              <a:spcBef>
-                <a:spcPts val="0"/>
-              </a:spcBef>
-              <a:spcAft>
-                <a:spcPts val="0"/>
-              </a:spcAft>
-              <a:buNone/>
-            </a:pPr>
-            <a:endParaRPr/>
-          </a:p>
-        </p:txBody>
-      </p:sp>
-      <p:sp>
-        <p:nvSpPr>
-          <p:cNvPr id="169" name="Google Shape;169;g590b723460_4_6:notes"/>
           <p:cNvSpPr>
             <a:spLocks noGrp="1" noRot="1" noChangeAspect="1"/>
           </p:cNvSpPr>
@@ -17077,11 +17076,6 @@
         </p:spPr>
       </p:sp>
     </p:spTree>
-    <p:extLst>
-      <p:ext uri="{BB962C8B-B14F-4D97-AF65-F5344CB8AC3E}">
-        <p14:creationId xmlns:p14="http://schemas.microsoft.com/office/powerpoint/2010/main" val="810170897"/>
-      </p:ext>
-    </p:extLst>
   </p:cSld>
   <p:clrMapOvr>
     <a:masterClrMapping/>
@@ -17094,7 +17088,7 @@
   <p:cSld>
     <p:spTree>
       <p:nvGrpSpPr>
-        <p:cNvPr id="1" name="Shape 174"/>
+        <p:cNvPr id="1" name="Shape 167"/>
         <p:cNvGrpSpPr/>
         <p:nvPr/>
       </p:nvGrpSpPr>
@@ -17108,7 +17102,7 @@
       </p:grpSpPr>
       <p:sp>
         <p:nvSpPr>
-          <p:cNvPr id="175" name="Google Shape;175;g58e1051074_0_0:notes"/>
+          <p:cNvPr id="168" name="Google Shape;168;g590b723460_4_6:notes"/>
           <p:cNvSpPr txBox="1">
             <a:spLocks noGrp="1"/>
           </p:cNvSpPr>
@@ -17146,7 +17140,7 @@
       </p:sp>
       <p:sp>
         <p:nvSpPr>
-          <p:cNvPr id="176" name="Google Shape;176;g58e1051074_0_0:notes"/>
+          <p:cNvPr id="169" name="Google Shape;169;g590b723460_4_6:notes"/>
           <p:cNvSpPr>
             <a:spLocks noGrp="1" noRot="1" noChangeAspect="1"/>
           </p:cNvSpPr>
@@ -17186,6 +17180,11 @@
         </p:spPr>
       </p:sp>
     </p:spTree>
+    <p:extLst>
+      <p:ext uri="{BB962C8B-B14F-4D97-AF65-F5344CB8AC3E}">
+        <p14:creationId xmlns:p14="http://schemas.microsoft.com/office/powerpoint/2010/main" val="810170897"/>
+      </p:ext>
+    </p:extLst>
   </p:cSld>
   <p:clrMapOvr>
     <a:masterClrMapping/>
@@ -17251,110 +17250,6 @@
       <p:sp>
         <p:nvSpPr>
           <p:cNvPr id="183" name="Google Shape;183;g5102fece0f_0_0:notes"/>
-          <p:cNvSpPr>
-            <a:spLocks noGrp="1" noRot="1" noChangeAspect="1"/>
-          </p:cNvSpPr>
-          <p:nvPr>
-            <p:ph type="sldImg" idx="2"/>
-          </p:nvPr>
-        </p:nvSpPr>
-        <p:spPr>
-          <a:xfrm>
-            <a:off x="685800" y="1143000"/>
-            <a:ext cx="5486400" cy="3086100"/>
-          </a:xfrm>
-          <a:custGeom>
-            <a:avLst/>
-            <a:gdLst/>
-            <a:ahLst/>
-            <a:cxnLst/>
-            <a:rect l="l" t="t" r="r" b="b"/>
-            <a:pathLst>
-              <a:path w="120000" h="120000" extrusionOk="0">
-                <a:moveTo>
-                  <a:pt x="0" y="0"/>
-                </a:moveTo>
-                <a:lnTo>
-                  <a:pt x="120000" y="0"/>
-                </a:lnTo>
-                <a:lnTo>
-                  <a:pt x="120000" y="120000"/>
-                </a:lnTo>
-                <a:lnTo>
-                  <a:pt x="0" y="120000"/>
-                </a:lnTo>
-                <a:close/>
-              </a:path>
-            </a:pathLst>
-          </a:custGeom>
-        </p:spPr>
-      </p:sp>
-    </p:spTree>
-  </p:cSld>
-  <p:clrMapOvr>
-    <a:masterClrMapping/>
-  </p:clrMapOvr>
-</p:notes>
-</file>
-
-<file path=ppt/notesSlides/notesSlide16.xml><?xml version="1.0" encoding="utf-8"?>
-<p:notes xmlns:a="http://schemas.openxmlformats.org/drawingml/2006/main" xmlns:r="http://schemas.openxmlformats.org/officeDocument/2006/relationships" xmlns:p="http://schemas.openxmlformats.org/presentationml/2006/main" showMasterSp="0" showMasterPhAnim="0">
-  <p:cSld>
-    <p:spTree>
-      <p:nvGrpSpPr>
-        <p:cNvPr id="1" name="Shape 188"/>
-        <p:cNvGrpSpPr/>
-        <p:nvPr/>
-      </p:nvGrpSpPr>
-      <p:grpSpPr>
-        <a:xfrm>
-          <a:off x="0" y="0"/>
-          <a:ext cx="0" cy="0"/>
-          <a:chOff x="0" y="0"/>
-          <a:chExt cx="0" cy="0"/>
-        </a:xfrm>
-      </p:grpSpPr>
-      <p:sp>
-        <p:nvSpPr>
-          <p:cNvPr id="189" name="Google Shape;189;p6:notes"/>
-          <p:cNvSpPr txBox="1">
-            <a:spLocks noGrp="1"/>
-          </p:cNvSpPr>
-          <p:nvPr>
-            <p:ph type="body" idx="1"/>
-          </p:nvPr>
-        </p:nvSpPr>
-        <p:spPr>
-          <a:xfrm>
-            <a:off x="685800" y="4400550"/>
-            <a:ext cx="5486400" cy="3600450"/>
-          </a:xfrm>
-          <a:prstGeom prst="rect">
-            <a:avLst/>
-          </a:prstGeom>
-        </p:spPr>
-        <p:txBody>
-          <a:bodyPr spcFirstLastPara="1" wrap="square" lIns="91425" tIns="45700" rIns="91425" bIns="45700" anchor="t" anchorCtr="0">
-            <a:noAutofit/>
-          </a:bodyPr>
-          <a:lstStyle/>
-          <a:p>
-            <a:pPr marL="0" lvl="0" indent="0" algn="l" rtl="0">
-              <a:spcBef>
-                <a:spcPts val="0"/>
-              </a:spcBef>
-              <a:spcAft>
-                <a:spcPts val="0"/>
-              </a:spcAft>
-              <a:buNone/>
-            </a:pPr>
-            <a:endParaRPr/>
-          </a:p>
-        </p:txBody>
-      </p:sp>
-      <p:sp>
-        <p:nvSpPr>
-          <p:cNvPr id="190" name="Google Shape;190;p6:notes"/>
           <p:cNvSpPr>
             <a:spLocks noGrp="1" noRot="1" noChangeAspect="1"/>
           </p:cNvSpPr>
@@ -28793,6 +28688,330 @@
     </p:bg>
     <p:spTree>
       <p:nvGrpSpPr>
+        <p:cNvPr id="1" name="Shape 149"/>
+        <p:cNvGrpSpPr/>
+        <p:nvPr/>
+      </p:nvGrpSpPr>
+      <p:grpSpPr>
+        <a:xfrm>
+          <a:off x="0" y="0"/>
+          <a:ext cx="0" cy="0"/>
+          <a:chOff x="0" y="0"/>
+          <a:chExt cx="0" cy="0"/>
+        </a:xfrm>
+      </p:grpSpPr>
+      <p:sp>
+        <p:nvSpPr>
+          <p:cNvPr id="150" name="Google Shape;150;p19"/>
+          <p:cNvSpPr txBox="1"/>
+          <p:nvPr/>
+        </p:nvSpPr>
+        <p:spPr>
+          <a:xfrm>
+            <a:off x="0" y="547255"/>
+            <a:ext cx="12191999" cy="830997"/>
+          </a:xfrm>
+          <a:prstGeom prst="rect">
+            <a:avLst/>
+          </a:prstGeom>
+          <a:noFill/>
+          <a:ln>
+            <a:noFill/>
+          </a:ln>
+        </p:spPr>
+        <p:txBody>
+          <a:bodyPr spcFirstLastPara="1" wrap="square" lIns="91425" tIns="45700" rIns="91425" bIns="45700" anchor="t" anchorCtr="0">
+            <a:noAutofit/>
+          </a:bodyPr>
+          <a:lstStyle/>
+          <a:p>
+            <a:pPr marL="0" marR="0" lvl="0" indent="0" algn="ctr" rtl="0">
+              <a:spcBef>
+                <a:spcPts val="0"/>
+              </a:spcBef>
+              <a:spcAft>
+                <a:spcPts val="0"/>
+              </a:spcAft>
+              <a:buNone/>
+            </a:pPr>
+            <a:r>
+              <a:rPr lang="fr-FR" sz="2400" b="1" u="sng">
+                <a:solidFill>
+                  <a:srgbClr val="C2381E"/>
+                </a:solidFill>
+                <a:latin typeface="Calibri"/>
+                <a:ea typeface="Calibri"/>
+                <a:cs typeface="Calibri"/>
+                <a:sym typeface="Calibri"/>
+              </a:rPr>
+              <a:t>TOP Maquette : Budget Prévisionnel</a:t>
+            </a:r>
+            <a:endParaRPr/>
+          </a:p>
+          <a:p>
+            <a:pPr marL="0" marR="0" lvl="0" indent="0" algn="ctr" rtl="0">
+              <a:spcBef>
+                <a:spcPts val="0"/>
+              </a:spcBef>
+              <a:spcAft>
+                <a:spcPts val="0"/>
+              </a:spcAft>
+              <a:buNone/>
+            </a:pPr>
+            <a:r>
+              <a:rPr lang="fr-FR" sz="2400" b="1" u="sng">
+                <a:solidFill>
+                  <a:srgbClr val="C2381E"/>
+                </a:solidFill>
+                <a:latin typeface="Calibri"/>
+                <a:ea typeface="Calibri"/>
+                <a:cs typeface="Calibri"/>
+                <a:sym typeface="Calibri"/>
+              </a:rPr>
+              <a:t>Massique</a:t>
+            </a:r>
+            <a:endParaRPr/>
+          </a:p>
+        </p:txBody>
+      </p:sp>
+      <p:sp>
+        <p:nvSpPr>
+          <p:cNvPr id="151" name="Google Shape;151;p19"/>
+          <p:cNvSpPr txBox="1"/>
+          <p:nvPr/>
+        </p:nvSpPr>
+        <p:spPr>
+          <a:xfrm>
+            <a:off x="10524765" y="0"/>
+            <a:ext cx="833617" cy="461665"/>
+          </a:xfrm>
+          <a:prstGeom prst="rect">
+            <a:avLst/>
+          </a:prstGeom>
+          <a:noFill/>
+          <a:ln>
+            <a:noFill/>
+          </a:ln>
+        </p:spPr>
+        <p:txBody>
+          <a:bodyPr spcFirstLastPara="1" wrap="square" lIns="91425" tIns="45700" rIns="91425" bIns="45700" anchor="t" anchorCtr="0">
+            <a:noAutofit/>
+          </a:bodyPr>
+          <a:lstStyle/>
+          <a:p>
+            <a:pPr marL="0" marR="0" lvl="0" indent="0" algn="ctr" rtl="0">
+              <a:spcBef>
+                <a:spcPts val="0"/>
+              </a:spcBef>
+              <a:spcAft>
+                <a:spcPts val="0"/>
+              </a:spcAft>
+              <a:buNone/>
+            </a:pPr>
+            <a:r>
+              <a:rPr lang="fr-FR" sz="2400" b="1">
+                <a:solidFill>
+                  <a:schemeClr val="dk1"/>
+                </a:solidFill>
+                <a:latin typeface="Calibri"/>
+                <a:ea typeface="Calibri"/>
+                <a:cs typeface="Calibri"/>
+                <a:sym typeface="Calibri"/>
+              </a:rPr>
+              <a:t>TLS</a:t>
+            </a:r>
+            <a:endParaRPr/>
+          </a:p>
+        </p:txBody>
+      </p:sp>
+      <p:pic>
+        <p:nvPicPr>
+          <p:cNvPr id="152" name="Google Shape;152;p19"/>
+          <p:cNvPicPr preferRelativeResize="0"/>
+          <p:nvPr/>
+        </p:nvPicPr>
+        <p:blipFill rotWithShape="1">
+          <a:blip r:embed="rId4">
+            <a:alphaModFix/>
+          </a:blip>
+          <a:srcRect/>
+          <a:stretch/>
+        </p:blipFill>
+        <p:spPr>
+          <a:xfrm>
+            <a:off x="11356663" y="0"/>
+            <a:ext cx="835335" cy="1113780"/>
+          </a:xfrm>
+          <a:prstGeom prst="rect">
+            <a:avLst/>
+          </a:prstGeom>
+          <a:noFill/>
+          <a:ln>
+            <a:noFill/>
+          </a:ln>
+        </p:spPr>
+      </p:pic>
+      <p:graphicFrame>
+        <p:nvGraphicFramePr>
+          <p:cNvPr id="11" name="Graphique 10">
+            <a:extLst>
+              <a:ext uri="{FF2B5EF4-FFF2-40B4-BE49-F238E27FC236}">
+                <a16:creationId xmlns:a16="http://schemas.microsoft.com/office/drawing/2014/main" id="{507A76EC-2183-4100-AFE9-4606E8FD78C3}"/>
+              </a:ext>
+            </a:extLst>
+          </p:cNvPr>
+          <p:cNvGraphicFramePr>
+            <a:graphicFrameLocks/>
+          </p:cNvGraphicFramePr>
+          <p:nvPr>
+            <p:extLst/>
+          </p:nvPr>
+        </p:nvGraphicFramePr>
+        <p:xfrm>
+          <a:off x="0" y="1378252"/>
+          <a:ext cx="3935896" cy="2702548"/>
+        </p:xfrm>
+        <a:graphic>
+          <a:graphicData uri="http://schemas.openxmlformats.org/drawingml/2006/chart">
+            <c:chart xmlns:c="http://schemas.openxmlformats.org/drawingml/2006/chart" xmlns:r="http://schemas.openxmlformats.org/officeDocument/2006/relationships" r:id="rId5"/>
+          </a:graphicData>
+        </a:graphic>
+      </p:graphicFrame>
+      <p:graphicFrame>
+        <p:nvGraphicFramePr>
+          <p:cNvPr id="12" name="Graphique 11">
+            <a:extLst>
+              <a:ext uri="{FF2B5EF4-FFF2-40B4-BE49-F238E27FC236}">
+                <a16:creationId xmlns:a16="http://schemas.microsoft.com/office/drawing/2014/main" id="{6BDD778D-D14F-4B2C-A7E3-578A5C270252}"/>
+              </a:ext>
+            </a:extLst>
+          </p:cNvPr>
+          <p:cNvGraphicFramePr>
+            <a:graphicFrameLocks/>
+          </p:cNvGraphicFramePr>
+          <p:nvPr>
+            <p:extLst/>
+          </p:nvPr>
+        </p:nvGraphicFramePr>
+        <p:xfrm>
+          <a:off x="3848094" y="1378252"/>
+          <a:ext cx="3935896" cy="2690065"/>
+        </p:xfrm>
+        <a:graphic>
+          <a:graphicData uri="http://schemas.openxmlformats.org/drawingml/2006/chart">
+            <c:chart xmlns:c="http://schemas.openxmlformats.org/drawingml/2006/chart" xmlns:r="http://schemas.openxmlformats.org/officeDocument/2006/relationships" r:id="rId6"/>
+          </a:graphicData>
+        </a:graphic>
+      </p:graphicFrame>
+      <p:graphicFrame>
+        <p:nvGraphicFramePr>
+          <p:cNvPr id="13" name="Graphique 12">
+            <a:extLst>
+              <a:ext uri="{FF2B5EF4-FFF2-40B4-BE49-F238E27FC236}">
+                <a16:creationId xmlns:a16="http://schemas.microsoft.com/office/drawing/2014/main" id="{394F8016-8C9B-44D9-8179-832D635D35BB}"/>
+              </a:ext>
+            </a:extLst>
+          </p:cNvPr>
+          <p:cNvGraphicFramePr>
+            <a:graphicFrameLocks/>
+          </p:cNvGraphicFramePr>
+          <p:nvPr>
+            <p:extLst/>
+          </p:nvPr>
+        </p:nvGraphicFramePr>
+        <p:xfrm>
+          <a:off x="7783990" y="1378252"/>
+          <a:ext cx="3935896" cy="2690065"/>
+        </p:xfrm>
+        <a:graphic>
+          <a:graphicData uri="http://schemas.openxmlformats.org/drawingml/2006/chart">
+            <c:chart xmlns:c="http://schemas.openxmlformats.org/drawingml/2006/chart" xmlns:r="http://schemas.openxmlformats.org/officeDocument/2006/relationships" r:id="rId7"/>
+          </a:graphicData>
+        </a:graphic>
+      </p:graphicFrame>
+      <p:graphicFrame>
+        <p:nvGraphicFramePr>
+          <p:cNvPr id="14" name="Graphique 13">
+            <a:extLst>
+              <a:ext uri="{FF2B5EF4-FFF2-40B4-BE49-F238E27FC236}">
+                <a16:creationId xmlns:a16="http://schemas.microsoft.com/office/drawing/2014/main" id="{F5E9E2EC-C1BF-448B-8467-32B84E7A590B}"/>
+              </a:ext>
+            </a:extLst>
+          </p:cNvPr>
+          <p:cNvGraphicFramePr>
+            <a:graphicFrameLocks/>
+          </p:cNvGraphicFramePr>
+          <p:nvPr>
+            <p:extLst/>
+          </p:nvPr>
+        </p:nvGraphicFramePr>
+        <p:xfrm>
+          <a:off x="3848094" y="4074671"/>
+          <a:ext cx="3935896" cy="2690065"/>
+        </p:xfrm>
+        <a:graphic>
+          <a:graphicData uri="http://schemas.openxmlformats.org/drawingml/2006/chart">
+            <c:chart xmlns:c="http://schemas.openxmlformats.org/drawingml/2006/chart" xmlns:r="http://schemas.openxmlformats.org/officeDocument/2006/relationships" r:id="rId8"/>
+          </a:graphicData>
+        </a:graphic>
+      </p:graphicFrame>
+      <p:graphicFrame>
+        <p:nvGraphicFramePr>
+          <p:cNvPr id="15" name="Graphique 14">
+            <a:extLst>
+              <a:ext uri="{FF2B5EF4-FFF2-40B4-BE49-F238E27FC236}">
+                <a16:creationId xmlns:a16="http://schemas.microsoft.com/office/drawing/2014/main" id="{0068B281-6BAF-4098-9648-5AB7F4440871}"/>
+              </a:ext>
+            </a:extLst>
+          </p:cNvPr>
+          <p:cNvGraphicFramePr>
+            <a:graphicFrameLocks/>
+          </p:cNvGraphicFramePr>
+          <p:nvPr>
+            <p:extLst/>
+          </p:nvPr>
+        </p:nvGraphicFramePr>
+        <p:xfrm>
+          <a:off x="7783990" y="4074671"/>
+          <a:ext cx="3935896" cy="2690065"/>
+        </p:xfrm>
+        <a:graphic>
+          <a:graphicData uri="http://schemas.openxmlformats.org/drawingml/2006/chart">
+            <c:chart xmlns:c="http://schemas.openxmlformats.org/drawingml/2006/chart" xmlns:r="http://schemas.openxmlformats.org/officeDocument/2006/relationships" r:id="rId9"/>
+          </a:graphicData>
+        </a:graphic>
+      </p:graphicFrame>
+    </p:spTree>
+    <p:extLst>
+      <p:ext uri="{BB962C8B-B14F-4D97-AF65-F5344CB8AC3E}">
+        <p14:creationId xmlns:p14="http://schemas.microsoft.com/office/powerpoint/2010/main" val="1581253892"/>
+      </p:ext>
+    </p:extLst>
+  </p:cSld>
+  <p:clrMapOvr>
+    <a:masterClrMapping/>
+  </p:clrMapOvr>
+</p:sld>
+</file>
+
+<file path=ppt/slides/slide11.xml><?xml version="1.0" encoding="utf-8"?>
+<p:sld xmlns:a="http://schemas.openxmlformats.org/drawingml/2006/main" xmlns:r="http://schemas.openxmlformats.org/officeDocument/2006/relationships" xmlns:p="http://schemas.openxmlformats.org/presentationml/2006/main">
+  <p:cSld>
+    <p:bg>
+      <p:bgPr>
+        <a:blipFill>
+          <a:blip r:embed="rId3">
+            <a:alphaModFix/>
+          </a:blip>
+          <a:stretch>
+            <a:fillRect/>
+          </a:stretch>
+        </a:blipFill>
+        <a:effectLst/>
+      </p:bgPr>
+    </p:bg>
+    <p:spTree>
+      <p:nvGrpSpPr>
         <p:cNvPr id="1" name="Shape 156"/>
         <p:cNvGrpSpPr/>
         <p:nvPr/>
@@ -29024,7 +29243,7 @@
 </p:sld>
 </file>
 
-<file path=ppt/slides/slide11.xml><?xml version="1.0" encoding="utf-8"?>
+<file path=ppt/slides/slide12.xml><?xml version="1.0" encoding="utf-8"?>
 <p:sld xmlns:a="http://schemas.openxmlformats.org/drawingml/2006/main" xmlns:r="http://schemas.openxmlformats.org/officeDocument/2006/relationships" xmlns:p="http://schemas.openxmlformats.org/presentationml/2006/main">
   <p:cSld>
     <p:bg>
@@ -29243,7 +29462,7 @@
 </p:sld>
 </file>
 
-<file path=ppt/slides/slide12.xml><?xml version="1.0" encoding="utf-8"?>
+<file path=ppt/slides/slide13.xml><?xml version="1.0" encoding="utf-8"?>
 <p:sld xmlns:a="http://schemas.openxmlformats.org/drawingml/2006/main" xmlns:r="http://schemas.openxmlformats.org/officeDocument/2006/relationships" xmlns:p="http://schemas.openxmlformats.org/presentationml/2006/main">
   <p:cSld>
     <p:bg>
@@ -29492,7 +29711,7 @@
 </p:sld>
 </file>
 
-<file path=ppt/slides/slide13.xml><?xml version="1.0" encoding="utf-8"?>
+<file path=ppt/slides/slide14.xml><?xml version="1.0" encoding="utf-8"?>
 <p:sld xmlns:a="http://schemas.openxmlformats.org/drawingml/2006/main" xmlns:r="http://schemas.openxmlformats.org/officeDocument/2006/relationships" xmlns:p="http://schemas.openxmlformats.org/presentationml/2006/main">
   <p:cSld>
     <p:bg>
@@ -29710,195 +29929,6 @@
 </p:sld>
 </file>
 
-<file path=ppt/slides/slide14.xml><?xml version="1.0" encoding="utf-8"?>
-<p:sld xmlns:a="http://schemas.openxmlformats.org/drawingml/2006/main" xmlns:r="http://schemas.openxmlformats.org/officeDocument/2006/relationships" xmlns:p="http://schemas.openxmlformats.org/presentationml/2006/main">
-  <p:cSld>
-    <p:bg>
-      <p:bgPr>
-        <a:blipFill>
-          <a:blip r:embed="rId3">
-            <a:alphaModFix/>
-          </a:blip>
-          <a:stretch>
-            <a:fillRect/>
-          </a:stretch>
-        </a:blipFill>
-        <a:effectLst/>
-      </p:bgPr>
-    </p:bg>
-    <p:spTree>
-      <p:nvGrpSpPr>
-        <p:cNvPr id="1" name="Shape 177"/>
-        <p:cNvGrpSpPr/>
-        <p:nvPr/>
-      </p:nvGrpSpPr>
-      <p:grpSpPr>
-        <a:xfrm>
-          <a:off x="0" y="0"/>
-          <a:ext cx="0" cy="0"/>
-          <a:chOff x="0" y="0"/>
-          <a:chExt cx="0" cy="0"/>
-        </a:xfrm>
-      </p:grpSpPr>
-      <p:sp>
-        <p:nvSpPr>
-          <p:cNvPr id="178" name="Google Shape;178;p23"/>
-          <p:cNvSpPr txBox="1"/>
-          <p:nvPr/>
-        </p:nvSpPr>
-        <p:spPr>
-          <a:xfrm>
-            <a:off x="0" y="547255"/>
-            <a:ext cx="12192000" cy="831000"/>
-          </a:xfrm>
-          <a:prstGeom prst="rect">
-            <a:avLst/>
-          </a:prstGeom>
-          <a:noFill/>
-          <a:ln>
-            <a:noFill/>
-          </a:ln>
-        </p:spPr>
-        <p:txBody>
-          <a:bodyPr spcFirstLastPara="1" wrap="square" lIns="91425" tIns="45700" rIns="91425" bIns="45700" anchor="t" anchorCtr="0">
-            <a:noAutofit/>
-          </a:bodyPr>
-          <a:lstStyle/>
-          <a:p>
-            <a:pPr marL="0" marR="0" lvl="0" indent="0" algn="ctr" rtl="0">
-              <a:spcBef>
-                <a:spcPts val="0"/>
-              </a:spcBef>
-              <a:spcAft>
-                <a:spcPts val="0"/>
-              </a:spcAft>
-              <a:buNone/>
-            </a:pPr>
-            <a:r>
-              <a:rPr lang="fr-FR" sz="2400" b="1" u="sng">
-                <a:solidFill>
-                  <a:srgbClr val="C2381E"/>
-                </a:solidFill>
-                <a:latin typeface="Calibri"/>
-                <a:ea typeface="Calibri"/>
-                <a:cs typeface="Calibri"/>
-                <a:sym typeface="Calibri"/>
-              </a:rPr>
-              <a:t>TOP Maquette : Budget Prévisionnel</a:t>
-            </a:r>
-            <a:endParaRPr/>
-          </a:p>
-          <a:p>
-            <a:pPr marL="0" marR="0" lvl="0" indent="0" algn="ctr" rtl="0">
-              <a:spcBef>
-                <a:spcPts val="0"/>
-              </a:spcBef>
-              <a:spcAft>
-                <a:spcPts val="0"/>
-              </a:spcAft>
-              <a:buNone/>
-            </a:pPr>
-            <a:r>
-              <a:rPr lang="fr-FR" sz="2400" b="1" u="sng">
-                <a:solidFill>
-                  <a:srgbClr val="C2381E"/>
-                </a:solidFill>
-                <a:latin typeface="Calibri"/>
-                <a:ea typeface="Calibri"/>
-                <a:cs typeface="Calibri"/>
-                <a:sym typeface="Calibri"/>
-              </a:rPr>
-              <a:t>Heure/Homme</a:t>
-            </a:r>
-            <a:endParaRPr/>
-          </a:p>
-        </p:txBody>
-      </p:sp>
-      <p:pic>
-        <p:nvPicPr>
-          <p:cNvPr id="179" name="Google Shape;179;p23"/>
-          <p:cNvPicPr preferRelativeResize="0"/>
-          <p:nvPr/>
-        </p:nvPicPr>
-        <p:blipFill rotWithShape="1">
-          <a:blip r:embed="rId4">
-            <a:alphaModFix/>
-          </a:blip>
-          <a:srcRect/>
-          <a:stretch/>
-        </p:blipFill>
-        <p:spPr>
-          <a:xfrm>
-            <a:off x="11358382" y="0"/>
-            <a:ext cx="833617" cy="1043702"/>
-          </a:xfrm>
-          <a:prstGeom prst="rect">
-            <a:avLst/>
-          </a:prstGeom>
-          <a:noFill/>
-          <a:ln>
-            <a:noFill/>
-          </a:ln>
-        </p:spPr>
-      </p:pic>
-      <p:sp>
-        <p:nvSpPr>
-          <p:cNvPr id="180" name="Google Shape;180;p23"/>
-          <p:cNvSpPr txBox="1"/>
-          <p:nvPr/>
-        </p:nvSpPr>
-        <p:spPr>
-          <a:xfrm>
-            <a:off x="10524765" y="0"/>
-            <a:ext cx="833700" cy="461700"/>
-          </a:xfrm>
-          <a:prstGeom prst="rect">
-            <a:avLst/>
-          </a:prstGeom>
-          <a:noFill/>
-          <a:ln>
-            <a:noFill/>
-          </a:ln>
-        </p:spPr>
-        <p:txBody>
-          <a:bodyPr spcFirstLastPara="1" wrap="square" lIns="91425" tIns="45700" rIns="91425" bIns="45700" anchor="t" anchorCtr="0">
-            <a:noAutofit/>
-          </a:bodyPr>
-          <a:lstStyle/>
-          <a:p>
-            <a:pPr marL="0" marR="0" lvl="0" indent="0" algn="ctr" rtl="0">
-              <a:spcBef>
-                <a:spcPts val="0"/>
-              </a:spcBef>
-              <a:spcAft>
-                <a:spcPts val="0"/>
-              </a:spcAft>
-              <a:buNone/>
-            </a:pPr>
-            <a:r>
-              <a:rPr lang="fr-FR" sz="2400" b="1">
-                <a:solidFill>
-                  <a:schemeClr val="dk1"/>
-                </a:solidFill>
-                <a:latin typeface="Calibri"/>
-                <a:ea typeface="Calibri"/>
-                <a:cs typeface="Calibri"/>
-                <a:sym typeface="Calibri"/>
-              </a:rPr>
-              <a:t>ARZ</a:t>
-            </a:r>
-            <a:endParaRPr/>
-          </a:p>
-        </p:txBody>
-      </p:sp>
-    </p:spTree>
-  </p:cSld>
-  <p:clrMapOvr>
-    <a:masterClrMapping/>
-  </p:clrMapOvr>
-</p:sld>
-</file>
-
 <file path=ppt/slides/slide15.xml><?xml version="1.0" encoding="utf-8"?>
 <p:sld xmlns:a="http://schemas.openxmlformats.org/drawingml/2006/main" xmlns:r="http://schemas.openxmlformats.org/officeDocument/2006/relationships" xmlns:p="http://schemas.openxmlformats.org/presentationml/2006/main">
   <p:cSld>
@@ -29964,7 +29994,7 @@
               <a:buNone/>
             </a:pPr>
             <a:r>
-              <a:rPr lang="fr-FR" sz="2400" b="1" u="sng" dirty="0">
+              <a:rPr lang="fr-FR" sz="2400" b="1" u="sng">
                 <a:solidFill>
                   <a:srgbClr val="C2381E"/>
                 </a:solidFill>
@@ -29973,9 +30003,9 @@
                 <a:cs typeface="Calibri"/>
                 <a:sym typeface="Calibri"/>
               </a:rPr>
-              <a:t>TOP Maquette : Maquette MIS-2D</a:t>
+              <a:t>TOP Maquette : Maquette MIS 3D</a:t>
             </a:r>
-            <a:endParaRPr dirty="0"/>
+            <a:endParaRPr/>
           </a:p>
         </p:txBody>
       </p:sp>
@@ -30046,171 +30076,6 @@
           <a:xfrm>
             <a:off x="11356663" y="0"/>
             <a:ext cx="835334" cy="1113779"/>
-          </a:xfrm>
-          <a:prstGeom prst="rect">
-            <a:avLst/>
-          </a:prstGeom>
-          <a:noFill/>
-          <a:ln>
-            <a:noFill/>
-          </a:ln>
-        </p:spPr>
-      </p:pic>
-    </p:spTree>
-  </p:cSld>
-  <p:clrMapOvr>
-    <a:masterClrMapping/>
-  </p:clrMapOvr>
-</p:sld>
-</file>
-
-<file path=ppt/slides/slide16.xml><?xml version="1.0" encoding="utf-8"?>
-<p:sld xmlns:a="http://schemas.openxmlformats.org/drawingml/2006/main" xmlns:r="http://schemas.openxmlformats.org/officeDocument/2006/relationships" xmlns:p="http://schemas.openxmlformats.org/presentationml/2006/main">
-  <p:cSld>
-    <p:bg>
-      <p:bgPr>
-        <a:blipFill>
-          <a:blip r:embed="rId3">
-            <a:alphaModFix/>
-          </a:blip>
-          <a:stretch>
-            <a:fillRect/>
-          </a:stretch>
-        </a:blipFill>
-        <a:effectLst/>
-      </p:bgPr>
-    </p:bg>
-    <p:spTree>
-      <p:nvGrpSpPr>
-        <p:cNvPr id="1" name="Shape 191"/>
-        <p:cNvGrpSpPr/>
-        <p:nvPr/>
-      </p:nvGrpSpPr>
-      <p:grpSpPr>
-        <a:xfrm>
-          <a:off x="0" y="0"/>
-          <a:ext cx="0" cy="0"/>
-          <a:chOff x="0" y="0"/>
-          <a:chExt cx="0" cy="0"/>
-        </a:xfrm>
-      </p:grpSpPr>
-      <p:sp>
-        <p:nvSpPr>
-          <p:cNvPr id="192" name="Google Shape;192;p25"/>
-          <p:cNvSpPr txBox="1"/>
-          <p:nvPr/>
-        </p:nvSpPr>
-        <p:spPr>
-          <a:xfrm>
-            <a:off x="0" y="547255"/>
-            <a:ext cx="12191999" cy="461665"/>
-          </a:xfrm>
-          <a:prstGeom prst="rect">
-            <a:avLst/>
-          </a:prstGeom>
-          <a:noFill/>
-          <a:ln>
-            <a:noFill/>
-          </a:ln>
-        </p:spPr>
-        <p:txBody>
-          <a:bodyPr spcFirstLastPara="1" wrap="square" lIns="91425" tIns="45700" rIns="91425" bIns="45700" anchor="t" anchorCtr="0">
-            <a:noAutofit/>
-          </a:bodyPr>
-          <a:lstStyle/>
-          <a:p>
-            <a:pPr marL="0" marR="0" lvl="0" indent="0" algn="ctr" rtl="0">
-              <a:spcBef>
-                <a:spcPts val="0"/>
-              </a:spcBef>
-              <a:spcAft>
-                <a:spcPts val="0"/>
-              </a:spcAft>
-              <a:buNone/>
-            </a:pPr>
-            <a:r>
-              <a:rPr lang="fr-FR" sz="2400" b="1" u="sng" dirty="0">
-                <a:solidFill>
-                  <a:srgbClr val="C2381E"/>
-                </a:solidFill>
-                <a:latin typeface="Calibri"/>
-                <a:ea typeface="Calibri"/>
-                <a:cs typeface="Calibri"/>
-                <a:sym typeface="Calibri"/>
-              </a:rPr>
-              <a:t>TOP Maquette : Jalonnement Prévisionnel des Livrables</a:t>
-            </a:r>
-            <a:endParaRPr dirty="0"/>
-          </a:p>
-        </p:txBody>
-      </p:sp>
-      <p:sp>
-        <p:nvSpPr>
-          <p:cNvPr id="193" name="Google Shape;193;p25"/>
-          <p:cNvSpPr txBox="1"/>
-          <p:nvPr/>
-        </p:nvSpPr>
-        <p:spPr>
-          <a:xfrm>
-            <a:off x="10524765" y="0"/>
-            <a:ext cx="833617" cy="461665"/>
-          </a:xfrm>
-          <a:prstGeom prst="rect">
-            <a:avLst/>
-          </a:prstGeom>
-          <a:noFill/>
-          <a:ln>
-            <a:noFill/>
-          </a:ln>
-        </p:spPr>
-        <p:txBody>
-          <a:bodyPr spcFirstLastPara="1" wrap="square" lIns="91425" tIns="45700" rIns="91425" bIns="45700" anchor="t" anchorCtr="0">
-            <a:noAutofit/>
-          </a:bodyPr>
-          <a:lstStyle/>
-          <a:p>
-            <a:pPr marL="0" marR="0" lvl="0" indent="0" algn="ctr" rtl="0">
-              <a:spcBef>
-                <a:spcPts val="0"/>
-              </a:spcBef>
-              <a:spcAft>
-                <a:spcPts val="0"/>
-              </a:spcAft>
-              <a:buNone/>
-            </a:pPr>
-            <a:r>
-              <a:rPr lang="fr-FR" sz="2400" b="1">
-                <a:solidFill>
-                  <a:schemeClr val="dk1"/>
-                </a:solidFill>
-                <a:latin typeface="Calibri"/>
-                <a:ea typeface="Calibri"/>
-                <a:cs typeface="Calibri"/>
-                <a:sym typeface="Calibri"/>
-              </a:rPr>
-              <a:t>MJT</a:t>
-            </a:r>
-            <a:endParaRPr/>
-          </a:p>
-        </p:txBody>
-      </p:sp>
-      <p:pic>
-        <p:nvPicPr>
-          <p:cNvPr id="194" name="Google Shape;194;p25"/>
-          <p:cNvPicPr preferRelativeResize="0"/>
-          <p:nvPr/>
-        </p:nvPicPr>
-        <p:blipFill rotWithShape="1">
-          <a:blip r:embed="rId4">
-            <a:alphaModFix/>
-          </a:blip>
-          <a:srcRect l="32490" t="3909" r="29716" b="51277"/>
-          <a:stretch/>
-        </p:blipFill>
-        <p:spPr>
-          <a:xfrm>
-            <a:off x="11341075" y="1"/>
-            <a:ext cx="850924" cy="1008920"/>
           </a:xfrm>
           <a:prstGeom prst="rect">
             <a:avLst/>
@@ -30735,6 +30600,332 @@
           </a:ln>
         </p:spPr>
       </p:pic>
+      <p:pic>
+        <p:nvPicPr>
+          <p:cNvPr id="2" name="Image 1">
+            <a:extLst>
+              <a:ext uri="{FF2B5EF4-FFF2-40B4-BE49-F238E27FC236}">
+                <a16:creationId xmlns:a16="http://schemas.microsoft.com/office/drawing/2014/main" id="{262FBC9D-738F-40A6-AFA0-DBC8C6778701}"/>
+              </a:ext>
+            </a:extLst>
+          </p:cNvPr>
+          <p:cNvPicPr>
+            <a:picLocks noChangeAspect="1"/>
+          </p:cNvPicPr>
+          <p:nvPr/>
+        </p:nvPicPr>
+        <p:blipFill>
+          <a:blip r:embed="rId6"/>
+          <a:stretch>
+            <a:fillRect/>
+          </a:stretch>
+        </p:blipFill>
+        <p:spPr>
+          <a:xfrm>
+            <a:off x="0" y="1587087"/>
+            <a:ext cx="7717351" cy="5270913"/>
+          </a:xfrm>
+          <a:prstGeom prst="rect">
+            <a:avLst/>
+          </a:prstGeom>
+        </p:spPr>
+      </p:pic>
+      <p:sp>
+        <p:nvSpPr>
+          <p:cNvPr id="3" name="ZoneTexte 2">
+            <a:extLst>
+              <a:ext uri="{FF2B5EF4-FFF2-40B4-BE49-F238E27FC236}">
+                <a16:creationId xmlns:a16="http://schemas.microsoft.com/office/drawing/2014/main" id="{51CD4D45-6892-48BC-87E1-73309142EF36}"/>
+              </a:ext>
+            </a:extLst>
+          </p:cNvPr>
+          <p:cNvSpPr txBox="1"/>
+          <p:nvPr/>
+        </p:nvSpPr>
+        <p:spPr>
+          <a:xfrm>
+            <a:off x="7717351" y="1587087"/>
+            <a:ext cx="4527657" cy="5170646"/>
+          </a:xfrm>
+          <a:prstGeom prst="rect">
+            <a:avLst/>
+          </a:prstGeom>
+          <a:noFill/>
+        </p:spPr>
+        <p:txBody>
+          <a:bodyPr wrap="square" rtlCol="0">
+            <a:spAutoFit/>
+          </a:bodyPr>
+          <a:lstStyle/>
+          <a:p>
+            <a:r>
+              <a:rPr lang="fr-FR" sz="1100" b="1" dirty="0"/>
+              <a:t>Projet</a:t>
+            </a:r>
+          </a:p>
+          <a:p>
+            <a:pPr marL="285750" indent="-285750">
+              <a:buFont typeface="Arial" panose="020B0604020202020204" pitchFamily="34" charset="0"/>
+              <a:buChar char="•"/>
+            </a:pPr>
+            <a:r>
+              <a:rPr lang="fr-FR" sz="1100" dirty="0"/>
+              <a:t>Revue Département électronique</a:t>
+            </a:r>
+          </a:p>
+          <a:p>
+            <a:pPr marL="285750" indent="-285750">
+              <a:buFont typeface="Arial" panose="020B0604020202020204" pitchFamily="34" charset="0"/>
+              <a:buChar char="•"/>
+            </a:pPr>
+            <a:r>
+              <a:rPr lang="fr-FR" sz="1100" dirty="0"/>
+              <a:t>Production de la ligne d‘échappement et d‘admission avancée</a:t>
+            </a:r>
+          </a:p>
+          <a:p>
+            <a:r>
+              <a:rPr lang="fr-FR" sz="1100" b="1" dirty="0"/>
+              <a:t>Pédagogie</a:t>
+            </a:r>
+          </a:p>
+          <a:p>
+            <a:pPr marL="285750" indent="-285750">
+              <a:buFont typeface="Arial" panose="020B0604020202020204" pitchFamily="34" charset="0"/>
+              <a:buChar char="•"/>
+            </a:pPr>
+            <a:r>
+              <a:rPr lang="fr-FR" sz="1100" dirty="0"/>
+              <a:t>Travail intergénérationnel</a:t>
+            </a:r>
+          </a:p>
+          <a:p>
+            <a:pPr marL="285750" indent="-285750">
+              <a:buFont typeface="Arial" panose="020B0604020202020204" pitchFamily="34" charset="0"/>
+              <a:buChar char="•"/>
+            </a:pPr>
+            <a:r>
+              <a:rPr lang="fr-FR" sz="1100" dirty="0"/>
+              <a:t>Utilisation totale des capacités d‘un ingénieur centralien</a:t>
+            </a:r>
+          </a:p>
+          <a:p>
+            <a:pPr marL="285750" indent="-285750">
+              <a:buFont typeface="Arial" panose="020B0604020202020204" pitchFamily="34" charset="0"/>
+              <a:buChar char="•"/>
+            </a:pPr>
+            <a:r>
+              <a:rPr lang="fr-FR" sz="1100" dirty="0"/>
+              <a:t>Formation par les académiciens</a:t>
+            </a:r>
+          </a:p>
+          <a:p>
+            <a:r>
+              <a:rPr lang="fr-FR" sz="1100" dirty="0"/>
+              <a:t>Planning</a:t>
+            </a:r>
+          </a:p>
+          <a:p>
+            <a:pPr marL="285750" indent="-285750">
+              <a:buFont typeface="Arial" panose="020B0604020202020204" pitchFamily="34" charset="0"/>
+              <a:buChar char="•"/>
+            </a:pPr>
+            <a:r>
+              <a:rPr lang="fr-FR" sz="1100" dirty="0"/>
+              <a:t>Gantt</a:t>
+            </a:r>
+          </a:p>
+          <a:p>
+            <a:r>
+              <a:rPr lang="fr-FR" sz="1100" b="1" dirty="0"/>
+              <a:t>Procédure</a:t>
+            </a:r>
+          </a:p>
+          <a:p>
+            <a:pPr marL="285750" indent="-285750">
+              <a:buFont typeface="Arial" panose="020B0604020202020204" pitchFamily="34" charset="0"/>
+              <a:buChar char="•"/>
+            </a:pPr>
+            <a:r>
+              <a:rPr lang="fr-FR" sz="1100" dirty="0"/>
+              <a:t>Esprit critique</a:t>
+            </a:r>
+          </a:p>
+          <a:p>
+            <a:pPr marL="285750" indent="-285750">
+              <a:buFont typeface="Arial" panose="020B0604020202020204" pitchFamily="34" charset="0"/>
+              <a:buChar char="•"/>
+            </a:pPr>
+            <a:r>
+              <a:rPr lang="fr-FR" sz="1100" dirty="0"/>
+              <a:t>Fabricabilité des pièces</a:t>
+            </a:r>
+          </a:p>
+          <a:p>
+            <a:r>
+              <a:rPr lang="fr-FR" sz="1100" b="1" dirty="0"/>
+              <a:t>Process</a:t>
+            </a:r>
+          </a:p>
+          <a:p>
+            <a:pPr marL="285750" indent="-285750">
+              <a:buFont typeface="Arial" panose="020B0604020202020204" pitchFamily="34" charset="0"/>
+              <a:buChar char="•"/>
+            </a:pPr>
+            <a:r>
+              <a:rPr lang="fr-FR" sz="1100" dirty="0"/>
+              <a:t>Upgrade du RSP</a:t>
+            </a:r>
+          </a:p>
+          <a:p>
+            <a:pPr marL="285750" indent="-285750">
+              <a:buFont typeface="Arial" panose="020B0604020202020204" pitchFamily="34" charset="0"/>
+              <a:buChar char="•"/>
+            </a:pPr>
+            <a:r>
+              <a:rPr lang="fr-FR" sz="1100" dirty="0"/>
+              <a:t>Production à la </a:t>
+            </a:r>
+            <a:r>
+              <a:rPr lang="fr-FR" sz="1100" dirty="0" err="1"/>
+              <a:t>Mache</a:t>
+            </a:r>
+            <a:endParaRPr lang="fr-FR" sz="1100" dirty="0"/>
+          </a:p>
+          <a:p>
+            <a:r>
+              <a:rPr lang="fr-FR" sz="1100" b="1" dirty="0"/>
+              <a:t>Partenaires</a:t>
+            </a:r>
+          </a:p>
+          <a:p>
+            <a:pPr marL="285750" indent="-285750">
+              <a:buFont typeface="Arial" panose="020B0604020202020204" pitchFamily="34" charset="0"/>
+              <a:buChar char="•"/>
+            </a:pPr>
+            <a:r>
+              <a:rPr lang="fr-FR" sz="1100" dirty="0"/>
+              <a:t>Nouveaux moyens de production</a:t>
+            </a:r>
+          </a:p>
+          <a:p>
+            <a:r>
+              <a:rPr lang="fr-FR" sz="1100" b="1" dirty="0"/>
+              <a:t>Produit</a:t>
+            </a:r>
+          </a:p>
+          <a:p>
+            <a:pPr marL="285750" indent="-285750">
+              <a:buFont typeface="Arial" panose="020B0604020202020204" pitchFamily="34" charset="0"/>
+              <a:buChar char="•"/>
+            </a:pPr>
+            <a:r>
+              <a:rPr lang="fr-FR" sz="1100" dirty="0" err="1"/>
+              <a:t>Aéro</a:t>
+            </a:r>
+            <a:endParaRPr lang="fr-FR" sz="1100" dirty="0"/>
+          </a:p>
+          <a:p>
+            <a:pPr marL="285750" indent="-285750">
+              <a:buFont typeface="Arial" panose="020B0604020202020204" pitchFamily="34" charset="0"/>
+              <a:buChar char="•"/>
+            </a:pPr>
+            <a:r>
+              <a:rPr lang="fr-FR" sz="1100" dirty="0" err="1"/>
+              <a:t>Driverless</a:t>
+            </a:r>
+            <a:endParaRPr lang="fr-FR" sz="1100" dirty="0"/>
+          </a:p>
+          <a:p>
+            <a:pPr marL="285750" indent="-285750">
+              <a:buFont typeface="Arial" panose="020B0604020202020204" pitchFamily="34" charset="0"/>
+              <a:buChar char="•"/>
+            </a:pPr>
+            <a:r>
+              <a:rPr lang="fr-FR" sz="1100" dirty="0"/>
+              <a:t>Electrique</a:t>
+            </a:r>
+          </a:p>
+          <a:p>
+            <a:r>
+              <a:rPr lang="fr-FR" sz="1100" b="1" dirty="0"/>
+              <a:t>Pilotage</a:t>
+            </a:r>
+          </a:p>
+          <a:p>
+            <a:pPr marL="285750" indent="-285750">
+              <a:buFont typeface="Arial" panose="020B0604020202020204" pitchFamily="34" charset="0"/>
+              <a:buChar char="•"/>
+            </a:pPr>
+            <a:r>
+              <a:rPr lang="fr-FR" sz="1100" dirty="0"/>
+              <a:t>Entrainement pilotes</a:t>
+            </a:r>
+          </a:p>
+          <a:p>
+            <a:r>
+              <a:rPr lang="fr-FR" sz="1100" b="1" dirty="0"/>
+              <a:t>Piste</a:t>
+            </a:r>
+          </a:p>
+          <a:p>
+            <a:pPr marL="285750" indent="-285750">
+              <a:buFont typeface="Arial" panose="020B0604020202020204" pitchFamily="34" charset="0"/>
+              <a:buChar char="•"/>
+            </a:pPr>
+            <a:r>
+              <a:rPr lang="fr-FR" sz="1100" dirty="0"/>
+              <a:t>Démarchage d‘une piste plus représentative de la compétition</a:t>
+            </a:r>
+          </a:p>
+          <a:p>
+            <a:pPr marL="285750" indent="-285750">
+              <a:buFont typeface="Arial" panose="020B0604020202020204" pitchFamily="34" charset="0"/>
+              <a:buChar char="•"/>
+            </a:pPr>
+            <a:r>
+              <a:rPr lang="fr-FR" sz="1100" dirty="0"/>
+              <a:t>Augmentation du nombre de sorties karting</a:t>
+            </a:r>
+          </a:p>
+          <a:p>
+            <a:r>
+              <a:rPr lang="fr-FR" sz="1100" b="1" dirty="0"/>
+              <a:t>Podium</a:t>
+            </a:r>
+          </a:p>
+          <a:p>
+            <a:pPr marL="285750" indent="-285750">
+              <a:buFont typeface="Arial" panose="020B0604020202020204" pitchFamily="34" charset="0"/>
+              <a:buChar char="•"/>
+            </a:pPr>
+            <a:r>
+              <a:rPr lang="fr-FR" sz="1100" dirty="0"/>
+              <a:t>Livrables</a:t>
+            </a:r>
+          </a:p>
+          <a:p>
+            <a:pPr marL="285750" indent="-285750">
+              <a:buFont typeface="Arial" panose="020B0604020202020204" pitchFamily="34" charset="0"/>
+              <a:buChar char="•"/>
+            </a:pPr>
+            <a:r>
+              <a:rPr lang="fr-FR" sz="1100" dirty="0"/>
+              <a:t>Fiabilité</a:t>
+            </a:r>
+          </a:p>
+          <a:p>
+            <a:pPr marL="285750" indent="-285750">
+              <a:buFont typeface="Arial" panose="020B0604020202020204" pitchFamily="34" charset="0"/>
+              <a:buChar char="•"/>
+            </a:pPr>
+            <a:r>
+              <a:rPr lang="fr-FR" sz="1100" dirty="0"/>
+              <a:t>Prospection</a:t>
+            </a:r>
+          </a:p>
+        </p:txBody>
+      </p:sp>
     </p:spTree>
   </p:cSld>
   <p:clrMapOvr>
@@ -30827,13 +31018,7 @@
         <p:nvGraphicFramePr>
           <p:cNvPr id="113" name="Google Shape;113;p16"/>
           <p:cNvGraphicFramePr/>
-          <p:nvPr>
-            <p:extLst>
-              <p:ext uri="{D42A27DB-BD31-4B8C-83A1-F6EECF244321}">
-                <p14:modId xmlns:p14="http://schemas.microsoft.com/office/powerpoint/2010/main" val="1126876064"/>
-              </p:ext>
-            </p:extLst>
-          </p:nvPr>
+          <p:nvPr/>
         </p:nvGraphicFramePr>
         <p:xfrm>
           <a:off x="1027040" y="1378625"/>
@@ -30918,35 +31103,10 @@
                         <a:buNone/>
                       </a:pPr>
                       <a:r>
-                        <a:rPr lang="fr-FR" sz="1800" dirty="0"/>
+                        <a:rPr lang="fr-FR" sz="1800"/>
                         <a:t>Directeur Projet</a:t>
                       </a:r>
-                      <a:endParaRPr dirty="0"/>
-                    </a:p>
-                    <a:p>
-                      <a:pPr marL="0" marR="0" lvl="0" indent="0" algn="l" defTabSz="914400" rtl="0" eaLnBrk="1" fontAlgn="auto" latinLnBrk="0" hangingPunct="1">
-                        <a:lnSpc>
-                          <a:spcPct val="100000"/>
-                        </a:lnSpc>
-                        <a:spcBef>
-                          <a:spcPts val="0"/>
-                        </a:spcBef>
-                        <a:spcAft>
-                          <a:spcPts val="0"/>
-                        </a:spcAft>
-                        <a:buClr>
-                          <a:srgbClr val="000000"/>
-                        </a:buClr>
-                        <a:buSzTx/>
-                        <a:buFont typeface="Arial"/>
-                        <a:buNone/>
-                        <a:tabLst/>
-                        <a:defRPr/>
-                      </a:pPr>
-                      <a:r>
-                        <a:rPr lang="fr-FR" sz="1800" dirty="0"/>
-                        <a:t>Directeur Technique</a:t>
-                      </a:r>
+                      <a:endParaRPr/>
                     </a:p>
                     <a:p>
                       <a:pPr marL="0" marR="0" lvl="0" indent="0" algn="l" rtl="0">
@@ -30959,10 +31119,10 @@
                         <a:buNone/>
                       </a:pPr>
                       <a:r>
-                        <a:rPr lang="fr-FR" sz="1800" dirty="0"/>
+                        <a:rPr lang="fr-FR" sz="1800"/>
                         <a:t>Directeur Financier</a:t>
                       </a:r>
-                      <a:endParaRPr dirty="0"/>
+                      <a:endParaRPr/>
                     </a:p>
                     <a:p>
                       <a:pPr marL="0" marR="0" lvl="0" indent="0" algn="l" rtl="0">
@@ -30975,10 +31135,26 @@
                         <a:buNone/>
                       </a:pPr>
                       <a:r>
-                        <a:rPr lang="fr-FR" sz="1800" dirty="0"/>
+                        <a:rPr lang="fr-FR" sz="1800"/>
+                        <a:t>Directeur Technique</a:t>
+                      </a:r>
+                      <a:endParaRPr/>
+                    </a:p>
+                    <a:p>
+                      <a:pPr marL="0" marR="0" lvl="0" indent="0" algn="l" rtl="0">
+                        <a:spcBef>
+                          <a:spcPts val="0"/>
+                        </a:spcBef>
+                        <a:spcAft>
+                          <a:spcPts val="0"/>
+                        </a:spcAft>
+                        <a:buNone/>
+                      </a:pPr>
+                      <a:r>
+                        <a:rPr lang="fr-FR" sz="1800"/>
                         <a:t>Directeur Performance</a:t>
                       </a:r>
-                      <a:endParaRPr dirty="0"/>
+                      <a:endParaRPr/>
                     </a:p>
                   </a:txBody>
                   <a:tcPr marL="91450" marR="91450" marT="45725" marB="45725"/>
@@ -30998,35 +31174,10 @@
                         <a:buNone/>
                       </a:pPr>
                       <a:r>
-                        <a:rPr lang="fr-FR" sz="1800" dirty="0"/>
+                        <a:rPr lang="fr-FR" sz="1800"/>
                         <a:t>Arthur RODRIGUEZ</a:t>
                       </a:r>
-                      <a:endParaRPr dirty="0"/>
-                    </a:p>
-                    <a:p>
-                      <a:pPr marL="0" marR="0" lvl="0" indent="0" algn="l" defTabSz="914400" rtl="0" eaLnBrk="1" fontAlgn="auto" latinLnBrk="0" hangingPunct="1">
-                        <a:lnSpc>
-                          <a:spcPct val="100000"/>
-                        </a:lnSpc>
-                        <a:spcBef>
-                          <a:spcPts val="0"/>
-                        </a:spcBef>
-                        <a:spcAft>
-                          <a:spcPts val="0"/>
-                        </a:spcAft>
-                        <a:buClr>
-                          <a:srgbClr val="000000"/>
-                        </a:buClr>
-                        <a:buSzTx/>
-                        <a:buFont typeface="Arial"/>
-                        <a:buNone/>
-                        <a:tabLst/>
-                        <a:defRPr/>
-                      </a:pPr>
-                      <a:r>
-                        <a:rPr lang="fr-FR" sz="1800" dirty="0"/>
-                        <a:t>Thibaud LASSUS</a:t>
-                      </a:r>
+                      <a:endParaRPr/>
                     </a:p>
                     <a:p>
                       <a:pPr marL="0" marR="0" lvl="0" indent="0" algn="l" rtl="0">
@@ -31039,10 +31190,10 @@
                         <a:buNone/>
                       </a:pPr>
                       <a:r>
-                        <a:rPr lang="fr-FR" sz="1800" dirty="0"/>
+                        <a:rPr lang="fr-FR" sz="1800"/>
                         <a:t>Romain MARTIN</a:t>
                       </a:r>
-                      <a:endParaRPr dirty="0"/>
+                      <a:endParaRPr/>
                     </a:p>
                     <a:p>
                       <a:pPr marL="0" marR="0" lvl="0" indent="0" algn="l" rtl="0">
@@ -31055,10 +31206,26 @@
                         <a:buNone/>
                       </a:pPr>
                       <a:r>
-                        <a:rPr lang="fr-FR" sz="1800" dirty="0"/>
+                        <a:rPr lang="fr-FR" sz="1800"/>
+                        <a:t>Thibaud LASSUS</a:t>
+                      </a:r>
+                      <a:endParaRPr/>
+                    </a:p>
+                    <a:p>
+                      <a:pPr marL="0" marR="0" lvl="0" indent="0" algn="l" rtl="0">
+                        <a:spcBef>
+                          <a:spcPts val="0"/>
+                        </a:spcBef>
+                        <a:spcAft>
+                          <a:spcPts val="0"/>
+                        </a:spcAft>
+                        <a:buNone/>
+                      </a:pPr>
+                      <a:r>
+                        <a:rPr lang="fr-FR" sz="1800"/>
                         <a:t>Martin KAWCZYNSKI</a:t>
                       </a:r>
-                      <a:endParaRPr dirty="0"/>
+                      <a:endParaRPr/>
                     </a:p>
                   </a:txBody>
                   <a:tcPr marL="91450" marR="91450" marT="45725" marB="45725"/>
@@ -31311,17 +31478,11 @@
         <p:nvGraphicFramePr>
           <p:cNvPr id="115" name="Google Shape;115;p16"/>
           <p:cNvGraphicFramePr/>
-          <p:nvPr>
-            <p:extLst>
-              <p:ext uri="{D42A27DB-BD31-4B8C-83A1-F6EECF244321}">
-                <p14:modId xmlns:p14="http://schemas.microsoft.com/office/powerpoint/2010/main" val="1664363227"/>
-              </p:ext>
-            </p:extLst>
-          </p:nvPr>
+          <p:nvPr/>
         </p:nvGraphicFramePr>
         <p:xfrm>
           <a:off x="6679098" y="1378625"/>
-          <a:ext cx="4485875" cy="1559580"/>
+          <a:ext cx="4485875" cy="1285260"/>
         </p:xfrm>
         <a:graphic>
           <a:graphicData uri="http://schemas.openxmlformats.org/drawingml/2006/table">
@@ -31402,9 +31563,10 @@
                         <a:buNone/>
                       </a:pPr>
                       <a:r>
-                        <a:rPr lang="fr-FR" sz="1800" dirty="0"/>
+                        <a:rPr lang="fr-FR" sz="1800"/>
                         <a:t>Président</a:t>
                       </a:r>
+                      <a:endParaRPr/>
                     </a:p>
                     <a:p>
                       <a:pPr marL="0" marR="0" lvl="0" indent="0" algn="l" rtl="0">
@@ -31417,10 +31579,10 @@
                         <a:buNone/>
                       </a:pPr>
                       <a:r>
-                        <a:rPr lang="fr-FR" sz="1800" dirty="0"/>
-                        <a:t>Vice Président</a:t>
+                        <a:rPr lang="fr-FR" sz="1800"/>
+                        <a:t>Trésorier</a:t>
                       </a:r>
-                      <a:endParaRPr dirty="0"/>
+                      <a:endParaRPr/>
                     </a:p>
                     <a:p>
                       <a:pPr marL="0" marR="0" lvl="0" indent="0" algn="l" rtl="0">
@@ -31433,26 +31595,10 @@
                         <a:buNone/>
                       </a:pPr>
                       <a:r>
-                        <a:rPr lang="fr-FR" sz="1800" dirty="0"/>
-                        <a:t>Trésorier</a:t>
-                      </a:r>
-                      <a:endParaRPr dirty="0"/>
-                    </a:p>
-                    <a:p>
-                      <a:pPr marL="0" marR="0" lvl="0" indent="0" algn="l" rtl="0">
-                        <a:spcBef>
-                          <a:spcPts val="0"/>
-                        </a:spcBef>
-                        <a:spcAft>
-                          <a:spcPts val="0"/>
-                        </a:spcAft>
-                        <a:buNone/>
-                      </a:pPr>
-                      <a:r>
-                        <a:rPr lang="fr-FR" sz="1800" dirty="0"/>
+                        <a:rPr lang="fr-FR" sz="1800"/>
                         <a:t>Secrétaire Général</a:t>
                       </a:r>
-                      <a:endParaRPr dirty="0"/>
+                      <a:endParaRPr/>
                     </a:p>
                   </a:txBody>
                   <a:tcPr marL="91450" marR="91450" marT="45725" marB="45725"/>
@@ -31472,25 +31618,10 @@
                         <a:buNone/>
                       </a:pPr>
                       <a:r>
-                        <a:rPr lang="fr-FR" sz="1800" dirty="0"/>
+                        <a:rPr lang="fr-FR" sz="1800"/>
                         <a:t>Mathieu JACQUET</a:t>
                       </a:r>
-                    </a:p>
-                    <a:p>
-                      <a:pPr marL="0" marR="0" lvl="0" indent="0" algn="l" rtl="0">
-                        <a:spcBef>
-                          <a:spcPts val="0"/>
-                        </a:spcBef>
-                        <a:spcAft>
-                          <a:spcPts val="0"/>
-                        </a:spcAft>
-                        <a:buNone/>
-                      </a:pPr>
-                      <a:r>
-                        <a:rPr lang="fr-FR" sz="1800" dirty="0"/>
-                        <a:t>Aurélien BIENNER</a:t>
-                      </a:r>
-                      <a:endParaRPr dirty="0"/>
+                      <a:endParaRPr/>
                     </a:p>
                     <a:p>
                       <a:pPr marL="0" lvl="0" indent="0" algn="l" rtl="0">
@@ -31507,10 +31638,10 @@
                         <a:buNone/>
                       </a:pPr>
                       <a:r>
-                        <a:rPr lang="fr-FR" sz="1800" dirty="0"/>
+                        <a:rPr lang="fr-FR" sz="1800"/>
                         <a:t>Romain MARTIN</a:t>
                       </a:r>
-                      <a:endParaRPr dirty="0"/>
+                      <a:endParaRPr/>
                     </a:p>
                     <a:p>
                       <a:pPr marL="0" lvl="0" indent="0" algn="l" rtl="0">
@@ -31527,10 +31658,10 @@
                         <a:buNone/>
                       </a:pPr>
                       <a:r>
-                        <a:rPr lang="fr-FR" sz="1800" dirty="0"/>
+                        <a:rPr lang="fr-FR" sz="1800"/>
                         <a:t>Aimery SAULIERE</a:t>
                       </a:r>
-                      <a:endParaRPr sz="1800" dirty="0"/>
+                      <a:endParaRPr sz="1800"/>
                     </a:p>
                   </a:txBody>
                   <a:tcPr marL="91450" marR="91450" marT="45725" marB="45725"/>
@@ -31714,17 +31845,11 @@
         <p:nvGraphicFramePr>
           <p:cNvPr id="123" name="Google Shape;123;p17"/>
           <p:cNvGraphicFramePr/>
-          <p:nvPr>
-            <p:extLst>
-              <p:ext uri="{D42A27DB-BD31-4B8C-83A1-F6EECF244321}">
-                <p14:modId xmlns:p14="http://schemas.microsoft.com/office/powerpoint/2010/main" val="4237797397"/>
-              </p:ext>
-            </p:extLst>
-          </p:nvPr>
+          <p:nvPr/>
         </p:nvGraphicFramePr>
         <p:xfrm>
           <a:off x="-904" y="1561179"/>
-          <a:ext cx="4479338" cy="1559580"/>
+          <a:ext cx="4671750" cy="1559580"/>
         </p:xfrm>
         <a:graphic>
           <a:graphicData uri="http://schemas.openxmlformats.org/drawingml/2006/table">
@@ -31741,7 +31866,7 @@
                     </a:ext>
                   </a:extLst>
                 </a:gridCol>
-                <a:gridCol w="2143463">
+                <a:gridCol w="2335875">
                   <a:extLst>
                     <a:ext uri="{9D8B030D-6E8A-4147-A177-3AD203B41FA5}">
                       <a16:colId xmlns:a16="http://schemas.microsoft.com/office/drawing/2014/main" val="20001"/>
@@ -31805,35 +31930,10 @@
                         <a:buNone/>
                       </a:pPr>
                       <a:r>
-                        <a:rPr lang="fr-FR" sz="1800" dirty="0"/>
+                        <a:rPr lang="fr-FR" sz="1800"/>
                         <a:t>Directeur Projet</a:t>
                       </a:r>
-                      <a:endParaRPr dirty="0"/>
-                    </a:p>
-                    <a:p>
-                      <a:pPr marL="0" marR="0" lvl="0" indent="0" algn="l" defTabSz="914400" rtl="0" eaLnBrk="1" fontAlgn="auto" latinLnBrk="0" hangingPunct="1">
-                        <a:lnSpc>
-                          <a:spcPct val="100000"/>
-                        </a:lnSpc>
-                        <a:spcBef>
-                          <a:spcPts val="0"/>
-                        </a:spcBef>
-                        <a:spcAft>
-                          <a:spcPts val="0"/>
-                        </a:spcAft>
-                        <a:buClr>
-                          <a:srgbClr val="000000"/>
-                        </a:buClr>
-                        <a:buSzTx/>
-                        <a:buFont typeface="Arial"/>
-                        <a:buNone/>
-                        <a:tabLst/>
-                        <a:defRPr/>
-                      </a:pPr>
-                      <a:r>
-                        <a:rPr lang="fr-FR" sz="1800" dirty="0"/>
-                        <a:t>Directeur Technique</a:t>
-                      </a:r>
+                      <a:endParaRPr/>
                     </a:p>
                     <a:p>
                       <a:pPr marL="0" marR="0" lvl="0" indent="0" algn="l" rtl="0">
@@ -31846,10 +31946,10 @@
                         <a:buNone/>
                       </a:pPr>
                       <a:r>
-                        <a:rPr lang="fr-FR" sz="1800" dirty="0"/>
+                        <a:rPr lang="fr-FR" sz="1800"/>
                         <a:t>Directeur Financier</a:t>
                       </a:r>
-                      <a:endParaRPr dirty="0"/>
+                      <a:endParaRPr/>
                     </a:p>
                     <a:p>
                       <a:pPr marL="0" marR="0" lvl="0" indent="0" algn="l" rtl="0">
@@ -31862,10 +31962,26 @@
                         <a:buNone/>
                       </a:pPr>
                       <a:r>
-                        <a:rPr lang="fr-FR" sz="1800" dirty="0"/>
+                        <a:rPr lang="fr-FR" sz="1800"/>
+                        <a:t>Directeur Technique</a:t>
+                      </a:r>
+                      <a:endParaRPr/>
+                    </a:p>
+                    <a:p>
+                      <a:pPr marL="0" marR="0" lvl="0" indent="0" algn="l" rtl="0">
+                        <a:spcBef>
+                          <a:spcPts val="0"/>
+                        </a:spcBef>
+                        <a:spcAft>
+                          <a:spcPts val="0"/>
+                        </a:spcAft>
+                        <a:buNone/>
+                      </a:pPr>
+                      <a:r>
+                        <a:rPr lang="fr-FR" sz="1800"/>
                         <a:t>Directeur Performance</a:t>
                       </a:r>
-                      <a:endParaRPr dirty="0"/>
+                      <a:endParaRPr/>
                     </a:p>
                   </a:txBody>
                   <a:tcPr marL="91450" marR="91450" marT="45725" marB="45725"/>
@@ -31885,35 +32001,10 @@
                         <a:buNone/>
                       </a:pPr>
                       <a:r>
-                        <a:rPr lang="fr-FR" sz="1800" dirty="0"/>
+                        <a:rPr lang="fr-FR" sz="1800"/>
                         <a:t>Arthur RODRIGUEZ</a:t>
                       </a:r>
-                      <a:endParaRPr dirty="0"/>
-                    </a:p>
-                    <a:p>
-                      <a:pPr marL="0" marR="0" lvl="0" indent="0" algn="l" defTabSz="914400" rtl="0" eaLnBrk="1" fontAlgn="auto" latinLnBrk="0" hangingPunct="1">
-                        <a:lnSpc>
-                          <a:spcPct val="100000"/>
-                        </a:lnSpc>
-                        <a:spcBef>
-                          <a:spcPts val="0"/>
-                        </a:spcBef>
-                        <a:spcAft>
-                          <a:spcPts val="0"/>
-                        </a:spcAft>
-                        <a:buClr>
-                          <a:srgbClr val="000000"/>
-                        </a:buClr>
-                        <a:buSzTx/>
-                        <a:buFont typeface="Arial"/>
-                        <a:buNone/>
-                        <a:tabLst/>
-                        <a:defRPr/>
-                      </a:pPr>
-                      <a:r>
-                        <a:rPr lang="fr-FR" sz="1800" dirty="0"/>
-                        <a:t>Thibaud LASSUS</a:t>
-                      </a:r>
+                      <a:endParaRPr/>
                     </a:p>
                     <a:p>
                       <a:pPr marL="0" marR="0" lvl="0" indent="0" algn="l" rtl="0">
@@ -31926,10 +32017,10 @@
                         <a:buNone/>
                       </a:pPr>
                       <a:r>
-                        <a:rPr lang="fr-FR" sz="1800" dirty="0"/>
+                        <a:rPr lang="fr-FR" sz="1800"/>
                         <a:t>Romain MARTIN</a:t>
                       </a:r>
-                      <a:endParaRPr dirty="0"/>
+                      <a:endParaRPr/>
                     </a:p>
                     <a:p>
                       <a:pPr marL="0" marR="0" lvl="0" indent="0" algn="l" rtl="0">
@@ -31942,10 +32033,26 @@
                         <a:buNone/>
                       </a:pPr>
                       <a:r>
-                        <a:rPr lang="fr-FR" sz="1800" dirty="0"/>
+                        <a:rPr lang="fr-FR" sz="1800"/>
+                        <a:t>Thibaud LASSUS</a:t>
+                      </a:r>
+                      <a:endParaRPr/>
+                    </a:p>
+                    <a:p>
+                      <a:pPr marL="0" marR="0" lvl="0" indent="0" algn="l" rtl="0">
+                        <a:spcBef>
+                          <a:spcPts val="0"/>
+                        </a:spcBef>
+                        <a:spcAft>
+                          <a:spcPts val="0"/>
+                        </a:spcAft>
+                        <a:buNone/>
+                      </a:pPr>
+                      <a:r>
+                        <a:rPr lang="fr-FR" sz="1800"/>
                         <a:t>Martin KAWCZYNSKI</a:t>
                       </a:r>
-                      <a:endParaRPr dirty="0"/>
+                      <a:endParaRPr/>
                     </a:p>
                   </a:txBody>
                   <a:tcPr marL="91450" marR="91450" marT="45725" marB="45725"/>
@@ -31964,17 +32071,11 @@
         <p:nvGraphicFramePr>
           <p:cNvPr id="124" name="Google Shape;124;p17"/>
           <p:cNvGraphicFramePr/>
-          <p:nvPr>
-            <p:extLst>
-              <p:ext uri="{D42A27DB-BD31-4B8C-83A1-F6EECF244321}">
-                <p14:modId xmlns:p14="http://schemas.microsoft.com/office/powerpoint/2010/main" val="2466231891"/>
-              </p:ext>
-            </p:extLst>
-          </p:nvPr>
+          <p:nvPr/>
         </p:nvGraphicFramePr>
         <p:xfrm>
-          <a:off x="4749130" y="1556175"/>
-          <a:ext cx="4165460" cy="1559580"/>
+          <a:off x="4944440" y="1556175"/>
+          <a:ext cx="3970150" cy="1559580"/>
         </p:xfrm>
         <a:graphic>
           <a:graphicData uri="http://schemas.openxmlformats.org/drawingml/2006/table">
@@ -31984,14 +32085,14 @@
                 <a:tableStyleId>{B66C77B7-72B2-49AA-88F4-1DF366D76EA2}</a:tableStyleId>
               </a:tblPr>
               <a:tblGrid>
-                <a:gridCol w="1997899">
+                <a:gridCol w="1489500">
                   <a:extLst>
                     <a:ext uri="{9D8B030D-6E8A-4147-A177-3AD203B41FA5}">
                       <a16:colId xmlns:a16="http://schemas.microsoft.com/office/drawing/2014/main" val="20000"/>
                     </a:ext>
                   </a:extLst>
                 </a:gridCol>
-                <a:gridCol w="2167561">
+                <a:gridCol w="2480650">
                   <a:extLst>
                     <a:ext uri="{9D8B030D-6E8A-4147-A177-3AD203B41FA5}">
                       <a16:colId xmlns:a16="http://schemas.microsoft.com/office/drawing/2014/main" val="20001"/>
@@ -32055,9 +32156,10 @@
                         <a:buNone/>
                       </a:pPr>
                       <a:r>
-                        <a:rPr lang="fr-FR" sz="1800" dirty="0"/>
+                        <a:rPr lang="fr-FR" sz="1800"/>
                         <a:t>Président</a:t>
                       </a:r>
+                      <a:endParaRPr/>
                     </a:p>
                     <a:p>
                       <a:pPr marL="0" marR="0" lvl="0" indent="0" algn="l" rtl="0">
@@ -32070,10 +32172,10 @@
                         <a:buNone/>
                       </a:pPr>
                       <a:r>
-                        <a:rPr lang="fr-FR" sz="1800" dirty="0"/>
-                        <a:t>Vice Président</a:t>
+                        <a:rPr lang="fr-FR" sz="1800"/>
+                        <a:t>Trésorier</a:t>
                       </a:r>
-                      <a:endParaRPr dirty="0"/>
+                      <a:endParaRPr/>
                     </a:p>
                     <a:p>
                       <a:pPr marL="0" marR="0" lvl="0" indent="0" algn="l" rtl="0">
@@ -32086,26 +32188,10 @@
                         <a:buNone/>
                       </a:pPr>
                       <a:r>
-                        <a:rPr lang="fr-FR" sz="1800" dirty="0"/>
-                        <a:t>Trésorier</a:t>
-                      </a:r>
-                      <a:endParaRPr dirty="0"/>
-                    </a:p>
-                    <a:p>
-                      <a:pPr marL="0" marR="0" lvl="0" indent="0" algn="l" rtl="0">
-                        <a:spcBef>
-                          <a:spcPts val="0"/>
-                        </a:spcBef>
-                        <a:spcAft>
-                          <a:spcPts val="0"/>
-                        </a:spcAft>
-                        <a:buNone/>
-                      </a:pPr>
-                      <a:r>
-                        <a:rPr lang="fr-FR" sz="1800" dirty="0"/>
+                        <a:rPr lang="fr-FR" sz="1800"/>
                         <a:t>Secrétaire Général</a:t>
                       </a:r>
-                      <a:endParaRPr dirty="0"/>
+                      <a:endParaRPr/>
                     </a:p>
                   </a:txBody>
                   <a:tcPr marL="91450" marR="91450" marT="45725" marB="45725"/>
@@ -32125,25 +32211,10 @@
                         <a:buNone/>
                       </a:pPr>
                       <a:r>
-                        <a:rPr lang="fr-FR" sz="1800" dirty="0"/>
+                        <a:rPr lang="fr-FR" sz="1800"/>
                         <a:t>Mathieu JACQUET</a:t>
                       </a:r>
-                    </a:p>
-                    <a:p>
-                      <a:pPr marL="0" marR="0" lvl="0" indent="0" algn="l" rtl="0">
-                        <a:spcBef>
-                          <a:spcPts val="0"/>
-                        </a:spcBef>
-                        <a:spcAft>
-                          <a:spcPts val="0"/>
-                        </a:spcAft>
-                        <a:buNone/>
-                      </a:pPr>
-                      <a:r>
-                        <a:rPr lang="fr-FR" sz="1800" dirty="0"/>
-                        <a:t>Aurélien BIENNER</a:t>
-                      </a:r>
-                      <a:endParaRPr sz="1800" dirty="0"/>
+                      <a:endParaRPr sz="1800"/>
                     </a:p>
                     <a:p>
                       <a:pPr marL="0" lvl="0" indent="0" algn="l" rtl="0">
@@ -32160,10 +32231,10 @@
                         <a:buNone/>
                       </a:pPr>
                       <a:r>
-                        <a:rPr lang="fr-FR" sz="1800" dirty="0"/>
+                        <a:rPr lang="fr-FR" sz="1800"/>
                         <a:t>Romain MARTIN</a:t>
                       </a:r>
-                      <a:endParaRPr dirty="0"/>
+                      <a:endParaRPr/>
                     </a:p>
                     <a:p>
                       <a:pPr marL="0" lvl="0" indent="0" algn="l" rtl="0">
@@ -32180,10 +32251,10 @@
                         <a:buNone/>
                       </a:pPr>
                       <a:r>
-                        <a:rPr lang="fr-FR" sz="1800" dirty="0"/>
+                        <a:rPr lang="fr-FR" sz="1800"/>
                         <a:t>Aimery SAULIERE</a:t>
                       </a:r>
-                      <a:endParaRPr sz="1800" dirty="0"/>
+                      <a:endParaRPr sz="1800"/>
                     </a:p>
                   </a:txBody>
                   <a:tcPr marL="91450" marR="91450" marT="45725" marB="45725"/>
@@ -33086,7 +33157,7 @@
         </p:nvCxnSpPr>
         <p:spPr>
           <a:xfrm rot="10800000" flipH="1">
-            <a:off x="4475530" y="2335859"/>
+            <a:off x="4670840" y="2335859"/>
             <a:ext cx="273600" cy="5100"/>
           </a:xfrm>
           <a:prstGeom prst="straightConnector1">
@@ -33367,17 +33438,11 @@
         <p:nvGraphicFramePr>
           <p:cNvPr id="139" name="Google Shape;139;p17"/>
           <p:cNvGraphicFramePr/>
-          <p:nvPr>
-            <p:extLst>
-              <p:ext uri="{D42A27DB-BD31-4B8C-83A1-F6EECF244321}">
-                <p14:modId xmlns:p14="http://schemas.microsoft.com/office/powerpoint/2010/main" val="535118271"/>
-              </p:ext>
-            </p:extLst>
-          </p:nvPr>
+          <p:nvPr/>
         </p:nvGraphicFramePr>
         <p:xfrm>
-          <a:off x="3013758" y="5303500"/>
-          <a:ext cx="3627795" cy="1554500"/>
+          <a:off x="890939" y="5294905"/>
+          <a:ext cx="6757250" cy="1554500"/>
         </p:xfrm>
         <a:graphic>
           <a:graphicData uri="http://schemas.openxmlformats.org/drawingml/2006/table">
@@ -33394,16 +33459,23 @@
                     </a:ext>
                   </a:extLst>
                 </a:gridCol>
-                <a:gridCol w="2290695">
+                <a:gridCol w="3058325">
                   <a:extLst>
                     <a:ext uri="{9D8B030D-6E8A-4147-A177-3AD203B41FA5}">
                       <a16:colId xmlns:a16="http://schemas.microsoft.com/office/drawing/2014/main" val="20001"/>
                     </a:ext>
                   </a:extLst>
                 </a:gridCol>
+                <a:gridCol w="2361825">
+                  <a:extLst>
+                    <a:ext uri="{9D8B030D-6E8A-4147-A177-3AD203B41FA5}">
+                      <a16:colId xmlns:a16="http://schemas.microsoft.com/office/drawing/2014/main" val="20002"/>
+                    </a:ext>
+                  </a:extLst>
+                </a:gridCol>
               </a:tblGrid>
               <a:tr h="261650">
-                <a:tc gridSpan="2">
+                <a:tc gridSpan="3">
                   <a:txBody>
                     <a:bodyPr/>
                     <a:lstStyle/>
@@ -33425,6 +33497,16 @@
                     </a:p>
                   </a:txBody>
                   <a:tcPr marL="91450" marR="91450" marT="45725" marB="45725"/>
+                </a:tc>
+                <a:tc hMerge="1">
+                  <a:txBody>
+                    <a:bodyPr/>
+                    <a:lstStyle/>
+                    <a:p>
+                      <a:endParaRPr lang="fr-FR"/>
+                    </a:p>
+                  </a:txBody>
+                  <a:tcPr/>
                 </a:tc>
                 <a:tc hMerge="1">
                   <a:txBody>
@@ -33529,10 +33611,10 @@
                         <a:buNone/>
                       </a:pPr>
                       <a:r>
-                        <a:rPr lang="fr-FR" sz="1800" b="1" dirty="0"/>
+                        <a:rPr lang="fr-FR" sz="1800" b="1"/>
                         <a:t>Aimery SAULIÈRE</a:t>
                       </a:r>
-                      <a:endParaRPr dirty="0"/>
+                      <a:endParaRPr/>
                     </a:p>
                     <a:p>
                       <a:pPr marL="0" marR="0" lvl="0" indent="0" algn="l" rtl="0">
@@ -33545,9 +33627,10 @@
                         <a:buNone/>
                       </a:pPr>
                       <a:r>
-                        <a:rPr lang="fr-FR" sz="1800" dirty="0"/>
+                        <a:rPr lang="fr-FR" sz="1800"/>
                         <a:t>Mathieu JACQUET</a:t>
                       </a:r>
+                      <a:endParaRPr sz="1800"/>
                     </a:p>
                     <a:p>
                       <a:pPr marL="0" marR="0" lvl="0" indent="0" algn="l" rtl="0">
@@ -33560,10 +33643,77 @@
                         <a:buNone/>
                       </a:pPr>
                       <a:r>
-                        <a:rPr lang="fr-FR" sz="1800" dirty="0"/>
-                        <a:t>Côme ARCHINARD</a:t>
+                        <a:rPr lang="fr-FR" sz="1800"/>
+                        <a:t>Thibaud LASSUS</a:t>
                       </a:r>
-                      <a:endParaRPr sz="1800" dirty="0"/>
+                      <a:endParaRPr sz="1800"/>
+                    </a:p>
+                    <a:p>
+                      <a:pPr marL="0" marR="0" lvl="0" indent="0" algn="l" rtl="0">
+                        <a:spcBef>
+                          <a:spcPts val="0"/>
+                        </a:spcBef>
+                        <a:spcAft>
+                          <a:spcPts val="0"/>
+                        </a:spcAft>
+                        <a:buNone/>
+                      </a:pPr>
+                      <a:r>
+                        <a:rPr lang="fr-FR" sz="1800"/>
+                        <a:t>Erwan BENKARA-MAHAMMED</a:t>
+                      </a:r>
+                      <a:endParaRPr sz="1800"/>
+                    </a:p>
+                  </a:txBody>
+                  <a:tcPr marL="91450" marR="91450" marT="45725" marB="45725"/>
+                </a:tc>
+                <a:tc>
+                  <a:txBody>
+                    <a:bodyPr/>
+                    <a:lstStyle/>
+                    <a:p>
+                      <a:pPr marL="0" marR="0" lvl="0" indent="0" algn="l" rtl="0">
+                        <a:spcBef>
+                          <a:spcPts val="0"/>
+                        </a:spcBef>
+                        <a:spcAft>
+                          <a:spcPts val="0"/>
+                        </a:spcAft>
+                        <a:buNone/>
+                      </a:pPr>
+                      <a:endParaRPr sz="1800"/>
+                    </a:p>
+                    <a:p>
+                      <a:pPr marL="0" marR="0" lvl="0" indent="0" algn="l" rtl="0">
+                        <a:spcBef>
+                          <a:spcPts val="0"/>
+                        </a:spcBef>
+                        <a:spcAft>
+                          <a:spcPts val="0"/>
+                        </a:spcAft>
+                        <a:buNone/>
+                      </a:pPr>
+                      <a:r>
+                        <a:rPr lang="fr-FR" sz="1800"/>
+                        <a:t>Idriss GOUIGAH</a:t>
+                      </a:r>
+                      <a:endParaRPr sz="1800"/>
+                    </a:p>
+                    <a:p>
+                      <a:pPr marL="0" marR="0" lvl="0" indent="0" algn="l" rtl="0">
+                        <a:spcBef>
+                          <a:spcPts val="0"/>
+                        </a:spcBef>
+                        <a:spcAft>
+                          <a:spcPts val="0"/>
+                        </a:spcAft>
+                        <a:buNone/>
+                      </a:pPr>
+                      <a:r>
+                        <a:rPr lang="fr-FR" sz="1800"/>
+                        <a:t>Ghassen LASSOUED</a:t>
+                      </a:r>
+                      <a:endParaRPr sz="1800"/>
                     </a:p>
                   </a:txBody>
                   <a:tcPr marL="91450" marR="91450" marT="45725" marB="45725"/>
@@ -36304,7 +36454,7 @@
               <a:buNone/>
             </a:pPr>
             <a:r>
-              <a:rPr lang="fr-FR" sz="2400" b="1" u="sng">
+              <a:rPr lang="fr-FR" sz="2400" b="1" u="sng" dirty="0">
                 <a:solidFill>
                   <a:srgbClr val="C2381E"/>
                 </a:solidFill>
@@ -36313,22 +36463,10 @@
                 <a:cs typeface="Calibri"/>
                 <a:sym typeface="Calibri"/>
               </a:rPr>
-              <a:t>TOP Maquette : Budget Prévisionnel</a:t>
+              <a:t>TOP Maquette : </a:t>
             </a:r>
-            <a:endParaRPr/>
-          </a:p>
-          <a:p>
-            <a:pPr marL="0" marR="0" lvl="0" indent="0" algn="ctr" rtl="0">
-              <a:spcBef>
-                <a:spcPts val="0"/>
-              </a:spcBef>
-              <a:spcAft>
-                <a:spcPts val="0"/>
-              </a:spcAft>
-              <a:buNone/>
-            </a:pPr>
             <a:r>
-              <a:rPr lang="fr-FR" sz="2400" b="1" u="sng">
+              <a:rPr lang="fr-FR" sz="2400" b="1" u="sng" dirty="0" err="1">
                 <a:solidFill>
                   <a:srgbClr val="C2381E"/>
                 </a:solidFill>
@@ -36337,9 +36475,9 @@
                 <a:cs typeface="Calibri"/>
                 <a:sym typeface="Calibri"/>
               </a:rPr>
-              <a:t>Massique</a:t>
+              <a:t>CdCF</a:t>
             </a:r>
-            <a:endParaRPr/>
+            <a:endParaRPr dirty="0"/>
           </a:p>
         </p:txBody>
       </p:sp>
@@ -36420,156 +36558,6 @@
           </a:ln>
         </p:spPr>
       </p:pic>
-      <p:graphicFrame>
-        <p:nvGraphicFramePr>
-          <p:cNvPr id="11" name="Graphique 10">
-            <a:extLst>
-              <a:ext uri="{FF2B5EF4-FFF2-40B4-BE49-F238E27FC236}">
-                <a16:creationId xmlns:a16="http://schemas.microsoft.com/office/drawing/2014/main" id="{507A76EC-2183-4100-AFE9-4606E8FD78C3}"/>
-              </a:ext>
-            </a:extLst>
-          </p:cNvPr>
-          <p:cNvGraphicFramePr>
-            <a:graphicFrameLocks/>
-          </p:cNvGraphicFramePr>
-          <p:nvPr>
-            <p:extLst>
-              <p:ext uri="{D42A27DB-BD31-4B8C-83A1-F6EECF244321}">
-                <p14:modId xmlns:p14="http://schemas.microsoft.com/office/powerpoint/2010/main" val="1764472731"/>
-              </p:ext>
-            </p:extLst>
-          </p:nvPr>
-        </p:nvGraphicFramePr>
-        <p:xfrm>
-          <a:off x="0" y="1378252"/>
-          <a:ext cx="3935896" cy="2702548"/>
-        </p:xfrm>
-        <a:graphic>
-          <a:graphicData uri="http://schemas.openxmlformats.org/drawingml/2006/chart">
-            <c:chart xmlns:c="http://schemas.openxmlformats.org/drawingml/2006/chart" xmlns:r="http://schemas.openxmlformats.org/officeDocument/2006/relationships" r:id="rId5"/>
-          </a:graphicData>
-        </a:graphic>
-      </p:graphicFrame>
-      <p:graphicFrame>
-        <p:nvGraphicFramePr>
-          <p:cNvPr id="12" name="Graphique 11">
-            <a:extLst>
-              <a:ext uri="{FF2B5EF4-FFF2-40B4-BE49-F238E27FC236}">
-                <a16:creationId xmlns:a16="http://schemas.microsoft.com/office/drawing/2014/main" id="{6BDD778D-D14F-4B2C-A7E3-578A5C270252}"/>
-              </a:ext>
-            </a:extLst>
-          </p:cNvPr>
-          <p:cNvGraphicFramePr>
-            <a:graphicFrameLocks/>
-          </p:cNvGraphicFramePr>
-          <p:nvPr>
-            <p:extLst>
-              <p:ext uri="{D42A27DB-BD31-4B8C-83A1-F6EECF244321}">
-                <p14:modId xmlns:p14="http://schemas.microsoft.com/office/powerpoint/2010/main" val="1068405787"/>
-              </p:ext>
-            </p:extLst>
-          </p:nvPr>
-        </p:nvGraphicFramePr>
-        <p:xfrm>
-          <a:off x="3848094" y="1378252"/>
-          <a:ext cx="3935896" cy="2690065"/>
-        </p:xfrm>
-        <a:graphic>
-          <a:graphicData uri="http://schemas.openxmlformats.org/drawingml/2006/chart">
-            <c:chart xmlns:c="http://schemas.openxmlformats.org/drawingml/2006/chart" xmlns:r="http://schemas.openxmlformats.org/officeDocument/2006/relationships" r:id="rId6"/>
-          </a:graphicData>
-        </a:graphic>
-      </p:graphicFrame>
-      <p:graphicFrame>
-        <p:nvGraphicFramePr>
-          <p:cNvPr id="13" name="Graphique 12">
-            <a:extLst>
-              <a:ext uri="{FF2B5EF4-FFF2-40B4-BE49-F238E27FC236}">
-                <a16:creationId xmlns:a16="http://schemas.microsoft.com/office/drawing/2014/main" id="{394F8016-8C9B-44D9-8179-832D635D35BB}"/>
-              </a:ext>
-            </a:extLst>
-          </p:cNvPr>
-          <p:cNvGraphicFramePr>
-            <a:graphicFrameLocks/>
-          </p:cNvGraphicFramePr>
-          <p:nvPr>
-            <p:extLst>
-              <p:ext uri="{D42A27DB-BD31-4B8C-83A1-F6EECF244321}">
-                <p14:modId xmlns:p14="http://schemas.microsoft.com/office/powerpoint/2010/main" val="599251625"/>
-              </p:ext>
-            </p:extLst>
-          </p:nvPr>
-        </p:nvGraphicFramePr>
-        <p:xfrm>
-          <a:off x="7783990" y="1378252"/>
-          <a:ext cx="3935896" cy="2690065"/>
-        </p:xfrm>
-        <a:graphic>
-          <a:graphicData uri="http://schemas.openxmlformats.org/drawingml/2006/chart">
-            <c:chart xmlns:c="http://schemas.openxmlformats.org/drawingml/2006/chart" xmlns:r="http://schemas.openxmlformats.org/officeDocument/2006/relationships" r:id="rId7"/>
-          </a:graphicData>
-        </a:graphic>
-      </p:graphicFrame>
-      <p:graphicFrame>
-        <p:nvGraphicFramePr>
-          <p:cNvPr id="14" name="Graphique 13">
-            <a:extLst>
-              <a:ext uri="{FF2B5EF4-FFF2-40B4-BE49-F238E27FC236}">
-                <a16:creationId xmlns:a16="http://schemas.microsoft.com/office/drawing/2014/main" id="{F5E9E2EC-C1BF-448B-8467-32B84E7A590B}"/>
-              </a:ext>
-            </a:extLst>
-          </p:cNvPr>
-          <p:cNvGraphicFramePr>
-            <a:graphicFrameLocks/>
-          </p:cNvGraphicFramePr>
-          <p:nvPr>
-            <p:extLst>
-              <p:ext uri="{D42A27DB-BD31-4B8C-83A1-F6EECF244321}">
-                <p14:modId xmlns:p14="http://schemas.microsoft.com/office/powerpoint/2010/main" val="3373505258"/>
-              </p:ext>
-            </p:extLst>
-          </p:nvPr>
-        </p:nvGraphicFramePr>
-        <p:xfrm>
-          <a:off x="3848094" y="4074671"/>
-          <a:ext cx="3935896" cy="2690065"/>
-        </p:xfrm>
-        <a:graphic>
-          <a:graphicData uri="http://schemas.openxmlformats.org/drawingml/2006/chart">
-            <c:chart xmlns:c="http://schemas.openxmlformats.org/drawingml/2006/chart" xmlns:r="http://schemas.openxmlformats.org/officeDocument/2006/relationships" r:id="rId8"/>
-          </a:graphicData>
-        </a:graphic>
-      </p:graphicFrame>
-      <p:graphicFrame>
-        <p:nvGraphicFramePr>
-          <p:cNvPr id="15" name="Graphique 14">
-            <a:extLst>
-              <a:ext uri="{FF2B5EF4-FFF2-40B4-BE49-F238E27FC236}">
-                <a16:creationId xmlns:a16="http://schemas.microsoft.com/office/drawing/2014/main" id="{0068B281-6BAF-4098-9648-5AB7F4440871}"/>
-              </a:ext>
-            </a:extLst>
-          </p:cNvPr>
-          <p:cNvGraphicFramePr>
-            <a:graphicFrameLocks/>
-          </p:cNvGraphicFramePr>
-          <p:nvPr>
-            <p:extLst>
-              <p:ext uri="{D42A27DB-BD31-4B8C-83A1-F6EECF244321}">
-                <p14:modId xmlns:p14="http://schemas.microsoft.com/office/powerpoint/2010/main" val="2606627342"/>
-              </p:ext>
-            </p:extLst>
-          </p:nvPr>
-        </p:nvGraphicFramePr>
-        <p:xfrm>
-          <a:off x="7783990" y="4074671"/>
-          <a:ext cx="3935896" cy="2690065"/>
-        </p:xfrm>
-        <a:graphic>
-          <a:graphicData uri="http://schemas.openxmlformats.org/drawingml/2006/chart">
-            <c:chart xmlns:c="http://schemas.openxmlformats.org/drawingml/2006/chart" xmlns:r="http://schemas.openxmlformats.org/officeDocument/2006/relationships" r:id="rId9"/>
-          </a:graphicData>
-        </a:graphic>
-      </p:graphicFrame>
     </p:spTree>
   </p:cSld>
   <p:clrMapOvr>

--- a/AB_TOPs/02_Top_Maquette/Top_Maquette_V2.0.pptx
+++ b/AB_TOPs/02_Top_Maquette/Top_Maquette_V2.0.pptx
@@ -4919,7 +4919,7 @@
                   <a:bodyPr/>
                   <a:lstStyle/>
                   <a:p>
-                    <a:fld id="{68DD729B-339B-41F7-A533-EAB8F3152F34}" type="CELLRANGE">
+                    <a:fld id="{B7BE10EB-707D-451B-AB42-8D3F3BAE9EDF}" type="CELLRANGE">
                       <a:rPr lang="de-DE"/>
                       <a:pPr/>
                       <a:t>[PLAGECELL]</a:t>
@@ -4953,7 +4953,7 @@
                   <a:bodyPr/>
                   <a:lstStyle/>
                   <a:p>
-                    <a:fld id="{909207C7-9724-445D-A0F0-94CCA6EFDBD0}" type="CELLRANGE">
+                    <a:fld id="{3F2427D8-29D6-4746-AB98-AAC3B176EAEB}" type="CELLRANGE">
                       <a:rPr lang="de-DE"/>
                       <a:pPr/>
                       <a:t>[PLAGECELL]</a:t>
@@ -4987,7 +4987,7 @@
                   <a:bodyPr/>
                   <a:lstStyle/>
                   <a:p>
-                    <a:fld id="{D3C1EC04-0420-408A-99C0-EA1BC84B2C11}" type="CELLRANGE">
+                    <a:fld id="{F36E0F92-EDE0-49D1-AEA2-4B69D551C4C3}" type="CELLRANGE">
                       <a:rPr lang="de-DE"/>
                       <a:pPr/>
                       <a:t>[PLAGECELL]</a:t>
@@ -5021,7 +5021,7 @@
                   <a:bodyPr/>
                   <a:lstStyle/>
                   <a:p>
-                    <a:fld id="{E4E42D8E-802D-4940-BC4F-B8C1575B796B}" type="CELLRANGE">
+                    <a:fld id="{2AC84503-C47A-4122-8F22-186FA27C3E0B}" type="CELLRANGE">
                       <a:rPr lang="de-DE"/>
                       <a:pPr/>
                       <a:t>[PLAGECELL]</a:t>
@@ -5471,7 +5471,7 @@
                   <a:bodyPr/>
                   <a:lstStyle/>
                   <a:p>
-                    <a:fld id="{D9BAB92B-E7EF-4138-A75A-E98D0C0CEC70}" type="CELLRANGE">
+                    <a:fld id="{DFBC33B2-2BCE-41A2-9F6B-AEABB0C20295}" type="CELLRANGE">
                       <a:rPr lang="de-DE"/>
                       <a:pPr/>
                       <a:t>[PLAGECELL]</a:t>
@@ -5505,7 +5505,7 @@
                   <a:bodyPr/>
                   <a:lstStyle/>
                   <a:p>
-                    <a:fld id="{9F0AE93B-F27A-4544-800D-4B7B409D261F}" type="CELLRANGE">
+                    <a:fld id="{6DC69639-356A-4B4F-8129-FC388EB41B84}" type="CELLRANGE">
                       <a:rPr lang="de-DE"/>
                       <a:pPr/>
                       <a:t>[PLAGECELL]</a:t>
@@ -5539,7 +5539,7 @@
                   <a:bodyPr/>
                   <a:lstStyle/>
                   <a:p>
-                    <a:fld id="{E4EC8310-992D-4E21-8662-DCE5F8EC175A}" type="CELLRANGE">
+                    <a:fld id="{4A34D981-CBFB-4F72-AF02-4585A04A3D57}" type="CELLRANGE">
                       <a:rPr lang="de-DE"/>
                       <a:pPr/>
                       <a:t>[PLAGECELL]</a:t>
@@ -5573,7 +5573,7 @@
                   <a:bodyPr/>
                   <a:lstStyle/>
                   <a:p>
-                    <a:fld id="{C1EB9EC0-A1E8-4924-A31B-7444075E4F8D}" type="CELLRANGE">
+                    <a:fld id="{D60F78A6-230B-43F8-AD77-66DB87A7708C}" type="CELLRANGE">
                       <a:rPr lang="de-DE"/>
                       <a:pPr/>
                       <a:t>[PLAGECELL]</a:t>
@@ -5607,7 +5607,7 @@
                   <a:bodyPr/>
                   <a:lstStyle/>
                   <a:p>
-                    <a:fld id="{86511432-7F9D-41D4-8019-09CF1C18A12D}" type="CELLRANGE">
+                    <a:fld id="{D1BAB841-A8B3-4930-A4DB-F32BD9D7CC41}" type="CELLRANGE">
                       <a:rPr lang="de-DE"/>
                       <a:pPr/>
                       <a:t>[PLAGECELL]</a:t>
@@ -29994,7 +29994,7 @@
               <a:buNone/>
             </a:pPr>
             <a:r>
-              <a:rPr lang="fr-FR" sz="2400" b="1" u="sng">
+              <a:rPr lang="fr-FR" sz="2400" b="1" u="sng" dirty="0">
                 <a:solidFill>
                   <a:srgbClr val="C2381E"/>
                 </a:solidFill>
@@ -30003,9 +30003,9 @@
                 <a:cs typeface="Calibri"/>
                 <a:sym typeface="Calibri"/>
               </a:rPr>
-              <a:t>TOP Maquette : Maquette MIS 3D</a:t>
+              <a:t>TOP Maquette : Maquette MIS 2D</a:t>
             </a:r>
-            <a:endParaRPr/>
+            <a:endParaRPr dirty="0"/>
           </a:p>
         </p:txBody>
       </p:sp>
@@ -31018,7 +31018,13 @@
         <p:nvGraphicFramePr>
           <p:cNvPr id="113" name="Google Shape;113;p16"/>
           <p:cNvGraphicFramePr/>
-          <p:nvPr/>
+          <p:nvPr>
+            <p:extLst>
+              <p:ext uri="{D42A27DB-BD31-4B8C-83A1-F6EECF244321}">
+                <p14:modId xmlns:p14="http://schemas.microsoft.com/office/powerpoint/2010/main" val="4229122101"/>
+              </p:ext>
+            </p:extLst>
+          </p:nvPr>
         </p:nvGraphicFramePr>
         <p:xfrm>
           <a:off x="1027040" y="1378625"/>
@@ -31103,10 +31109,35 @@
                         <a:buNone/>
                       </a:pPr>
                       <a:r>
-                        <a:rPr lang="fr-FR" sz="1800"/>
+                        <a:rPr lang="fr-FR" sz="1800" dirty="0"/>
                         <a:t>Directeur Projet</a:t>
                       </a:r>
-                      <a:endParaRPr/>
+                      <a:endParaRPr dirty="0"/>
+                    </a:p>
+                    <a:p>
+                      <a:pPr marL="0" marR="0" lvl="0" indent="0" algn="l" defTabSz="914400" rtl="0" eaLnBrk="1" fontAlgn="auto" latinLnBrk="0" hangingPunct="1">
+                        <a:lnSpc>
+                          <a:spcPct val="100000"/>
+                        </a:lnSpc>
+                        <a:spcBef>
+                          <a:spcPts val="0"/>
+                        </a:spcBef>
+                        <a:spcAft>
+                          <a:spcPts val="0"/>
+                        </a:spcAft>
+                        <a:buClr>
+                          <a:srgbClr val="000000"/>
+                        </a:buClr>
+                        <a:buSzTx/>
+                        <a:buFont typeface="Arial"/>
+                        <a:buNone/>
+                        <a:tabLst/>
+                        <a:defRPr/>
+                      </a:pPr>
+                      <a:r>
+                        <a:rPr lang="fr-FR" sz="1800" dirty="0"/>
+                        <a:t>Directeur Technique</a:t>
+                      </a:r>
                     </a:p>
                     <a:p>
                       <a:pPr marL="0" marR="0" lvl="0" indent="0" algn="l" rtl="0">
@@ -31119,10 +31150,10 @@
                         <a:buNone/>
                       </a:pPr>
                       <a:r>
-                        <a:rPr lang="fr-FR" sz="1800"/>
+                        <a:rPr lang="fr-FR" sz="1800" dirty="0"/>
                         <a:t>Directeur Financier</a:t>
                       </a:r>
-                      <a:endParaRPr/>
+                      <a:endParaRPr dirty="0"/>
                     </a:p>
                     <a:p>
                       <a:pPr marL="0" marR="0" lvl="0" indent="0" algn="l" rtl="0">
@@ -31135,26 +31166,10 @@
                         <a:buNone/>
                       </a:pPr>
                       <a:r>
-                        <a:rPr lang="fr-FR" sz="1800"/>
-                        <a:t>Directeur Technique</a:t>
-                      </a:r>
-                      <a:endParaRPr/>
-                    </a:p>
-                    <a:p>
-                      <a:pPr marL="0" marR="0" lvl="0" indent="0" algn="l" rtl="0">
-                        <a:spcBef>
-                          <a:spcPts val="0"/>
-                        </a:spcBef>
-                        <a:spcAft>
-                          <a:spcPts val="0"/>
-                        </a:spcAft>
-                        <a:buNone/>
-                      </a:pPr>
-                      <a:r>
-                        <a:rPr lang="fr-FR" sz="1800"/>
+                        <a:rPr lang="fr-FR" sz="1800" dirty="0"/>
                         <a:t>Directeur Performance</a:t>
                       </a:r>
-                      <a:endParaRPr/>
+                      <a:endParaRPr dirty="0"/>
                     </a:p>
                   </a:txBody>
                   <a:tcPr marL="91450" marR="91450" marT="45725" marB="45725"/>
@@ -31174,10 +31189,35 @@
                         <a:buNone/>
                       </a:pPr>
                       <a:r>
-                        <a:rPr lang="fr-FR" sz="1800"/>
+                        <a:rPr lang="fr-FR" sz="1800" dirty="0"/>
                         <a:t>Arthur RODRIGUEZ</a:t>
                       </a:r>
-                      <a:endParaRPr/>
+                      <a:endParaRPr dirty="0"/>
+                    </a:p>
+                    <a:p>
+                      <a:pPr marL="0" marR="0" lvl="0" indent="0" algn="l" defTabSz="914400" rtl="0" eaLnBrk="1" fontAlgn="auto" latinLnBrk="0" hangingPunct="1">
+                        <a:lnSpc>
+                          <a:spcPct val="100000"/>
+                        </a:lnSpc>
+                        <a:spcBef>
+                          <a:spcPts val="0"/>
+                        </a:spcBef>
+                        <a:spcAft>
+                          <a:spcPts val="0"/>
+                        </a:spcAft>
+                        <a:buClr>
+                          <a:srgbClr val="000000"/>
+                        </a:buClr>
+                        <a:buSzTx/>
+                        <a:buFont typeface="Arial"/>
+                        <a:buNone/>
+                        <a:tabLst/>
+                        <a:defRPr/>
+                      </a:pPr>
+                      <a:r>
+                        <a:rPr lang="fr-FR" sz="1800" dirty="0"/>
+                        <a:t>Thibaud LASSUS</a:t>
+                      </a:r>
                     </a:p>
                     <a:p>
                       <a:pPr marL="0" marR="0" lvl="0" indent="0" algn="l" rtl="0">
@@ -31190,10 +31230,10 @@
                         <a:buNone/>
                       </a:pPr>
                       <a:r>
-                        <a:rPr lang="fr-FR" sz="1800"/>
+                        <a:rPr lang="fr-FR" sz="1800" dirty="0"/>
                         <a:t>Romain MARTIN</a:t>
                       </a:r>
-                      <a:endParaRPr/>
+                      <a:endParaRPr dirty="0"/>
                     </a:p>
                     <a:p>
                       <a:pPr marL="0" marR="0" lvl="0" indent="0" algn="l" rtl="0">
@@ -31206,26 +31246,10 @@
                         <a:buNone/>
                       </a:pPr>
                       <a:r>
-                        <a:rPr lang="fr-FR" sz="1800"/>
-                        <a:t>Thibaud LASSUS</a:t>
-                      </a:r>
-                      <a:endParaRPr/>
-                    </a:p>
-                    <a:p>
-                      <a:pPr marL="0" marR="0" lvl="0" indent="0" algn="l" rtl="0">
-                        <a:spcBef>
-                          <a:spcPts val="0"/>
-                        </a:spcBef>
-                        <a:spcAft>
-                          <a:spcPts val="0"/>
-                        </a:spcAft>
-                        <a:buNone/>
-                      </a:pPr>
-                      <a:r>
-                        <a:rPr lang="fr-FR" sz="1800"/>
+                        <a:rPr lang="fr-FR" sz="1800" dirty="0"/>
                         <a:t>Martin KAWCZYNSKI</a:t>
                       </a:r>
-                      <a:endParaRPr/>
+                      <a:endParaRPr dirty="0"/>
                     </a:p>
                   </a:txBody>
                   <a:tcPr marL="91450" marR="91450" marT="45725" marB="45725"/>
@@ -31478,11 +31502,17 @@
         <p:nvGraphicFramePr>
           <p:cNvPr id="115" name="Google Shape;115;p16"/>
           <p:cNvGraphicFramePr/>
-          <p:nvPr/>
+          <p:nvPr>
+            <p:extLst>
+              <p:ext uri="{D42A27DB-BD31-4B8C-83A1-F6EECF244321}">
+                <p14:modId xmlns:p14="http://schemas.microsoft.com/office/powerpoint/2010/main" val="2808577780"/>
+              </p:ext>
+            </p:extLst>
+          </p:nvPr>
         </p:nvGraphicFramePr>
         <p:xfrm>
           <a:off x="6679098" y="1378625"/>
-          <a:ext cx="4485875" cy="1285260"/>
+          <a:ext cx="4485875" cy="1559580"/>
         </p:xfrm>
         <a:graphic>
           <a:graphicData uri="http://schemas.openxmlformats.org/drawingml/2006/table">
@@ -31563,10 +31593,9 @@
                         <a:buNone/>
                       </a:pPr>
                       <a:r>
-                        <a:rPr lang="fr-FR" sz="1800"/>
+                        <a:rPr lang="fr-FR" sz="1800" dirty="0"/>
                         <a:t>Président</a:t>
                       </a:r>
-                      <a:endParaRPr/>
                     </a:p>
                     <a:p>
                       <a:pPr marL="0" marR="0" lvl="0" indent="0" algn="l" rtl="0">
@@ -31579,10 +31608,10 @@
                         <a:buNone/>
                       </a:pPr>
                       <a:r>
-                        <a:rPr lang="fr-FR" sz="1800"/>
-                        <a:t>Trésorier</a:t>
+                        <a:rPr lang="fr-FR" sz="1800" dirty="0"/>
+                        <a:t>Vice Président</a:t>
                       </a:r>
-                      <a:endParaRPr/>
+                      <a:endParaRPr dirty="0"/>
                     </a:p>
                     <a:p>
                       <a:pPr marL="0" marR="0" lvl="0" indent="0" algn="l" rtl="0">
@@ -31595,10 +31624,26 @@
                         <a:buNone/>
                       </a:pPr>
                       <a:r>
-                        <a:rPr lang="fr-FR" sz="1800"/>
+                        <a:rPr lang="fr-FR" sz="1800" dirty="0"/>
+                        <a:t>Trésorier</a:t>
+                      </a:r>
+                      <a:endParaRPr dirty="0"/>
+                    </a:p>
+                    <a:p>
+                      <a:pPr marL="0" marR="0" lvl="0" indent="0" algn="l" rtl="0">
+                        <a:spcBef>
+                          <a:spcPts val="0"/>
+                        </a:spcBef>
+                        <a:spcAft>
+                          <a:spcPts val="0"/>
+                        </a:spcAft>
+                        <a:buNone/>
+                      </a:pPr>
+                      <a:r>
+                        <a:rPr lang="fr-FR" sz="1800" dirty="0"/>
                         <a:t>Secrétaire Général</a:t>
                       </a:r>
-                      <a:endParaRPr/>
+                      <a:endParaRPr dirty="0"/>
                     </a:p>
                   </a:txBody>
                   <a:tcPr marL="91450" marR="91450" marT="45725" marB="45725"/>
@@ -31618,10 +31663,25 @@
                         <a:buNone/>
                       </a:pPr>
                       <a:r>
-                        <a:rPr lang="fr-FR" sz="1800"/>
+                        <a:rPr lang="fr-FR" sz="1800" dirty="0"/>
                         <a:t>Mathieu JACQUET</a:t>
                       </a:r>
-                      <a:endParaRPr/>
+                    </a:p>
+                    <a:p>
+                      <a:pPr marL="0" marR="0" lvl="0" indent="0" algn="l" rtl="0">
+                        <a:spcBef>
+                          <a:spcPts val="0"/>
+                        </a:spcBef>
+                        <a:spcAft>
+                          <a:spcPts val="0"/>
+                        </a:spcAft>
+                        <a:buNone/>
+                      </a:pPr>
+                      <a:r>
+                        <a:rPr lang="fr-FR" sz="1800" dirty="0"/>
+                        <a:t>Aurélien BIENNER</a:t>
+                      </a:r>
+                      <a:endParaRPr dirty="0"/>
                     </a:p>
                     <a:p>
                       <a:pPr marL="0" lvl="0" indent="0" algn="l" rtl="0">
@@ -31638,10 +31698,10 @@
                         <a:buNone/>
                       </a:pPr>
                       <a:r>
-                        <a:rPr lang="fr-FR" sz="1800"/>
+                        <a:rPr lang="fr-FR" sz="1800" dirty="0"/>
                         <a:t>Romain MARTIN</a:t>
                       </a:r>
-                      <a:endParaRPr/>
+                      <a:endParaRPr dirty="0"/>
                     </a:p>
                     <a:p>
                       <a:pPr marL="0" lvl="0" indent="0" algn="l" rtl="0">
@@ -31658,10 +31718,10 @@
                         <a:buNone/>
                       </a:pPr>
                       <a:r>
-                        <a:rPr lang="fr-FR" sz="1800"/>
+                        <a:rPr lang="fr-FR" sz="1800" dirty="0"/>
                         <a:t>Aimery SAULIERE</a:t>
                       </a:r>
-                      <a:endParaRPr sz="1800"/>
+                      <a:endParaRPr sz="1800" dirty="0"/>
                     </a:p>
                   </a:txBody>
                   <a:tcPr marL="91450" marR="91450" marT="45725" marB="45725"/>
@@ -31845,7 +31905,13 @@
         <p:nvGraphicFramePr>
           <p:cNvPr id="123" name="Google Shape;123;p17"/>
           <p:cNvGraphicFramePr/>
-          <p:nvPr/>
+          <p:nvPr>
+            <p:extLst>
+              <p:ext uri="{D42A27DB-BD31-4B8C-83A1-F6EECF244321}">
+                <p14:modId xmlns:p14="http://schemas.microsoft.com/office/powerpoint/2010/main" val="1423412602"/>
+              </p:ext>
+            </p:extLst>
+          </p:nvPr>
         </p:nvGraphicFramePr>
         <p:xfrm>
           <a:off x="-904" y="1561179"/>
@@ -31930,10 +31996,35 @@
                         <a:buNone/>
                       </a:pPr>
                       <a:r>
-                        <a:rPr lang="fr-FR" sz="1800"/>
+                        <a:rPr lang="fr-FR" sz="1800" dirty="0"/>
                         <a:t>Directeur Projet</a:t>
                       </a:r>
-                      <a:endParaRPr/>
+                      <a:endParaRPr dirty="0"/>
+                    </a:p>
+                    <a:p>
+                      <a:pPr marL="0" marR="0" lvl="0" indent="0" algn="l" defTabSz="914400" rtl="0" eaLnBrk="1" fontAlgn="auto" latinLnBrk="0" hangingPunct="1">
+                        <a:lnSpc>
+                          <a:spcPct val="100000"/>
+                        </a:lnSpc>
+                        <a:spcBef>
+                          <a:spcPts val="0"/>
+                        </a:spcBef>
+                        <a:spcAft>
+                          <a:spcPts val="0"/>
+                        </a:spcAft>
+                        <a:buClr>
+                          <a:srgbClr val="000000"/>
+                        </a:buClr>
+                        <a:buSzTx/>
+                        <a:buFont typeface="Arial"/>
+                        <a:buNone/>
+                        <a:tabLst/>
+                        <a:defRPr/>
+                      </a:pPr>
+                      <a:r>
+                        <a:rPr lang="fr-FR" sz="1800" dirty="0"/>
+                        <a:t>Directeur Technique</a:t>
+                      </a:r>
                     </a:p>
                     <a:p>
                       <a:pPr marL="0" marR="0" lvl="0" indent="0" algn="l" rtl="0">
@@ -31946,10 +32037,10 @@
                         <a:buNone/>
                       </a:pPr>
                       <a:r>
-                        <a:rPr lang="fr-FR" sz="1800"/>
+                        <a:rPr lang="fr-FR" sz="1800" dirty="0"/>
                         <a:t>Directeur Financier</a:t>
                       </a:r>
-                      <a:endParaRPr/>
+                      <a:endParaRPr dirty="0"/>
                     </a:p>
                     <a:p>
                       <a:pPr marL="0" marR="0" lvl="0" indent="0" algn="l" rtl="0">
@@ -31962,26 +32053,10 @@
                         <a:buNone/>
                       </a:pPr>
                       <a:r>
-                        <a:rPr lang="fr-FR" sz="1800"/>
-                        <a:t>Directeur Technique</a:t>
-                      </a:r>
-                      <a:endParaRPr/>
-                    </a:p>
-                    <a:p>
-                      <a:pPr marL="0" marR="0" lvl="0" indent="0" algn="l" rtl="0">
-                        <a:spcBef>
-                          <a:spcPts val="0"/>
-                        </a:spcBef>
-                        <a:spcAft>
-                          <a:spcPts val="0"/>
-                        </a:spcAft>
-                        <a:buNone/>
-                      </a:pPr>
-                      <a:r>
-                        <a:rPr lang="fr-FR" sz="1800"/>
+                        <a:rPr lang="fr-FR" sz="1800" dirty="0"/>
                         <a:t>Directeur Performance</a:t>
                       </a:r>
-                      <a:endParaRPr/>
+                      <a:endParaRPr dirty="0"/>
                     </a:p>
                   </a:txBody>
                   <a:tcPr marL="91450" marR="91450" marT="45725" marB="45725"/>
@@ -32001,10 +32076,35 @@
                         <a:buNone/>
                       </a:pPr>
                       <a:r>
-                        <a:rPr lang="fr-FR" sz="1800"/>
+                        <a:rPr lang="fr-FR" sz="1800" dirty="0"/>
                         <a:t>Arthur RODRIGUEZ</a:t>
                       </a:r>
-                      <a:endParaRPr/>
+                      <a:endParaRPr dirty="0"/>
+                    </a:p>
+                    <a:p>
+                      <a:pPr marL="0" marR="0" lvl="0" indent="0" algn="l" defTabSz="914400" rtl="0" eaLnBrk="1" fontAlgn="auto" latinLnBrk="0" hangingPunct="1">
+                        <a:lnSpc>
+                          <a:spcPct val="100000"/>
+                        </a:lnSpc>
+                        <a:spcBef>
+                          <a:spcPts val="0"/>
+                        </a:spcBef>
+                        <a:spcAft>
+                          <a:spcPts val="0"/>
+                        </a:spcAft>
+                        <a:buClr>
+                          <a:srgbClr val="000000"/>
+                        </a:buClr>
+                        <a:buSzTx/>
+                        <a:buFont typeface="Arial"/>
+                        <a:buNone/>
+                        <a:tabLst/>
+                        <a:defRPr/>
+                      </a:pPr>
+                      <a:r>
+                        <a:rPr lang="fr-FR" sz="1800" dirty="0"/>
+                        <a:t>Thibaud LASSUS</a:t>
+                      </a:r>
                     </a:p>
                     <a:p>
                       <a:pPr marL="0" marR="0" lvl="0" indent="0" algn="l" rtl="0">
@@ -32017,10 +32117,10 @@
                         <a:buNone/>
                       </a:pPr>
                       <a:r>
-                        <a:rPr lang="fr-FR" sz="1800"/>
+                        <a:rPr lang="fr-FR" sz="1800" dirty="0"/>
                         <a:t>Romain MARTIN</a:t>
                       </a:r>
-                      <a:endParaRPr/>
+                      <a:endParaRPr dirty="0"/>
                     </a:p>
                     <a:p>
                       <a:pPr marL="0" marR="0" lvl="0" indent="0" algn="l" rtl="0">
@@ -32033,26 +32133,10 @@
                         <a:buNone/>
                       </a:pPr>
                       <a:r>
-                        <a:rPr lang="fr-FR" sz="1800"/>
-                        <a:t>Thibaud LASSUS</a:t>
-                      </a:r>
-                      <a:endParaRPr/>
-                    </a:p>
-                    <a:p>
-                      <a:pPr marL="0" marR="0" lvl="0" indent="0" algn="l" rtl="0">
-                        <a:spcBef>
-                          <a:spcPts val="0"/>
-                        </a:spcBef>
-                        <a:spcAft>
-                          <a:spcPts val="0"/>
-                        </a:spcAft>
-                        <a:buNone/>
-                      </a:pPr>
-                      <a:r>
-                        <a:rPr lang="fr-FR" sz="1800"/>
+                        <a:rPr lang="fr-FR" sz="1800" dirty="0"/>
                         <a:t>Martin KAWCZYNSKI</a:t>
                       </a:r>
-                      <a:endParaRPr/>
+                      <a:endParaRPr dirty="0"/>
                     </a:p>
                   </a:txBody>
                   <a:tcPr marL="91450" marR="91450" marT="45725" marB="45725"/>
@@ -32071,11 +32155,17 @@
         <p:nvGraphicFramePr>
           <p:cNvPr id="124" name="Google Shape;124;p17"/>
           <p:cNvGraphicFramePr/>
-          <p:nvPr/>
+          <p:nvPr>
+            <p:extLst>
+              <p:ext uri="{D42A27DB-BD31-4B8C-83A1-F6EECF244321}">
+                <p14:modId xmlns:p14="http://schemas.microsoft.com/office/powerpoint/2010/main" val="2563754763"/>
+              </p:ext>
+            </p:extLst>
+          </p:nvPr>
         </p:nvGraphicFramePr>
         <p:xfrm>
-          <a:off x="4944440" y="1556175"/>
-          <a:ext cx="3970150" cy="1559580"/>
+          <a:off x="4944439" y="1556175"/>
+          <a:ext cx="4398140" cy="1559580"/>
         </p:xfrm>
         <a:graphic>
           <a:graphicData uri="http://schemas.openxmlformats.org/drawingml/2006/table">
@@ -32085,14 +32175,14 @@
                 <a:tableStyleId>{B66C77B7-72B2-49AA-88F4-1DF366D76EA2}</a:tableStyleId>
               </a:tblPr>
               <a:tblGrid>
-                <a:gridCol w="1489500">
+                <a:gridCol w="2198483">
                   <a:extLst>
                     <a:ext uri="{9D8B030D-6E8A-4147-A177-3AD203B41FA5}">
                       <a16:colId xmlns:a16="http://schemas.microsoft.com/office/drawing/2014/main" val="20000"/>
                     </a:ext>
                   </a:extLst>
                 </a:gridCol>
-                <a:gridCol w="2480650">
+                <a:gridCol w="2199657">
                   <a:extLst>
                     <a:ext uri="{9D8B030D-6E8A-4147-A177-3AD203B41FA5}">
                       <a16:colId xmlns:a16="http://schemas.microsoft.com/office/drawing/2014/main" val="20001"/>
@@ -32156,10 +32246,9 @@
                         <a:buNone/>
                       </a:pPr>
                       <a:r>
-                        <a:rPr lang="fr-FR" sz="1800"/>
+                        <a:rPr lang="fr-FR" sz="1800" dirty="0"/>
                         <a:t>Président</a:t>
                       </a:r>
-                      <a:endParaRPr/>
                     </a:p>
                     <a:p>
                       <a:pPr marL="0" marR="0" lvl="0" indent="0" algn="l" rtl="0">
@@ -32172,10 +32261,10 @@
                         <a:buNone/>
                       </a:pPr>
                       <a:r>
-                        <a:rPr lang="fr-FR" sz="1800"/>
-                        <a:t>Trésorier</a:t>
+                        <a:rPr lang="fr-FR" sz="1800" dirty="0"/>
+                        <a:t>Vice Président</a:t>
                       </a:r>
-                      <a:endParaRPr/>
+                      <a:endParaRPr dirty="0"/>
                     </a:p>
                     <a:p>
                       <a:pPr marL="0" marR="0" lvl="0" indent="0" algn="l" rtl="0">
@@ -32188,10 +32277,26 @@
                         <a:buNone/>
                       </a:pPr>
                       <a:r>
-                        <a:rPr lang="fr-FR" sz="1800"/>
+                        <a:rPr lang="fr-FR" sz="1800" dirty="0"/>
+                        <a:t>Trésorier</a:t>
+                      </a:r>
+                      <a:endParaRPr dirty="0"/>
+                    </a:p>
+                    <a:p>
+                      <a:pPr marL="0" marR="0" lvl="0" indent="0" algn="l" rtl="0">
+                        <a:spcBef>
+                          <a:spcPts val="0"/>
+                        </a:spcBef>
+                        <a:spcAft>
+                          <a:spcPts val="0"/>
+                        </a:spcAft>
+                        <a:buNone/>
+                      </a:pPr>
+                      <a:r>
+                        <a:rPr lang="fr-FR" sz="1800" dirty="0"/>
                         <a:t>Secrétaire Général</a:t>
                       </a:r>
-                      <a:endParaRPr/>
+                      <a:endParaRPr dirty="0"/>
                     </a:p>
                   </a:txBody>
                   <a:tcPr marL="91450" marR="91450" marT="45725" marB="45725"/>
@@ -32211,10 +32316,25 @@
                         <a:buNone/>
                       </a:pPr>
                       <a:r>
-                        <a:rPr lang="fr-FR" sz="1800"/>
+                        <a:rPr lang="fr-FR" sz="1800" dirty="0"/>
                         <a:t>Mathieu JACQUET</a:t>
                       </a:r>
-                      <a:endParaRPr sz="1800"/>
+                    </a:p>
+                    <a:p>
+                      <a:pPr marL="0" marR="0" lvl="0" indent="0" algn="l" rtl="0">
+                        <a:spcBef>
+                          <a:spcPts val="0"/>
+                        </a:spcBef>
+                        <a:spcAft>
+                          <a:spcPts val="0"/>
+                        </a:spcAft>
+                        <a:buNone/>
+                      </a:pPr>
+                      <a:r>
+                        <a:rPr lang="fr-FR" sz="1800" dirty="0"/>
+                        <a:t>Aurélien BIENNER</a:t>
+                      </a:r>
+                      <a:endParaRPr sz="1800" dirty="0"/>
                     </a:p>
                     <a:p>
                       <a:pPr marL="0" lvl="0" indent="0" algn="l" rtl="0">
@@ -32231,10 +32351,10 @@
                         <a:buNone/>
                       </a:pPr>
                       <a:r>
-                        <a:rPr lang="fr-FR" sz="1800"/>
+                        <a:rPr lang="fr-FR" sz="1800" dirty="0"/>
                         <a:t>Romain MARTIN</a:t>
                       </a:r>
-                      <a:endParaRPr/>
+                      <a:endParaRPr dirty="0"/>
                     </a:p>
                     <a:p>
                       <a:pPr marL="0" lvl="0" indent="0" algn="l" rtl="0">
@@ -32251,10 +32371,10 @@
                         <a:buNone/>
                       </a:pPr>
                       <a:r>
-                        <a:rPr lang="fr-FR" sz="1800"/>
+                        <a:rPr lang="fr-FR" sz="1800" dirty="0"/>
                         <a:t>Aimery SAULIERE</a:t>
                       </a:r>
-                      <a:endParaRPr sz="1800"/>
+                      <a:endParaRPr sz="1800" dirty="0"/>
                     </a:p>
                   </a:txBody>
                   <a:tcPr marL="91450" marR="91450" marT="45725" marB="45725"/>
@@ -32273,11 +32393,17 @@
         <p:nvGraphicFramePr>
           <p:cNvPr id="125" name="Google Shape;125;p17"/>
           <p:cNvGraphicFramePr/>
-          <p:nvPr/>
+          <p:nvPr>
+            <p:extLst>
+              <p:ext uri="{D42A27DB-BD31-4B8C-83A1-F6EECF244321}">
+                <p14:modId xmlns:p14="http://schemas.microsoft.com/office/powerpoint/2010/main" val="900125939"/>
+              </p:ext>
+            </p:extLst>
+          </p:nvPr>
         </p:nvGraphicFramePr>
         <p:xfrm>
-          <a:off x="9188175" y="1556175"/>
-          <a:ext cx="3003850" cy="1828820"/>
+          <a:off x="9616183" y="1556175"/>
+          <a:ext cx="2575842" cy="1554500"/>
         </p:xfrm>
         <a:graphic>
           <a:graphicData uri="http://schemas.openxmlformats.org/drawingml/2006/table">
@@ -32287,14 +32413,14 @@
                 <a:tableStyleId>{B66C77B7-72B2-49AA-88F4-1DF366D76EA2}</a:tableStyleId>
               </a:tblPr>
               <a:tblGrid>
-                <a:gridCol w="1501925">
+                <a:gridCol w="1287921">
                   <a:extLst>
                     <a:ext uri="{9D8B030D-6E8A-4147-A177-3AD203B41FA5}">
                       <a16:colId xmlns:a16="http://schemas.microsoft.com/office/drawing/2014/main" val="20000"/>
                     </a:ext>
                   </a:extLst>
                 </a:gridCol>
-                <a:gridCol w="1501925">
+                <a:gridCol w="1287921">
                   <a:extLst>
                     <a:ext uri="{9D8B030D-6E8A-4147-A177-3AD203B41FA5}">
                       <a16:colId xmlns:a16="http://schemas.microsoft.com/office/drawing/2014/main" val="20001"/>
@@ -32318,10 +32444,10 @@
                         <a:buNone/>
                       </a:pPr>
                       <a:r>
-                        <a:rPr lang="fr-FR" sz="1800"/>
+                        <a:rPr lang="fr-FR" sz="1800" dirty="0"/>
                         <a:t>Département Communication</a:t>
                       </a:r>
-                      <a:endParaRPr/>
+                      <a:endParaRPr dirty="0"/>
                     </a:p>
                   </a:txBody>
                   <a:tcPr marL="91450" marR="91450" marT="45725" marB="45725"/>
@@ -32358,10 +32484,10 @@
                         <a:buNone/>
                       </a:pPr>
                       <a:r>
-                        <a:rPr lang="fr-FR" sz="1800"/>
+                        <a:rPr lang="fr-FR" sz="1800" dirty="0"/>
                         <a:t>Directeur</a:t>
                       </a:r>
-                      <a:endParaRPr/>
+                      <a:endParaRPr dirty="0"/>
                     </a:p>
                     <a:p>
                       <a:pPr marL="0" marR="0" lvl="0" indent="0" algn="l" rtl="0">
@@ -32374,10 +32500,10 @@
                         <a:buNone/>
                       </a:pPr>
                       <a:r>
-                        <a:rPr lang="fr-FR" sz="1800"/>
+                        <a:rPr lang="fr-FR" sz="1800" dirty="0"/>
                         <a:t>Membres</a:t>
                       </a:r>
-                      <a:endParaRPr/>
+                      <a:endParaRPr dirty="0"/>
                     </a:p>
                     <a:p>
                       <a:pPr marL="0" marR="0" lvl="0" indent="0" algn="l" rtl="0">
@@ -32389,19 +32515,7 @@
                         </a:spcAft>
                         <a:buNone/>
                       </a:pPr>
-                      <a:endParaRPr sz="1800"/>
-                    </a:p>
-                    <a:p>
-                      <a:pPr marL="0" marR="0" lvl="0" indent="0" algn="l" rtl="0">
-                        <a:spcBef>
-                          <a:spcPts val="0"/>
-                        </a:spcBef>
-                        <a:spcAft>
-                          <a:spcPts val="0"/>
-                        </a:spcAft>
-                        <a:buNone/>
-                      </a:pPr>
-                      <a:endParaRPr sz="1800"/>
+                      <a:endParaRPr sz="1800" dirty="0"/>
                     </a:p>
                   </a:txBody>
                   <a:tcPr marL="91450" marR="91450" marT="45725" marB="45725"/>
@@ -32421,10 +32535,10 @@
                         <a:buNone/>
                       </a:pPr>
                       <a:r>
-                        <a:rPr lang="fr-FR" sz="1800"/>
+                        <a:rPr lang="fr-FR" sz="1800" dirty="0"/>
                         <a:t>TBA</a:t>
                       </a:r>
-                      <a:endParaRPr/>
+                      <a:endParaRPr dirty="0"/>
                     </a:p>
                     <a:p>
                       <a:pPr marL="0" marR="0" lvl="0" indent="0" algn="l" rtl="0">
@@ -32437,10 +32551,10 @@
                         <a:buNone/>
                       </a:pPr>
                       <a:r>
-                        <a:rPr lang="fr-FR" sz="1800"/>
+                        <a:rPr lang="fr-FR" sz="1800" dirty="0"/>
                         <a:t>TBA</a:t>
                       </a:r>
-                      <a:endParaRPr/>
+                      <a:endParaRPr dirty="0"/>
                     </a:p>
                   </a:txBody>
                   <a:tcPr marL="91450" marR="91450" marT="45725" marB="45725"/>
@@ -32459,10 +32573,16 @@
         <p:nvGraphicFramePr>
           <p:cNvPr id="126" name="Google Shape;126;p17"/>
           <p:cNvGraphicFramePr/>
-          <p:nvPr/>
+          <p:nvPr>
+            <p:extLst>
+              <p:ext uri="{D42A27DB-BD31-4B8C-83A1-F6EECF244321}">
+                <p14:modId xmlns:p14="http://schemas.microsoft.com/office/powerpoint/2010/main" val="3922186584"/>
+              </p:ext>
+            </p:extLst>
+          </p:nvPr>
         </p:nvGraphicFramePr>
         <p:xfrm>
-          <a:off x="-1" y="3730203"/>
+          <a:off x="-1" y="3723577"/>
           <a:ext cx="4626125" cy="1559580"/>
         </p:xfrm>
         <a:graphic>
@@ -32607,10 +32727,10 @@
                         <a:buNone/>
                       </a:pPr>
                       <a:r>
-                        <a:rPr lang="fr-FR" sz="1800" b="1"/>
+                        <a:rPr lang="fr-FR" sz="1800" b="1" dirty="0"/>
                         <a:t>Calixthe MATTEI</a:t>
                       </a:r>
-                      <a:endParaRPr/>
+                      <a:endParaRPr dirty="0"/>
                     </a:p>
                     <a:p>
                       <a:pPr marL="0" marR="0" lvl="0" indent="0" algn="l" rtl="0">
@@ -32623,10 +32743,10 @@
                         <a:buNone/>
                       </a:pPr>
                       <a:r>
-                        <a:rPr lang="fr-FR" sz="1800" b="0"/>
+                        <a:rPr lang="fr-FR" sz="1800" b="0" dirty="0"/>
                         <a:t>Tanguy MAURIN</a:t>
                       </a:r>
-                      <a:endParaRPr/>
+                      <a:endParaRPr dirty="0"/>
                     </a:p>
                     <a:p>
                       <a:pPr marL="0" marR="0" lvl="0" indent="0" algn="l" rtl="0">
@@ -32639,10 +32759,10 @@
                         <a:buNone/>
                       </a:pPr>
                       <a:r>
-                        <a:rPr lang="fr-FR" sz="1800" b="0"/>
+                        <a:rPr lang="fr-FR" sz="1800" b="0" dirty="0"/>
                         <a:t>Pierre Guillaume THOMAS</a:t>
                       </a:r>
-                      <a:endParaRPr/>
+                      <a:endParaRPr dirty="0"/>
                     </a:p>
                   </a:txBody>
                   <a:tcPr marL="91450" marR="91450" marT="45725" marB="45725"/>
@@ -32661,10 +32781,16 @@
         <p:nvGraphicFramePr>
           <p:cNvPr id="127" name="Google Shape;127;p17"/>
           <p:cNvGraphicFramePr/>
-          <p:nvPr/>
+          <p:nvPr>
+            <p:extLst>
+              <p:ext uri="{D42A27DB-BD31-4B8C-83A1-F6EECF244321}">
+                <p14:modId xmlns:p14="http://schemas.microsoft.com/office/powerpoint/2010/main" val="2445736332"/>
+              </p:ext>
+            </p:extLst>
+          </p:nvPr>
         </p:nvGraphicFramePr>
         <p:xfrm>
-          <a:off x="4944439" y="3672417"/>
+          <a:off x="4944439" y="3721845"/>
           <a:ext cx="6757250" cy="1554500"/>
         </p:xfrm>
         <a:graphic>
@@ -32943,10 +33069,16 @@
         <p:nvGraphicFramePr>
           <p:cNvPr id="128" name="Google Shape;128;p17"/>
           <p:cNvGraphicFramePr/>
-          <p:nvPr/>
+          <p:nvPr>
+            <p:extLst>
+              <p:ext uri="{D42A27DB-BD31-4B8C-83A1-F6EECF244321}">
+                <p14:modId xmlns:p14="http://schemas.microsoft.com/office/powerpoint/2010/main" val="2736476427"/>
+              </p:ext>
+            </p:extLst>
+          </p:nvPr>
         </p:nvGraphicFramePr>
         <p:xfrm>
-          <a:off x="7765775" y="5231977"/>
+          <a:off x="7765775" y="5294657"/>
           <a:ext cx="4287075" cy="1559580"/>
         </p:xfrm>
         <a:graphic>
@@ -32988,10 +33120,10 @@
                         <a:buNone/>
                       </a:pPr>
                       <a:r>
-                        <a:rPr lang="fr-FR" sz="1800"/>
+                        <a:rPr lang="fr-FR" sz="1800" dirty="0"/>
                         <a:t>SEISM</a:t>
                       </a:r>
-                      <a:endParaRPr/>
+                      <a:endParaRPr dirty="0"/>
                     </a:p>
                   </a:txBody>
                   <a:tcPr marL="91450" marR="91450" marT="45725" marB="45725"/>
@@ -33099,10 +33231,10 @@
                         <a:buNone/>
                       </a:pPr>
                       <a:r>
-                        <a:rPr lang="fr-FR" sz="1800" b="1"/>
+                        <a:rPr lang="fr-FR" sz="1800" b="1" dirty="0"/>
                         <a:t>Corentin LEPAIS</a:t>
                       </a:r>
-                      <a:endParaRPr/>
+                      <a:endParaRPr dirty="0"/>
                     </a:p>
                     <a:p>
                       <a:pPr marL="0" marR="0" lvl="0" indent="0" algn="l" rtl="0">
@@ -33115,10 +33247,10 @@
                         <a:buNone/>
                       </a:pPr>
                       <a:r>
-                        <a:rPr lang="fr-FR" sz="1800"/>
+                        <a:rPr lang="fr-FR" sz="1800" dirty="0"/>
                         <a:t>Romain MARTIN</a:t>
                       </a:r>
-                      <a:endParaRPr/>
+                      <a:endParaRPr dirty="0"/>
                     </a:p>
                     <a:p>
                       <a:pPr marL="0" marR="0" lvl="0" indent="0" algn="l" rtl="0">
@@ -33131,10 +33263,10 @@
                         <a:buNone/>
                       </a:pPr>
                       <a:r>
-                        <a:rPr lang="fr-FR" sz="1800"/>
+                        <a:rPr lang="fr-FR" sz="1800" dirty="0"/>
                         <a:t>Bruno MOREIRA NABINGER</a:t>
                       </a:r>
-                      <a:endParaRPr/>
+                      <a:endParaRPr dirty="0"/>
                     </a:p>
                   </a:txBody>
                   <a:tcPr marL="91450" marR="91450" marT="45725" marB="45725"/>
@@ -33183,7 +33315,7 @@
         </p:nvCxnSpPr>
         <p:spPr>
           <a:xfrm>
-            <a:off x="8914574" y="2335955"/>
+            <a:off x="9342583" y="2326179"/>
             <a:ext cx="273600" cy="0"/>
           </a:xfrm>
           <a:prstGeom prst="straightConnector1">
@@ -33436,13 +33568,25 @@
       </p:sp>
       <p:graphicFrame>
         <p:nvGraphicFramePr>
-          <p:cNvPr id="139" name="Google Shape;139;p17"/>
+          <p:cNvPr id="20" name="Google Shape;139;p17">
+            <a:extLst>
+              <a:ext uri="{FF2B5EF4-FFF2-40B4-BE49-F238E27FC236}">
+                <a16:creationId xmlns:a16="http://schemas.microsoft.com/office/drawing/2014/main" id="{EA3462A5-A05F-4BF9-8F77-9E945C95C7A6}"/>
+              </a:ext>
+            </a:extLst>
+          </p:cNvPr>
           <p:cNvGraphicFramePr/>
-          <p:nvPr/>
+          <p:nvPr>
+            <p:extLst>
+              <p:ext uri="{D42A27DB-BD31-4B8C-83A1-F6EECF244321}">
+                <p14:modId xmlns:p14="http://schemas.microsoft.com/office/powerpoint/2010/main" val="4196408929"/>
+              </p:ext>
+            </p:extLst>
+          </p:nvPr>
         </p:nvGraphicFramePr>
         <p:xfrm>
-          <a:off x="890939" y="5294905"/>
-          <a:ext cx="6757250" cy="1554500"/>
+          <a:off x="3013758" y="5303500"/>
+          <a:ext cx="3627795" cy="1554500"/>
         </p:xfrm>
         <a:graphic>
           <a:graphicData uri="http://schemas.openxmlformats.org/drawingml/2006/table">
@@ -33459,23 +33603,16 @@
                     </a:ext>
                   </a:extLst>
                 </a:gridCol>
-                <a:gridCol w="3058325">
+                <a:gridCol w="2290695">
                   <a:extLst>
                     <a:ext uri="{9D8B030D-6E8A-4147-A177-3AD203B41FA5}">
                       <a16:colId xmlns:a16="http://schemas.microsoft.com/office/drawing/2014/main" val="20001"/>
                     </a:ext>
                   </a:extLst>
                 </a:gridCol>
-                <a:gridCol w="2361825">
-                  <a:extLst>
-                    <a:ext uri="{9D8B030D-6E8A-4147-A177-3AD203B41FA5}">
-                      <a16:colId xmlns:a16="http://schemas.microsoft.com/office/drawing/2014/main" val="20002"/>
-                    </a:ext>
-                  </a:extLst>
-                </a:gridCol>
               </a:tblGrid>
               <a:tr h="261650">
-                <a:tc gridSpan="3">
+                <a:tc gridSpan="2">
                   <a:txBody>
                     <a:bodyPr/>
                     <a:lstStyle/>
@@ -33497,16 +33634,6 @@
                     </a:p>
                   </a:txBody>
                   <a:tcPr marL="91450" marR="91450" marT="45725" marB="45725"/>
-                </a:tc>
-                <a:tc hMerge="1">
-                  <a:txBody>
-                    <a:bodyPr/>
-                    <a:lstStyle/>
-                    <a:p>
-                      <a:endParaRPr lang="fr-FR"/>
-                    </a:p>
-                  </a:txBody>
-                  <a:tcPr/>
                 </a:tc>
                 <a:tc hMerge="1">
                   <a:txBody>
@@ -33611,10 +33738,10 @@
                         <a:buNone/>
                       </a:pPr>
                       <a:r>
-                        <a:rPr lang="fr-FR" sz="1800" b="1"/>
+                        <a:rPr lang="fr-FR" sz="1800" b="1" dirty="0"/>
                         <a:t>Aimery SAULIÈRE</a:t>
                       </a:r>
-                      <a:endParaRPr/>
+                      <a:endParaRPr dirty="0"/>
                     </a:p>
                     <a:p>
                       <a:pPr marL="0" marR="0" lvl="0" indent="0" algn="l" rtl="0">
@@ -33627,10 +33754,9 @@
                         <a:buNone/>
                       </a:pPr>
                       <a:r>
-                        <a:rPr lang="fr-FR" sz="1800"/>
+                        <a:rPr lang="fr-FR" sz="1800" dirty="0"/>
                         <a:t>Mathieu JACQUET</a:t>
                       </a:r>
-                      <a:endParaRPr sz="1800"/>
                     </a:p>
                     <a:p>
                       <a:pPr marL="0" marR="0" lvl="0" indent="0" algn="l" rtl="0">
@@ -33643,77 +33769,10 @@
                         <a:buNone/>
                       </a:pPr>
                       <a:r>
-                        <a:rPr lang="fr-FR" sz="1800"/>
-                        <a:t>Thibaud LASSUS</a:t>
+                        <a:rPr lang="fr-FR" sz="1800" dirty="0"/>
+                        <a:t>Côme ARCHINARD</a:t>
                       </a:r>
-                      <a:endParaRPr sz="1800"/>
-                    </a:p>
-                    <a:p>
-                      <a:pPr marL="0" marR="0" lvl="0" indent="0" algn="l" rtl="0">
-                        <a:spcBef>
-                          <a:spcPts val="0"/>
-                        </a:spcBef>
-                        <a:spcAft>
-                          <a:spcPts val="0"/>
-                        </a:spcAft>
-                        <a:buNone/>
-                      </a:pPr>
-                      <a:r>
-                        <a:rPr lang="fr-FR" sz="1800"/>
-                        <a:t>Erwan BENKARA-MAHAMMED</a:t>
-                      </a:r>
-                      <a:endParaRPr sz="1800"/>
-                    </a:p>
-                  </a:txBody>
-                  <a:tcPr marL="91450" marR="91450" marT="45725" marB="45725"/>
-                </a:tc>
-                <a:tc>
-                  <a:txBody>
-                    <a:bodyPr/>
-                    <a:lstStyle/>
-                    <a:p>
-                      <a:pPr marL="0" marR="0" lvl="0" indent="0" algn="l" rtl="0">
-                        <a:spcBef>
-                          <a:spcPts val="0"/>
-                        </a:spcBef>
-                        <a:spcAft>
-                          <a:spcPts val="0"/>
-                        </a:spcAft>
-                        <a:buNone/>
-                      </a:pPr>
-                      <a:endParaRPr sz="1800"/>
-                    </a:p>
-                    <a:p>
-                      <a:pPr marL="0" marR="0" lvl="0" indent="0" algn="l" rtl="0">
-                        <a:spcBef>
-                          <a:spcPts val="0"/>
-                        </a:spcBef>
-                        <a:spcAft>
-                          <a:spcPts val="0"/>
-                        </a:spcAft>
-                        <a:buNone/>
-                      </a:pPr>
-                      <a:r>
-                        <a:rPr lang="fr-FR" sz="1800"/>
-                        <a:t>Idriss GOUIGAH</a:t>
-                      </a:r>
-                      <a:endParaRPr sz="1800"/>
-                    </a:p>
-                    <a:p>
-                      <a:pPr marL="0" marR="0" lvl="0" indent="0" algn="l" rtl="0">
-                        <a:spcBef>
-                          <a:spcPts val="0"/>
-                        </a:spcBef>
-                        <a:spcAft>
-                          <a:spcPts val="0"/>
-                        </a:spcAft>
-                        <a:buNone/>
-                      </a:pPr>
-                      <a:r>
-                        <a:rPr lang="fr-FR" sz="1800"/>
-                        <a:t>Ghassen LASSOUED</a:t>
-                      </a:r>
-                      <a:endParaRPr sz="1800"/>
+                      <a:endParaRPr sz="1800" dirty="0"/>
                     </a:p>
                   </a:txBody>
                   <a:tcPr marL="91450" marR="91450" marT="45725" marB="45725"/>

--- a/AB_TOPs/02_Top_Maquette/Top_Maquette_V2.0.pptx
+++ b/AB_TOPs/02_Top_Maquette/Top_Maquette_V2.0.pptx
@@ -13,10 +13,10 @@
     <p:sldId id="258" r:id="rId4"/>
     <p:sldId id="259" r:id="rId5"/>
     <p:sldId id="260" r:id="rId6"/>
-    <p:sldId id="261" r:id="rId7"/>
-    <p:sldId id="269" r:id="rId8"/>
-    <p:sldId id="270" r:id="rId9"/>
-    <p:sldId id="262" r:id="rId10"/>
+    <p:sldId id="262" r:id="rId7"/>
+    <p:sldId id="261" r:id="rId8"/>
+    <p:sldId id="269" r:id="rId9"/>
+    <p:sldId id="270" r:id="rId10"/>
     <p:sldId id="272" r:id="rId11"/>
     <p:sldId id="263" r:id="rId12"/>
     <p:sldId id="264" r:id="rId13"/>
@@ -4919,7 +4919,7 @@
                   <a:bodyPr/>
                   <a:lstStyle/>
                   <a:p>
-                    <a:fld id="{B7BE10EB-707D-451B-AB42-8D3F3BAE9EDF}" type="CELLRANGE">
+                    <a:fld id="{F99AF7E4-4EF9-4ED8-94D0-34991AB2A781}" type="CELLRANGE">
                       <a:rPr lang="de-DE"/>
                       <a:pPr/>
                       <a:t>[PLAGECELL]</a:t>
@@ -4953,7 +4953,7 @@
                   <a:bodyPr/>
                   <a:lstStyle/>
                   <a:p>
-                    <a:fld id="{3F2427D8-29D6-4746-AB98-AAC3B176EAEB}" type="CELLRANGE">
+                    <a:fld id="{05544D98-D459-4D5C-AD50-69ECA5333011}" type="CELLRANGE">
                       <a:rPr lang="de-DE"/>
                       <a:pPr/>
                       <a:t>[PLAGECELL]</a:t>
@@ -4987,7 +4987,7 @@
                   <a:bodyPr/>
                   <a:lstStyle/>
                   <a:p>
-                    <a:fld id="{F36E0F92-EDE0-49D1-AEA2-4B69D551C4C3}" type="CELLRANGE">
+                    <a:fld id="{2772B5FC-EA8A-4B2F-B55C-0B46D1D13EC3}" type="CELLRANGE">
                       <a:rPr lang="de-DE"/>
                       <a:pPr/>
                       <a:t>[PLAGECELL]</a:t>
@@ -5021,7 +5021,7 @@
                   <a:bodyPr/>
                   <a:lstStyle/>
                   <a:p>
-                    <a:fld id="{2AC84503-C47A-4122-8F22-186FA27C3E0B}" type="CELLRANGE">
+                    <a:fld id="{6F09BF8D-6ED4-4F81-A5A2-9B16E61C686C}" type="CELLRANGE">
                       <a:rPr lang="de-DE"/>
                       <a:pPr/>
                       <a:t>[PLAGECELL]</a:t>
@@ -5471,7 +5471,7 @@
                   <a:bodyPr/>
                   <a:lstStyle/>
                   <a:p>
-                    <a:fld id="{DFBC33B2-2BCE-41A2-9F6B-AEABB0C20295}" type="CELLRANGE">
+                    <a:fld id="{0145B20E-B84C-439A-9F6D-A7376DBFDE1D}" type="CELLRANGE">
                       <a:rPr lang="de-DE"/>
                       <a:pPr/>
                       <a:t>[PLAGECELL]</a:t>
@@ -5505,7 +5505,7 @@
                   <a:bodyPr/>
                   <a:lstStyle/>
                   <a:p>
-                    <a:fld id="{6DC69639-356A-4B4F-8129-FC388EB41B84}" type="CELLRANGE">
+                    <a:fld id="{E3F0C25D-044B-4700-8B66-3B8070D030DE}" type="CELLRANGE">
                       <a:rPr lang="de-DE"/>
                       <a:pPr/>
                       <a:t>[PLAGECELL]</a:t>
@@ -5539,7 +5539,7 @@
                   <a:bodyPr/>
                   <a:lstStyle/>
                   <a:p>
-                    <a:fld id="{4A34D981-CBFB-4F72-AF02-4585A04A3D57}" type="CELLRANGE">
+                    <a:fld id="{D9FB63AA-81FB-4082-81CE-78D6E9866171}" type="CELLRANGE">
                       <a:rPr lang="de-DE"/>
                       <a:pPr/>
                       <a:t>[PLAGECELL]</a:t>
@@ -5573,7 +5573,7 @@
                   <a:bodyPr/>
                   <a:lstStyle/>
                   <a:p>
-                    <a:fld id="{D60F78A6-230B-43F8-AD77-66DB87A7708C}" type="CELLRANGE">
+                    <a:fld id="{383DEF13-8655-43C1-8537-C4BCB464293B}" type="CELLRANGE">
                       <a:rPr lang="de-DE"/>
                       <a:pPr/>
                       <a:t>[PLAGECELL]</a:t>
@@ -5607,7 +5607,7 @@
                   <a:bodyPr/>
                   <a:lstStyle/>
                   <a:p>
-                    <a:fld id="{D1BAB841-A8B3-4930-A4DB-F32BD9D7CC41}" type="CELLRANGE">
+                    <a:fld id="{1FFFD3BD-6315-42FD-8DE1-117927FE0B9F}" type="CELLRANGE">
                       <a:rPr lang="de-DE"/>
                       <a:pPr/>
                       <a:t>[PLAGECELL]</a:t>
@@ -17717,7 +17717,7 @@
   <p:cSld>
     <p:spTree>
       <p:nvGrpSpPr>
-        <p:cNvPr id="1" name="Shape 140"/>
+        <p:cNvPr id="1" name="Shape 146"/>
         <p:cNvGrpSpPr/>
         <p:nvPr/>
       </p:nvGrpSpPr>
@@ -17731,7 +17731,7 @@
       </p:grpSpPr>
       <p:sp>
         <p:nvSpPr>
-          <p:cNvPr id="141" name="Google Shape;141;p7:notes"/>
+          <p:cNvPr id="147" name="Google Shape;147;p8:notes"/>
           <p:cNvSpPr txBox="1">
             <a:spLocks noGrp="1"/>
           </p:cNvSpPr>
@@ -17769,7 +17769,7 @@
       </p:sp>
       <p:sp>
         <p:nvSpPr>
-          <p:cNvPr id="142" name="Google Shape;142;p7:notes"/>
+          <p:cNvPr id="148" name="Google Shape;148;p8:notes"/>
           <p:cNvSpPr>
             <a:spLocks noGrp="1" noRot="1" noChangeAspect="1"/>
           </p:cNvSpPr>
@@ -17913,6 +17913,110 @@
         </p:spPr>
       </p:sp>
     </p:spTree>
+  </p:cSld>
+  <p:clrMapOvr>
+    <a:masterClrMapping/>
+  </p:clrMapOvr>
+</p:notes>
+</file>
+
+<file path=ppt/notesSlides/notesSlide8.xml><?xml version="1.0" encoding="utf-8"?>
+<p:notes xmlns:a="http://schemas.openxmlformats.org/drawingml/2006/main" xmlns:r="http://schemas.openxmlformats.org/officeDocument/2006/relationships" xmlns:p="http://schemas.openxmlformats.org/presentationml/2006/main" showMasterSp="0" showMasterPhAnim="0">
+  <p:cSld>
+    <p:spTree>
+      <p:nvGrpSpPr>
+        <p:cNvPr id="1" name="Shape 140"/>
+        <p:cNvGrpSpPr/>
+        <p:nvPr/>
+      </p:nvGrpSpPr>
+      <p:grpSpPr>
+        <a:xfrm>
+          <a:off x="0" y="0"/>
+          <a:ext cx="0" cy="0"/>
+          <a:chOff x="0" y="0"/>
+          <a:chExt cx="0" cy="0"/>
+        </a:xfrm>
+      </p:grpSpPr>
+      <p:sp>
+        <p:nvSpPr>
+          <p:cNvPr id="141" name="Google Shape;141;p7:notes"/>
+          <p:cNvSpPr txBox="1">
+            <a:spLocks noGrp="1"/>
+          </p:cNvSpPr>
+          <p:nvPr>
+            <p:ph type="body" idx="1"/>
+          </p:nvPr>
+        </p:nvSpPr>
+        <p:spPr>
+          <a:xfrm>
+            <a:off x="685800" y="4400550"/>
+            <a:ext cx="5486400" cy="3600450"/>
+          </a:xfrm>
+          <a:prstGeom prst="rect">
+            <a:avLst/>
+          </a:prstGeom>
+        </p:spPr>
+        <p:txBody>
+          <a:bodyPr spcFirstLastPara="1" wrap="square" lIns="91425" tIns="45700" rIns="91425" bIns="45700" anchor="t" anchorCtr="0">
+            <a:noAutofit/>
+          </a:bodyPr>
+          <a:lstStyle/>
+          <a:p>
+            <a:pPr marL="0" lvl="0" indent="0" algn="l" rtl="0">
+              <a:spcBef>
+                <a:spcPts val="0"/>
+              </a:spcBef>
+              <a:spcAft>
+                <a:spcPts val="0"/>
+              </a:spcAft>
+              <a:buNone/>
+            </a:pPr>
+            <a:endParaRPr/>
+          </a:p>
+        </p:txBody>
+      </p:sp>
+      <p:sp>
+        <p:nvSpPr>
+          <p:cNvPr id="142" name="Google Shape;142;p7:notes"/>
+          <p:cNvSpPr>
+            <a:spLocks noGrp="1" noRot="1" noChangeAspect="1"/>
+          </p:cNvSpPr>
+          <p:nvPr>
+            <p:ph type="sldImg" idx="2"/>
+          </p:nvPr>
+        </p:nvSpPr>
+        <p:spPr>
+          <a:xfrm>
+            <a:off x="685800" y="1143000"/>
+            <a:ext cx="5486400" cy="3086100"/>
+          </a:xfrm>
+          <a:custGeom>
+            <a:avLst/>
+            <a:gdLst/>
+            <a:ahLst/>
+            <a:cxnLst/>
+            <a:rect l="l" t="t" r="r" b="b"/>
+            <a:pathLst>
+              <a:path w="120000" h="120000" extrusionOk="0">
+                <a:moveTo>
+                  <a:pt x="0" y="0"/>
+                </a:moveTo>
+                <a:lnTo>
+                  <a:pt x="120000" y="0"/>
+                </a:lnTo>
+                <a:lnTo>
+                  <a:pt x="120000" y="120000"/>
+                </a:lnTo>
+                <a:lnTo>
+                  <a:pt x="0" y="120000"/>
+                </a:lnTo>
+                <a:close/>
+              </a:path>
+            </a:pathLst>
+          </a:custGeom>
+        </p:spPr>
+      </p:sp>
+    </p:spTree>
     <p:extLst>
       <p:ext uri="{BB962C8B-B14F-4D97-AF65-F5344CB8AC3E}">
         <p14:creationId xmlns:p14="http://schemas.microsoft.com/office/powerpoint/2010/main" val="174976019"/>
@@ -17925,7 +18029,7 @@
 </p:notes>
 </file>
 
-<file path=ppt/notesSlides/notesSlide8.xml><?xml version="1.0" encoding="utf-8"?>
+<file path=ppt/notesSlides/notesSlide9.xml><?xml version="1.0" encoding="utf-8"?>
 <p:notes xmlns:a="http://schemas.openxmlformats.org/drawingml/2006/main" xmlns:r="http://schemas.openxmlformats.org/officeDocument/2006/relationships" xmlns:p="http://schemas.openxmlformats.org/presentationml/2006/main" showMasterSp="0" showMasterPhAnim="0">
   <p:cSld>
     <p:spTree>
@@ -18027,110 +18131,6 @@
         <p14:creationId xmlns:p14="http://schemas.microsoft.com/office/powerpoint/2010/main" val="3657571572"/>
       </p:ext>
     </p:extLst>
-  </p:cSld>
-  <p:clrMapOvr>
-    <a:masterClrMapping/>
-  </p:clrMapOvr>
-</p:notes>
-</file>
-
-<file path=ppt/notesSlides/notesSlide9.xml><?xml version="1.0" encoding="utf-8"?>
-<p:notes xmlns:a="http://schemas.openxmlformats.org/drawingml/2006/main" xmlns:r="http://schemas.openxmlformats.org/officeDocument/2006/relationships" xmlns:p="http://schemas.openxmlformats.org/presentationml/2006/main" showMasterSp="0" showMasterPhAnim="0">
-  <p:cSld>
-    <p:spTree>
-      <p:nvGrpSpPr>
-        <p:cNvPr id="1" name="Shape 146"/>
-        <p:cNvGrpSpPr/>
-        <p:nvPr/>
-      </p:nvGrpSpPr>
-      <p:grpSpPr>
-        <a:xfrm>
-          <a:off x="0" y="0"/>
-          <a:ext cx="0" cy="0"/>
-          <a:chOff x="0" y="0"/>
-          <a:chExt cx="0" cy="0"/>
-        </a:xfrm>
-      </p:grpSpPr>
-      <p:sp>
-        <p:nvSpPr>
-          <p:cNvPr id="147" name="Google Shape;147;p8:notes"/>
-          <p:cNvSpPr txBox="1">
-            <a:spLocks noGrp="1"/>
-          </p:cNvSpPr>
-          <p:nvPr>
-            <p:ph type="body" idx="1"/>
-          </p:nvPr>
-        </p:nvSpPr>
-        <p:spPr>
-          <a:xfrm>
-            <a:off x="685800" y="4400550"/>
-            <a:ext cx="5486400" cy="3600450"/>
-          </a:xfrm>
-          <a:prstGeom prst="rect">
-            <a:avLst/>
-          </a:prstGeom>
-        </p:spPr>
-        <p:txBody>
-          <a:bodyPr spcFirstLastPara="1" wrap="square" lIns="91425" tIns="45700" rIns="91425" bIns="45700" anchor="t" anchorCtr="0">
-            <a:noAutofit/>
-          </a:bodyPr>
-          <a:lstStyle/>
-          <a:p>
-            <a:pPr marL="0" lvl="0" indent="0" algn="l" rtl="0">
-              <a:spcBef>
-                <a:spcPts val="0"/>
-              </a:spcBef>
-              <a:spcAft>
-                <a:spcPts val="0"/>
-              </a:spcAft>
-              <a:buNone/>
-            </a:pPr>
-            <a:endParaRPr/>
-          </a:p>
-        </p:txBody>
-      </p:sp>
-      <p:sp>
-        <p:nvSpPr>
-          <p:cNvPr id="148" name="Google Shape;148;p8:notes"/>
-          <p:cNvSpPr>
-            <a:spLocks noGrp="1" noRot="1" noChangeAspect="1"/>
-          </p:cNvSpPr>
-          <p:nvPr>
-            <p:ph type="sldImg" idx="2"/>
-          </p:nvPr>
-        </p:nvSpPr>
-        <p:spPr>
-          <a:xfrm>
-            <a:off x="685800" y="1143000"/>
-            <a:ext cx="5486400" cy="3086100"/>
-          </a:xfrm>
-          <a:custGeom>
-            <a:avLst/>
-            <a:gdLst/>
-            <a:ahLst/>
-            <a:cxnLst/>
-            <a:rect l="l" t="t" r="r" b="b"/>
-            <a:pathLst>
-              <a:path w="120000" h="120000" extrusionOk="0">
-                <a:moveTo>
-                  <a:pt x="0" y="0"/>
-                </a:moveTo>
-                <a:lnTo>
-                  <a:pt x="120000" y="0"/>
-                </a:lnTo>
-                <a:lnTo>
-                  <a:pt x="120000" y="120000"/>
-                </a:lnTo>
-                <a:lnTo>
-                  <a:pt x="0" y="120000"/>
-                </a:lnTo>
-                <a:close/>
-              </a:path>
-            </a:pathLst>
-          </a:custGeom>
-        </p:spPr>
-      </p:sp>
-    </p:spTree>
   </p:cSld>
   <p:clrMapOvr>
     <a:masterClrMapping/>
@@ -29133,7 +29133,7 @@
               <a:buNone/>
             </a:pPr>
             <a:r>
-              <a:rPr lang="fr-FR" sz="2400" b="1">
+              <a:rPr lang="fr-FR" sz="2400" b="1" dirty="0">
                 <a:solidFill>
                   <a:schemeClr val="dk1"/>
                 </a:solidFill>
@@ -29142,39 +29142,12 @@
                 <a:cs typeface="Calibri"/>
                 <a:sym typeface="Calibri"/>
               </a:rPr>
-              <a:t>TLS</a:t>
+              <a:t>CMI</a:t>
             </a:r>
-            <a:endParaRPr/>
+            <a:endParaRPr dirty="0"/>
           </a:p>
         </p:txBody>
       </p:sp>
-      <p:pic>
-        <p:nvPicPr>
-          <p:cNvPr id="159" name="Google Shape;159;p20"/>
-          <p:cNvPicPr preferRelativeResize="0"/>
-          <p:nvPr/>
-        </p:nvPicPr>
-        <p:blipFill rotWithShape="1">
-          <a:blip r:embed="rId4">
-            <a:alphaModFix/>
-          </a:blip>
-          <a:srcRect/>
-          <a:stretch/>
-        </p:blipFill>
-        <p:spPr>
-          <a:xfrm>
-            <a:off x="11356663" y="0"/>
-            <a:ext cx="835334" cy="1113779"/>
-          </a:xfrm>
-          <a:prstGeom prst="rect">
-            <a:avLst/>
-          </a:prstGeom>
-          <a:noFill/>
-          <a:ln>
-            <a:noFill/>
-          </a:ln>
-        </p:spPr>
-      </p:pic>
       <p:graphicFrame>
         <p:nvGraphicFramePr>
           <p:cNvPr id="5" name="Graphique 4">
@@ -29201,7 +29174,7 @@
         </p:xfrm>
         <a:graphic>
           <a:graphicData uri="http://schemas.openxmlformats.org/drawingml/2006/chart">
-            <c:chart xmlns:c="http://schemas.openxmlformats.org/drawingml/2006/chart" xmlns:r="http://schemas.openxmlformats.org/officeDocument/2006/relationships" r:id="rId5"/>
+            <c:chart xmlns:c="http://schemas.openxmlformats.org/drawingml/2006/chart" xmlns:r="http://schemas.openxmlformats.org/officeDocument/2006/relationships" r:id="rId4"/>
           </a:graphicData>
         </a:graphic>
       </p:graphicFrame>
@@ -29231,10 +29204,40 @@
         </p:xfrm>
         <a:graphic>
           <a:graphicData uri="http://schemas.openxmlformats.org/drawingml/2006/chart">
-            <c:chart xmlns:c="http://schemas.openxmlformats.org/drawingml/2006/chart" xmlns:r="http://schemas.openxmlformats.org/officeDocument/2006/relationships" r:id="rId6"/>
+            <c:chart xmlns:c="http://schemas.openxmlformats.org/drawingml/2006/chart" xmlns:r="http://schemas.openxmlformats.org/officeDocument/2006/relationships" r:id="rId5"/>
           </a:graphicData>
         </a:graphic>
       </p:graphicFrame>
+      <p:pic>
+        <p:nvPicPr>
+          <p:cNvPr id="3" name="Image 2">
+            <a:extLst>
+              <a:ext uri="{FF2B5EF4-FFF2-40B4-BE49-F238E27FC236}">
+                <a16:creationId xmlns:a16="http://schemas.microsoft.com/office/drawing/2014/main" id="{01DC689C-BEEA-4302-9D98-6B445EDC2D5D}"/>
+              </a:ext>
+            </a:extLst>
+          </p:cNvPr>
+          <p:cNvPicPr>
+            <a:picLocks noChangeAspect="1"/>
+          </p:cNvPicPr>
+          <p:nvPr/>
+        </p:nvPicPr>
+        <p:blipFill>
+          <a:blip r:embed="rId6"/>
+          <a:stretch>
+            <a:fillRect/>
+          </a:stretch>
+        </p:blipFill>
+        <p:spPr>
+          <a:xfrm>
+            <a:off x="11358240" y="0"/>
+            <a:ext cx="833759" cy="1119809"/>
+          </a:xfrm>
+          <a:prstGeom prst="rect">
+            <a:avLst/>
+          </a:prstGeom>
+        </p:spPr>
+      </p:pic>
     </p:spTree>
   </p:cSld>
   <p:clrMapOvr>
@@ -29382,7 +29385,7 @@
               <a:buNone/>
             </a:pPr>
             <a:r>
-              <a:rPr lang="fr-FR" sz="2400" b="1">
+              <a:rPr lang="fr-FR" sz="2400" b="1" dirty="0">
                 <a:solidFill>
                   <a:schemeClr val="dk1"/>
                 </a:solidFill>
@@ -29391,39 +29394,12 @@
                 <a:cs typeface="Calibri"/>
                 <a:sym typeface="Calibri"/>
               </a:rPr>
-              <a:t>TLS</a:t>
+              <a:t>ASE</a:t>
             </a:r>
-            <a:endParaRPr/>
+            <a:endParaRPr dirty="0"/>
           </a:p>
         </p:txBody>
       </p:sp>
-      <p:pic>
-        <p:nvPicPr>
-          <p:cNvPr id="166" name="Google Shape;166;p21"/>
-          <p:cNvPicPr preferRelativeResize="0"/>
-          <p:nvPr/>
-        </p:nvPicPr>
-        <p:blipFill rotWithShape="1">
-          <a:blip r:embed="rId4">
-            <a:alphaModFix/>
-          </a:blip>
-          <a:srcRect/>
-          <a:stretch/>
-        </p:blipFill>
-        <p:spPr>
-          <a:xfrm>
-            <a:off x="11356663" y="0"/>
-            <a:ext cx="835334" cy="1113779"/>
-          </a:xfrm>
-          <a:prstGeom prst="rect">
-            <a:avLst/>
-          </a:prstGeom>
-          <a:noFill/>
-          <a:ln>
-            <a:noFill/>
-          </a:ln>
-        </p:spPr>
-      </p:pic>
       <p:graphicFrame>
         <p:nvGraphicFramePr>
           <p:cNvPr id="5" name="Graphique 4">
@@ -29450,10 +29426,39 @@
         </p:xfrm>
         <a:graphic>
           <a:graphicData uri="http://schemas.openxmlformats.org/drawingml/2006/chart">
-            <c:chart xmlns:c="http://schemas.openxmlformats.org/drawingml/2006/chart" xmlns:r="http://schemas.openxmlformats.org/officeDocument/2006/relationships" r:id="rId5"/>
+            <c:chart xmlns:c="http://schemas.openxmlformats.org/drawingml/2006/chart" xmlns:r="http://schemas.openxmlformats.org/officeDocument/2006/relationships" r:id="rId4"/>
           </a:graphicData>
         </a:graphic>
       </p:graphicFrame>
+      <p:pic>
+        <p:nvPicPr>
+          <p:cNvPr id="3" name="Image 2">
+            <a:extLst>
+              <a:ext uri="{FF2B5EF4-FFF2-40B4-BE49-F238E27FC236}">
+                <a16:creationId xmlns:a16="http://schemas.microsoft.com/office/drawing/2014/main" id="{5C74EAFC-C76F-4202-93B1-E31BAC54458D}"/>
+              </a:ext>
+            </a:extLst>
+          </p:cNvPr>
+          <p:cNvPicPr>
+            <a:picLocks noChangeAspect="1"/>
+          </p:cNvPicPr>
+          <p:nvPr/>
+        </p:nvPicPr>
+        <p:blipFill rotWithShape="1">
+          <a:blip r:embed="rId5"/>
+          <a:srcRect l="25266" t="20097" r="24621" b="34569"/>
+          <a:stretch/>
+        </p:blipFill>
+        <p:spPr>
+          <a:xfrm>
+            <a:off x="11358300" y="1"/>
+            <a:ext cx="833700" cy="1005584"/>
+          </a:xfrm>
+          <a:prstGeom prst="rect">
+            <a:avLst/>
+          </a:prstGeom>
+        </p:spPr>
+      </p:pic>
     </p:spTree>
   </p:cSld>
   <p:clrMapOvr>
@@ -29601,7 +29606,7 @@
               <a:buNone/>
             </a:pPr>
             <a:r>
-              <a:rPr lang="fr-FR" sz="2400" b="1">
+              <a:rPr lang="fr-FR" sz="2400" b="1" dirty="0">
                 <a:solidFill>
                   <a:schemeClr val="dk1"/>
                 </a:solidFill>
@@ -29610,39 +29615,12 @@
                 <a:cs typeface="Calibri"/>
                 <a:sym typeface="Calibri"/>
               </a:rPr>
-              <a:t>TLS</a:t>
+              <a:t>MKI</a:t>
             </a:r>
-            <a:endParaRPr/>
+            <a:endParaRPr dirty="0"/>
           </a:p>
         </p:txBody>
       </p:sp>
-      <p:pic>
-        <p:nvPicPr>
-          <p:cNvPr id="173" name="Google Shape;173;p22"/>
-          <p:cNvPicPr preferRelativeResize="0"/>
-          <p:nvPr/>
-        </p:nvPicPr>
-        <p:blipFill rotWithShape="1">
-          <a:blip r:embed="rId4">
-            <a:alphaModFix/>
-          </a:blip>
-          <a:srcRect/>
-          <a:stretch/>
-        </p:blipFill>
-        <p:spPr>
-          <a:xfrm>
-            <a:off x="11356663" y="0"/>
-            <a:ext cx="835334" cy="1113779"/>
-          </a:xfrm>
-          <a:prstGeom prst="rect">
-            <a:avLst/>
-          </a:prstGeom>
-          <a:noFill/>
-          <a:ln>
-            <a:noFill/>
-          </a:ln>
-        </p:spPr>
-      </p:pic>
       <p:graphicFrame>
         <p:nvGraphicFramePr>
           <p:cNvPr id="5" name="Graphique 4">
@@ -29669,7 +29647,7 @@
         </p:xfrm>
         <a:graphic>
           <a:graphicData uri="http://schemas.openxmlformats.org/drawingml/2006/chart">
-            <c:chart xmlns:c="http://schemas.openxmlformats.org/drawingml/2006/chart" xmlns:r="http://schemas.openxmlformats.org/officeDocument/2006/relationships" r:id="rId5"/>
+            <c:chart xmlns:c="http://schemas.openxmlformats.org/drawingml/2006/chart" xmlns:r="http://schemas.openxmlformats.org/officeDocument/2006/relationships" r:id="rId4"/>
           </a:graphicData>
         </a:graphic>
       </p:graphicFrame>
@@ -29699,10 +29677,40 @@
         </p:xfrm>
         <a:graphic>
           <a:graphicData uri="http://schemas.openxmlformats.org/drawingml/2006/chart">
-            <c:chart xmlns:c="http://schemas.openxmlformats.org/drawingml/2006/chart" xmlns:r="http://schemas.openxmlformats.org/officeDocument/2006/relationships" r:id="rId6"/>
+            <c:chart xmlns:c="http://schemas.openxmlformats.org/drawingml/2006/chart" xmlns:r="http://schemas.openxmlformats.org/officeDocument/2006/relationships" r:id="rId5"/>
           </a:graphicData>
         </a:graphic>
       </p:graphicFrame>
+      <p:pic>
+        <p:nvPicPr>
+          <p:cNvPr id="3" name="Image 2">
+            <a:extLst>
+              <a:ext uri="{FF2B5EF4-FFF2-40B4-BE49-F238E27FC236}">
+                <a16:creationId xmlns:a16="http://schemas.microsoft.com/office/drawing/2014/main" id="{A6F183E2-0A29-4011-8974-1E9649E4E9E5}"/>
+              </a:ext>
+            </a:extLst>
+          </p:cNvPr>
+          <p:cNvPicPr>
+            <a:picLocks noChangeAspect="1"/>
+          </p:cNvPicPr>
+          <p:nvPr/>
+        </p:nvPicPr>
+        <p:blipFill>
+          <a:blip r:embed="rId6"/>
+          <a:stretch>
+            <a:fillRect/>
+          </a:stretch>
+        </p:blipFill>
+        <p:spPr>
+          <a:xfrm>
+            <a:off x="11358298" y="0"/>
+            <a:ext cx="833701" cy="1323411"/>
+          </a:xfrm>
+          <a:prstGeom prst="rect">
+            <a:avLst/>
+          </a:prstGeom>
+        </p:spPr>
+      </p:pic>
     </p:spTree>
   </p:cSld>
   <p:clrMapOvr>
@@ -29850,7 +29858,7 @@
               <a:buNone/>
             </a:pPr>
             <a:r>
-              <a:rPr lang="fr-FR" sz="2400" b="1">
+              <a:rPr lang="fr-FR" sz="2400" b="1" dirty="0">
                 <a:solidFill>
                   <a:schemeClr val="dk1"/>
                 </a:solidFill>
@@ -29859,39 +29867,12 @@
                 <a:cs typeface="Calibri"/>
                 <a:sym typeface="Calibri"/>
               </a:rPr>
-              <a:t>TLS</a:t>
+              <a:t>CLS</a:t>
             </a:r>
-            <a:endParaRPr/>
+            <a:endParaRPr dirty="0"/>
           </a:p>
         </p:txBody>
       </p:sp>
-      <p:pic>
-        <p:nvPicPr>
-          <p:cNvPr id="173" name="Google Shape;173;p22"/>
-          <p:cNvPicPr preferRelativeResize="0"/>
-          <p:nvPr/>
-        </p:nvPicPr>
-        <p:blipFill rotWithShape="1">
-          <a:blip r:embed="rId4">
-            <a:alphaModFix/>
-          </a:blip>
-          <a:srcRect/>
-          <a:stretch/>
-        </p:blipFill>
-        <p:spPr>
-          <a:xfrm>
-            <a:off x="11356663" y="0"/>
-            <a:ext cx="835334" cy="1113779"/>
-          </a:xfrm>
-          <a:prstGeom prst="rect">
-            <a:avLst/>
-          </a:prstGeom>
-          <a:noFill/>
-          <a:ln>
-            <a:noFill/>
-          </a:ln>
-        </p:spPr>
-      </p:pic>
       <p:graphicFrame>
         <p:nvGraphicFramePr>
           <p:cNvPr id="7" name="Graphique 6">
@@ -29912,10 +29893,40 @@
         </p:xfrm>
         <a:graphic>
           <a:graphicData uri="http://schemas.openxmlformats.org/drawingml/2006/chart">
-            <c:chart xmlns:c="http://schemas.openxmlformats.org/drawingml/2006/chart" xmlns:r="http://schemas.openxmlformats.org/officeDocument/2006/relationships" r:id="rId5"/>
+            <c:chart xmlns:c="http://schemas.openxmlformats.org/drawingml/2006/chart" xmlns:r="http://schemas.openxmlformats.org/officeDocument/2006/relationships" r:id="rId4"/>
           </a:graphicData>
         </a:graphic>
       </p:graphicFrame>
+      <p:pic>
+        <p:nvPicPr>
+          <p:cNvPr id="3" name="Image 2">
+            <a:extLst>
+              <a:ext uri="{FF2B5EF4-FFF2-40B4-BE49-F238E27FC236}">
+                <a16:creationId xmlns:a16="http://schemas.microsoft.com/office/drawing/2014/main" id="{9B58047F-BF29-46A9-8D67-F1F678605BBA}"/>
+              </a:ext>
+            </a:extLst>
+          </p:cNvPr>
+          <p:cNvPicPr>
+            <a:picLocks noChangeAspect="1"/>
+          </p:cNvPicPr>
+          <p:nvPr/>
+        </p:nvPicPr>
+        <p:blipFill>
+          <a:blip r:embed="rId5"/>
+          <a:stretch>
+            <a:fillRect/>
+          </a:stretch>
+        </p:blipFill>
+        <p:spPr>
+          <a:xfrm>
+            <a:off x="11352244" y="-1"/>
+            <a:ext cx="839756" cy="1126436"/>
+          </a:xfrm>
+          <a:prstGeom prst="rect">
+            <a:avLst/>
+          </a:prstGeom>
+        </p:spPr>
+      </p:pic>
     </p:spTree>
     <p:extLst>
       <p:ext uri="{BB962C8B-B14F-4D97-AF65-F5344CB8AC3E}">
@@ -30182,8 +30193,8 @@
         </p:nvSpPr>
         <p:spPr>
           <a:xfrm>
-            <a:off x="552449" y="1503218"/>
-            <a:ext cx="11049829" cy="707886"/>
+            <a:off x="552449" y="1503217"/>
+            <a:ext cx="11049829" cy="4042817"/>
           </a:xfrm>
           <a:prstGeom prst="rect">
             <a:avLst/>
@@ -30209,7 +30220,7 @@
               <a:buNone/>
             </a:pPr>
             <a:r>
-              <a:rPr lang="fr-FR" sz="2000">
+              <a:rPr lang="fr-FR" sz="2000" dirty="0">
                 <a:solidFill>
                   <a:schemeClr val="dk1"/>
                 </a:solidFill>
@@ -30220,7 +30231,153 @@
               </a:rPr>
               <a:t>Sommaire :</a:t>
             </a:r>
-            <a:endParaRPr/>
+          </a:p>
+          <a:p>
+            <a:pPr marL="285750" marR="0" lvl="0" indent="-285750" algn="l" rtl="0">
+              <a:spcBef>
+                <a:spcPts val="0"/>
+              </a:spcBef>
+              <a:spcAft>
+                <a:spcPts val="0"/>
+              </a:spcAft>
+              <a:buFont typeface="Arial" panose="020B0604020202020204" pitchFamily="34" charset="0"/>
+              <a:buChar char="•"/>
+            </a:pPr>
+            <a:r>
+              <a:rPr lang="fr-FR" sz="2000" dirty="0">
+                <a:solidFill>
+                  <a:schemeClr val="dk1"/>
+                </a:solidFill>
+                <a:latin typeface="Calibri"/>
+                <a:cs typeface="Calibri"/>
+                <a:sym typeface="Calibri"/>
+              </a:rPr>
+              <a:t>P10P</a:t>
+            </a:r>
+          </a:p>
+          <a:p>
+            <a:pPr marL="285750" marR="0" lvl="0" indent="-285750" algn="l" rtl="0">
+              <a:spcBef>
+                <a:spcPts val="0"/>
+              </a:spcBef>
+              <a:spcAft>
+                <a:spcPts val="0"/>
+              </a:spcAft>
+              <a:buFont typeface="Arial" panose="020B0604020202020204" pitchFamily="34" charset="0"/>
+              <a:buChar char="•"/>
+            </a:pPr>
+            <a:r>
+              <a:rPr lang="fr-FR" sz="2000" dirty="0">
+                <a:solidFill>
+                  <a:schemeClr val="dk1"/>
+                </a:solidFill>
+                <a:latin typeface="Calibri"/>
+                <a:cs typeface="Calibri"/>
+                <a:sym typeface="Calibri"/>
+              </a:rPr>
+              <a:t>Organigramme</a:t>
+            </a:r>
+          </a:p>
+          <a:p>
+            <a:pPr marL="285750" marR="0" lvl="0" indent="-285750" algn="l" rtl="0">
+              <a:spcBef>
+                <a:spcPts val="0"/>
+              </a:spcBef>
+              <a:spcAft>
+                <a:spcPts val="0"/>
+              </a:spcAft>
+              <a:buFont typeface="Arial" panose="020B0604020202020204" pitchFamily="34" charset="0"/>
+              <a:buChar char="•"/>
+            </a:pPr>
+            <a:r>
+              <a:rPr lang="fr-FR" sz="2000" dirty="0" err="1">
+                <a:solidFill>
+                  <a:schemeClr val="dk1"/>
+                </a:solidFill>
+                <a:latin typeface="Calibri"/>
+                <a:cs typeface="Calibri"/>
+                <a:sym typeface="Calibri"/>
+              </a:rPr>
+              <a:t>CdCF</a:t>
+            </a:r>
+            <a:endParaRPr lang="fr-FR" sz="2000" dirty="0">
+              <a:solidFill>
+                <a:schemeClr val="dk1"/>
+              </a:solidFill>
+              <a:latin typeface="Calibri"/>
+              <a:cs typeface="Calibri"/>
+              <a:sym typeface="Calibri"/>
+            </a:endParaRPr>
+          </a:p>
+          <a:p>
+            <a:pPr marL="285750" marR="0" lvl="0" indent="-285750" algn="l" rtl="0">
+              <a:spcBef>
+                <a:spcPts val="0"/>
+              </a:spcBef>
+              <a:spcAft>
+                <a:spcPts val="0"/>
+              </a:spcAft>
+              <a:buFont typeface="Arial" panose="020B0604020202020204" pitchFamily="34" charset="0"/>
+              <a:buChar char="•"/>
+            </a:pPr>
+            <a:r>
+              <a:rPr lang="fr-FR" sz="2000" dirty="0">
+                <a:solidFill>
+                  <a:schemeClr val="dk1"/>
+                </a:solidFill>
+                <a:latin typeface="Calibri"/>
+                <a:cs typeface="Calibri"/>
+                <a:sym typeface="Calibri"/>
+              </a:rPr>
+              <a:t>Budget financier prévisionnel</a:t>
+            </a:r>
+          </a:p>
+          <a:p>
+            <a:pPr marL="285750" marR="0" lvl="0" indent="-285750" algn="l" rtl="0">
+              <a:spcBef>
+                <a:spcPts val="0"/>
+              </a:spcBef>
+              <a:spcAft>
+                <a:spcPts val="0"/>
+              </a:spcAft>
+              <a:buFont typeface="Arial" panose="020B0604020202020204" pitchFamily="34" charset="0"/>
+              <a:buChar char="•"/>
+            </a:pPr>
+            <a:r>
+              <a:rPr lang="fr-FR" sz="2000" dirty="0">
+                <a:solidFill>
+                  <a:schemeClr val="dk1"/>
+                </a:solidFill>
+                <a:latin typeface="Calibri"/>
+                <a:cs typeface="Calibri"/>
+                <a:sym typeface="Calibri"/>
+              </a:rPr>
+              <a:t>Budgets massiques prévisionnels</a:t>
+            </a:r>
+          </a:p>
+          <a:p>
+            <a:pPr marL="285750" marR="0" lvl="0" indent="-285750" algn="l" rtl="0">
+              <a:spcBef>
+                <a:spcPts val="0"/>
+              </a:spcBef>
+              <a:spcAft>
+                <a:spcPts val="0"/>
+              </a:spcAft>
+              <a:buFont typeface="Arial" panose="020B0604020202020204" pitchFamily="34" charset="0"/>
+              <a:buChar char="•"/>
+            </a:pPr>
+            <a:r>
+              <a:rPr lang="fr-FR" sz="2000" dirty="0">
+                <a:solidFill>
+                  <a:schemeClr val="dk1"/>
+                </a:solidFill>
+                <a:latin typeface="Calibri"/>
+                <a:cs typeface="Calibri"/>
+                <a:sym typeface="Calibri"/>
+              </a:rPr>
+              <a:t>MIS 2D </a:t>
+            </a:r>
+            <a:endParaRPr dirty="0"/>
           </a:p>
           <a:p>
             <a:pPr marL="400050" marR="0" lvl="0" indent="-273050" algn="l" rtl="0">
@@ -30237,7 +30394,7 @@
               <a:buFont typeface="Calibri"/>
               <a:buNone/>
             </a:pPr>
-            <a:endParaRPr sz="2000">
+            <a:endParaRPr sz="2000" dirty="0">
               <a:solidFill>
                 <a:schemeClr val="dk1"/>
               </a:solidFill>
@@ -33796,6 +33953,183 @@
 </file>
 
 <file path=ppt/slides/slide6.xml><?xml version="1.0" encoding="utf-8"?>
+<p:sld xmlns:a="http://schemas.openxmlformats.org/drawingml/2006/main" xmlns:r="http://schemas.openxmlformats.org/officeDocument/2006/relationships" xmlns:p="http://schemas.openxmlformats.org/presentationml/2006/main">
+  <p:cSld>
+    <p:bg>
+      <p:bgPr>
+        <a:blipFill>
+          <a:blip r:embed="rId3">
+            <a:alphaModFix/>
+          </a:blip>
+          <a:stretch>
+            <a:fillRect/>
+          </a:stretch>
+        </a:blipFill>
+        <a:effectLst/>
+      </p:bgPr>
+    </p:bg>
+    <p:spTree>
+      <p:nvGrpSpPr>
+        <p:cNvPr id="1" name="Shape 149"/>
+        <p:cNvGrpSpPr/>
+        <p:nvPr/>
+      </p:nvGrpSpPr>
+      <p:grpSpPr>
+        <a:xfrm>
+          <a:off x="0" y="0"/>
+          <a:ext cx="0" cy="0"/>
+          <a:chOff x="0" y="0"/>
+          <a:chExt cx="0" cy="0"/>
+        </a:xfrm>
+      </p:grpSpPr>
+      <p:sp>
+        <p:nvSpPr>
+          <p:cNvPr id="150" name="Google Shape;150;p19"/>
+          <p:cNvSpPr txBox="1"/>
+          <p:nvPr/>
+        </p:nvSpPr>
+        <p:spPr>
+          <a:xfrm>
+            <a:off x="0" y="547255"/>
+            <a:ext cx="12191999" cy="830997"/>
+          </a:xfrm>
+          <a:prstGeom prst="rect">
+            <a:avLst/>
+          </a:prstGeom>
+          <a:noFill/>
+          <a:ln>
+            <a:noFill/>
+          </a:ln>
+        </p:spPr>
+        <p:txBody>
+          <a:bodyPr spcFirstLastPara="1" wrap="square" lIns="91425" tIns="45700" rIns="91425" bIns="45700" anchor="t" anchorCtr="0">
+            <a:noAutofit/>
+          </a:bodyPr>
+          <a:lstStyle/>
+          <a:p>
+            <a:pPr marL="0" marR="0" lvl="0" indent="0" algn="ctr" rtl="0">
+              <a:spcBef>
+                <a:spcPts val="0"/>
+              </a:spcBef>
+              <a:spcAft>
+                <a:spcPts val="0"/>
+              </a:spcAft>
+              <a:buNone/>
+            </a:pPr>
+            <a:r>
+              <a:rPr lang="fr-FR" sz="2400" b="1" u="sng" dirty="0">
+                <a:solidFill>
+                  <a:srgbClr val="C2381E"/>
+                </a:solidFill>
+                <a:latin typeface="Calibri"/>
+                <a:ea typeface="Calibri"/>
+                <a:cs typeface="Calibri"/>
+                <a:sym typeface="Calibri"/>
+              </a:rPr>
+              <a:t>TOP Maquette : </a:t>
+            </a:r>
+            <a:r>
+              <a:rPr lang="fr-FR" sz="2400" b="1" u="sng" dirty="0" err="1">
+                <a:solidFill>
+                  <a:srgbClr val="C2381E"/>
+                </a:solidFill>
+                <a:latin typeface="Calibri"/>
+                <a:ea typeface="Calibri"/>
+                <a:cs typeface="Calibri"/>
+                <a:sym typeface="Calibri"/>
+              </a:rPr>
+              <a:t>CdCF</a:t>
+            </a:r>
+            <a:endParaRPr dirty="0"/>
+          </a:p>
+        </p:txBody>
+      </p:sp>
+      <p:sp>
+        <p:nvSpPr>
+          <p:cNvPr id="151" name="Google Shape;151;p19"/>
+          <p:cNvSpPr txBox="1"/>
+          <p:nvPr/>
+        </p:nvSpPr>
+        <p:spPr>
+          <a:xfrm>
+            <a:off x="10524765" y="0"/>
+            <a:ext cx="833617" cy="461665"/>
+          </a:xfrm>
+          <a:prstGeom prst="rect">
+            <a:avLst/>
+          </a:prstGeom>
+          <a:noFill/>
+          <a:ln>
+            <a:noFill/>
+          </a:ln>
+        </p:spPr>
+        <p:txBody>
+          <a:bodyPr spcFirstLastPara="1" wrap="square" lIns="91425" tIns="45700" rIns="91425" bIns="45700" anchor="t" anchorCtr="0">
+            <a:noAutofit/>
+          </a:bodyPr>
+          <a:lstStyle/>
+          <a:p>
+            <a:pPr marL="0" marR="0" lvl="0" indent="0" algn="ctr" rtl="0">
+              <a:spcBef>
+                <a:spcPts val="0"/>
+              </a:spcBef>
+              <a:spcAft>
+                <a:spcPts val="0"/>
+              </a:spcAft>
+              <a:buNone/>
+            </a:pPr>
+            <a:r>
+              <a:rPr lang="fr-FR" sz="2400" b="1">
+                <a:solidFill>
+                  <a:schemeClr val="dk1"/>
+                </a:solidFill>
+                <a:latin typeface="Calibri"/>
+                <a:ea typeface="Calibri"/>
+                <a:cs typeface="Calibri"/>
+                <a:sym typeface="Calibri"/>
+              </a:rPr>
+              <a:t>TLS</a:t>
+            </a:r>
+            <a:endParaRPr/>
+          </a:p>
+        </p:txBody>
+      </p:sp>
+      <p:pic>
+        <p:nvPicPr>
+          <p:cNvPr id="152" name="Google Shape;152;p19"/>
+          <p:cNvPicPr preferRelativeResize="0"/>
+          <p:nvPr/>
+        </p:nvPicPr>
+        <p:blipFill rotWithShape="1">
+          <a:blip r:embed="rId4">
+            <a:alphaModFix/>
+          </a:blip>
+          <a:srcRect/>
+          <a:stretch/>
+        </p:blipFill>
+        <p:spPr>
+          <a:xfrm>
+            <a:off x="11356663" y="0"/>
+            <a:ext cx="835335" cy="1113780"/>
+          </a:xfrm>
+          <a:prstGeom prst="rect">
+            <a:avLst/>
+          </a:prstGeom>
+          <a:noFill/>
+          <a:ln>
+            <a:noFill/>
+          </a:ln>
+        </p:spPr>
+      </p:pic>
+    </p:spTree>
+  </p:cSld>
+  <p:clrMapOvr>
+    <a:masterClrMapping/>
+  </p:clrMapOvr>
+</p:sld>
+</file>
+
+<file path=ppt/slides/slide7.xml><?xml version="1.0" encoding="utf-8"?>
 <p:sld xmlns:a="http://schemas.openxmlformats.org/drawingml/2006/main" xmlns:r="http://schemas.openxmlformats.org/officeDocument/2006/relationships" xmlns:p="http://schemas.openxmlformats.org/presentationml/2006/main">
   <p:cSld>
     <p:bg>
@@ -36006,7 +36340,7 @@
 </p:sld>
 </file>
 
-<file path=ppt/slides/slide7.xml><?xml version="1.0" encoding="utf-8"?>
+<file path=ppt/slides/slide8.xml><?xml version="1.0" encoding="utf-8"?>
 <p:sld xmlns:a="http://schemas.openxmlformats.org/drawingml/2006/main" xmlns:r="http://schemas.openxmlformats.org/officeDocument/2006/relationships" xmlns:p="http://schemas.openxmlformats.org/presentationml/2006/main">
   <p:cSld>
     <p:bg>
@@ -36221,7 +36555,7 @@
 </p:sld>
 </file>
 
-<file path=ppt/slides/slide8.xml><?xml version="1.0" encoding="utf-8"?>
+<file path=ppt/slides/slide9.xml><?xml version="1.0" encoding="utf-8"?>
 <p:sld xmlns:a="http://schemas.openxmlformats.org/drawingml/2006/main" xmlns:r="http://schemas.openxmlformats.org/officeDocument/2006/relationships" xmlns:p="http://schemas.openxmlformats.org/presentationml/2006/main">
   <p:cSld>
     <p:bg>
@@ -36441,183 +36775,6 @@
         <p14:creationId xmlns:p14="http://schemas.microsoft.com/office/powerpoint/2010/main" val="409062920"/>
       </p:ext>
     </p:extLst>
-  </p:cSld>
-  <p:clrMapOvr>
-    <a:masterClrMapping/>
-  </p:clrMapOvr>
-</p:sld>
-</file>
-
-<file path=ppt/slides/slide9.xml><?xml version="1.0" encoding="utf-8"?>
-<p:sld xmlns:a="http://schemas.openxmlformats.org/drawingml/2006/main" xmlns:r="http://schemas.openxmlformats.org/officeDocument/2006/relationships" xmlns:p="http://schemas.openxmlformats.org/presentationml/2006/main">
-  <p:cSld>
-    <p:bg>
-      <p:bgPr>
-        <a:blipFill>
-          <a:blip r:embed="rId3">
-            <a:alphaModFix/>
-          </a:blip>
-          <a:stretch>
-            <a:fillRect/>
-          </a:stretch>
-        </a:blipFill>
-        <a:effectLst/>
-      </p:bgPr>
-    </p:bg>
-    <p:spTree>
-      <p:nvGrpSpPr>
-        <p:cNvPr id="1" name="Shape 149"/>
-        <p:cNvGrpSpPr/>
-        <p:nvPr/>
-      </p:nvGrpSpPr>
-      <p:grpSpPr>
-        <a:xfrm>
-          <a:off x="0" y="0"/>
-          <a:ext cx="0" cy="0"/>
-          <a:chOff x="0" y="0"/>
-          <a:chExt cx="0" cy="0"/>
-        </a:xfrm>
-      </p:grpSpPr>
-      <p:sp>
-        <p:nvSpPr>
-          <p:cNvPr id="150" name="Google Shape;150;p19"/>
-          <p:cNvSpPr txBox="1"/>
-          <p:nvPr/>
-        </p:nvSpPr>
-        <p:spPr>
-          <a:xfrm>
-            <a:off x="0" y="547255"/>
-            <a:ext cx="12191999" cy="830997"/>
-          </a:xfrm>
-          <a:prstGeom prst="rect">
-            <a:avLst/>
-          </a:prstGeom>
-          <a:noFill/>
-          <a:ln>
-            <a:noFill/>
-          </a:ln>
-        </p:spPr>
-        <p:txBody>
-          <a:bodyPr spcFirstLastPara="1" wrap="square" lIns="91425" tIns="45700" rIns="91425" bIns="45700" anchor="t" anchorCtr="0">
-            <a:noAutofit/>
-          </a:bodyPr>
-          <a:lstStyle/>
-          <a:p>
-            <a:pPr marL="0" marR="0" lvl="0" indent="0" algn="ctr" rtl="0">
-              <a:spcBef>
-                <a:spcPts val="0"/>
-              </a:spcBef>
-              <a:spcAft>
-                <a:spcPts val="0"/>
-              </a:spcAft>
-              <a:buNone/>
-            </a:pPr>
-            <a:r>
-              <a:rPr lang="fr-FR" sz="2400" b="1" u="sng" dirty="0">
-                <a:solidFill>
-                  <a:srgbClr val="C2381E"/>
-                </a:solidFill>
-                <a:latin typeface="Calibri"/>
-                <a:ea typeface="Calibri"/>
-                <a:cs typeface="Calibri"/>
-                <a:sym typeface="Calibri"/>
-              </a:rPr>
-              <a:t>TOP Maquette : </a:t>
-            </a:r>
-            <a:r>
-              <a:rPr lang="fr-FR" sz="2400" b="1" u="sng" dirty="0" err="1">
-                <a:solidFill>
-                  <a:srgbClr val="C2381E"/>
-                </a:solidFill>
-                <a:latin typeface="Calibri"/>
-                <a:ea typeface="Calibri"/>
-                <a:cs typeface="Calibri"/>
-                <a:sym typeface="Calibri"/>
-              </a:rPr>
-              <a:t>CdCF</a:t>
-            </a:r>
-            <a:endParaRPr dirty="0"/>
-          </a:p>
-        </p:txBody>
-      </p:sp>
-      <p:sp>
-        <p:nvSpPr>
-          <p:cNvPr id="151" name="Google Shape;151;p19"/>
-          <p:cNvSpPr txBox="1"/>
-          <p:nvPr/>
-        </p:nvSpPr>
-        <p:spPr>
-          <a:xfrm>
-            <a:off x="10524765" y="0"/>
-            <a:ext cx="833617" cy="461665"/>
-          </a:xfrm>
-          <a:prstGeom prst="rect">
-            <a:avLst/>
-          </a:prstGeom>
-          <a:noFill/>
-          <a:ln>
-            <a:noFill/>
-          </a:ln>
-        </p:spPr>
-        <p:txBody>
-          <a:bodyPr spcFirstLastPara="1" wrap="square" lIns="91425" tIns="45700" rIns="91425" bIns="45700" anchor="t" anchorCtr="0">
-            <a:noAutofit/>
-          </a:bodyPr>
-          <a:lstStyle/>
-          <a:p>
-            <a:pPr marL="0" marR="0" lvl="0" indent="0" algn="ctr" rtl="0">
-              <a:spcBef>
-                <a:spcPts val="0"/>
-              </a:spcBef>
-              <a:spcAft>
-                <a:spcPts val="0"/>
-              </a:spcAft>
-              <a:buNone/>
-            </a:pPr>
-            <a:r>
-              <a:rPr lang="fr-FR" sz="2400" b="1">
-                <a:solidFill>
-                  <a:schemeClr val="dk1"/>
-                </a:solidFill>
-                <a:latin typeface="Calibri"/>
-                <a:ea typeface="Calibri"/>
-                <a:cs typeface="Calibri"/>
-                <a:sym typeface="Calibri"/>
-              </a:rPr>
-              <a:t>TLS</a:t>
-            </a:r>
-            <a:endParaRPr/>
-          </a:p>
-        </p:txBody>
-      </p:sp>
-      <p:pic>
-        <p:nvPicPr>
-          <p:cNvPr id="152" name="Google Shape;152;p19"/>
-          <p:cNvPicPr preferRelativeResize="0"/>
-          <p:nvPr/>
-        </p:nvPicPr>
-        <p:blipFill rotWithShape="1">
-          <a:blip r:embed="rId4">
-            <a:alphaModFix/>
-          </a:blip>
-          <a:srcRect/>
-          <a:stretch/>
-        </p:blipFill>
-        <p:spPr>
-          <a:xfrm>
-            <a:off x="11356663" y="0"/>
-            <a:ext cx="835335" cy="1113780"/>
-          </a:xfrm>
-          <a:prstGeom prst="rect">
-            <a:avLst/>
-          </a:prstGeom>
-          <a:noFill/>
-          <a:ln>
-            <a:noFill/>
-          </a:ln>
-        </p:spPr>
-      </p:pic>
-    </p:spTree>
   </p:cSld>
   <p:clrMapOvr>
     <a:masterClrMapping/>

--- a/AB_TOPs/02_Top_Maquette/Top_Maquette_V2.0.pptx
+++ b/AB_TOPs/02_Top_Maquette/Top_Maquette_V2.0.pptx
@@ -4323,7 +4323,7 @@
                       <a:pPr/>
                       <a:t>[PLAGECELL]</a:t>
                     </a:fld>
-                    <a:endParaRPr lang="de-DE"/>
+                    <a:endParaRPr lang="fr-FR"/>
                   </a:p>
                 </c:rich>
               </c:tx>
@@ -4356,7 +4356,7 @@
                       <a:pPr/>
                       <a:t>[PLAGECELL]</a:t>
                     </a:fld>
-                    <a:endParaRPr lang="de-DE"/>
+                    <a:endParaRPr lang="fr-FR"/>
                   </a:p>
                 </c:rich>
               </c:tx>
@@ -4389,7 +4389,7 @@
                       <a:pPr/>
                       <a:t>[PLAGECELL]</a:t>
                     </a:fld>
-                    <a:endParaRPr lang="de-DE"/>
+                    <a:endParaRPr lang="fr-FR"/>
                   </a:p>
                 </c:rich>
               </c:tx>
@@ -4422,7 +4422,7 @@
                       <a:pPr/>
                       <a:t>[PLAGECELL]</a:t>
                     </a:fld>
-                    <a:endParaRPr lang="de-DE"/>
+                    <a:endParaRPr lang="fr-FR"/>
                   </a:p>
                 </c:rich>
               </c:tx>
@@ -4455,7 +4455,7 @@
                       <a:pPr/>
                       <a:t>[PLAGECELL]</a:t>
                     </a:fld>
-                    <a:endParaRPr lang="de-DE"/>
+                    <a:endParaRPr lang="fr-FR"/>
                   </a:p>
                 </c:rich>
               </c:tx>
@@ -4488,7 +4488,7 @@
                       <a:pPr/>
                       <a:t>[PLAGECELL]</a:t>
                     </a:fld>
-                    <a:endParaRPr lang="de-DE"/>
+                    <a:endParaRPr lang="fr-FR"/>
                   </a:p>
                 </c:rich>
               </c:tx>
@@ -4891,7 +4891,7 @@
                       <a:pPr/>
                       <a:t>[PLAGECELL]</a:t>
                     </a:fld>
-                    <a:endParaRPr lang="de-DE"/>
+                    <a:endParaRPr lang="fr-FR"/>
                   </a:p>
                 </c:rich>
               </c:tx>
@@ -4919,12 +4919,12 @@
                   <a:bodyPr/>
                   <a:lstStyle/>
                   <a:p>
-                    <a:fld id="{B7BE10EB-707D-451B-AB42-8D3F3BAE9EDF}" type="CELLRANGE">
-                      <a:rPr lang="de-DE"/>
+                    <a:fld id="{389BCBEF-9D18-4AB5-BB5D-8A46D7A7AE2D}" type="CELLRANGE">
+                      <a:rPr lang="en-US"/>
                       <a:pPr/>
                       <a:t>[PLAGECELL]</a:t>
                     </a:fld>
-                    <a:endParaRPr lang="de-DE"/>
+                    <a:endParaRPr lang="fr-FR"/>
                   </a:p>
                 </c:rich>
               </c:tx>
@@ -4953,12 +4953,12 @@
                   <a:bodyPr/>
                   <a:lstStyle/>
                   <a:p>
-                    <a:fld id="{3F2427D8-29D6-4746-AB98-AAC3B176EAEB}" type="CELLRANGE">
-                      <a:rPr lang="de-DE"/>
+                    <a:fld id="{B44219FE-4290-4D4F-AD3B-685740E06BC2}" type="CELLRANGE">
+                      <a:rPr lang="en-US"/>
                       <a:pPr/>
                       <a:t>[PLAGECELL]</a:t>
                     </a:fld>
-                    <a:endParaRPr lang="de-DE"/>
+                    <a:endParaRPr lang="fr-FR"/>
                   </a:p>
                 </c:rich>
               </c:tx>
@@ -4987,12 +4987,12 @@
                   <a:bodyPr/>
                   <a:lstStyle/>
                   <a:p>
-                    <a:fld id="{F36E0F92-EDE0-49D1-AEA2-4B69D551C4C3}" type="CELLRANGE">
-                      <a:rPr lang="de-DE"/>
+                    <a:fld id="{59E49537-6840-423E-93AD-E6EE3005C690}" type="CELLRANGE">
+                      <a:rPr lang="en-US"/>
                       <a:pPr/>
                       <a:t>[PLAGECELL]</a:t>
                     </a:fld>
-                    <a:endParaRPr lang="de-DE"/>
+                    <a:endParaRPr lang="fr-FR"/>
                   </a:p>
                 </c:rich>
               </c:tx>
@@ -5021,12 +5021,12 @@
                   <a:bodyPr/>
                   <a:lstStyle/>
                   <a:p>
-                    <a:fld id="{2AC84503-C47A-4122-8F22-186FA27C3E0B}" type="CELLRANGE">
-                      <a:rPr lang="de-DE"/>
+                    <a:fld id="{B69963A2-BA7D-4BDF-AE62-A8A397ABCA43}" type="CELLRANGE">
+                      <a:rPr lang="en-US"/>
                       <a:pPr/>
                       <a:t>[PLAGECELL]</a:t>
                     </a:fld>
-                    <a:endParaRPr lang="de-DE"/>
+                    <a:endParaRPr lang="fr-FR"/>
                   </a:p>
                 </c:rich>
               </c:tx>
@@ -5443,7 +5443,7 @@
                       <a:pPr/>
                       <a:t>[PLAGECELL]</a:t>
                     </a:fld>
-                    <a:endParaRPr lang="de-DE"/>
+                    <a:endParaRPr lang="fr-FR"/>
                   </a:p>
                 </c:rich>
               </c:tx>
@@ -5471,12 +5471,12 @@
                   <a:bodyPr/>
                   <a:lstStyle/>
                   <a:p>
-                    <a:fld id="{DFBC33B2-2BCE-41A2-9F6B-AEABB0C20295}" type="CELLRANGE">
-                      <a:rPr lang="de-DE"/>
+                    <a:fld id="{05BA1285-B793-412E-B08D-1C0F0C0AB7ED}" type="CELLRANGE">
+                      <a:rPr lang="en-US"/>
                       <a:pPr/>
                       <a:t>[PLAGECELL]</a:t>
                     </a:fld>
-                    <a:endParaRPr lang="de-DE"/>
+                    <a:endParaRPr lang="fr-FR"/>
                   </a:p>
                 </c:rich>
               </c:tx>
@@ -5505,12 +5505,12 @@
                   <a:bodyPr/>
                   <a:lstStyle/>
                   <a:p>
-                    <a:fld id="{6DC69639-356A-4B4F-8129-FC388EB41B84}" type="CELLRANGE">
-                      <a:rPr lang="de-DE"/>
+                    <a:fld id="{2BB8F2AC-40D9-4A41-A86D-0D7E5010769F}" type="CELLRANGE">
+                      <a:rPr lang="en-US"/>
                       <a:pPr/>
                       <a:t>[PLAGECELL]</a:t>
                     </a:fld>
-                    <a:endParaRPr lang="de-DE"/>
+                    <a:endParaRPr lang="fr-FR"/>
                   </a:p>
                 </c:rich>
               </c:tx>
@@ -5539,12 +5539,12 @@
                   <a:bodyPr/>
                   <a:lstStyle/>
                   <a:p>
-                    <a:fld id="{4A34D981-CBFB-4F72-AF02-4585A04A3D57}" type="CELLRANGE">
-                      <a:rPr lang="de-DE"/>
+                    <a:fld id="{9612ED16-9377-49FC-8BE6-099DE97AA087}" type="CELLRANGE">
+                      <a:rPr lang="en-US"/>
                       <a:pPr/>
                       <a:t>[PLAGECELL]</a:t>
                     </a:fld>
-                    <a:endParaRPr lang="de-DE"/>
+                    <a:endParaRPr lang="fr-FR"/>
                   </a:p>
                 </c:rich>
               </c:tx>
@@ -5573,12 +5573,12 @@
                   <a:bodyPr/>
                   <a:lstStyle/>
                   <a:p>
-                    <a:fld id="{D60F78A6-230B-43F8-AD77-66DB87A7708C}" type="CELLRANGE">
-                      <a:rPr lang="de-DE"/>
+                    <a:fld id="{F49A1740-735F-4675-87C9-D74E78E979E0}" type="CELLRANGE">
+                      <a:rPr lang="en-US"/>
                       <a:pPr/>
                       <a:t>[PLAGECELL]</a:t>
                     </a:fld>
-                    <a:endParaRPr lang="de-DE"/>
+                    <a:endParaRPr lang="fr-FR"/>
                   </a:p>
                 </c:rich>
               </c:tx>
@@ -5607,12 +5607,12 @@
                   <a:bodyPr/>
                   <a:lstStyle/>
                   <a:p>
-                    <a:fld id="{D1BAB841-A8B3-4930-A4DB-F32BD9D7CC41}" type="CELLRANGE">
-                      <a:rPr lang="de-DE"/>
+                    <a:fld id="{21AFB33F-1015-4FEB-B9AB-C932A4D50BE2}" type="CELLRANGE">
+                      <a:rPr lang="en-US"/>
                       <a:pPr/>
                       <a:t>[PLAGECELL]</a:t>
                     </a:fld>
-                    <a:endParaRPr lang="de-DE"/>
+                    <a:endParaRPr lang="fr-FR"/>
                   </a:p>
                 </c:rich>
               </c:tx>
@@ -30084,6 +30084,38 @@
           <a:ln>
             <a:noFill/>
           </a:ln>
+        </p:spPr>
+      </p:pic>
+      <p:pic>
+        <p:nvPicPr>
+          <p:cNvPr id="3" name="Image 2">
+            <a:extLst>
+              <a:ext uri="{FF2B5EF4-FFF2-40B4-BE49-F238E27FC236}">
+                <a16:creationId xmlns:a16="http://schemas.microsoft.com/office/drawing/2014/main" id="{786AA391-1452-445E-9CDD-B6123B1CE3EB}"/>
+              </a:ext>
+            </a:extLst>
+          </p:cNvPr>
+          <p:cNvPicPr>
+            <a:picLocks noChangeAspect="1"/>
+          </p:cNvPicPr>
+          <p:nvPr/>
+        </p:nvPicPr>
+        <p:blipFill rotWithShape="1">
+          <a:blip r:embed="rId5"/>
+          <a:srcRect l="-1557" t="1" b="-1557"/>
+          <a:stretch/>
+        </p:blipFill>
+        <p:spPr>
+          <a:xfrm>
+            <a:off x="2216727" y="1119922"/>
+            <a:ext cx="7641392" cy="5271641"/>
+          </a:xfrm>
+          <a:prstGeom prst="rect">
+            <a:avLst/>
+          </a:prstGeom>
+          <a:solidFill>
+            <a:schemeClr val="bg1"/>
+          </a:solidFill>
         </p:spPr>
       </p:pic>
     </p:spTree>

--- a/AB_TOPs/02_Top_Maquette/Top_Maquette_V2.0.pptx
+++ b/AB_TOPs/02_Top_Maquette/Top_Maquette_V2.0.pptx
@@ -4318,7 +4318,7 @@
                   <a:bodyPr/>
                   <a:lstStyle/>
                   <a:p>
-                    <a:fld id="{47E28F0C-6A57-42E7-AB19-FFA6EAF5E07C}" type="CELLRANGE">
+                    <a:fld id="{00F5D984-C064-45EE-A9AF-CE7A8183BFE6}" type="CELLRANGE">
                       <a:rPr lang="en-US"/>
                       <a:pPr/>
                       <a:t>[PLAGECELL]</a:t>
@@ -4351,7 +4351,7 @@
                   <a:bodyPr/>
                   <a:lstStyle/>
                   <a:p>
-                    <a:fld id="{34ED2D9F-F195-4A88-812C-9CAAFD2EAD01}" type="CELLRANGE">
+                    <a:fld id="{8728FAAA-7EEF-4AD9-BEBA-041A5B0C5320}" type="CELLRANGE">
                       <a:rPr lang="en-US"/>
                       <a:pPr/>
                       <a:t>[PLAGECELL]</a:t>
@@ -4370,6 +4370,7 @@
               <c:extLst>
                 <c:ext xmlns:c15="http://schemas.microsoft.com/office/drawing/2012/chart" uri="{CE6537A1-D6FC-4f65-9D91-7224C49458BB}">
                   <c15:dlblFieldTable/>
+                  <c15:xForSave val="1"/>
                   <c15:showDataLabelsRange val="1"/>
                 </c:ext>
                 <c:ext xmlns:c16="http://schemas.microsoft.com/office/drawing/2014/chart" uri="{C3380CC4-5D6E-409C-BE32-E72D297353CC}">
@@ -4384,7 +4385,7 @@
                   <a:bodyPr/>
                   <a:lstStyle/>
                   <a:p>
-                    <a:fld id="{AD735F56-480A-4D01-8F6F-AB3EC6F79295}" type="CELLRANGE">
+                    <a:fld id="{5A0BF2F3-6CEA-4077-9FA4-1839D0D3A89A}" type="CELLRANGE">
                       <a:rPr lang="en-US"/>
                       <a:pPr/>
                       <a:t>[PLAGECELL]</a:t>
@@ -4403,6 +4404,7 @@
               <c:extLst>
                 <c:ext xmlns:c15="http://schemas.microsoft.com/office/drawing/2012/chart" uri="{CE6537A1-D6FC-4f65-9D91-7224C49458BB}">
                   <c15:dlblFieldTable/>
+                  <c15:xForSave val="1"/>
                   <c15:showDataLabelsRange val="1"/>
                 </c:ext>
                 <c:ext xmlns:c16="http://schemas.microsoft.com/office/drawing/2014/chart" uri="{C3380CC4-5D6E-409C-BE32-E72D297353CC}">
@@ -4417,7 +4419,7 @@
                   <a:bodyPr/>
                   <a:lstStyle/>
                   <a:p>
-                    <a:fld id="{DAB27870-DDA7-45AD-B300-44F82DACA5D6}" type="CELLRANGE">
+                    <a:fld id="{AC6F220C-1C5C-48BF-A904-92AE8599EFA8}" type="CELLRANGE">
                       <a:rPr lang="en-US"/>
                       <a:pPr/>
                       <a:t>[PLAGECELL]</a:t>
@@ -4436,6 +4438,7 @@
               <c:extLst>
                 <c:ext xmlns:c15="http://schemas.microsoft.com/office/drawing/2012/chart" uri="{CE6537A1-D6FC-4f65-9D91-7224C49458BB}">
                   <c15:dlblFieldTable/>
+                  <c15:xForSave val="1"/>
                   <c15:showDataLabelsRange val="1"/>
                 </c:ext>
                 <c:ext xmlns:c16="http://schemas.microsoft.com/office/drawing/2014/chart" uri="{C3380CC4-5D6E-409C-BE32-E72D297353CC}">
@@ -4450,7 +4453,7 @@
                   <a:bodyPr/>
                   <a:lstStyle/>
                   <a:p>
-                    <a:fld id="{7EAFAAEC-8B71-4FBC-AFF8-77F71C286B86}" type="CELLRANGE">
+                    <a:fld id="{C19533AF-8209-4332-8979-687769253EE9}" type="CELLRANGE">
                       <a:rPr lang="en-US"/>
                       <a:pPr/>
                       <a:t>[PLAGECELL]</a:t>
@@ -4469,6 +4472,7 @@
               <c:extLst>
                 <c:ext xmlns:c15="http://schemas.microsoft.com/office/drawing/2012/chart" uri="{CE6537A1-D6FC-4f65-9D91-7224C49458BB}">
                   <c15:dlblFieldTable/>
+                  <c15:xForSave val="1"/>
                   <c15:showDataLabelsRange val="1"/>
                 </c:ext>
                 <c:ext xmlns:c16="http://schemas.microsoft.com/office/drawing/2014/chart" uri="{C3380CC4-5D6E-409C-BE32-E72D297353CC}">
@@ -4483,7 +4487,7 @@
                   <a:bodyPr/>
                   <a:lstStyle/>
                   <a:p>
-                    <a:fld id="{0173466B-EE4D-4ADE-B3AC-0D725ED5BDE1}" type="CELLRANGE">
+                    <a:fld id="{5F8D1BFE-085A-4586-B81F-92CCC2549213}" type="CELLRANGE">
                       <a:rPr lang="en-US"/>
                       <a:pPr/>
                       <a:t>[PLAGECELL]</a:t>
@@ -4502,6 +4506,7 @@
               <c:extLst>
                 <c:ext xmlns:c15="http://schemas.microsoft.com/office/drawing/2012/chart" uri="{CE6537A1-D6FC-4f65-9D91-7224C49458BB}">
                   <c15:dlblFieldTable/>
+                  <c15:xForSave val="1"/>
                   <c15:showDataLabelsRange val="1"/>
                 </c:ext>
                 <c:ext xmlns:c16="http://schemas.microsoft.com/office/drawing/2014/chart" uri="{C3380CC4-5D6E-409C-BE32-E72D297353CC}">
@@ -4886,7 +4891,7 @@
                   <a:bodyPr/>
                   <a:lstStyle/>
                   <a:p>
-                    <a:fld id="{EF640C55-8075-4C51-A154-89464BAE7F4D}" type="CELLRANGE">
+                    <a:fld id="{B4ABE95E-A5F2-4070-89EE-8ABA3DF0E6EC}" type="CELLRANGE">
                       <a:rPr lang="en-US"/>
                       <a:pPr/>
                       <a:t>[PLAGECELL]</a:t>
@@ -4919,7 +4924,7 @@
                   <a:bodyPr/>
                   <a:lstStyle/>
                   <a:p>
-                    <a:fld id="{389BCBEF-9D18-4AB5-BB5D-8A46D7A7AE2D}" type="CELLRANGE">
+                    <a:fld id="{1FA7AC7C-21EB-4DDA-B5E2-A3ECCFD24DF3}" type="CELLRANGE">
                       <a:rPr lang="en-US"/>
                       <a:pPr/>
                       <a:t>[PLAGECELL]</a:t>
@@ -4953,7 +4958,7 @@
                   <a:bodyPr/>
                   <a:lstStyle/>
                   <a:p>
-                    <a:fld id="{B44219FE-4290-4D4F-AD3B-685740E06BC2}" type="CELLRANGE">
+                    <a:fld id="{949FBE59-4898-45EA-9E08-B7F074FC2AD3}" type="CELLRANGE">
                       <a:rPr lang="en-US"/>
                       <a:pPr/>
                       <a:t>[PLAGECELL]</a:t>
@@ -4987,7 +4992,7 @@
                   <a:bodyPr/>
                   <a:lstStyle/>
                   <a:p>
-                    <a:fld id="{59E49537-6840-423E-93AD-E6EE3005C690}" type="CELLRANGE">
+                    <a:fld id="{F6F56045-ABD7-4F23-8927-89E029802756}" type="CELLRANGE">
                       <a:rPr lang="en-US"/>
                       <a:pPr/>
                       <a:t>[PLAGECELL]</a:t>
@@ -5021,7 +5026,7 @@
                   <a:bodyPr/>
                   <a:lstStyle/>
                   <a:p>
-                    <a:fld id="{B69963A2-BA7D-4BDF-AE62-A8A397ABCA43}" type="CELLRANGE">
+                    <a:fld id="{523D77FB-FFE6-4268-BF7E-BEFE9E9935EA}" type="CELLRANGE">
                       <a:rPr lang="en-US"/>
                       <a:pPr/>
                       <a:t>[PLAGECELL]</a:t>
@@ -5438,7 +5443,7 @@
                   <a:bodyPr/>
                   <a:lstStyle/>
                   <a:p>
-                    <a:fld id="{C75C5C46-9D49-4FC0-B5F6-7333DAC4B1A9}" type="CELLRANGE">
+                    <a:fld id="{09EB7212-D63F-476E-9D8A-49CE5CA96CDD}" type="CELLRANGE">
                       <a:rPr lang="en-US"/>
                       <a:pPr/>
                       <a:t>[PLAGECELL]</a:t>
@@ -5471,7 +5476,7 @@
                   <a:bodyPr/>
                   <a:lstStyle/>
                   <a:p>
-                    <a:fld id="{05BA1285-B793-412E-B08D-1C0F0C0AB7ED}" type="CELLRANGE">
+                    <a:fld id="{D5E47DA1-6F60-4684-8408-9ECC915BC0C6}" type="CELLRANGE">
                       <a:rPr lang="en-US"/>
                       <a:pPr/>
                       <a:t>[PLAGECELL]</a:t>
@@ -5505,7 +5510,7 @@
                   <a:bodyPr/>
                   <a:lstStyle/>
                   <a:p>
-                    <a:fld id="{2BB8F2AC-40D9-4A41-A86D-0D7E5010769F}" type="CELLRANGE">
+                    <a:fld id="{AE576DCD-8183-45A1-AAE6-CF1A6651B56B}" type="CELLRANGE">
                       <a:rPr lang="en-US"/>
                       <a:pPr/>
                       <a:t>[PLAGECELL]</a:t>
@@ -5539,7 +5544,7 @@
                   <a:bodyPr/>
                   <a:lstStyle/>
                   <a:p>
-                    <a:fld id="{9612ED16-9377-49FC-8BE6-099DE97AA087}" type="CELLRANGE">
+                    <a:fld id="{B553F84C-6111-4466-86BA-69D70109B570}" type="CELLRANGE">
                       <a:rPr lang="en-US"/>
                       <a:pPr/>
                       <a:t>[PLAGECELL]</a:t>
@@ -5573,7 +5578,7 @@
                   <a:bodyPr/>
                   <a:lstStyle/>
                   <a:p>
-                    <a:fld id="{F49A1740-735F-4675-87C9-D74E78E979E0}" type="CELLRANGE">
+                    <a:fld id="{9623FCC3-38CD-4A48-A0AB-5D6FCC5438A7}" type="CELLRANGE">
                       <a:rPr lang="en-US"/>
                       <a:pPr/>
                       <a:t>[PLAGECELL]</a:t>
@@ -5607,7 +5612,7 @@
                   <a:bodyPr/>
                   <a:lstStyle/>
                   <a:p>
-                    <a:fld id="{21AFB33F-1015-4FEB-B9AB-C932A4D50BE2}" type="CELLRANGE">
+                    <a:fld id="{394BBDD3-44DC-4341-B85F-F35389A48D18}" type="CELLRANGE">
                       <a:rPr lang="en-US"/>
                       <a:pPr/>
                       <a:t>[PLAGECELL]</a:t>
@@ -36649,6 +36654,976 @@
           </a:ln>
         </p:spPr>
       </p:pic>
+      <p:graphicFrame>
+        <p:nvGraphicFramePr>
+          <p:cNvPr id="3" name="Tableau 2">
+            <a:extLst>
+              <a:ext uri="{FF2B5EF4-FFF2-40B4-BE49-F238E27FC236}">
+                <a16:creationId xmlns:a16="http://schemas.microsoft.com/office/drawing/2014/main" id="{89413EA5-14DE-483E-9096-135D6B3CF116}"/>
+              </a:ext>
+            </a:extLst>
+          </p:cNvPr>
+          <p:cNvGraphicFramePr>
+            <a:graphicFrameLocks noGrp="1"/>
+          </p:cNvGraphicFramePr>
+          <p:nvPr>
+            <p:extLst>
+              <p:ext uri="{D42A27DB-BD31-4B8C-83A1-F6EECF244321}">
+                <p14:modId xmlns:p14="http://schemas.microsoft.com/office/powerpoint/2010/main" val="3003767446"/>
+              </p:ext>
+            </p:extLst>
+          </p:nvPr>
+        </p:nvGraphicFramePr>
+        <p:xfrm>
+          <a:off x="2147886" y="2040255"/>
+          <a:ext cx="7896225" cy="2777490"/>
+        </p:xfrm>
+        <a:graphic>
+          <a:graphicData uri="http://schemas.openxmlformats.org/drawingml/2006/table">
+            <a:tbl>
+              <a:tblPr>
+                <a:tableStyleId>{B66C77B7-72B2-49AA-88F4-1DF366D76EA2}</a:tableStyleId>
+              </a:tblPr>
+              <a:tblGrid>
+                <a:gridCol w="3624497">
+                  <a:extLst>
+                    <a:ext uri="{9D8B030D-6E8A-4147-A177-3AD203B41FA5}">
+                      <a16:colId xmlns:a16="http://schemas.microsoft.com/office/drawing/2014/main" val="221925814"/>
+                    </a:ext>
+                  </a:extLst>
+                </a:gridCol>
+                <a:gridCol w="2306499">
+                  <a:extLst>
+                    <a:ext uri="{9D8B030D-6E8A-4147-A177-3AD203B41FA5}">
+                      <a16:colId xmlns:a16="http://schemas.microsoft.com/office/drawing/2014/main" val="1993640714"/>
+                    </a:ext>
+                  </a:extLst>
+                </a:gridCol>
+                <a:gridCol w="1023802">
+                  <a:extLst>
+                    <a:ext uri="{9D8B030D-6E8A-4147-A177-3AD203B41FA5}">
+                      <a16:colId xmlns:a16="http://schemas.microsoft.com/office/drawing/2014/main" val="1159861958"/>
+                    </a:ext>
+                  </a:extLst>
+                </a:gridCol>
+                <a:gridCol w="941427">
+                  <a:extLst>
+                    <a:ext uri="{9D8B030D-6E8A-4147-A177-3AD203B41FA5}">
+                      <a16:colId xmlns:a16="http://schemas.microsoft.com/office/drawing/2014/main" val="3091856157"/>
+                    </a:ext>
+                  </a:extLst>
+                </a:gridCol>
+              </a:tblGrid>
+              <a:tr h="190500">
+                <a:tc>
+                  <a:txBody>
+                    <a:bodyPr/>
+                    <a:lstStyle/>
+                    <a:p>
+                      <a:pPr algn="l" fontAlgn="b"/>
+                      <a:r>
+                        <a:rPr lang="fr-FR" sz="1600" b="1" u="none" strike="noStrike" dirty="0">
+                          <a:effectLst/>
+                        </a:rPr>
+                        <a:t>Fonction</a:t>
+                      </a:r>
+                      <a:endParaRPr lang="fr-FR" sz="1600" b="1" i="0" u="none" strike="noStrike" dirty="0">
+                        <a:solidFill>
+                          <a:srgbClr val="000000"/>
+                        </a:solidFill>
+                        <a:effectLst/>
+                        <a:latin typeface="Calibri" panose="020F0502020204030204" pitchFamily="34" charset="0"/>
+                      </a:endParaRPr>
+                    </a:p>
+                  </a:txBody>
+                  <a:tcPr marL="9525" marR="9525" marT="9525" marB="0" anchor="b"/>
+                </a:tc>
+                <a:tc>
+                  <a:txBody>
+                    <a:bodyPr/>
+                    <a:lstStyle/>
+                    <a:p>
+                      <a:pPr algn="l" fontAlgn="b"/>
+                      <a:r>
+                        <a:rPr lang="fr-FR" sz="1600" b="1" u="none" strike="noStrike" dirty="0">
+                          <a:effectLst/>
+                        </a:rPr>
+                        <a:t>Critère</a:t>
+                      </a:r>
+                      <a:endParaRPr lang="fr-FR" sz="1600" b="1" i="0" u="none" strike="noStrike" dirty="0">
+                        <a:solidFill>
+                          <a:srgbClr val="000000"/>
+                        </a:solidFill>
+                        <a:effectLst/>
+                        <a:latin typeface="Calibri" panose="020F0502020204030204" pitchFamily="34" charset="0"/>
+                      </a:endParaRPr>
+                    </a:p>
+                  </a:txBody>
+                  <a:tcPr marL="9525" marR="9525" marT="9525" marB="0" anchor="b"/>
+                </a:tc>
+                <a:tc>
+                  <a:txBody>
+                    <a:bodyPr/>
+                    <a:lstStyle/>
+                    <a:p>
+                      <a:pPr algn="l" fontAlgn="b"/>
+                      <a:r>
+                        <a:rPr lang="fr-FR" sz="1600" b="1" u="none" strike="noStrike" dirty="0">
+                          <a:effectLst/>
+                        </a:rPr>
+                        <a:t>Niveau</a:t>
+                      </a:r>
+                      <a:endParaRPr lang="fr-FR" sz="1600" b="1" i="0" u="none" strike="noStrike" dirty="0">
+                        <a:solidFill>
+                          <a:srgbClr val="000000"/>
+                        </a:solidFill>
+                        <a:effectLst/>
+                        <a:latin typeface="Calibri" panose="020F0502020204030204" pitchFamily="34" charset="0"/>
+                      </a:endParaRPr>
+                    </a:p>
+                  </a:txBody>
+                  <a:tcPr marL="9525" marR="9525" marT="9525" marB="0" anchor="b"/>
+                </a:tc>
+                <a:tc>
+                  <a:txBody>
+                    <a:bodyPr/>
+                    <a:lstStyle/>
+                    <a:p>
+                      <a:pPr algn="l" fontAlgn="b"/>
+                      <a:r>
+                        <a:rPr lang="fr-FR" sz="1600" b="1" u="none" strike="noStrike" dirty="0">
+                          <a:effectLst/>
+                        </a:rPr>
+                        <a:t>Flexibilité</a:t>
+                      </a:r>
+                      <a:endParaRPr lang="fr-FR" sz="1600" b="1" i="0" u="none" strike="noStrike" dirty="0">
+                        <a:solidFill>
+                          <a:srgbClr val="000000"/>
+                        </a:solidFill>
+                        <a:effectLst/>
+                        <a:latin typeface="Calibri" panose="020F0502020204030204" pitchFamily="34" charset="0"/>
+                      </a:endParaRPr>
+                    </a:p>
+                  </a:txBody>
+                  <a:tcPr marL="9525" marR="9525" marT="9525" marB="0" anchor="b"/>
+                </a:tc>
+                <a:extLst>
+                  <a:ext uri="{0D108BD9-81ED-4DB2-BD59-A6C34878D82A}">
+                    <a16:rowId xmlns:a16="http://schemas.microsoft.com/office/drawing/2014/main" val="1944454567"/>
+                  </a:ext>
+                </a:extLst>
+              </a:tr>
+              <a:tr h="190500">
+                <a:tc>
+                  <a:txBody>
+                    <a:bodyPr/>
+                    <a:lstStyle/>
+                    <a:p>
+                      <a:pPr algn="l" fontAlgn="b"/>
+                      <a:r>
+                        <a:rPr lang="fr-FR" sz="1600" u="none" strike="noStrike" dirty="0">
+                          <a:effectLst/>
+                        </a:rPr>
+                        <a:t>FP1 : Véhicule apte au Formula Student</a:t>
+                      </a:r>
+                      <a:endParaRPr lang="fr-FR" sz="1600" b="0" i="0" u="none" strike="noStrike" dirty="0">
+                        <a:solidFill>
+                          <a:srgbClr val="000000"/>
+                        </a:solidFill>
+                        <a:effectLst/>
+                        <a:latin typeface="Calibri" panose="020F0502020204030204" pitchFamily="34" charset="0"/>
+                      </a:endParaRPr>
+                    </a:p>
+                  </a:txBody>
+                  <a:tcPr marL="9525" marR="9525" marT="9525" marB="0" anchor="b"/>
+                </a:tc>
+                <a:tc>
+                  <a:txBody>
+                    <a:bodyPr/>
+                    <a:lstStyle/>
+                    <a:p>
+                      <a:pPr algn="l" fontAlgn="b"/>
+                      <a:r>
+                        <a:rPr lang="fr-FR" sz="1600" u="none" strike="noStrike">
+                          <a:effectLst/>
+                        </a:rPr>
+                        <a:t>Respect du reglement</a:t>
+                      </a:r>
+                      <a:endParaRPr lang="fr-FR" sz="1600" b="0" i="0" u="none" strike="noStrike">
+                        <a:solidFill>
+                          <a:srgbClr val="000000"/>
+                        </a:solidFill>
+                        <a:effectLst/>
+                        <a:latin typeface="Calibri" panose="020F0502020204030204" pitchFamily="34" charset="0"/>
+                      </a:endParaRPr>
+                    </a:p>
+                  </a:txBody>
+                  <a:tcPr marL="9525" marR="9525" marT="9525" marB="0" anchor="b"/>
+                </a:tc>
+                <a:tc>
+                  <a:txBody>
+                    <a:bodyPr/>
+                    <a:lstStyle/>
+                    <a:p>
+                      <a:pPr algn="l" fontAlgn="b"/>
+                      <a:r>
+                        <a:rPr lang="fr-FR" sz="1600" u="none" strike="noStrike">
+                          <a:effectLst/>
+                        </a:rPr>
+                        <a:t>Complète</a:t>
+                      </a:r>
+                      <a:endParaRPr lang="fr-FR" sz="1600" b="0" i="0" u="none" strike="noStrike">
+                        <a:solidFill>
+                          <a:srgbClr val="000000"/>
+                        </a:solidFill>
+                        <a:effectLst/>
+                        <a:latin typeface="Calibri" panose="020F0502020204030204" pitchFamily="34" charset="0"/>
+                      </a:endParaRPr>
+                    </a:p>
+                  </a:txBody>
+                  <a:tcPr marL="9525" marR="9525" marT="9525" marB="0" anchor="b"/>
+                </a:tc>
+                <a:tc>
+                  <a:txBody>
+                    <a:bodyPr/>
+                    <a:lstStyle/>
+                    <a:p>
+                      <a:pPr algn="l" fontAlgn="b"/>
+                      <a:r>
+                        <a:rPr lang="fr-FR" sz="1600" u="none" strike="noStrike">
+                          <a:effectLst/>
+                        </a:rPr>
+                        <a:t>Aucune</a:t>
+                      </a:r>
+                      <a:endParaRPr lang="fr-FR" sz="1600" b="0" i="0" u="none" strike="noStrike">
+                        <a:solidFill>
+                          <a:srgbClr val="000000"/>
+                        </a:solidFill>
+                        <a:effectLst/>
+                        <a:latin typeface="Calibri" panose="020F0502020204030204" pitchFamily="34" charset="0"/>
+                      </a:endParaRPr>
+                    </a:p>
+                  </a:txBody>
+                  <a:tcPr marL="9525" marR="9525" marT="9525" marB="0" anchor="b"/>
+                </a:tc>
+                <a:extLst>
+                  <a:ext uri="{0D108BD9-81ED-4DB2-BD59-A6C34878D82A}">
+                    <a16:rowId xmlns:a16="http://schemas.microsoft.com/office/drawing/2014/main" val="191044989"/>
+                  </a:ext>
+                </a:extLst>
+              </a:tr>
+              <a:tr h="190500">
+                <a:tc>
+                  <a:txBody>
+                    <a:bodyPr/>
+                    <a:lstStyle/>
+                    <a:p>
+                      <a:pPr algn="l" fontAlgn="b"/>
+                      <a:endParaRPr lang="fr-FR" sz="1600" b="0" i="0" u="none" strike="noStrike">
+                        <a:solidFill>
+                          <a:srgbClr val="000000"/>
+                        </a:solidFill>
+                        <a:effectLst/>
+                        <a:latin typeface="Calibri" panose="020F0502020204030204" pitchFamily="34" charset="0"/>
+                      </a:endParaRPr>
+                    </a:p>
+                  </a:txBody>
+                  <a:tcPr marL="9525" marR="9525" marT="9525" marB="0" anchor="b"/>
+                </a:tc>
+                <a:tc>
+                  <a:txBody>
+                    <a:bodyPr/>
+                    <a:lstStyle/>
+                    <a:p>
+                      <a:pPr algn="l" fontAlgn="b"/>
+                      <a:endParaRPr lang="fr-FR" sz="1600" b="0" i="0" u="none" strike="noStrike">
+                        <a:solidFill>
+                          <a:srgbClr val="000000"/>
+                        </a:solidFill>
+                        <a:effectLst/>
+                        <a:latin typeface="Calibri" panose="020F0502020204030204" pitchFamily="34" charset="0"/>
+                      </a:endParaRPr>
+                    </a:p>
+                  </a:txBody>
+                  <a:tcPr marL="9525" marR="9525" marT="9525" marB="0" anchor="b"/>
+                </a:tc>
+                <a:tc>
+                  <a:txBody>
+                    <a:bodyPr/>
+                    <a:lstStyle/>
+                    <a:p>
+                      <a:pPr algn="l" fontAlgn="b"/>
+                      <a:endParaRPr lang="fr-FR" sz="1600" b="0" i="0" u="none" strike="noStrike">
+                        <a:solidFill>
+                          <a:srgbClr val="000000"/>
+                        </a:solidFill>
+                        <a:effectLst/>
+                        <a:latin typeface="Calibri" panose="020F0502020204030204" pitchFamily="34" charset="0"/>
+                      </a:endParaRPr>
+                    </a:p>
+                  </a:txBody>
+                  <a:tcPr marL="9525" marR="9525" marT="9525" marB="0" anchor="b"/>
+                </a:tc>
+                <a:tc>
+                  <a:txBody>
+                    <a:bodyPr/>
+                    <a:lstStyle/>
+                    <a:p>
+                      <a:pPr algn="l" fontAlgn="b"/>
+                      <a:endParaRPr lang="fr-FR" sz="1600" b="0" i="0" u="none" strike="noStrike">
+                        <a:solidFill>
+                          <a:srgbClr val="000000"/>
+                        </a:solidFill>
+                        <a:effectLst/>
+                        <a:latin typeface="Calibri" panose="020F0502020204030204" pitchFamily="34" charset="0"/>
+                      </a:endParaRPr>
+                    </a:p>
+                  </a:txBody>
+                  <a:tcPr marL="9525" marR="9525" marT="9525" marB="0" anchor="b"/>
+                </a:tc>
+                <a:extLst>
+                  <a:ext uri="{0D108BD9-81ED-4DB2-BD59-A6C34878D82A}">
+                    <a16:rowId xmlns:a16="http://schemas.microsoft.com/office/drawing/2014/main" val="1796843722"/>
+                  </a:ext>
+                </a:extLst>
+              </a:tr>
+              <a:tr h="190500">
+                <a:tc>
+                  <a:txBody>
+                    <a:bodyPr/>
+                    <a:lstStyle/>
+                    <a:p>
+                      <a:pPr algn="l" fontAlgn="b"/>
+                      <a:r>
+                        <a:rPr lang="fr-FR" sz="1600" u="none" strike="noStrike">
+                          <a:effectLst/>
+                        </a:rPr>
+                        <a:t>FC1: Contraintes dimensionnelles</a:t>
+                      </a:r>
+                      <a:endParaRPr lang="fr-FR" sz="1600" b="0" i="0" u="none" strike="noStrike">
+                        <a:solidFill>
+                          <a:srgbClr val="000000"/>
+                        </a:solidFill>
+                        <a:effectLst/>
+                        <a:latin typeface="Calibri" panose="020F0502020204030204" pitchFamily="34" charset="0"/>
+                      </a:endParaRPr>
+                    </a:p>
+                  </a:txBody>
+                  <a:tcPr marL="9525" marR="9525" marT="9525" marB="0" anchor="b"/>
+                </a:tc>
+                <a:tc>
+                  <a:txBody>
+                    <a:bodyPr/>
+                    <a:lstStyle/>
+                    <a:p>
+                      <a:pPr algn="l" fontAlgn="b"/>
+                      <a:r>
+                        <a:rPr lang="fr-FR" sz="1600" u="none" strike="noStrike">
+                          <a:effectLst/>
+                        </a:rPr>
+                        <a:t>Voie</a:t>
+                      </a:r>
+                      <a:endParaRPr lang="fr-FR" sz="1600" b="0" i="0" u="none" strike="noStrike">
+                        <a:solidFill>
+                          <a:srgbClr val="000000"/>
+                        </a:solidFill>
+                        <a:effectLst/>
+                        <a:latin typeface="Calibri" panose="020F0502020204030204" pitchFamily="34" charset="0"/>
+                      </a:endParaRPr>
+                    </a:p>
+                  </a:txBody>
+                  <a:tcPr marL="9525" marR="9525" marT="9525" marB="0" anchor="b"/>
+                </a:tc>
+                <a:tc>
+                  <a:txBody>
+                    <a:bodyPr/>
+                    <a:lstStyle/>
+                    <a:p>
+                      <a:pPr algn="l" fontAlgn="b"/>
+                      <a:r>
+                        <a:rPr lang="fr-FR" sz="1600" u="none" strike="noStrike">
+                          <a:effectLst/>
+                        </a:rPr>
+                        <a:t>1250mm</a:t>
+                      </a:r>
+                      <a:endParaRPr lang="fr-FR" sz="1600" b="0" i="0" u="none" strike="noStrike">
+                        <a:solidFill>
+                          <a:srgbClr val="000000"/>
+                        </a:solidFill>
+                        <a:effectLst/>
+                        <a:latin typeface="Calibri" panose="020F0502020204030204" pitchFamily="34" charset="0"/>
+                      </a:endParaRPr>
+                    </a:p>
+                  </a:txBody>
+                  <a:tcPr marL="9525" marR="9525" marT="9525" marB="0" anchor="b"/>
+                </a:tc>
+                <a:tc>
+                  <a:txBody>
+                    <a:bodyPr/>
+                    <a:lstStyle/>
+                    <a:p>
+                      <a:pPr algn="l" fontAlgn="b"/>
+                      <a:r>
+                        <a:rPr lang="fr-FR" sz="1600" u="none" strike="noStrike">
+                          <a:effectLst/>
+                        </a:rPr>
+                        <a:t>+/-40mm</a:t>
+                      </a:r>
+                      <a:endParaRPr lang="fr-FR" sz="1600" b="0" i="0" u="none" strike="noStrike">
+                        <a:solidFill>
+                          <a:srgbClr val="000000"/>
+                        </a:solidFill>
+                        <a:effectLst/>
+                        <a:latin typeface="Calibri" panose="020F0502020204030204" pitchFamily="34" charset="0"/>
+                      </a:endParaRPr>
+                    </a:p>
+                  </a:txBody>
+                  <a:tcPr marL="9525" marR="9525" marT="9525" marB="0" anchor="b"/>
+                </a:tc>
+                <a:extLst>
+                  <a:ext uri="{0D108BD9-81ED-4DB2-BD59-A6C34878D82A}">
+                    <a16:rowId xmlns:a16="http://schemas.microsoft.com/office/drawing/2014/main" val="53491071"/>
+                  </a:ext>
+                </a:extLst>
+              </a:tr>
+              <a:tr h="190500">
+                <a:tc>
+                  <a:txBody>
+                    <a:bodyPr/>
+                    <a:lstStyle/>
+                    <a:p>
+                      <a:pPr algn="l" fontAlgn="b"/>
+                      <a:endParaRPr lang="fr-FR" sz="1600" b="0" i="0" u="none" strike="noStrike">
+                        <a:solidFill>
+                          <a:srgbClr val="000000"/>
+                        </a:solidFill>
+                        <a:effectLst/>
+                        <a:latin typeface="Calibri" panose="020F0502020204030204" pitchFamily="34" charset="0"/>
+                      </a:endParaRPr>
+                    </a:p>
+                  </a:txBody>
+                  <a:tcPr marL="9525" marR="9525" marT="9525" marB="0" anchor="b"/>
+                </a:tc>
+                <a:tc>
+                  <a:txBody>
+                    <a:bodyPr/>
+                    <a:lstStyle/>
+                    <a:p>
+                      <a:pPr algn="l" fontAlgn="b"/>
+                      <a:r>
+                        <a:rPr lang="fr-FR" sz="1600" u="none" strike="noStrike">
+                          <a:effectLst/>
+                        </a:rPr>
+                        <a:t>Empatement</a:t>
+                      </a:r>
+                      <a:endParaRPr lang="fr-FR" sz="1600" b="0" i="0" u="none" strike="noStrike">
+                        <a:solidFill>
+                          <a:srgbClr val="000000"/>
+                        </a:solidFill>
+                        <a:effectLst/>
+                        <a:latin typeface="Calibri" panose="020F0502020204030204" pitchFamily="34" charset="0"/>
+                      </a:endParaRPr>
+                    </a:p>
+                  </a:txBody>
+                  <a:tcPr marL="9525" marR="9525" marT="9525" marB="0" anchor="b"/>
+                </a:tc>
+                <a:tc>
+                  <a:txBody>
+                    <a:bodyPr/>
+                    <a:lstStyle/>
+                    <a:p>
+                      <a:pPr algn="l" fontAlgn="b"/>
+                      <a:r>
+                        <a:rPr lang="fr-FR" sz="1600" u="none" strike="noStrike">
+                          <a:effectLst/>
+                        </a:rPr>
+                        <a:t>1600mm</a:t>
+                      </a:r>
+                      <a:endParaRPr lang="fr-FR" sz="1600" b="0" i="0" u="none" strike="noStrike">
+                        <a:solidFill>
+                          <a:srgbClr val="000000"/>
+                        </a:solidFill>
+                        <a:effectLst/>
+                        <a:latin typeface="Calibri" panose="020F0502020204030204" pitchFamily="34" charset="0"/>
+                      </a:endParaRPr>
+                    </a:p>
+                  </a:txBody>
+                  <a:tcPr marL="9525" marR="9525" marT="9525" marB="0" anchor="b"/>
+                </a:tc>
+                <a:tc>
+                  <a:txBody>
+                    <a:bodyPr/>
+                    <a:lstStyle/>
+                    <a:p>
+                      <a:pPr algn="l" fontAlgn="b"/>
+                      <a:r>
+                        <a:rPr lang="fr-FR" sz="1600" u="none" strike="noStrike">
+                          <a:effectLst/>
+                        </a:rPr>
+                        <a:t>+/-50mm</a:t>
+                      </a:r>
+                      <a:endParaRPr lang="fr-FR" sz="1600" b="0" i="0" u="none" strike="noStrike">
+                        <a:solidFill>
+                          <a:srgbClr val="000000"/>
+                        </a:solidFill>
+                        <a:effectLst/>
+                        <a:latin typeface="Calibri" panose="020F0502020204030204" pitchFamily="34" charset="0"/>
+                      </a:endParaRPr>
+                    </a:p>
+                  </a:txBody>
+                  <a:tcPr marL="9525" marR="9525" marT="9525" marB="0" anchor="b"/>
+                </a:tc>
+                <a:extLst>
+                  <a:ext uri="{0D108BD9-81ED-4DB2-BD59-A6C34878D82A}">
+                    <a16:rowId xmlns:a16="http://schemas.microsoft.com/office/drawing/2014/main" val="193202037"/>
+                  </a:ext>
+                </a:extLst>
+              </a:tr>
+              <a:tr h="190500">
+                <a:tc>
+                  <a:txBody>
+                    <a:bodyPr/>
+                    <a:lstStyle/>
+                    <a:p>
+                      <a:pPr algn="l" fontAlgn="b"/>
+                      <a:endParaRPr lang="fr-FR" sz="1600" b="0" i="0" u="none" strike="noStrike">
+                        <a:solidFill>
+                          <a:srgbClr val="000000"/>
+                        </a:solidFill>
+                        <a:effectLst/>
+                        <a:latin typeface="Calibri" panose="020F0502020204030204" pitchFamily="34" charset="0"/>
+                      </a:endParaRPr>
+                    </a:p>
+                  </a:txBody>
+                  <a:tcPr marL="9525" marR="9525" marT="9525" marB="0" anchor="b"/>
+                </a:tc>
+                <a:tc>
+                  <a:txBody>
+                    <a:bodyPr/>
+                    <a:lstStyle/>
+                    <a:p>
+                      <a:pPr algn="l" fontAlgn="b"/>
+                      <a:endParaRPr lang="fr-FR" sz="1600" b="0" i="0" u="none" strike="noStrike">
+                        <a:solidFill>
+                          <a:srgbClr val="000000"/>
+                        </a:solidFill>
+                        <a:effectLst/>
+                        <a:latin typeface="Calibri" panose="020F0502020204030204" pitchFamily="34" charset="0"/>
+                      </a:endParaRPr>
+                    </a:p>
+                  </a:txBody>
+                  <a:tcPr marL="9525" marR="9525" marT="9525" marB="0" anchor="b"/>
+                </a:tc>
+                <a:tc>
+                  <a:txBody>
+                    <a:bodyPr/>
+                    <a:lstStyle/>
+                    <a:p>
+                      <a:pPr algn="l" fontAlgn="b"/>
+                      <a:endParaRPr lang="fr-FR" sz="1600" b="0" i="0" u="none" strike="noStrike">
+                        <a:solidFill>
+                          <a:srgbClr val="000000"/>
+                        </a:solidFill>
+                        <a:effectLst/>
+                        <a:latin typeface="Calibri" panose="020F0502020204030204" pitchFamily="34" charset="0"/>
+                      </a:endParaRPr>
+                    </a:p>
+                  </a:txBody>
+                  <a:tcPr marL="9525" marR="9525" marT="9525" marB="0" anchor="b"/>
+                </a:tc>
+                <a:tc>
+                  <a:txBody>
+                    <a:bodyPr/>
+                    <a:lstStyle/>
+                    <a:p>
+                      <a:pPr algn="l" fontAlgn="b"/>
+                      <a:endParaRPr lang="fr-FR" sz="1600" b="0" i="0" u="none" strike="noStrike">
+                        <a:solidFill>
+                          <a:srgbClr val="000000"/>
+                        </a:solidFill>
+                        <a:effectLst/>
+                        <a:latin typeface="Calibri" panose="020F0502020204030204" pitchFamily="34" charset="0"/>
+                      </a:endParaRPr>
+                    </a:p>
+                  </a:txBody>
+                  <a:tcPr marL="9525" marR="9525" marT="9525" marB="0" anchor="b"/>
+                </a:tc>
+                <a:extLst>
+                  <a:ext uri="{0D108BD9-81ED-4DB2-BD59-A6C34878D82A}">
+                    <a16:rowId xmlns:a16="http://schemas.microsoft.com/office/drawing/2014/main" val="1390554195"/>
+                  </a:ext>
+                </a:extLst>
+              </a:tr>
+              <a:tr h="190500">
+                <a:tc>
+                  <a:txBody>
+                    <a:bodyPr/>
+                    <a:lstStyle/>
+                    <a:p>
+                      <a:pPr algn="l" fontAlgn="b"/>
+                      <a:r>
+                        <a:rPr lang="fr-FR" sz="1600" u="none" strike="noStrike">
+                          <a:effectLst/>
+                        </a:rPr>
+                        <a:t>FC2: Contraintes massiques</a:t>
+                      </a:r>
+                      <a:endParaRPr lang="fr-FR" sz="1600" b="0" i="0" u="none" strike="noStrike">
+                        <a:solidFill>
+                          <a:srgbClr val="000000"/>
+                        </a:solidFill>
+                        <a:effectLst/>
+                        <a:latin typeface="Calibri" panose="020F0502020204030204" pitchFamily="34" charset="0"/>
+                      </a:endParaRPr>
+                    </a:p>
+                  </a:txBody>
+                  <a:tcPr marL="9525" marR="9525" marT="9525" marB="0" anchor="b"/>
+                </a:tc>
+                <a:tc>
+                  <a:txBody>
+                    <a:bodyPr/>
+                    <a:lstStyle/>
+                    <a:p>
+                      <a:pPr algn="l" fontAlgn="b"/>
+                      <a:r>
+                        <a:rPr lang="fr-FR" sz="1600" u="none" strike="noStrike">
+                          <a:effectLst/>
+                        </a:rPr>
+                        <a:t>Masse</a:t>
+                      </a:r>
+                      <a:endParaRPr lang="fr-FR" sz="1600" b="0" i="0" u="none" strike="noStrike">
+                        <a:solidFill>
+                          <a:srgbClr val="000000"/>
+                        </a:solidFill>
+                        <a:effectLst/>
+                        <a:latin typeface="Calibri" panose="020F0502020204030204" pitchFamily="34" charset="0"/>
+                      </a:endParaRPr>
+                    </a:p>
+                  </a:txBody>
+                  <a:tcPr marL="9525" marR="9525" marT="9525" marB="0" anchor="b"/>
+                </a:tc>
+                <a:tc>
+                  <a:txBody>
+                    <a:bodyPr/>
+                    <a:lstStyle/>
+                    <a:p>
+                      <a:pPr algn="l" fontAlgn="b"/>
+                      <a:r>
+                        <a:rPr lang="fr-FR" sz="1600" u="none" strike="noStrike">
+                          <a:effectLst/>
+                        </a:rPr>
+                        <a:t>190kg</a:t>
+                      </a:r>
+                      <a:endParaRPr lang="fr-FR" sz="1600" b="0" i="0" u="none" strike="noStrike">
+                        <a:solidFill>
+                          <a:srgbClr val="000000"/>
+                        </a:solidFill>
+                        <a:effectLst/>
+                        <a:latin typeface="Calibri" panose="020F0502020204030204" pitchFamily="34" charset="0"/>
+                      </a:endParaRPr>
+                    </a:p>
+                  </a:txBody>
+                  <a:tcPr marL="9525" marR="9525" marT="9525" marB="0" anchor="b"/>
+                </a:tc>
+                <a:tc>
+                  <a:txBody>
+                    <a:bodyPr/>
+                    <a:lstStyle/>
+                    <a:p>
+                      <a:pPr algn="l" fontAlgn="b"/>
+                      <a:r>
+                        <a:rPr lang="fr-FR" sz="1600" u="none" strike="noStrike">
+                          <a:effectLst/>
+                        </a:rPr>
+                        <a:t>+/-10kg</a:t>
+                      </a:r>
+                      <a:endParaRPr lang="fr-FR" sz="1600" b="0" i="0" u="none" strike="noStrike">
+                        <a:solidFill>
+                          <a:srgbClr val="000000"/>
+                        </a:solidFill>
+                        <a:effectLst/>
+                        <a:latin typeface="Calibri" panose="020F0502020204030204" pitchFamily="34" charset="0"/>
+                      </a:endParaRPr>
+                    </a:p>
+                  </a:txBody>
+                  <a:tcPr marL="9525" marR="9525" marT="9525" marB="0" anchor="b"/>
+                </a:tc>
+                <a:extLst>
+                  <a:ext uri="{0D108BD9-81ED-4DB2-BD59-A6C34878D82A}">
+                    <a16:rowId xmlns:a16="http://schemas.microsoft.com/office/drawing/2014/main" val="1975038640"/>
+                  </a:ext>
+                </a:extLst>
+              </a:tr>
+              <a:tr h="190500">
+                <a:tc>
+                  <a:txBody>
+                    <a:bodyPr/>
+                    <a:lstStyle/>
+                    <a:p>
+                      <a:pPr algn="l" fontAlgn="b"/>
+                      <a:endParaRPr lang="fr-FR" sz="1600" b="0" i="0" u="none" strike="noStrike">
+                        <a:solidFill>
+                          <a:srgbClr val="000000"/>
+                        </a:solidFill>
+                        <a:effectLst/>
+                        <a:latin typeface="Calibri" panose="020F0502020204030204" pitchFamily="34" charset="0"/>
+                      </a:endParaRPr>
+                    </a:p>
+                  </a:txBody>
+                  <a:tcPr marL="9525" marR="9525" marT="9525" marB="0" anchor="b"/>
+                </a:tc>
+                <a:tc>
+                  <a:txBody>
+                    <a:bodyPr/>
+                    <a:lstStyle/>
+                    <a:p>
+                      <a:pPr algn="l" fontAlgn="b"/>
+                      <a:r>
+                        <a:rPr lang="fr-FR" sz="1600" u="none" strike="noStrike">
+                          <a:effectLst/>
+                        </a:rPr>
+                        <a:t>Hauteur du centre de gravité</a:t>
+                      </a:r>
+                      <a:endParaRPr lang="fr-FR" sz="1600" b="0" i="0" u="none" strike="noStrike">
+                        <a:solidFill>
+                          <a:srgbClr val="000000"/>
+                        </a:solidFill>
+                        <a:effectLst/>
+                        <a:latin typeface="Calibri" panose="020F0502020204030204" pitchFamily="34" charset="0"/>
+                      </a:endParaRPr>
+                    </a:p>
+                  </a:txBody>
+                  <a:tcPr marL="9525" marR="9525" marT="9525" marB="0" anchor="b"/>
+                </a:tc>
+                <a:tc>
+                  <a:txBody>
+                    <a:bodyPr/>
+                    <a:lstStyle/>
+                    <a:p>
+                      <a:pPr algn="l" fontAlgn="b"/>
+                      <a:r>
+                        <a:rPr lang="fr-FR" sz="1600" u="none" strike="noStrike">
+                          <a:effectLst/>
+                        </a:rPr>
+                        <a:t>300mm</a:t>
+                      </a:r>
+                      <a:endParaRPr lang="fr-FR" sz="1600" b="0" i="0" u="none" strike="noStrike">
+                        <a:solidFill>
+                          <a:srgbClr val="000000"/>
+                        </a:solidFill>
+                        <a:effectLst/>
+                        <a:latin typeface="Calibri" panose="020F0502020204030204" pitchFamily="34" charset="0"/>
+                      </a:endParaRPr>
+                    </a:p>
+                  </a:txBody>
+                  <a:tcPr marL="9525" marR="9525" marT="9525" marB="0" anchor="b"/>
+                </a:tc>
+                <a:tc>
+                  <a:txBody>
+                    <a:bodyPr/>
+                    <a:lstStyle/>
+                    <a:p>
+                      <a:pPr algn="l" fontAlgn="b"/>
+                      <a:r>
+                        <a:rPr lang="fr-FR" sz="1600" u="none" strike="noStrike">
+                          <a:effectLst/>
+                        </a:rPr>
+                        <a:t>+/-2cm</a:t>
+                      </a:r>
+                      <a:endParaRPr lang="fr-FR" sz="1600" b="0" i="0" u="none" strike="noStrike">
+                        <a:solidFill>
+                          <a:srgbClr val="000000"/>
+                        </a:solidFill>
+                        <a:effectLst/>
+                        <a:latin typeface="Calibri" panose="020F0502020204030204" pitchFamily="34" charset="0"/>
+                      </a:endParaRPr>
+                    </a:p>
+                  </a:txBody>
+                  <a:tcPr marL="9525" marR="9525" marT="9525" marB="0" anchor="b"/>
+                </a:tc>
+                <a:extLst>
+                  <a:ext uri="{0D108BD9-81ED-4DB2-BD59-A6C34878D82A}">
+                    <a16:rowId xmlns:a16="http://schemas.microsoft.com/office/drawing/2014/main" val="764388490"/>
+                  </a:ext>
+                </a:extLst>
+              </a:tr>
+              <a:tr h="190500">
+                <a:tc>
+                  <a:txBody>
+                    <a:bodyPr/>
+                    <a:lstStyle/>
+                    <a:p>
+                      <a:pPr algn="l" fontAlgn="b"/>
+                      <a:endParaRPr lang="fr-FR" sz="1600" b="0" i="0" u="none" strike="noStrike">
+                        <a:solidFill>
+                          <a:srgbClr val="000000"/>
+                        </a:solidFill>
+                        <a:effectLst/>
+                        <a:latin typeface="Calibri" panose="020F0502020204030204" pitchFamily="34" charset="0"/>
+                      </a:endParaRPr>
+                    </a:p>
+                  </a:txBody>
+                  <a:tcPr marL="9525" marR="9525" marT="9525" marB="0" anchor="b"/>
+                </a:tc>
+                <a:tc>
+                  <a:txBody>
+                    <a:bodyPr/>
+                    <a:lstStyle/>
+                    <a:p>
+                      <a:pPr algn="l" fontAlgn="b"/>
+                      <a:endParaRPr lang="fr-FR" sz="1600" b="0" i="0" u="none" strike="noStrike">
+                        <a:solidFill>
+                          <a:srgbClr val="000000"/>
+                        </a:solidFill>
+                        <a:effectLst/>
+                        <a:latin typeface="Calibri" panose="020F0502020204030204" pitchFamily="34" charset="0"/>
+                      </a:endParaRPr>
+                    </a:p>
+                  </a:txBody>
+                  <a:tcPr marL="9525" marR="9525" marT="9525" marB="0" anchor="b"/>
+                </a:tc>
+                <a:tc>
+                  <a:txBody>
+                    <a:bodyPr/>
+                    <a:lstStyle/>
+                    <a:p>
+                      <a:pPr algn="l" fontAlgn="b"/>
+                      <a:endParaRPr lang="fr-FR" sz="1600" b="0" i="0" u="none" strike="noStrike">
+                        <a:solidFill>
+                          <a:srgbClr val="000000"/>
+                        </a:solidFill>
+                        <a:effectLst/>
+                        <a:latin typeface="Calibri" panose="020F0502020204030204" pitchFamily="34" charset="0"/>
+                      </a:endParaRPr>
+                    </a:p>
+                  </a:txBody>
+                  <a:tcPr marL="9525" marR="9525" marT="9525" marB="0" anchor="b"/>
+                </a:tc>
+                <a:tc>
+                  <a:txBody>
+                    <a:bodyPr/>
+                    <a:lstStyle/>
+                    <a:p>
+                      <a:pPr algn="l" fontAlgn="b"/>
+                      <a:endParaRPr lang="fr-FR" sz="1600" b="0" i="0" u="none" strike="noStrike">
+                        <a:solidFill>
+                          <a:srgbClr val="000000"/>
+                        </a:solidFill>
+                        <a:effectLst/>
+                        <a:latin typeface="Calibri" panose="020F0502020204030204" pitchFamily="34" charset="0"/>
+                      </a:endParaRPr>
+                    </a:p>
+                  </a:txBody>
+                  <a:tcPr marL="9525" marR="9525" marT="9525" marB="0" anchor="b"/>
+                </a:tc>
+                <a:extLst>
+                  <a:ext uri="{0D108BD9-81ED-4DB2-BD59-A6C34878D82A}">
+                    <a16:rowId xmlns:a16="http://schemas.microsoft.com/office/drawing/2014/main" val="1191199247"/>
+                  </a:ext>
+                </a:extLst>
+              </a:tr>
+              <a:tr h="190500">
+                <a:tc>
+                  <a:txBody>
+                    <a:bodyPr/>
+                    <a:lstStyle/>
+                    <a:p>
+                      <a:pPr algn="l" fontAlgn="b"/>
+                      <a:r>
+                        <a:rPr lang="fr-FR" sz="1600" u="none" strike="noStrike">
+                          <a:effectLst/>
+                        </a:rPr>
+                        <a:t>FC3: Comportement à l'accelération</a:t>
+                      </a:r>
+                      <a:endParaRPr lang="fr-FR" sz="1600" b="0" i="0" u="none" strike="noStrike">
+                        <a:solidFill>
+                          <a:srgbClr val="000000"/>
+                        </a:solidFill>
+                        <a:effectLst/>
+                        <a:latin typeface="Calibri" panose="020F0502020204030204" pitchFamily="34" charset="0"/>
+                      </a:endParaRPr>
+                    </a:p>
+                  </a:txBody>
+                  <a:tcPr marL="9525" marR="9525" marT="9525" marB="0" anchor="b"/>
+                </a:tc>
+                <a:tc>
+                  <a:txBody>
+                    <a:bodyPr/>
+                    <a:lstStyle/>
+                    <a:p>
+                      <a:pPr algn="l" fontAlgn="b"/>
+                      <a:r>
+                        <a:rPr lang="fr-FR" sz="1600" u="none" strike="noStrike">
+                          <a:effectLst/>
+                        </a:rPr>
+                        <a:t>Puissance</a:t>
+                      </a:r>
+                      <a:endParaRPr lang="fr-FR" sz="1600" b="0" i="0" u="none" strike="noStrike">
+                        <a:solidFill>
+                          <a:srgbClr val="000000"/>
+                        </a:solidFill>
+                        <a:effectLst/>
+                        <a:latin typeface="Calibri" panose="020F0502020204030204" pitchFamily="34" charset="0"/>
+                      </a:endParaRPr>
+                    </a:p>
+                  </a:txBody>
+                  <a:tcPr marL="9525" marR="9525" marT="9525" marB="0" anchor="b"/>
+                </a:tc>
+                <a:tc>
+                  <a:txBody>
+                    <a:bodyPr/>
+                    <a:lstStyle/>
+                    <a:p>
+                      <a:pPr algn="l" fontAlgn="b"/>
+                      <a:r>
+                        <a:rPr lang="fr-FR" sz="1600" u="none" strike="noStrike">
+                          <a:effectLst/>
+                        </a:rPr>
+                        <a:t>&gt;85hp</a:t>
+                      </a:r>
+                      <a:endParaRPr lang="fr-FR" sz="1600" b="0" i="0" u="none" strike="noStrike">
+                        <a:solidFill>
+                          <a:srgbClr val="000000"/>
+                        </a:solidFill>
+                        <a:effectLst/>
+                        <a:latin typeface="Calibri" panose="020F0502020204030204" pitchFamily="34" charset="0"/>
+                      </a:endParaRPr>
+                    </a:p>
+                  </a:txBody>
+                  <a:tcPr marL="9525" marR="9525" marT="9525" marB="0" anchor="b"/>
+                </a:tc>
+                <a:tc>
+                  <a:txBody>
+                    <a:bodyPr/>
+                    <a:lstStyle/>
+                    <a:p>
+                      <a:pPr algn="l" fontAlgn="b"/>
+                      <a:r>
+                        <a:rPr lang="fr-FR" sz="1600" u="none" strike="noStrike" dirty="0">
+                          <a:effectLst/>
+                        </a:rPr>
+                        <a:t>-5hp</a:t>
+                      </a:r>
+                      <a:endParaRPr lang="fr-FR" sz="1600" b="0" i="0" u="none" strike="noStrike" dirty="0">
+                        <a:solidFill>
+                          <a:srgbClr val="000000"/>
+                        </a:solidFill>
+                        <a:effectLst/>
+                        <a:latin typeface="Calibri" panose="020F0502020204030204" pitchFamily="34" charset="0"/>
+                      </a:endParaRPr>
+                    </a:p>
+                  </a:txBody>
+                  <a:tcPr marL="9525" marR="9525" marT="9525" marB="0" anchor="b"/>
+                </a:tc>
+                <a:extLst>
+                  <a:ext uri="{0D108BD9-81ED-4DB2-BD59-A6C34878D82A}">
+                    <a16:rowId xmlns:a16="http://schemas.microsoft.com/office/drawing/2014/main" val="1470165444"/>
+                  </a:ext>
+                </a:extLst>
+              </a:tr>
+            </a:tbl>
+          </a:graphicData>
+        </a:graphic>
+      </p:graphicFrame>
     </p:spTree>
   </p:cSld>
   <p:clrMapOvr>

--- a/AB_TOPs/02_Top_Maquette/Top_Maquette_V2.0.pptx
+++ b/AB_TOPs/02_Top_Maquette/Top_Maquette_V2.0.pptx
@@ -13,10 +13,10 @@
     <p:sldId id="258" r:id="rId4"/>
     <p:sldId id="259" r:id="rId5"/>
     <p:sldId id="260" r:id="rId6"/>
-    <p:sldId id="261" r:id="rId7"/>
-    <p:sldId id="269" r:id="rId8"/>
-    <p:sldId id="270" r:id="rId9"/>
-    <p:sldId id="262" r:id="rId10"/>
+    <p:sldId id="262" r:id="rId7"/>
+    <p:sldId id="261" r:id="rId8"/>
+    <p:sldId id="269" r:id="rId9"/>
+    <p:sldId id="270" r:id="rId10"/>
     <p:sldId id="272" r:id="rId11"/>
     <p:sldId id="263" r:id="rId12"/>
     <p:sldId id="264" r:id="rId13"/>
@@ -4318,12 +4318,12 @@
                   <a:bodyPr/>
                   <a:lstStyle/>
                   <a:p>
-                    <a:fld id="{00F5D984-C064-45EE-A9AF-CE7A8183BFE6}" type="CELLRANGE">
+                    <a:fld id="{47E28F0C-6A57-42E7-AB19-FFA6EAF5E07C}" type="CELLRANGE">
                       <a:rPr lang="en-US"/>
                       <a:pPr/>
                       <a:t>[PLAGECELL]</a:t>
                     </a:fld>
-                    <a:endParaRPr lang="fr-FR"/>
+                    <a:endParaRPr lang="de-DE"/>
                   </a:p>
                 </c:rich>
               </c:tx>
@@ -4351,12 +4351,12 @@
                   <a:bodyPr/>
                   <a:lstStyle/>
                   <a:p>
-                    <a:fld id="{8728FAAA-7EEF-4AD9-BEBA-041A5B0C5320}" type="CELLRANGE">
+                    <a:fld id="{34ED2D9F-F195-4A88-812C-9CAAFD2EAD01}" type="CELLRANGE">
                       <a:rPr lang="en-US"/>
                       <a:pPr/>
                       <a:t>[PLAGECELL]</a:t>
                     </a:fld>
-                    <a:endParaRPr lang="fr-FR"/>
+                    <a:endParaRPr lang="de-DE"/>
                   </a:p>
                 </c:rich>
               </c:tx>
@@ -4370,7 +4370,6 @@
               <c:extLst>
                 <c:ext xmlns:c15="http://schemas.microsoft.com/office/drawing/2012/chart" uri="{CE6537A1-D6FC-4f65-9D91-7224C49458BB}">
                   <c15:dlblFieldTable/>
-                  <c15:xForSave val="1"/>
                   <c15:showDataLabelsRange val="1"/>
                 </c:ext>
                 <c:ext xmlns:c16="http://schemas.microsoft.com/office/drawing/2014/chart" uri="{C3380CC4-5D6E-409C-BE32-E72D297353CC}">
@@ -4385,12 +4384,12 @@
                   <a:bodyPr/>
                   <a:lstStyle/>
                   <a:p>
-                    <a:fld id="{5A0BF2F3-6CEA-4077-9FA4-1839D0D3A89A}" type="CELLRANGE">
+                    <a:fld id="{AD735F56-480A-4D01-8F6F-AB3EC6F79295}" type="CELLRANGE">
                       <a:rPr lang="en-US"/>
                       <a:pPr/>
                       <a:t>[PLAGECELL]</a:t>
                     </a:fld>
-                    <a:endParaRPr lang="fr-FR"/>
+                    <a:endParaRPr lang="de-DE"/>
                   </a:p>
                 </c:rich>
               </c:tx>
@@ -4404,7 +4403,6 @@
               <c:extLst>
                 <c:ext xmlns:c15="http://schemas.microsoft.com/office/drawing/2012/chart" uri="{CE6537A1-D6FC-4f65-9D91-7224C49458BB}">
                   <c15:dlblFieldTable/>
-                  <c15:xForSave val="1"/>
                   <c15:showDataLabelsRange val="1"/>
                 </c:ext>
                 <c:ext xmlns:c16="http://schemas.microsoft.com/office/drawing/2014/chart" uri="{C3380CC4-5D6E-409C-BE32-E72D297353CC}">
@@ -4419,12 +4417,12 @@
                   <a:bodyPr/>
                   <a:lstStyle/>
                   <a:p>
-                    <a:fld id="{AC6F220C-1C5C-48BF-A904-92AE8599EFA8}" type="CELLRANGE">
+                    <a:fld id="{DAB27870-DDA7-45AD-B300-44F82DACA5D6}" type="CELLRANGE">
                       <a:rPr lang="en-US"/>
                       <a:pPr/>
                       <a:t>[PLAGECELL]</a:t>
                     </a:fld>
-                    <a:endParaRPr lang="fr-FR"/>
+                    <a:endParaRPr lang="de-DE"/>
                   </a:p>
                 </c:rich>
               </c:tx>
@@ -4438,7 +4436,6 @@
               <c:extLst>
                 <c:ext xmlns:c15="http://schemas.microsoft.com/office/drawing/2012/chart" uri="{CE6537A1-D6FC-4f65-9D91-7224C49458BB}">
                   <c15:dlblFieldTable/>
-                  <c15:xForSave val="1"/>
                   <c15:showDataLabelsRange val="1"/>
                 </c:ext>
                 <c:ext xmlns:c16="http://schemas.microsoft.com/office/drawing/2014/chart" uri="{C3380CC4-5D6E-409C-BE32-E72D297353CC}">
@@ -4453,12 +4450,12 @@
                   <a:bodyPr/>
                   <a:lstStyle/>
                   <a:p>
-                    <a:fld id="{C19533AF-8209-4332-8979-687769253EE9}" type="CELLRANGE">
+                    <a:fld id="{7EAFAAEC-8B71-4FBC-AFF8-77F71C286B86}" type="CELLRANGE">
                       <a:rPr lang="en-US"/>
                       <a:pPr/>
                       <a:t>[PLAGECELL]</a:t>
                     </a:fld>
-                    <a:endParaRPr lang="fr-FR"/>
+                    <a:endParaRPr lang="de-DE"/>
                   </a:p>
                 </c:rich>
               </c:tx>
@@ -4472,7 +4469,6 @@
               <c:extLst>
                 <c:ext xmlns:c15="http://schemas.microsoft.com/office/drawing/2012/chart" uri="{CE6537A1-D6FC-4f65-9D91-7224C49458BB}">
                   <c15:dlblFieldTable/>
-                  <c15:xForSave val="1"/>
                   <c15:showDataLabelsRange val="1"/>
                 </c:ext>
                 <c:ext xmlns:c16="http://schemas.microsoft.com/office/drawing/2014/chart" uri="{C3380CC4-5D6E-409C-BE32-E72D297353CC}">
@@ -4487,12 +4483,12 @@
                   <a:bodyPr/>
                   <a:lstStyle/>
                   <a:p>
-                    <a:fld id="{5F8D1BFE-085A-4586-B81F-92CCC2549213}" type="CELLRANGE">
+                    <a:fld id="{0173466B-EE4D-4ADE-B3AC-0D725ED5BDE1}" type="CELLRANGE">
                       <a:rPr lang="en-US"/>
                       <a:pPr/>
                       <a:t>[PLAGECELL]</a:t>
                     </a:fld>
-                    <a:endParaRPr lang="fr-FR"/>
+                    <a:endParaRPr lang="de-DE"/>
                   </a:p>
                 </c:rich>
               </c:tx>
@@ -4506,7 +4502,6 @@
               <c:extLst>
                 <c:ext xmlns:c15="http://schemas.microsoft.com/office/drawing/2012/chart" uri="{CE6537A1-D6FC-4f65-9D91-7224C49458BB}">
                   <c15:dlblFieldTable/>
-                  <c15:xForSave val="1"/>
                   <c15:showDataLabelsRange val="1"/>
                 </c:ext>
                 <c:ext xmlns:c16="http://schemas.microsoft.com/office/drawing/2014/chart" uri="{C3380CC4-5D6E-409C-BE32-E72D297353CC}">
@@ -4891,12 +4886,12 @@
                   <a:bodyPr/>
                   <a:lstStyle/>
                   <a:p>
-                    <a:fld id="{B4ABE95E-A5F2-4070-89EE-8ABA3DF0E6EC}" type="CELLRANGE">
+                    <a:fld id="{EF640C55-8075-4C51-A154-89464BAE7F4D}" type="CELLRANGE">
                       <a:rPr lang="en-US"/>
                       <a:pPr/>
                       <a:t>[PLAGECELL]</a:t>
                     </a:fld>
-                    <a:endParaRPr lang="fr-FR"/>
+                    <a:endParaRPr lang="de-DE"/>
                   </a:p>
                 </c:rich>
               </c:tx>
@@ -4924,12 +4919,12 @@
                   <a:bodyPr/>
                   <a:lstStyle/>
                   <a:p>
-                    <a:fld id="{1FA7AC7C-21EB-4DDA-B5E2-A3ECCFD24DF3}" type="CELLRANGE">
-                      <a:rPr lang="en-US"/>
+                    <a:fld id="{F99AF7E4-4EF9-4ED8-94D0-34991AB2A781}" type="CELLRANGE">
+                      <a:rPr lang="de-DE"/>
                       <a:pPr/>
                       <a:t>[PLAGECELL]</a:t>
                     </a:fld>
-                    <a:endParaRPr lang="fr-FR"/>
+                    <a:endParaRPr lang="de-DE"/>
                   </a:p>
                 </c:rich>
               </c:tx>
@@ -4958,12 +4953,12 @@
                   <a:bodyPr/>
                   <a:lstStyle/>
                   <a:p>
-                    <a:fld id="{949FBE59-4898-45EA-9E08-B7F074FC2AD3}" type="CELLRANGE">
-                      <a:rPr lang="en-US"/>
+                    <a:fld id="{05544D98-D459-4D5C-AD50-69ECA5333011}" type="CELLRANGE">
+                      <a:rPr lang="de-DE"/>
                       <a:pPr/>
                       <a:t>[PLAGECELL]</a:t>
                     </a:fld>
-                    <a:endParaRPr lang="fr-FR"/>
+                    <a:endParaRPr lang="de-DE"/>
                   </a:p>
                 </c:rich>
               </c:tx>
@@ -4992,12 +4987,12 @@
                   <a:bodyPr/>
                   <a:lstStyle/>
                   <a:p>
-                    <a:fld id="{F6F56045-ABD7-4F23-8927-89E029802756}" type="CELLRANGE">
-                      <a:rPr lang="en-US"/>
+                    <a:fld id="{2772B5FC-EA8A-4B2F-B55C-0B46D1D13EC3}" type="CELLRANGE">
+                      <a:rPr lang="de-DE"/>
                       <a:pPr/>
                       <a:t>[PLAGECELL]</a:t>
                     </a:fld>
-                    <a:endParaRPr lang="fr-FR"/>
+                    <a:endParaRPr lang="de-DE"/>
                   </a:p>
                 </c:rich>
               </c:tx>
@@ -5026,12 +5021,12 @@
                   <a:bodyPr/>
                   <a:lstStyle/>
                   <a:p>
-                    <a:fld id="{523D77FB-FFE6-4268-BF7E-BEFE9E9935EA}" type="CELLRANGE">
-                      <a:rPr lang="en-US"/>
+                    <a:fld id="{6F09BF8D-6ED4-4F81-A5A2-9B16E61C686C}" type="CELLRANGE">
+                      <a:rPr lang="de-DE"/>
                       <a:pPr/>
                       <a:t>[PLAGECELL]</a:t>
                     </a:fld>
-                    <a:endParaRPr lang="fr-FR"/>
+                    <a:endParaRPr lang="de-DE"/>
                   </a:p>
                 </c:rich>
               </c:tx>
@@ -5443,12 +5438,12 @@
                   <a:bodyPr/>
                   <a:lstStyle/>
                   <a:p>
-                    <a:fld id="{09EB7212-D63F-476E-9D8A-49CE5CA96CDD}" type="CELLRANGE">
+                    <a:fld id="{C75C5C46-9D49-4FC0-B5F6-7333DAC4B1A9}" type="CELLRANGE">
                       <a:rPr lang="en-US"/>
                       <a:pPr/>
                       <a:t>[PLAGECELL]</a:t>
                     </a:fld>
-                    <a:endParaRPr lang="fr-FR"/>
+                    <a:endParaRPr lang="de-DE"/>
                   </a:p>
                 </c:rich>
               </c:tx>
@@ -5476,12 +5471,12 @@
                   <a:bodyPr/>
                   <a:lstStyle/>
                   <a:p>
-                    <a:fld id="{D5E47DA1-6F60-4684-8408-9ECC915BC0C6}" type="CELLRANGE">
-                      <a:rPr lang="en-US"/>
+                    <a:fld id="{0145B20E-B84C-439A-9F6D-A7376DBFDE1D}" type="CELLRANGE">
+                      <a:rPr lang="de-DE"/>
                       <a:pPr/>
                       <a:t>[PLAGECELL]</a:t>
                     </a:fld>
-                    <a:endParaRPr lang="fr-FR"/>
+                    <a:endParaRPr lang="de-DE"/>
                   </a:p>
                 </c:rich>
               </c:tx>
@@ -5510,12 +5505,12 @@
                   <a:bodyPr/>
                   <a:lstStyle/>
                   <a:p>
-                    <a:fld id="{AE576DCD-8183-45A1-AAE6-CF1A6651B56B}" type="CELLRANGE">
-                      <a:rPr lang="en-US"/>
+                    <a:fld id="{E3F0C25D-044B-4700-8B66-3B8070D030DE}" type="CELLRANGE">
+                      <a:rPr lang="de-DE"/>
                       <a:pPr/>
                       <a:t>[PLAGECELL]</a:t>
                     </a:fld>
-                    <a:endParaRPr lang="fr-FR"/>
+                    <a:endParaRPr lang="de-DE"/>
                   </a:p>
                 </c:rich>
               </c:tx>
@@ -5544,12 +5539,12 @@
                   <a:bodyPr/>
                   <a:lstStyle/>
                   <a:p>
-                    <a:fld id="{B553F84C-6111-4466-86BA-69D70109B570}" type="CELLRANGE">
-                      <a:rPr lang="en-US"/>
+                    <a:fld id="{D9FB63AA-81FB-4082-81CE-78D6E9866171}" type="CELLRANGE">
+                      <a:rPr lang="de-DE"/>
                       <a:pPr/>
                       <a:t>[PLAGECELL]</a:t>
                     </a:fld>
-                    <a:endParaRPr lang="fr-FR"/>
+                    <a:endParaRPr lang="de-DE"/>
                   </a:p>
                 </c:rich>
               </c:tx>
@@ -5578,12 +5573,12 @@
                   <a:bodyPr/>
                   <a:lstStyle/>
                   <a:p>
-                    <a:fld id="{9623FCC3-38CD-4A48-A0AB-5D6FCC5438A7}" type="CELLRANGE">
-                      <a:rPr lang="en-US"/>
+                    <a:fld id="{383DEF13-8655-43C1-8537-C4BCB464293B}" type="CELLRANGE">
+                      <a:rPr lang="de-DE"/>
                       <a:pPr/>
                       <a:t>[PLAGECELL]</a:t>
                     </a:fld>
-                    <a:endParaRPr lang="fr-FR"/>
+                    <a:endParaRPr lang="de-DE"/>
                   </a:p>
                 </c:rich>
               </c:tx>
@@ -5612,12 +5607,12 @@
                   <a:bodyPr/>
                   <a:lstStyle/>
                   <a:p>
-                    <a:fld id="{394BBDD3-44DC-4341-B85F-F35389A48D18}" type="CELLRANGE">
-                      <a:rPr lang="en-US"/>
+                    <a:fld id="{1FFFD3BD-6315-42FD-8DE1-117927FE0B9F}" type="CELLRANGE">
+                      <a:rPr lang="de-DE"/>
                       <a:pPr/>
                       <a:t>[PLAGECELL]</a:t>
                     </a:fld>
-                    <a:endParaRPr lang="fr-FR"/>
+                    <a:endParaRPr lang="de-DE"/>
                   </a:p>
                 </c:rich>
               </c:tx>
@@ -17722,7 +17717,7 @@
   <p:cSld>
     <p:spTree>
       <p:nvGrpSpPr>
-        <p:cNvPr id="1" name="Shape 140"/>
+        <p:cNvPr id="1" name="Shape 146"/>
         <p:cNvGrpSpPr/>
         <p:nvPr/>
       </p:nvGrpSpPr>
@@ -17736,7 +17731,7 @@
       </p:grpSpPr>
       <p:sp>
         <p:nvSpPr>
-          <p:cNvPr id="141" name="Google Shape;141;p7:notes"/>
+          <p:cNvPr id="147" name="Google Shape;147;p8:notes"/>
           <p:cNvSpPr txBox="1">
             <a:spLocks noGrp="1"/>
           </p:cNvSpPr>
@@ -17774,7 +17769,7 @@
       </p:sp>
       <p:sp>
         <p:nvSpPr>
-          <p:cNvPr id="142" name="Google Shape;142;p7:notes"/>
+          <p:cNvPr id="148" name="Google Shape;148;p8:notes"/>
           <p:cNvSpPr>
             <a:spLocks noGrp="1" noRot="1" noChangeAspect="1"/>
           </p:cNvSpPr>
@@ -17918,6 +17913,110 @@
         </p:spPr>
       </p:sp>
     </p:spTree>
+  </p:cSld>
+  <p:clrMapOvr>
+    <a:masterClrMapping/>
+  </p:clrMapOvr>
+</p:notes>
+</file>
+
+<file path=ppt/notesSlides/notesSlide8.xml><?xml version="1.0" encoding="utf-8"?>
+<p:notes xmlns:a="http://schemas.openxmlformats.org/drawingml/2006/main" xmlns:r="http://schemas.openxmlformats.org/officeDocument/2006/relationships" xmlns:p="http://schemas.openxmlformats.org/presentationml/2006/main" showMasterSp="0" showMasterPhAnim="0">
+  <p:cSld>
+    <p:spTree>
+      <p:nvGrpSpPr>
+        <p:cNvPr id="1" name="Shape 140"/>
+        <p:cNvGrpSpPr/>
+        <p:nvPr/>
+      </p:nvGrpSpPr>
+      <p:grpSpPr>
+        <a:xfrm>
+          <a:off x="0" y="0"/>
+          <a:ext cx="0" cy="0"/>
+          <a:chOff x="0" y="0"/>
+          <a:chExt cx="0" cy="0"/>
+        </a:xfrm>
+      </p:grpSpPr>
+      <p:sp>
+        <p:nvSpPr>
+          <p:cNvPr id="141" name="Google Shape;141;p7:notes"/>
+          <p:cNvSpPr txBox="1">
+            <a:spLocks noGrp="1"/>
+          </p:cNvSpPr>
+          <p:nvPr>
+            <p:ph type="body" idx="1"/>
+          </p:nvPr>
+        </p:nvSpPr>
+        <p:spPr>
+          <a:xfrm>
+            <a:off x="685800" y="4400550"/>
+            <a:ext cx="5486400" cy="3600450"/>
+          </a:xfrm>
+          <a:prstGeom prst="rect">
+            <a:avLst/>
+          </a:prstGeom>
+        </p:spPr>
+        <p:txBody>
+          <a:bodyPr spcFirstLastPara="1" wrap="square" lIns="91425" tIns="45700" rIns="91425" bIns="45700" anchor="t" anchorCtr="0">
+            <a:noAutofit/>
+          </a:bodyPr>
+          <a:lstStyle/>
+          <a:p>
+            <a:pPr marL="0" lvl="0" indent="0" algn="l" rtl="0">
+              <a:spcBef>
+                <a:spcPts val="0"/>
+              </a:spcBef>
+              <a:spcAft>
+                <a:spcPts val="0"/>
+              </a:spcAft>
+              <a:buNone/>
+            </a:pPr>
+            <a:endParaRPr/>
+          </a:p>
+        </p:txBody>
+      </p:sp>
+      <p:sp>
+        <p:nvSpPr>
+          <p:cNvPr id="142" name="Google Shape;142;p7:notes"/>
+          <p:cNvSpPr>
+            <a:spLocks noGrp="1" noRot="1" noChangeAspect="1"/>
+          </p:cNvSpPr>
+          <p:nvPr>
+            <p:ph type="sldImg" idx="2"/>
+          </p:nvPr>
+        </p:nvSpPr>
+        <p:spPr>
+          <a:xfrm>
+            <a:off x="685800" y="1143000"/>
+            <a:ext cx="5486400" cy="3086100"/>
+          </a:xfrm>
+          <a:custGeom>
+            <a:avLst/>
+            <a:gdLst/>
+            <a:ahLst/>
+            <a:cxnLst/>
+            <a:rect l="l" t="t" r="r" b="b"/>
+            <a:pathLst>
+              <a:path w="120000" h="120000" extrusionOk="0">
+                <a:moveTo>
+                  <a:pt x="0" y="0"/>
+                </a:moveTo>
+                <a:lnTo>
+                  <a:pt x="120000" y="0"/>
+                </a:lnTo>
+                <a:lnTo>
+                  <a:pt x="120000" y="120000"/>
+                </a:lnTo>
+                <a:lnTo>
+                  <a:pt x="0" y="120000"/>
+                </a:lnTo>
+                <a:close/>
+              </a:path>
+            </a:pathLst>
+          </a:custGeom>
+        </p:spPr>
+      </p:sp>
+    </p:spTree>
     <p:extLst>
       <p:ext uri="{BB962C8B-B14F-4D97-AF65-F5344CB8AC3E}">
         <p14:creationId xmlns:p14="http://schemas.microsoft.com/office/powerpoint/2010/main" val="174976019"/>
@@ -17930,7 +18029,7 @@
 </p:notes>
 </file>
 
-<file path=ppt/notesSlides/notesSlide8.xml><?xml version="1.0" encoding="utf-8"?>
+<file path=ppt/notesSlides/notesSlide9.xml><?xml version="1.0" encoding="utf-8"?>
 <p:notes xmlns:a="http://schemas.openxmlformats.org/drawingml/2006/main" xmlns:r="http://schemas.openxmlformats.org/officeDocument/2006/relationships" xmlns:p="http://schemas.openxmlformats.org/presentationml/2006/main" showMasterSp="0" showMasterPhAnim="0">
   <p:cSld>
     <p:spTree>
@@ -18032,110 +18131,6 @@
         <p14:creationId xmlns:p14="http://schemas.microsoft.com/office/powerpoint/2010/main" val="3657571572"/>
       </p:ext>
     </p:extLst>
-  </p:cSld>
-  <p:clrMapOvr>
-    <a:masterClrMapping/>
-  </p:clrMapOvr>
-</p:notes>
-</file>
-
-<file path=ppt/notesSlides/notesSlide9.xml><?xml version="1.0" encoding="utf-8"?>
-<p:notes xmlns:a="http://schemas.openxmlformats.org/drawingml/2006/main" xmlns:r="http://schemas.openxmlformats.org/officeDocument/2006/relationships" xmlns:p="http://schemas.openxmlformats.org/presentationml/2006/main" showMasterSp="0" showMasterPhAnim="0">
-  <p:cSld>
-    <p:spTree>
-      <p:nvGrpSpPr>
-        <p:cNvPr id="1" name="Shape 146"/>
-        <p:cNvGrpSpPr/>
-        <p:nvPr/>
-      </p:nvGrpSpPr>
-      <p:grpSpPr>
-        <a:xfrm>
-          <a:off x="0" y="0"/>
-          <a:ext cx="0" cy="0"/>
-          <a:chOff x="0" y="0"/>
-          <a:chExt cx="0" cy="0"/>
-        </a:xfrm>
-      </p:grpSpPr>
-      <p:sp>
-        <p:nvSpPr>
-          <p:cNvPr id="147" name="Google Shape;147;p8:notes"/>
-          <p:cNvSpPr txBox="1">
-            <a:spLocks noGrp="1"/>
-          </p:cNvSpPr>
-          <p:nvPr>
-            <p:ph type="body" idx="1"/>
-          </p:nvPr>
-        </p:nvSpPr>
-        <p:spPr>
-          <a:xfrm>
-            <a:off x="685800" y="4400550"/>
-            <a:ext cx="5486400" cy="3600450"/>
-          </a:xfrm>
-          <a:prstGeom prst="rect">
-            <a:avLst/>
-          </a:prstGeom>
-        </p:spPr>
-        <p:txBody>
-          <a:bodyPr spcFirstLastPara="1" wrap="square" lIns="91425" tIns="45700" rIns="91425" bIns="45700" anchor="t" anchorCtr="0">
-            <a:noAutofit/>
-          </a:bodyPr>
-          <a:lstStyle/>
-          <a:p>
-            <a:pPr marL="0" lvl="0" indent="0" algn="l" rtl="0">
-              <a:spcBef>
-                <a:spcPts val="0"/>
-              </a:spcBef>
-              <a:spcAft>
-                <a:spcPts val="0"/>
-              </a:spcAft>
-              <a:buNone/>
-            </a:pPr>
-            <a:endParaRPr/>
-          </a:p>
-        </p:txBody>
-      </p:sp>
-      <p:sp>
-        <p:nvSpPr>
-          <p:cNvPr id="148" name="Google Shape;148;p8:notes"/>
-          <p:cNvSpPr>
-            <a:spLocks noGrp="1" noRot="1" noChangeAspect="1"/>
-          </p:cNvSpPr>
-          <p:nvPr>
-            <p:ph type="sldImg" idx="2"/>
-          </p:nvPr>
-        </p:nvSpPr>
-        <p:spPr>
-          <a:xfrm>
-            <a:off x="685800" y="1143000"/>
-            <a:ext cx="5486400" cy="3086100"/>
-          </a:xfrm>
-          <a:custGeom>
-            <a:avLst/>
-            <a:gdLst/>
-            <a:ahLst/>
-            <a:cxnLst/>
-            <a:rect l="l" t="t" r="r" b="b"/>
-            <a:pathLst>
-              <a:path w="120000" h="120000" extrusionOk="0">
-                <a:moveTo>
-                  <a:pt x="0" y="0"/>
-                </a:moveTo>
-                <a:lnTo>
-                  <a:pt x="120000" y="0"/>
-                </a:lnTo>
-                <a:lnTo>
-                  <a:pt x="120000" y="120000"/>
-                </a:lnTo>
-                <a:lnTo>
-                  <a:pt x="0" y="120000"/>
-                </a:lnTo>
-                <a:close/>
-              </a:path>
-            </a:pathLst>
-          </a:custGeom>
-        </p:spPr>
-      </p:sp>
-    </p:spTree>
   </p:cSld>
   <p:clrMapOvr>
     <a:masterClrMapping/>
@@ -29138,7 +29133,7 @@
               <a:buNone/>
             </a:pPr>
             <a:r>
-              <a:rPr lang="fr-FR" sz="2400" b="1">
+              <a:rPr lang="fr-FR" sz="2400" b="1" dirty="0">
                 <a:solidFill>
                   <a:schemeClr val="dk1"/>
                 </a:solidFill>
@@ -29147,39 +29142,12 @@
                 <a:cs typeface="Calibri"/>
                 <a:sym typeface="Calibri"/>
               </a:rPr>
-              <a:t>TLS</a:t>
+              <a:t>CMI</a:t>
             </a:r>
-            <a:endParaRPr/>
+            <a:endParaRPr dirty="0"/>
           </a:p>
         </p:txBody>
       </p:sp>
-      <p:pic>
-        <p:nvPicPr>
-          <p:cNvPr id="159" name="Google Shape;159;p20"/>
-          <p:cNvPicPr preferRelativeResize="0"/>
-          <p:nvPr/>
-        </p:nvPicPr>
-        <p:blipFill rotWithShape="1">
-          <a:blip r:embed="rId4">
-            <a:alphaModFix/>
-          </a:blip>
-          <a:srcRect/>
-          <a:stretch/>
-        </p:blipFill>
-        <p:spPr>
-          <a:xfrm>
-            <a:off x="11356663" y="0"/>
-            <a:ext cx="835334" cy="1113779"/>
-          </a:xfrm>
-          <a:prstGeom prst="rect">
-            <a:avLst/>
-          </a:prstGeom>
-          <a:noFill/>
-          <a:ln>
-            <a:noFill/>
-          </a:ln>
-        </p:spPr>
-      </p:pic>
       <p:graphicFrame>
         <p:nvGraphicFramePr>
           <p:cNvPr id="5" name="Graphique 4">
@@ -29206,7 +29174,7 @@
         </p:xfrm>
         <a:graphic>
           <a:graphicData uri="http://schemas.openxmlformats.org/drawingml/2006/chart">
-            <c:chart xmlns:c="http://schemas.openxmlformats.org/drawingml/2006/chart" xmlns:r="http://schemas.openxmlformats.org/officeDocument/2006/relationships" r:id="rId5"/>
+            <c:chart xmlns:c="http://schemas.openxmlformats.org/drawingml/2006/chart" xmlns:r="http://schemas.openxmlformats.org/officeDocument/2006/relationships" r:id="rId4"/>
           </a:graphicData>
         </a:graphic>
       </p:graphicFrame>
@@ -29236,10 +29204,40 @@
         </p:xfrm>
         <a:graphic>
           <a:graphicData uri="http://schemas.openxmlformats.org/drawingml/2006/chart">
-            <c:chart xmlns:c="http://schemas.openxmlformats.org/drawingml/2006/chart" xmlns:r="http://schemas.openxmlformats.org/officeDocument/2006/relationships" r:id="rId6"/>
+            <c:chart xmlns:c="http://schemas.openxmlformats.org/drawingml/2006/chart" xmlns:r="http://schemas.openxmlformats.org/officeDocument/2006/relationships" r:id="rId5"/>
           </a:graphicData>
         </a:graphic>
       </p:graphicFrame>
+      <p:pic>
+        <p:nvPicPr>
+          <p:cNvPr id="3" name="Image 2">
+            <a:extLst>
+              <a:ext uri="{FF2B5EF4-FFF2-40B4-BE49-F238E27FC236}">
+                <a16:creationId xmlns:a16="http://schemas.microsoft.com/office/drawing/2014/main" id="{01DC689C-BEEA-4302-9D98-6B445EDC2D5D}"/>
+              </a:ext>
+            </a:extLst>
+          </p:cNvPr>
+          <p:cNvPicPr>
+            <a:picLocks noChangeAspect="1"/>
+          </p:cNvPicPr>
+          <p:nvPr/>
+        </p:nvPicPr>
+        <p:blipFill>
+          <a:blip r:embed="rId6"/>
+          <a:stretch>
+            <a:fillRect/>
+          </a:stretch>
+        </p:blipFill>
+        <p:spPr>
+          <a:xfrm>
+            <a:off x="11358240" y="0"/>
+            <a:ext cx="833759" cy="1119809"/>
+          </a:xfrm>
+          <a:prstGeom prst="rect">
+            <a:avLst/>
+          </a:prstGeom>
+        </p:spPr>
+      </p:pic>
     </p:spTree>
   </p:cSld>
   <p:clrMapOvr>
@@ -29387,7 +29385,7 @@
               <a:buNone/>
             </a:pPr>
             <a:r>
-              <a:rPr lang="fr-FR" sz="2400" b="1">
+              <a:rPr lang="fr-FR" sz="2400" b="1" dirty="0">
                 <a:solidFill>
                   <a:schemeClr val="dk1"/>
                 </a:solidFill>
@@ -29396,39 +29394,12 @@
                 <a:cs typeface="Calibri"/>
                 <a:sym typeface="Calibri"/>
               </a:rPr>
-              <a:t>TLS</a:t>
+              <a:t>ASE</a:t>
             </a:r>
-            <a:endParaRPr/>
+            <a:endParaRPr dirty="0"/>
           </a:p>
         </p:txBody>
       </p:sp>
-      <p:pic>
-        <p:nvPicPr>
-          <p:cNvPr id="166" name="Google Shape;166;p21"/>
-          <p:cNvPicPr preferRelativeResize="0"/>
-          <p:nvPr/>
-        </p:nvPicPr>
-        <p:blipFill rotWithShape="1">
-          <a:blip r:embed="rId4">
-            <a:alphaModFix/>
-          </a:blip>
-          <a:srcRect/>
-          <a:stretch/>
-        </p:blipFill>
-        <p:spPr>
-          <a:xfrm>
-            <a:off x="11356663" y="0"/>
-            <a:ext cx="835334" cy="1113779"/>
-          </a:xfrm>
-          <a:prstGeom prst="rect">
-            <a:avLst/>
-          </a:prstGeom>
-          <a:noFill/>
-          <a:ln>
-            <a:noFill/>
-          </a:ln>
-        </p:spPr>
-      </p:pic>
       <p:graphicFrame>
         <p:nvGraphicFramePr>
           <p:cNvPr id="5" name="Graphique 4">
@@ -29455,10 +29426,39 @@
         </p:xfrm>
         <a:graphic>
           <a:graphicData uri="http://schemas.openxmlformats.org/drawingml/2006/chart">
-            <c:chart xmlns:c="http://schemas.openxmlformats.org/drawingml/2006/chart" xmlns:r="http://schemas.openxmlformats.org/officeDocument/2006/relationships" r:id="rId5"/>
+            <c:chart xmlns:c="http://schemas.openxmlformats.org/drawingml/2006/chart" xmlns:r="http://schemas.openxmlformats.org/officeDocument/2006/relationships" r:id="rId4"/>
           </a:graphicData>
         </a:graphic>
       </p:graphicFrame>
+      <p:pic>
+        <p:nvPicPr>
+          <p:cNvPr id="3" name="Image 2">
+            <a:extLst>
+              <a:ext uri="{FF2B5EF4-FFF2-40B4-BE49-F238E27FC236}">
+                <a16:creationId xmlns:a16="http://schemas.microsoft.com/office/drawing/2014/main" id="{5C74EAFC-C76F-4202-93B1-E31BAC54458D}"/>
+              </a:ext>
+            </a:extLst>
+          </p:cNvPr>
+          <p:cNvPicPr>
+            <a:picLocks noChangeAspect="1"/>
+          </p:cNvPicPr>
+          <p:nvPr/>
+        </p:nvPicPr>
+        <p:blipFill rotWithShape="1">
+          <a:blip r:embed="rId5"/>
+          <a:srcRect l="25266" t="20097" r="24621" b="34569"/>
+          <a:stretch/>
+        </p:blipFill>
+        <p:spPr>
+          <a:xfrm>
+            <a:off x="11358300" y="1"/>
+            <a:ext cx="833700" cy="1005584"/>
+          </a:xfrm>
+          <a:prstGeom prst="rect">
+            <a:avLst/>
+          </a:prstGeom>
+        </p:spPr>
+      </p:pic>
     </p:spTree>
   </p:cSld>
   <p:clrMapOvr>
@@ -29606,7 +29606,7 @@
               <a:buNone/>
             </a:pPr>
             <a:r>
-              <a:rPr lang="fr-FR" sz="2400" b="1">
+              <a:rPr lang="fr-FR" sz="2400" b="1" dirty="0">
                 <a:solidFill>
                   <a:schemeClr val="dk1"/>
                 </a:solidFill>
@@ -29615,39 +29615,12 @@
                 <a:cs typeface="Calibri"/>
                 <a:sym typeface="Calibri"/>
               </a:rPr>
-              <a:t>TLS</a:t>
+              <a:t>MKI</a:t>
             </a:r>
-            <a:endParaRPr/>
+            <a:endParaRPr dirty="0"/>
           </a:p>
         </p:txBody>
       </p:sp>
-      <p:pic>
-        <p:nvPicPr>
-          <p:cNvPr id="173" name="Google Shape;173;p22"/>
-          <p:cNvPicPr preferRelativeResize="0"/>
-          <p:nvPr/>
-        </p:nvPicPr>
-        <p:blipFill rotWithShape="1">
-          <a:blip r:embed="rId4">
-            <a:alphaModFix/>
-          </a:blip>
-          <a:srcRect/>
-          <a:stretch/>
-        </p:blipFill>
-        <p:spPr>
-          <a:xfrm>
-            <a:off x="11356663" y="0"/>
-            <a:ext cx="835334" cy="1113779"/>
-          </a:xfrm>
-          <a:prstGeom prst="rect">
-            <a:avLst/>
-          </a:prstGeom>
-          <a:noFill/>
-          <a:ln>
-            <a:noFill/>
-          </a:ln>
-        </p:spPr>
-      </p:pic>
       <p:graphicFrame>
         <p:nvGraphicFramePr>
           <p:cNvPr id="5" name="Graphique 4">
@@ -29674,7 +29647,7 @@
         </p:xfrm>
         <a:graphic>
           <a:graphicData uri="http://schemas.openxmlformats.org/drawingml/2006/chart">
-            <c:chart xmlns:c="http://schemas.openxmlformats.org/drawingml/2006/chart" xmlns:r="http://schemas.openxmlformats.org/officeDocument/2006/relationships" r:id="rId5"/>
+            <c:chart xmlns:c="http://schemas.openxmlformats.org/drawingml/2006/chart" xmlns:r="http://schemas.openxmlformats.org/officeDocument/2006/relationships" r:id="rId4"/>
           </a:graphicData>
         </a:graphic>
       </p:graphicFrame>
@@ -29704,10 +29677,40 @@
         </p:xfrm>
         <a:graphic>
           <a:graphicData uri="http://schemas.openxmlformats.org/drawingml/2006/chart">
-            <c:chart xmlns:c="http://schemas.openxmlformats.org/drawingml/2006/chart" xmlns:r="http://schemas.openxmlformats.org/officeDocument/2006/relationships" r:id="rId6"/>
+            <c:chart xmlns:c="http://schemas.openxmlformats.org/drawingml/2006/chart" xmlns:r="http://schemas.openxmlformats.org/officeDocument/2006/relationships" r:id="rId5"/>
           </a:graphicData>
         </a:graphic>
       </p:graphicFrame>
+      <p:pic>
+        <p:nvPicPr>
+          <p:cNvPr id="3" name="Image 2">
+            <a:extLst>
+              <a:ext uri="{FF2B5EF4-FFF2-40B4-BE49-F238E27FC236}">
+                <a16:creationId xmlns:a16="http://schemas.microsoft.com/office/drawing/2014/main" id="{A6F183E2-0A29-4011-8974-1E9649E4E9E5}"/>
+              </a:ext>
+            </a:extLst>
+          </p:cNvPr>
+          <p:cNvPicPr>
+            <a:picLocks noChangeAspect="1"/>
+          </p:cNvPicPr>
+          <p:nvPr/>
+        </p:nvPicPr>
+        <p:blipFill>
+          <a:blip r:embed="rId6"/>
+          <a:stretch>
+            <a:fillRect/>
+          </a:stretch>
+        </p:blipFill>
+        <p:spPr>
+          <a:xfrm>
+            <a:off x="11358298" y="0"/>
+            <a:ext cx="833701" cy="1323411"/>
+          </a:xfrm>
+          <a:prstGeom prst="rect">
+            <a:avLst/>
+          </a:prstGeom>
+        </p:spPr>
+      </p:pic>
     </p:spTree>
   </p:cSld>
   <p:clrMapOvr>
@@ -29855,7 +29858,7 @@
               <a:buNone/>
             </a:pPr>
             <a:r>
-              <a:rPr lang="fr-FR" sz="2400" b="1">
+              <a:rPr lang="fr-FR" sz="2400" b="1" dirty="0">
                 <a:solidFill>
                   <a:schemeClr val="dk1"/>
                 </a:solidFill>
@@ -29864,39 +29867,12 @@
                 <a:cs typeface="Calibri"/>
                 <a:sym typeface="Calibri"/>
               </a:rPr>
-              <a:t>TLS</a:t>
+              <a:t>CLS</a:t>
             </a:r>
-            <a:endParaRPr/>
+            <a:endParaRPr dirty="0"/>
           </a:p>
         </p:txBody>
       </p:sp>
-      <p:pic>
-        <p:nvPicPr>
-          <p:cNvPr id="173" name="Google Shape;173;p22"/>
-          <p:cNvPicPr preferRelativeResize="0"/>
-          <p:nvPr/>
-        </p:nvPicPr>
-        <p:blipFill rotWithShape="1">
-          <a:blip r:embed="rId4">
-            <a:alphaModFix/>
-          </a:blip>
-          <a:srcRect/>
-          <a:stretch/>
-        </p:blipFill>
-        <p:spPr>
-          <a:xfrm>
-            <a:off x="11356663" y="0"/>
-            <a:ext cx="835334" cy="1113779"/>
-          </a:xfrm>
-          <a:prstGeom prst="rect">
-            <a:avLst/>
-          </a:prstGeom>
-          <a:noFill/>
-          <a:ln>
-            <a:noFill/>
-          </a:ln>
-        </p:spPr>
-      </p:pic>
       <p:graphicFrame>
         <p:nvGraphicFramePr>
           <p:cNvPr id="7" name="Graphique 6">
@@ -29917,10 +29893,40 @@
         </p:xfrm>
         <a:graphic>
           <a:graphicData uri="http://schemas.openxmlformats.org/drawingml/2006/chart">
-            <c:chart xmlns:c="http://schemas.openxmlformats.org/drawingml/2006/chart" xmlns:r="http://schemas.openxmlformats.org/officeDocument/2006/relationships" r:id="rId5"/>
+            <c:chart xmlns:c="http://schemas.openxmlformats.org/drawingml/2006/chart" xmlns:r="http://schemas.openxmlformats.org/officeDocument/2006/relationships" r:id="rId4"/>
           </a:graphicData>
         </a:graphic>
       </p:graphicFrame>
+      <p:pic>
+        <p:nvPicPr>
+          <p:cNvPr id="3" name="Image 2">
+            <a:extLst>
+              <a:ext uri="{FF2B5EF4-FFF2-40B4-BE49-F238E27FC236}">
+                <a16:creationId xmlns:a16="http://schemas.microsoft.com/office/drawing/2014/main" id="{9B58047F-BF29-46A9-8D67-F1F678605BBA}"/>
+              </a:ext>
+            </a:extLst>
+          </p:cNvPr>
+          <p:cNvPicPr>
+            <a:picLocks noChangeAspect="1"/>
+          </p:cNvPicPr>
+          <p:nvPr/>
+        </p:nvPicPr>
+        <p:blipFill>
+          <a:blip r:embed="rId5"/>
+          <a:stretch>
+            <a:fillRect/>
+          </a:stretch>
+        </p:blipFill>
+        <p:spPr>
+          <a:xfrm>
+            <a:off x="11352244" y="-1"/>
+            <a:ext cx="839756" cy="1126436"/>
+          </a:xfrm>
+          <a:prstGeom prst="rect">
+            <a:avLst/>
+          </a:prstGeom>
+        </p:spPr>
+      </p:pic>
     </p:spTree>
     <p:extLst>
       <p:ext uri="{BB962C8B-B14F-4D97-AF65-F5344CB8AC3E}">
@@ -30091,38 +30097,6 @@
           </a:ln>
         </p:spPr>
       </p:pic>
-      <p:pic>
-        <p:nvPicPr>
-          <p:cNvPr id="3" name="Image 2">
-            <a:extLst>
-              <a:ext uri="{FF2B5EF4-FFF2-40B4-BE49-F238E27FC236}">
-                <a16:creationId xmlns:a16="http://schemas.microsoft.com/office/drawing/2014/main" id="{786AA391-1452-445E-9CDD-B6123B1CE3EB}"/>
-              </a:ext>
-            </a:extLst>
-          </p:cNvPr>
-          <p:cNvPicPr>
-            <a:picLocks noChangeAspect="1"/>
-          </p:cNvPicPr>
-          <p:nvPr/>
-        </p:nvPicPr>
-        <p:blipFill rotWithShape="1">
-          <a:blip r:embed="rId5"/>
-          <a:srcRect l="-1557" t="1" b="-1557"/>
-          <a:stretch/>
-        </p:blipFill>
-        <p:spPr>
-          <a:xfrm>
-            <a:off x="2216727" y="1119922"/>
-            <a:ext cx="7641392" cy="5271641"/>
-          </a:xfrm>
-          <a:prstGeom prst="rect">
-            <a:avLst/>
-          </a:prstGeom>
-          <a:solidFill>
-            <a:schemeClr val="bg1"/>
-          </a:solidFill>
-        </p:spPr>
-      </p:pic>
     </p:spTree>
   </p:cSld>
   <p:clrMapOvr>
@@ -30219,8 +30193,8 @@
         </p:nvSpPr>
         <p:spPr>
           <a:xfrm>
-            <a:off x="552449" y="1503218"/>
-            <a:ext cx="11049829" cy="707886"/>
+            <a:off x="552449" y="1503217"/>
+            <a:ext cx="11049829" cy="4042817"/>
           </a:xfrm>
           <a:prstGeom prst="rect">
             <a:avLst/>
@@ -30246,7 +30220,7 @@
               <a:buNone/>
             </a:pPr>
             <a:r>
-              <a:rPr lang="fr-FR" sz="2000">
+              <a:rPr lang="fr-FR" sz="2000" dirty="0">
                 <a:solidFill>
                   <a:schemeClr val="dk1"/>
                 </a:solidFill>
@@ -30257,7 +30231,153 @@
               </a:rPr>
               <a:t>Sommaire :</a:t>
             </a:r>
-            <a:endParaRPr/>
+          </a:p>
+          <a:p>
+            <a:pPr marL="285750" marR="0" lvl="0" indent="-285750" algn="l" rtl="0">
+              <a:spcBef>
+                <a:spcPts val="0"/>
+              </a:spcBef>
+              <a:spcAft>
+                <a:spcPts val="0"/>
+              </a:spcAft>
+              <a:buFont typeface="Arial" panose="020B0604020202020204" pitchFamily="34" charset="0"/>
+              <a:buChar char="•"/>
+            </a:pPr>
+            <a:r>
+              <a:rPr lang="fr-FR" sz="2000" dirty="0">
+                <a:solidFill>
+                  <a:schemeClr val="dk1"/>
+                </a:solidFill>
+                <a:latin typeface="Calibri"/>
+                <a:cs typeface="Calibri"/>
+                <a:sym typeface="Calibri"/>
+              </a:rPr>
+              <a:t>P10P</a:t>
+            </a:r>
+          </a:p>
+          <a:p>
+            <a:pPr marL="285750" marR="0" lvl="0" indent="-285750" algn="l" rtl="0">
+              <a:spcBef>
+                <a:spcPts val="0"/>
+              </a:spcBef>
+              <a:spcAft>
+                <a:spcPts val="0"/>
+              </a:spcAft>
+              <a:buFont typeface="Arial" panose="020B0604020202020204" pitchFamily="34" charset="0"/>
+              <a:buChar char="•"/>
+            </a:pPr>
+            <a:r>
+              <a:rPr lang="fr-FR" sz="2000" dirty="0">
+                <a:solidFill>
+                  <a:schemeClr val="dk1"/>
+                </a:solidFill>
+                <a:latin typeface="Calibri"/>
+                <a:cs typeface="Calibri"/>
+                <a:sym typeface="Calibri"/>
+              </a:rPr>
+              <a:t>Organigramme</a:t>
+            </a:r>
+          </a:p>
+          <a:p>
+            <a:pPr marL="285750" marR="0" lvl="0" indent="-285750" algn="l" rtl="0">
+              <a:spcBef>
+                <a:spcPts val="0"/>
+              </a:spcBef>
+              <a:spcAft>
+                <a:spcPts val="0"/>
+              </a:spcAft>
+              <a:buFont typeface="Arial" panose="020B0604020202020204" pitchFamily="34" charset="0"/>
+              <a:buChar char="•"/>
+            </a:pPr>
+            <a:r>
+              <a:rPr lang="fr-FR" sz="2000" dirty="0" err="1">
+                <a:solidFill>
+                  <a:schemeClr val="dk1"/>
+                </a:solidFill>
+                <a:latin typeface="Calibri"/>
+                <a:cs typeface="Calibri"/>
+                <a:sym typeface="Calibri"/>
+              </a:rPr>
+              <a:t>CdCF</a:t>
+            </a:r>
+            <a:endParaRPr lang="fr-FR" sz="2000" dirty="0">
+              <a:solidFill>
+                <a:schemeClr val="dk1"/>
+              </a:solidFill>
+              <a:latin typeface="Calibri"/>
+              <a:cs typeface="Calibri"/>
+              <a:sym typeface="Calibri"/>
+            </a:endParaRPr>
+          </a:p>
+          <a:p>
+            <a:pPr marL="285750" marR="0" lvl="0" indent="-285750" algn="l" rtl="0">
+              <a:spcBef>
+                <a:spcPts val="0"/>
+              </a:spcBef>
+              <a:spcAft>
+                <a:spcPts val="0"/>
+              </a:spcAft>
+              <a:buFont typeface="Arial" panose="020B0604020202020204" pitchFamily="34" charset="0"/>
+              <a:buChar char="•"/>
+            </a:pPr>
+            <a:r>
+              <a:rPr lang="fr-FR" sz="2000" dirty="0">
+                <a:solidFill>
+                  <a:schemeClr val="dk1"/>
+                </a:solidFill>
+                <a:latin typeface="Calibri"/>
+                <a:cs typeface="Calibri"/>
+                <a:sym typeface="Calibri"/>
+              </a:rPr>
+              <a:t>Budget financier prévisionnel</a:t>
+            </a:r>
+          </a:p>
+          <a:p>
+            <a:pPr marL="285750" marR="0" lvl="0" indent="-285750" algn="l" rtl="0">
+              <a:spcBef>
+                <a:spcPts val="0"/>
+              </a:spcBef>
+              <a:spcAft>
+                <a:spcPts val="0"/>
+              </a:spcAft>
+              <a:buFont typeface="Arial" panose="020B0604020202020204" pitchFamily="34" charset="0"/>
+              <a:buChar char="•"/>
+            </a:pPr>
+            <a:r>
+              <a:rPr lang="fr-FR" sz="2000" dirty="0">
+                <a:solidFill>
+                  <a:schemeClr val="dk1"/>
+                </a:solidFill>
+                <a:latin typeface="Calibri"/>
+                <a:cs typeface="Calibri"/>
+                <a:sym typeface="Calibri"/>
+              </a:rPr>
+              <a:t>Budgets massiques prévisionnels</a:t>
+            </a:r>
+          </a:p>
+          <a:p>
+            <a:pPr marL="285750" marR="0" lvl="0" indent="-285750" algn="l" rtl="0">
+              <a:spcBef>
+                <a:spcPts val="0"/>
+              </a:spcBef>
+              <a:spcAft>
+                <a:spcPts val="0"/>
+              </a:spcAft>
+              <a:buFont typeface="Arial" panose="020B0604020202020204" pitchFamily="34" charset="0"/>
+              <a:buChar char="•"/>
+            </a:pPr>
+            <a:r>
+              <a:rPr lang="fr-FR" sz="2000" dirty="0">
+                <a:solidFill>
+                  <a:schemeClr val="dk1"/>
+                </a:solidFill>
+                <a:latin typeface="Calibri"/>
+                <a:cs typeface="Calibri"/>
+                <a:sym typeface="Calibri"/>
+              </a:rPr>
+              <a:t>MIS 2D </a:t>
+            </a:r>
+            <a:endParaRPr dirty="0"/>
           </a:p>
           <a:p>
             <a:pPr marL="400050" marR="0" lvl="0" indent="-273050" algn="l" rtl="0">
@@ -30274,7 +30394,7 @@
               <a:buFont typeface="Calibri"/>
               <a:buNone/>
             </a:pPr>
-            <a:endParaRPr sz="2000">
+            <a:endParaRPr sz="2000" dirty="0">
               <a:solidFill>
                 <a:schemeClr val="dk1"/>
               </a:solidFill>
@@ -33833,6 +33953,183 @@
 </file>
 
 <file path=ppt/slides/slide6.xml><?xml version="1.0" encoding="utf-8"?>
+<p:sld xmlns:a="http://schemas.openxmlformats.org/drawingml/2006/main" xmlns:r="http://schemas.openxmlformats.org/officeDocument/2006/relationships" xmlns:p="http://schemas.openxmlformats.org/presentationml/2006/main">
+  <p:cSld>
+    <p:bg>
+      <p:bgPr>
+        <a:blipFill>
+          <a:blip r:embed="rId3">
+            <a:alphaModFix/>
+          </a:blip>
+          <a:stretch>
+            <a:fillRect/>
+          </a:stretch>
+        </a:blipFill>
+        <a:effectLst/>
+      </p:bgPr>
+    </p:bg>
+    <p:spTree>
+      <p:nvGrpSpPr>
+        <p:cNvPr id="1" name="Shape 149"/>
+        <p:cNvGrpSpPr/>
+        <p:nvPr/>
+      </p:nvGrpSpPr>
+      <p:grpSpPr>
+        <a:xfrm>
+          <a:off x="0" y="0"/>
+          <a:ext cx="0" cy="0"/>
+          <a:chOff x="0" y="0"/>
+          <a:chExt cx="0" cy="0"/>
+        </a:xfrm>
+      </p:grpSpPr>
+      <p:sp>
+        <p:nvSpPr>
+          <p:cNvPr id="150" name="Google Shape;150;p19"/>
+          <p:cNvSpPr txBox="1"/>
+          <p:nvPr/>
+        </p:nvSpPr>
+        <p:spPr>
+          <a:xfrm>
+            <a:off x="0" y="547255"/>
+            <a:ext cx="12191999" cy="830997"/>
+          </a:xfrm>
+          <a:prstGeom prst="rect">
+            <a:avLst/>
+          </a:prstGeom>
+          <a:noFill/>
+          <a:ln>
+            <a:noFill/>
+          </a:ln>
+        </p:spPr>
+        <p:txBody>
+          <a:bodyPr spcFirstLastPara="1" wrap="square" lIns="91425" tIns="45700" rIns="91425" bIns="45700" anchor="t" anchorCtr="0">
+            <a:noAutofit/>
+          </a:bodyPr>
+          <a:lstStyle/>
+          <a:p>
+            <a:pPr marL="0" marR="0" lvl="0" indent="0" algn="ctr" rtl="0">
+              <a:spcBef>
+                <a:spcPts val="0"/>
+              </a:spcBef>
+              <a:spcAft>
+                <a:spcPts val="0"/>
+              </a:spcAft>
+              <a:buNone/>
+            </a:pPr>
+            <a:r>
+              <a:rPr lang="fr-FR" sz="2400" b="1" u="sng" dirty="0">
+                <a:solidFill>
+                  <a:srgbClr val="C2381E"/>
+                </a:solidFill>
+                <a:latin typeface="Calibri"/>
+                <a:ea typeface="Calibri"/>
+                <a:cs typeface="Calibri"/>
+                <a:sym typeface="Calibri"/>
+              </a:rPr>
+              <a:t>TOP Maquette : </a:t>
+            </a:r>
+            <a:r>
+              <a:rPr lang="fr-FR" sz="2400" b="1" u="sng" dirty="0" err="1">
+                <a:solidFill>
+                  <a:srgbClr val="C2381E"/>
+                </a:solidFill>
+                <a:latin typeface="Calibri"/>
+                <a:ea typeface="Calibri"/>
+                <a:cs typeface="Calibri"/>
+                <a:sym typeface="Calibri"/>
+              </a:rPr>
+              <a:t>CdCF</a:t>
+            </a:r>
+            <a:endParaRPr dirty="0"/>
+          </a:p>
+        </p:txBody>
+      </p:sp>
+      <p:sp>
+        <p:nvSpPr>
+          <p:cNvPr id="151" name="Google Shape;151;p19"/>
+          <p:cNvSpPr txBox="1"/>
+          <p:nvPr/>
+        </p:nvSpPr>
+        <p:spPr>
+          <a:xfrm>
+            <a:off x="10524765" y="0"/>
+            <a:ext cx="833617" cy="461665"/>
+          </a:xfrm>
+          <a:prstGeom prst="rect">
+            <a:avLst/>
+          </a:prstGeom>
+          <a:noFill/>
+          <a:ln>
+            <a:noFill/>
+          </a:ln>
+        </p:spPr>
+        <p:txBody>
+          <a:bodyPr spcFirstLastPara="1" wrap="square" lIns="91425" tIns="45700" rIns="91425" bIns="45700" anchor="t" anchorCtr="0">
+            <a:noAutofit/>
+          </a:bodyPr>
+          <a:lstStyle/>
+          <a:p>
+            <a:pPr marL="0" marR="0" lvl="0" indent="0" algn="ctr" rtl="0">
+              <a:spcBef>
+                <a:spcPts val="0"/>
+              </a:spcBef>
+              <a:spcAft>
+                <a:spcPts val="0"/>
+              </a:spcAft>
+              <a:buNone/>
+            </a:pPr>
+            <a:r>
+              <a:rPr lang="fr-FR" sz="2400" b="1">
+                <a:solidFill>
+                  <a:schemeClr val="dk1"/>
+                </a:solidFill>
+                <a:latin typeface="Calibri"/>
+                <a:ea typeface="Calibri"/>
+                <a:cs typeface="Calibri"/>
+                <a:sym typeface="Calibri"/>
+              </a:rPr>
+              <a:t>TLS</a:t>
+            </a:r>
+            <a:endParaRPr/>
+          </a:p>
+        </p:txBody>
+      </p:sp>
+      <p:pic>
+        <p:nvPicPr>
+          <p:cNvPr id="152" name="Google Shape;152;p19"/>
+          <p:cNvPicPr preferRelativeResize="0"/>
+          <p:nvPr/>
+        </p:nvPicPr>
+        <p:blipFill rotWithShape="1">
+          <a:blip r:embed="rId4">
+            <a:alphaModFix/>
+          </a:blip>
+          <a:srcRect/>
+          <a:stretch/>
+        </p:blipFill>
+        <p:spPr>
+          <a:xfrm>
+            <a:off x="11356663" y="0"/>
+            <a:ext cx="835335" cy="1113780"/>
+          </a:xfrm>
+          <a:prstGeom prst="rect">
+            <a:avLst/>
+          </a:prstGeom>
+          <a:noFill/>
+          <a:ln>
+            <a:noFill/>
+          </a:ln>
+        </p:spPr>
+      </p:pic>
+    </p:spTree>
+  </p:cSld>
+  <p:clrMapOvr>
+    <a:masterClrMapping/>
+  </p:clrMapOvr>
+</p:sld>
+</file>
+
+<file path=ppt/slides/slide7.xml><?xml version="1.0" encoding="utf-8"?>
 <p:sld xmlns:a="http://schemas.openxmlformats.org/drawingml/2006/main" xmlns:r="http://schemas.openxmlformats.org/officeDocument/2006/relationships" xmlns:p="http://schemas.openxmlformats.org/presentationml/2006/main">
   <p:cSld>
     <p:bg>
@@ -36043,7 +36340,7 @@
 </p:sld>
 </file>
 
-<file path=ppt/slides/slide7.xml><?xml version="1.0" encoding="utf-8"?>
+<file path=ppt/slides/slide8.xml><?xml version="1.0" encoding="utf-8"?>
 <p:sld xmlns:a="http://schemas.openxmlformats.org/drawingml/2006/main" xmlns:r="http://schemas.openxmlformats.org/officeDocument/2006/relationships" xmlns:p="http://schemas.openxmlformats.org/presentationml/2006/main">
   <p:cSld>
     <p:bg>
@@ -36258,7 +36555,7 @@
 </p:sld>
 </file>
 
-<file path=ppt/slides/slide8.xml><?xml version="1.0" encoding="utf-8"?>
+<file path=ppt/slides/slide9.xml><?xml version="1.0" encoding="utf-8"?>
 <p:sld xmlns:a="http://schemas.openxmlformats.org/drawingml/2006/main" xmlns:r="http://schemas.openxmlformats.org/officeDocument/2006/relationships" xmlns:p="http://schemas.openxmlformats.org/presentationml/2006/main">
   <p:cSld>
     <p:bg>
@@ -36478,1153 +36775,6 @@
         <p14:creationId xmlns:p14="http://schemas.microsoft.com/office/powerpoint/2010/main" val="409062920"/>
       </p:ext>
     </p:extLst>
-  </p:cSld>
-  <p:clrMapOvr>
-    <a:masterClrMapping/>
-  </p:clrMapOvr>
-</p:sld>
-</file>
-
-<file path=ppt/slides/slide9.xml><?xml version="1.0" encoding="utf-8"?>
-<p:sld xmlns:a="http://schemas.openxmlformats.org/drawingml/2006/main" xmlns:r="http://schemas.openxmlformats.org/officeDocument/2006/relationships" xmlns:p="http://schemas.openxmlformats.org/presentationml/2006/main">
-  <p:cSld>
-    <p:bg>
-      <p:bgPr>
-        <a:blipFill>
-          <a:blip r:embed="rId3">
-            <a:alphaModFix/>
-          </a:blip>
-          <a:stretch>
-            <a:fillRect/>
-          </a:stretch>
-        </a:blipFill>
-        <a:effectLst/>
-      </p:bgPr>
-    </p:bg>
-    <p:spTree>
-      <p:nvGrpSpPr>
-        <p:cNvPr id="1" name="Shape 149"/>
-        <p:cNvGrpSpPr/>
-        <p:nvPr/>
-      </p:nvGrpSpPr>
-      <p:grpSpPr>
-        <a:xfrm>
-          <a:off x="0" y="0"/>
-          <a:ext cx="0" cy="0"/>
-          <a:chOff x="0" y="0"/>
-          <a:chExt cx="0" cy="0"/>
-        </a:xfrm>
-      </p:grpSpPr>
-      <p:sp>
-        <p:nvSpPr>
-          <p:cNvPr id="150" name="Google Shape;150;p19"/>
-          <p:cNvSpPr txBox="1"/>
-          <p:nvPr/>
-        </p:nvSpPr>
-        <p:spPr>
-          <a:xfrm>
-            <a:off x="0" y="547255"/>
-            <a:ext cx="12191999" cy="830997"/>
-          </a:xfrm>
-          <a:prstGeom prst="rect">
-            <a:avLst/>
-          </a:prstGeom>
-          <a:noFill/>
-          <a:ln>
-            <a:noFill/>
-          </a:ln>
-        </p:spPr>
-        <p:txBody>
-          <a:bodyPr spcFirstLastPara="1" wrap="square" lIns="91425" tIns="45700" rIns="91425" bIns="45700" anchor="t" anchorCtr="0">
-            <a:noAutofit/>
-          </a:bodyPr>
-          <a:lstStyle/>
-          <a:p>
-            <a:pPr marL="0" marR="0" lvl="0" indent="0" algn="ctr" rtl="0">
-              <a:spcBef>
-                <a:spcPts val="0"/>
-              </a:spcBef>
-              <a:spcAft>
-                <a:spcPts val="0"/>
-              </a:spcAft>
-              <a:buNone/>
-            </a:pPr>
-            <a:r>
-              <a:rPr lang="fr-FR" sz="2400" b="1" u="sng" dirty="0">
-                <a:solidFill>
-                  <a:srgbClr val="C2381E"/>
-                </a:solidFill>
-                <a:latin typeface="Calibri"/>
-                <a:ea typeface="Calibri"/>
-                <a:cs typeface="Calibri"/>
-                <a:sym typeface="Calibri"/>
-              </a:rPr>
-              <a:t>TOP Maquette : </a:t>
-            </a:r>
-            <a:r>
-              <a:rPr lang="fr-FR" sz="2400" b="1" u="sng" dirty="0" err="1">
-                <a:solidFill>
-                  <a:srgbClr val="C2381E"/>
-                </a:solidFill>
-                <a:latin typeface="Calibri"/>
-                <a:ea typeface="Calibri"/>
-                <a:cs typeface="Calibri"/>
-                <a:sym typeface="Calibri"/>
-              </a:rPr>
-              <a:t>CdCF</a:t>
-            </a:r>
-            <a:endParaRPr dirty="0"/>
-          </a:p>
-        </p:txBody>
-      </p:sp>
-      <p:sp>
-        <p:nvSpPr>
-          <p:cNvPr id="151" name="Google Shape;151;p19"/>
-          <p:cNvSpPr txBox="1"/>
-          <p:nvPr/>
-        </p:nvSpPr>
-        <p:spPr>
-          <a:xfrm>
-            <a:off x="10524765" y="0"/>
-            <a:ext cx="833617" cy="461665"/>
-          </a:xfrm>
-          <a:prstGeom prst="rect">
-            <a:avLst/>
-          </a:prstGeom>
-          <a:noFill/>
-          <a:ln>
-            <a:noFill/>
-          </a:ln>
-        </p:spPr>
-        <p:txBody>
-          <a:bodyPr spcFirstLastPara="1" wrap="square" lIns="91425" tIns="45700" rIns="91425" bIns="45700" anchor="t" anchorCtr="0">
-            <a:noAutofit/>
-          </a:bodyPr>
-          <a:lstStyle/>
-          <a:p>
-            <a:pPr marL="0" marR="0" lvl="0" indent="0" algn="ctr" rtl="0">
-              <a:spcBef>
-                <a:spcPts val="0"/>
-              </a:spcBef>
-              <a:spcAft>
-                <a:spcPts val="0"/>
-              </a:spcAft>
-              <a:buNone/>
-            </a:pPr>
-            <a:r>
-              <a:rPr lang="fr-FR" sz="2400" b="1">
-                <a:solidFill>
-                  <a:schemeClr val="dk1"/>
-                </a:solidFill>
-                <a:latin typeface="Calibri"/>
-                <a:ea typeface="Calibri"/>
-                <a:cs typeface="Calibri"/>
-                <a:sym typeface="Calibri"/>
-              </a:rPr>
-              <a:t>TLS</a:t>
-            </a:r>
-            <a:endParaRPr/>
-          </a:p>
-        </p:txBody>
-      </p:sp>
-      <p:pic>
-        <p:nvPicPr>
-          <p:cNvPr id="152" name="Google Shape;152;p19"/>
-          <p:cNvPicPr preferRelativeResize="0"/>
-          <p:nvPr/>
-        </p:nvPicPr>
-        <p:blipFill rotWithShape="1">
-          <a:blip r:embed="rId4">
-            <a:alphaModFix/>
-          </a:blip>
-          <a:srcRect/>
-          <a:stretch/>
-        </p:blipFill>
-        <p:spPr>
-          <a:xfrm>
-            <a:off x="11356663" y="0"/>
-            <a:ext cx="835335" cy="1113780"/>
-          </a:xfrm>
-          <a:prstGeom prst="rect">
-            <a:avLst/>
-          </a:prstGeom>
-          <a:noFill/>
-          <a:ln>
-            <a:noFill/>
-          </a:ln>
-        </p:spPr>
-      </p:pic>
-      <p:graphicFrame>
-        <p:nvGraphicFramePr>
-          <p:cNvPr id="3" name="Tableau 2">
-            <a:extLst>
-              <a:ext uri="{FF2B5EF4-FFF2-40B4-BE49-F238E27FC236}">
-                <a16:creationId xmlns:a16="http://schemas.microsoft.com/office/drawing/2014/main" id="{89413EA5-14DE-483E-9096-135D6B3CF116}"/>
-              </a:ext>
-            </a:extLst>
-          </p:cNvPr>
-          <p:cNvGraphicFramePr>
-            <a:graphicFrameLocks noGrp="1"/>
-          </p:cNvGraphicFramePr>
-          <p:nvPr>
-            <p:extLst>
-              <p:ext uri="{D42A27DB-BD31-4B8C-83A1-F6EECF244321}">
-                <p14:modId xmlns:p14="http://schemas.microsoft.com/office/powerpoint/2010/main" val="3003767446"/>
-              </p:ext>
-            </p:extLst>
-          </p:nvPr>
-        </p:nvGraphicFramePr>
-        <p:xfrm>
-          <a:off x="2147886" y="2040255"/>
-          <a:ext cx="7896225" cy="2777490"/>
-        </p:xfrm>
-        <a:graphic>
-          <a:graphicData uri="http://schemas.openxmlformats.org/drawingml/2006/table">
-            <a:tbl>
-              <a:tblPr>
-                <a:tableStyleId>{B66C77B7-72B2-49AA-88F4-1DF366D76EA2}</a:tableStyleId>
-              </a:tblPr>
-              <a:tblGrid>
-                <a:gridCol w="3624497">
-                  <a:extLst>
-                    <a:ext uri="{9D8B030D-6E8A-4147-A177-3AD203B41FA5}">
-                      <a16:colId xmlns:a16="http://schemas.microsoft.com/office/drawing/2014/main" val="221925814"/>
-                    </a:ext>
-                  </a:extLst>
-                </a:gridCol>
-                <a:gridCol w="2306499">
-                  <a:extLst>
-                    <a:ext uri="{9D8B030D-6E8A-4147-A177-3AD203B41FA5}">
-                      <a16:colId xmlns:a16="http://schemas.microsoft.com/office/drawing/2014/main" val="1993640714"/>
-                    </a:ext>
-                  </a:extLst>
-                </a:gridCol>
-                <a:gridCol w="1023802">
-                  <a:extLst>
-                    <a:ext uri="{9D8B030D-6E8A-4147-A177-3AD203B41FA5}">
-                      <a16:colId xmlns:a16="http://schemas.microsoft.com/office/drawing/2014/main" val="1159861958"/>
-                    </a:ext>
-                  </a:extLst>
-                </a:gridCol>
-                <a:gridCol w="941427">
-                  <a:extLst>
-                    <a:ext uri="{9D8B030D-6E8A-4147-A177-3AD203B41FA5}">
-                      <a16:colId xmlns:a16="http://schemas.microsoft.com/office/drawing/2014/main" val="3091856157"/>
-                    </a:ext>
-                  </a:extLst>
-                </a:gridCol>
-              </a:tblGrid>
-              <a:tr h="190500">
-                <a:tc>
-                  <a:txBody>
-                    <a:bodyPr/>
-                    <a:lstStyle/>
-                    <a:p>
-                      <a:pPr algn="l" fontAlgn="b"/>
-                      <a:r>
-                        <a:rPr lang="fr-FR" sz="1600" b="1" u="none" strike="noStrike" dirty="0">
-                          <a:effectLst/>
-                        </a:rPr>
-                        <a:t>Fonction</a:t>
-                      </a:r>
-                      <a:endParaRPr lang="fr-FR" sz="1600" b="1" i="0" u="none" strike="noStrike" dirty="0">
-                        <a:solidFill>
-                          <a:srgbClr val="000000"/>
-                        </a:solidFill>
-                        <a:effectLst/>
-                        <a:latin typeface="Calibri" panose="020F0502020204030204" pitchFamily="34" charset="0"/>
-                      </a:endParaRPr>
-                    </a:p>
-                  </a:txBody>
-                  <a:tcPr marL="9525" marR="9525" marT="9525" marB="0" anchor="b"/>
-                </a:tc>
-                <a:tc>
-                  <a:txBody>
-                    <a:bodyPr/>
-                    <a:lstStyle/>
-                    <a:p>
-                      <a:pPr algn="l" fontAlgn="b"/>
-                      <a:r>
-                        <a:rPr lang="fr-FR" sz="1600" b="1" u="none" strike="noStrike" dirty="0">
-                          <a:effectLst/>
-                        </a:rPr>
-                        <a:t>Critère</a:t>
-                      </a:r>
-                      <a:endParaRPr lang="fr-FR" sz="1600" b="1" i="0" u="none" strike="noStrike" dirty="0">
-                        <a:solidFill>
-                          <a:srgbClr val="000000"/>
-                        </a:solidFill>
-                        <a:effectLst/>
-                        <a:latin typeface="Calibri" panose="020F0502020204030204" pitchFamily="34" charset="0"/>
-                      </a:endParaRPr>
-                    </a:p>
-                  </a:txBody>
-                  <a:tcPr marL="9525" marR="9525" marT="9525" marB="0" anchor="b"/>
-                </a:tc>
-                <a:tc>
-                  <a:txBody>
-                    <a:bodyPr/>
-                    <a:lstStyle/>
-                    <a:p>
-                      <a:pPr algn="l" fontAlgn="b"/>
-                      <a:r>
-                        <a:rPr lang="fr-FR" sz="1600" b="1" u="none" strike="noStrike" dirty="0">
-                          <a:effectLst/>
-                        </a:rPr>
-                        <a:t>Niveau</a:t>
-                      </a:r>
-                      <a:endParaRPr lang="fr-FR" sz="1600" b="1" i="0" u="none" strike="noStrike" dirty="0">
-                        <a:solidFill>
-                          <a:srgbClr val="000000"/>
-                        </a:solidFill>
-                        <a:effectLst/>
-                        <a:latin typeface="Calibri" panose="020F0502020204030204" pitchFamily="34" charset="0"/>
-                      </a:endParaRPr>
-                    </a:p>
-                  </a:txBody>
-                  <a:tcPr marL="9525" marR="9525" marT="9525" marB="0" anchor="b"/>
-                </a:tc>
-                <a:tc>
-                  <a:txBody>
-                    <a:bodyPr/>
-                    <a:lstStyle/>
-                    <a:p>
-                      <a:pPr algn="l" fontAlgn="b"/>
-                      <a:r>
-                        <a:rPr lang="fr-FR" sz="1600" b="1" u="none" strike="noStrike" dirty="0">
-                          <a:effectLst/>
-                        </a:rPr>
-                        <a:t>Flexibilité</a:t>
-                      </a:r>
-                      <a:endParaRPr lang="fr-FR" sz="1600" b="1" i="0" u="none" strike="noStrike" dirty="0">
-                        <a:solidFill>
-                          <a:srgbClr val="000000"/>
-                        </a:solidFill>
-                        <a:effectLst/>
-                        <a:latin typeface="Calibri" panose="020F0502020204030204" pitchFamily="34" charset="0"/>
-                      </a:endParaRPr>
-                    </a:p>
-                  </a:txBody>
-                  <a:tcPr marL="9525" marR="9525" marT="9525" marB="0" anchor="b"/>
-                </a:tc>
-                <a:extLst>
-                  <a:ext uri="{0D108BD9-81ED-4DB2-BD59-A6C34878D82A}">
-                    <a16:rowId xmlns:a16="http://schemas.microsoft.com/office/drawing/2014/main" val="1944454567"/>
-                  </a:ext>
-                </a:extLst>
-              </a:tr>
-              <a:tr h="190500">
-                <a:tc>
-                  <a:txBody>
-                    <a:bodyPr/>
-                    <a:lstStyle/>
-                    <a:p>
-                      <a:pPr algn="l" fontAlgn="b"/>
-                      <a:r>
-                        <a:rPr lang="fr-FR" sz="1600" u="none" strike="noStrike" dirty="0">
-                          <a:effectLst/>
-                        </a:rPr>
-                        <a:t>FP1 : Véhicule apte au Formula Student</a:t>
-                      </a:r>
-                      <a:endParaRPr lang="fr-FR" sz="1600" b="0" i="0" u="none" strike="noStrike" dirty="0">
-                        <a:solidFill>
-                          <a:srgbClr val="000000"/>
-                        </a:solidFill>
-                        <a:effectLst/>
-                        <a:latin typeface="Calibri" panose="020F0502020204030204" pitchFamily="34" charset="0"/>
-                      </a:endParaRPr>
-                    </a:p>
-                  </a:txBody>
-                  <a:tcPr marL="9525" marR="9525" marT="9525" marB="0" anchor="b"/>
-                </a:tc>
-                <a:tc>
-                  <a:txBody>
-                    <a:bodyPr/>
-                    <a:lstStyle/>
-                    <a:p>
-                      <a:pPr algn="l" fontAlgn="b"/>
-                      <a:r>
-                        <a:rPr lang="fr-FR" sz="1600" u="none" strike="noStrike">
-                          <a:effectLst/>
-                        </a:rPr>
-                        <a:t>Respect du reglement</a:t>
-                      </a:r>
-                      <a:endParaRPr lang="fr-FR" sz="1600" b="0" i="0" u="none" strike="noStrike">
-                        <a:solidFill>
-                          <a:srgbClr val="000000"/>
-                        </a:solidFill>
-                        <a:effectLst/>
-                        <a:latin typeface="Calibri" panose="020F0502020204030204" pitchFamily="34" charset="0"/>
-                      </a:endParaRPr>
-                    </a:p>
-                  </a:txBody>
-                  <a:tcPr marL="9525" marR="9525" marT="9525" marB="0" anchor="b"/>
-                </a:tc>
-                <a:tc>
-                  <a:txBody>
-                    <a:bodyPr/>
-                    <a:lstStyle/>
-                    <a:p>
-                      <a:pPr algn="l" fontAlgn="b"/>
-                      <a:r>
-                        <a:rPr lang="fr-FR" sz="1600" u="none" strike="noStrike">
-                          <a:effectLst/>
-                        </a:rPr>
-                        <a:t>Complète</a:t>
-                      </a:r>
-                      <a:endParaRPr lang="fr-FR" sz="1600" b="0" i="0" u="none" strike="noStrike">
-                        <a:solidFill>
-                          <a:srgbClr val="000000"/>
-                        </a:solidFill>
-                        <a:effectLst/>
-                        <a:latin typeface="Calibri" panose="020F0502020204030204" pitchFamily="34" charset="0"/>
-                      </a:endParaRPr>
-                    </a:p>
-                  </a:txBody>
-                  <a:tcPr marL="9525" marR="9525" marT="9525" marB="0" anchor="b"/>
-                </a:tc>
-                <a:tc>
-                  <a:txBody>
-                    <a:bodyPr/>
-                    <a:lstStyle/>
-                    <a:p>
-                      <a:pPr algn="l" fontAlgn="b"/>
-                      <a:r>
-                        <a:rPr lang="fr-FR" sz="1600" u="none" strike="noStrike">
-                          <a:effectLst/>
-                        </a:rPr>
-                        <a:t>Aucune</a:t>
-                      </a:r>
-                      <a:endParaRPr lang="fr-FR" sz="1600" b="0" i="0" u="none" strike="noStrike">
-                        <a:solidFill>
-                          <a:srgbClr val="000000"/>
-                        </a:solidFill>
-                        <a:effectLst/>
-                        <a:latin typeface="Calibri" panose="020F0502020204030204" pitchFamily="34" charset="0"/>
-                      </a:endParaRPr>
-                    </a:p>
-                  </a:txBody>
-                  <a:tcPr marL="9525" marR="9525" marT="9525" marB="0" anchor="b"/>
-                </a:tc>
-                <a:extLst>
-                  <a:ext uri="{0D108BD9-81ED-4DB2-BD59-A6C34878D82A}">
-                    <a16:rowId xmlns:a16="http://schemas.microsoft.com/office/drawing/2014/main" val="191044989"/>
-                  </a:ext>
-                </a:extLst>
-              </a:tr>
-              <a:tr h="190500">
-                <a:tc>
-                  <a:txBody>
-                    <a:bodyPr/>
-                    <a:lstStyle/>
-                    <a:p>
-                      <a:pPr algn="l" fontAlgn="b"/>
-                      <a:endParaRPr lang="fr-FR" sz="1600" b="0" i="0" u="none" strike="noStrike">
-                        <a:solidFill>
-                          <a:srgbClr val="000000"/>
-                        </a:solidFill>
-                        <a:effectLst/>
-                        <a:latin typeface="Calibri" panose="020F0502020204030204" pitchFamily="34" charset="0"/>
-                      </a:endParaRPr>
-                    </a:p>
-                  </a:txBody>
-                  <a:tcPr marL="9525" marR="9525" marT="9525" marB="0" anchor="b"/>
-                </a:tc>
-                <a:tc>
-                  <a:txBody>
-                    <a:bodyPr/>
-                    <a:lstStyle/>
-                    <a:p>
-                      <a:pPr algn="l" fontAlgn="b"/>
-                      <a:endParaRPr lang="fr-FR" sz="1600" b="0" i="0" u="none" strike="noStrike">
-                        <a:solidFill>
-                          <a:srgbClr val="000000"/>
-                        </a:solidFill>
-                        <a:effectLst/>
-                        <a:latin typeface="Calibri" panose="020F0502020204030204" pitchFamily="34" charset="0"/>
-                      </a:endParaRPr>
-                    </a:p>
-                  </a:txBody>
-                  <a:tcPr marL="9525" marR="9525" marT="9525" marB="0" anchor="b"/>
-                </a:tc>
-                <a:tc>
-                  <a:txBody>
-                    <a:bodyPr/>
-                    <a:lstStyle/>
-                    <a:p>
-                      <a:pPr algn="l" fontAlgn="b"/>
-                      <a:endParaRPr lang="fr-FR" sz="1600" b="0" i="0" u="none" strike="noStrike">
-                        <a:solidFill>
-                          <a:srgbClr val="000000"/>
-                        </a:solidFill>
-                        <a:effectLst/>
-                        <a:latin typeface="Calibri" panose="020F0502020204030204" pitchFamily="34" charset="0"/>
-                      </a:endParaRPr>
-                    </a:p>
-                  </a:txBody>
-                  <a:tcPr marL="9525" marR="9525" marT="9525" marB="0" anchor="b"/>
-                </a:tc>
-                <a:tc>
-                  <a:txBody>
-                    <a:bodyPr/>
-                    <a:lstStyle/>
-                    <a:p>
-                      <a:pPr algn="l" fontAlgn="b"/>
-                      <a:endParaRPr lang="fr-FR" sz="1600" b="0" i="0" u="none" strike="noStrike">
-                        <a:solidFill>
-                          <a:srgbClr val="000000"/>
-                        </a:solidFill>
-                        <a:effectLst/>
-                        <a:latin typeface="Calibri" panose="020F0502020204030204" pitchFamily="34" charset="0"/>
-                      </a:endParaRPr>
-                    </a:p>
-                  </a:txBody>
-                  <a:tcPr marL="9525" marR="9525" marT="9525" marB="0" anchor="b"/>
-                </a:tc>
-                <a:extLst>
-                  <a:ext uri="{0D108BD9-81ED-4DB2-BD59-A6C34878D82A}">
-                    <a16:rowId xmlns:a16="http://schemas.microsoft.com/office/drawing/2014/main" val="1796843722"/>
-                  </a:ext>
-                </a:extLst>
-              </a:tr>
-              <a:tr h="190500">
-                <a:tc>
-                  <a:txBody>
-                    <a:bodyPr/>
-                    <a:lstStyle/>
-                    <a:p>
-                      <a:pPr algn="l" fontAlgn="b"/>
-                      <a:r>
-                        <a:rPr lang="fr-FR" sz="1600" u="none" strike="noStrike">
-                          <a:effectLst/>
-                        </a:rPr>
-                        <a:t>FC1: Contraintes dimensionnelles</a:t>
-                      </a:r>
-                      <a:endParaRPr lang="fr-FR" sz="1600" b="0" i="0" u="none" strike="noStrike">
-                        <a:solidFill>
-                          <a:srgbClr val="000000"/>
-                        </a:solidFill>
-                        <a:effectLst/>
-                        <a:latin typeface="Calibri" panose="020F0502020204030204" pitchFamily="34" charset="0"/>
-                      </a:endParaRPr>
-                    </a:p>
-                  </a:txBody>
-                  <a:tcPr marL="9525" marR="9525" marT="9525" marB="0" anchor="b"/>
-                </a:tc>
-                <a:tc>
-                  <a:txBody>
-                    <a:bodyPr/>
-                    <a:lstStyle/>
-                    <a:p>
-                      <a:pPr algn="l" fontAlgn="b"/>
-                      <a:r>
-                        <a:rPr lang="fr-FR" sz="1600" u="none" strike="noStrike">
-                          <a:effectLst/>
-                        </a:rPr>
-                        <a:t>Voie</a:t>
-                      </a:r>
-                      <a:endParaRPr lang="fr-FR" sz="1600" b="0" i="0" u="none" strike="noStrike">
-                        <a:solidFill>
-                          <a:srgbClr val="000000"/>
-                        </a:solidFill>
-                        <a:effectLst/>
-                        <a:latin typeface="Calibri" panose="020F0502020204030204" pitchFamily="34" charset="0"/>
-                      </a:endParaRPr>
-                    </a:p>
-                  </a:txBody>
-                  <a:tcPr marL="9525" marR="9525" marT="9525" marB="0" anchor="b"/>
-                </a:tc>
-                <a:tc>
-                  <a:txBody>
-                    <a:bodyPr/>
-                    <a:lstStyle/>
-                    <a:p>
-                      <a:pPr algn="l" fontAlgn="b"/>
-                      <a:r>
-                        <a:rPr lang="fr-FR" sz="1600" u="none" strike="noStrike">
-                          <a:effectLst/>
-                        </a:rPr>
-                        <a:t>1250mm</a:t>
-                      </a:r>
-                      <a:endParaRPr lang="fr-FR" sz="1600" b="0" i="0" u="none" strike="noStrike">
-                        <a:solidFill>
-                          <a:srgbClr val="000000"/>
-                        </a:solidFill>
-                        <a:effectLst/>
-                        <a:latin typeface="Calibri" panose="020F0502020204030204" pitchFamily="34" charset="0"/>
-                      </a:endParaRPr>
-                    </a:p>
-                  </a:txBody>
-                  <a:tcPr marL="9525" marR="9525" marT="9525" marB="0" anchor="b"/>
-                </a:tc>
-                <a:tc>
-                  <a:txBody>
-                    <a:bodyPr/>
-                    <a:lstStyle/>
-                    <a:p>
-                      <a:pPr algn="l" fontAlgn="b"/>
-                      <a:r>
-                        <a:rPr lang="fr-FR" sz="1600" u="none" strike="noStrike">
-                          <a:effectLst/>
-                        </a:rPr>
-                        <a:t>+/-40mm</a:t>
-                      </a:r>
-                      <a:endParaRPr lang="fr-FR" sz="1600" b="0" i="0" u="none" strike="noStrike">
-                        <a:solidFill>
-                          <a:srgbClr val="000000"/>
-                        </a:solidFill>
-                        <a:effectLst/>
-                        <a:latin typeface="Calibri" panose="020F0502020204030204" pitchFamily="34" charset="0"/>
-                      </a:endParaRPr>
-                    </a:p>
-                  </a:txBody>
-                  <a:tcPr marL="9525" marR="9525" marT="9525" marB="0" anchor="b"/>
-                </a:tc>
-                <a:extLst>
-                  <a:ext uri="{0D108BD9-81ED-4DB2-BD59-A6C34878D82A}">
-                    <a16:rowId xmlns:a16="http://schemas.microsoft.com/office/drawing/2014/main" val="53491071"/>
-                  </a:ext>
-                </a:extLst>
-              </a:tr>
-              <a:tr h="190500">
-                <a:tc>
-                  <a:txBody>
-                    <a:bodyPr/>
-                    <a:lstStyle/>
-                    <a:p>
-                      <a:pPr algn="l" fontAlgn="b"/>
-                      <a:endParaRPr lang="fr-FR" sz="1600" b="0" i="0" u="none" strike="noStrike">
-                        <a:solidFill>
-                          <a:srgbClr val="000000"/>
-                        </a:solidFill>
-                        <a:effectLst/>
-                        <a:latin typeface="Calibri" panose="020F0502020204030204" pitchFamily="34" charset="0"/>
-                      </a:endParaRPr>
-                    </a:p>
-                  </a:txBody>
-                  <a:tcPr marL="9525" marR="9525" marT="9525" marB="0" anchor="b"/>
-                </a:tc>
-                <a:tc>
-                  <a:txBody>
-                    <a:bodyPr/>
-                    <a:lstStyle/>
-                    <a:p>
-                      <a:pPr algn="l" fontAlgn="b"/>
-                      <a:r>
-                        <a:rPr lang="fr-FR" sz="1600" u="none" strike="noStrike">
-                          <a:effectLst/>
-                        </a:rPr>
-                        <a:t>Empatement</a:t>
-                      </a:r>
-                      <a:endParaRPr lang="fr-FR" sz="1600" b="0" i="0" u="none" strike="noStrike">
-                        <a:solidFill>
-                          <a:srgbClr val="000000"/>
-                        </a:solidFill>
-                        <a:effectLst/>
-                        <a:latin typeface="Calibri" panose="020F0502020204030204" pitchFamily="34" charset="0"/>
-                      </a:endParaRPr>
-                    </a:p>
-                  </a:txBody>
-                  <a:tcPr marL="9525" marR="9525" marT="9525" marB="0" anchor="b"/>
-                </a:tc>
-                <a:tc>
-                  <a:txBody>
-                    <a:bodyPr/>
-                    <a:lstStyle/>
-                    <a:p>
-                      <a:pPr algn="l" fontAlgn="b"/>
-                      <a:r>
-                        <a:rPr lang="fr-FR" sz="1600" u="none" strike="noStrike">
-                          <a:effectLst/>
-                        </a:rPr>
-                        <a:t>1600mm</a:t>
-                      </a:r>
-                      <a:endParaRPr lang="fr-FR" sz="1600" b="0" i="0" u="none" strike="noStrike">
-                        <a:solidFill>
-                          <a:srgbClr val="000000"/>
-                        </a:solidFill>
-                        <a:effectLst/>
-                        <a:latin typeface="Calibri" panose="020F0502020204030204" pitchFamily="34" charset="0"/>
-                      </a:endParaRPr>
-                    </a:p>
-                  </a:txBody>
-                  <a:tcPr marL="9525" marR="9525" marT="9525" marB="0" anchor="b"/>
-                </a:tc>
-                <a:tc>
-                  <a:txBody>
-                    <a:bodyPr/>
-                    <a:lstStyle/>
-                    <a:p>
-                      <a:pPr algn="l" fontAlgn="b"/>
-                      <a:r>
-                        <a:rPr lang="fr-FR" sz="1600" u="none" strike="noStrike">
-                          <a:effectLst/>
-                        </a:rPr>
-                        <a:t>+/-50mm</a:t>
-                      </a:r>
-                      <a:endParaRPr lang="fr-FR" sz="1600" b="0" i="0" u="none" strike="noStrike">
-                        <a:solidFill>
-                          <a:srgbClr val="000000"/>
-                        </a:solidFill>
-                        <a:effectLst/>
-                        <a:latin typeface="Calibri" panose="020F0502020204030204" pitchFamily="34" charset="0"/>
-                      </a:endParaRPr>
-                    </a:p>
-                  </a:txBody>
-                  <a:tcPr marL="9525" marR="9525" marT="9525" marB="0" anchor="b"/>
-                </a:tc>
-                <a:extLst>
-                  <a:ext uri="{0D108BD9-81ED-4DB2-BD59-A6C34878D82A}">
-                    <a16:rowId xmlns:a16="http://schemas.microsoft.com/office/drawing/2014/main" val="193202037"/>
-                  </a:ext>
-                </a:extLst>
-              </a:tr>
-              <a:tr h="190500">
-                <a:tc>
-                  <a:txBody>
-                    <a:bodyPr/>
-                    <a:lstStyle/>
-                    <a:p>
-                      <a:pPr algn="l" fontAlgn="b"/>
-                      <a:endParaRPr lang="fr-FR" sz="1600" b="0" i="0" u="none" strike="noStrike">
-                        <a:solidFill>
-                          <a:srgbClr val="000000"/>
-                        </a:solidFill>
-                        <a:effectLst/>
-                        <a:latin typeface="Calibri" panose="020F0502020204030204" pitchFamily="34" charset="0"/>
-                      </a:endParaRPr>
-                    </a:p>
-                  </a:txBody>
-                  <a:tcPr marL="9525" marR="9525" marT="9525" marB="0" anchor="b"/>
-                </a:tc>
-                <a:tc>
-                  <a:txBody>
-                    <a:bodyPr/>
-                    <a:lstStyle/>
-                    <a:p>
-                      <a:pPr algn="l" fontAlgn="b"/>
-                      <a:endParaRPr lang="fr-FR" sz="1600" b="0" i="0" u="none" strike="noStrike">
-                        <a:solidFill>
-                          <a:srgbClr val="000000"/>
-                        </a:solidFill>
-                        <a:effectLst/>
-                        <a:latin typeface="Calibri" panose="020F0502020204030204" pitchFamily="34" charset="0"/>
-                      </a:endParaRPr>
-                    </a:p>
-                  </a:txBody>
-                  <a:tcPr marL="9525" marR="9525" marT="9525" marB="0" anchor="b"/>
-                </a:tc>
-                <a:tc>
-                  <a:txBody>
-                    <a:bodyPr/>
-                    <a:lstStyle/>
-                    <a:p>
-                      <a:pPr algn="l" fontAlgn="b"/>
-                      <a:endParaRPr lang="fr-FR" sz="1600" b="0" i="0" u="none" strike="noStrike">
-                        <a:solidFill>
-                          <a:srgbClr val="000000"/>
-                        </a:solidFill>
-                        <a:effectLst/>
-                        <a:latin typeface="Calibri" panose="020F0502020204030204" pitchFamily="34" charset="0"/>
-                      </a:endParaRPr>
-                    </a:p>
-                  </a:txBody>
-                  <a:tcPr marL="9525" marR="9525" marT="9525" marB="0" anchor="b"/>
-                </a:tc>
-                <a:tc>
-                  <a:txBody>
-                    <a:bodyPr/>
-                    <a:lstStyle/>
-                    <a:p>
-                      <a:pPr algn="l" fontAlgn="b"/>
-                      <a:endParaRPr lang="fr-FR" sz="1600" b="0" i="0" u="none" strike="noStrike">
-                        <a:solidFill>
-                          <a:srgbClr val="000000"/>
-                        </a:solidFill>
-                        <a:effectLst/>
-                        <a:latin typeface="Calibri" panose="020F0502020204030204" pitchFamily="34" charset="0"/>
-                      </a:endParaRPr>
-                    </a:p>
-                  </a:txBody>
-                  <a:tcPr marL="9525" marR="9525" marT="9525" marB="0" anchor="b"/>
-                </a:tc>
-                <a:extLst>
-                  <a:ext uri="{0D108BD9-81ED-4DB2-BD59-A6C34878D82A}">
-                    <a16:rowId xmlns:a16="http://schemas.microsoft.com/office/drawing/2014/main" val="1390554195"/>
-                  </a:ext>
-                </a:extLst>
-              </a:tr>
-              <a:tr h="190500">
-                <a:tc>
-                  <a:txBody>
-                    <a:bodyPr/>
-                    <a:lstStyle/>
-                    <a:p>
-                      <a:pPr algn="l" fontAlgn="b"/>
-                      <a:r>
-                        <a:rPr lang="fr-FR" sz="1600" u="none" strike="noStrike">
-                          <a:effectLst/>
-                        </a:rPr>
-                        <a:t>FC2: Contraintes massiques</a:t>
-                      </a:r>
-                      <a:endParaRPr lang="fr-FR" sz="1600" b="0" i="0" u="none" strike="noStrike">
-                        <a:solidFill>
-                          <a:srgbClr val="000000"/>
-                        </a:solidFill>
-                        <a:effectLst/>
-                        <a:latin typeface="Calibri" panose="020F0502020204030204" pitchFamily="34" charset="0"/>
-                      </a:endParaRPr>
-                    </a:p>
-                  </a:txBody>
-                  <a:tcPr marL="9525" marR="9525" marT="9525" marB="0" anchor="b"/>
-                </a:tc>
-                <a:tc>
-                  <a:txBody>
-                    <a:bodyPr/>
-                    <a:lstStyle/>
-                    <a:p>
-                      <a:pPr algn="l" fontAlgn="b"/>
-                      <a:r>
-                        <a:rPr lang="fr-FR" sz="1600" u="none" strike="noStrike">
-                          <a:effectLst/>
-                        </a:rPr>
-                        <a:t>Masse</a:t>
-                      </a:r>
-                      <a:endParaRPr lang="fr-FR" sz="1600" b="0" i="0" u="none" strike="noStrike">
-                        <a:solidFill>
-                          <a:srgbClr val="000000"/>
-                        </a:solidFill>
-                        <a:effectLst/>
-                        <a:latin typeface="Calibri" panose="020F0502020204030204" pitchFamily="34" charset="0"/>
-                      </a:endParaRPr>
-                    </a:p>
-                  </a:txBody>
-                  <a:tcPr marL="9525" marR="9525" marT="9525" marB="0" anchor="b"/>
-                </a:tc>
-                <a:tc>
-                  <a:txBody>
-                    <a:bodyPr/>
-                    <a:lstStyle/>
-                    <a:p>
-                      <a:pPr algn="l" fontAlgn="b"/>
-                      <a:r>
-                        <a:rPr lang="fr-FR" sz="1600" u="none" strike="noStrike">
-                          <a:effectLst/>
-                        </a:rPr>
-                        <a:t>190kg</a:t>
-                      </a:r>
-                      <a:endParaRPr lang="fr-FR" sz="1600" b="0" i="0" u="none" strike="noStrike">
-                        <a:solidFill>
-                          <a:srgbClr val="000000"/>
-                        </a:solidFill>
-                        <a:effectLst/>
-                        <a:latin typeface="Calibri" panose="020F0502020204030204" pitchFamily="34" charset="0"/>
-                      </a:endParaRPr>
-                    </a:p>
-                  </a:txBody>
-                  <a:tcPr marL="9525" marR="9525" marT="9525" marB="0" anchor="b"/>
-                </a:tc>
-                <a:tc>
-                  <a:txBody>
-                    <a:bodyPr/>
-                    <a:lstStyle/>
-                    <a:p>
-                      <a:pPr algn="l" fontAlgn="b"/>
-                      <a:r>
-                        <a:rPr lang="fr-FR" sz="1600" u="none" strike="noStrike">
-                          <a:effectLst/>
-                        </a:rPr>
-                        <a:t>+/-10kg</a:t>
-                      </a:r>
-                      <a:endParaRPr lang="fr-FR" sz="1600" b="0" i="0" u="none" strike="noStrike">
-                        <a:solidFill>
-                          <a:srgbClr val="000000"/>
-                        </a:solidFill>
-                        <a:effectLst/>
-                        <a:latin typeface="Calibri" panose="020F0502020204030204" pitchFamily="34" charset="0"/>
-                      </a:endParaRPr>
-                    </a:p>
-                  </a:txBody>
-                  <a:tcPr marL="9525" marR="9525" marT="9525" marB="0" anchor="b"/>
-                </a:tc>
-                <a:extLst>
-                  <a:ext uri="{0D108BD9-81ED-4DB2-BD59-A6C34878D82A}">
-                    <a16:rowId xmlns:a16="http://schemas.microsoft.com/office/drawing/2014/main" val="1975038640"/>
-                  </a:ext>
-                </a:extLst>
-              </a:tr>
-              <a:tr h="190500">
-                <a:tc>
-                  <a:txBody>
-                    <a:bodyPr/>
-                    <a:lstStyle/>
-                    <a:p>
-                      <a:pPr algn="l" fontAlgn="b"/>
-                      <a:endParaRPr lang="fr-FR" sz="1600" b="0" i="0" u="none" strike="noStrike">
-                        <a:solidFill>
-                          <a:srgbClr val="000000"/>
-                        </a:solidFill>
-                        <a:effectLst/>
-                        <a:latin typeface="Calibri" panose="020F0502020204030204" pitchFamily="34" charset="0"/>
-                      </a:endParaRPr>
-                    </a:p>
-                  </a:txBody>
-                  <a:tcPr marL="9525" marR="9525" marT="9525" marB="0" anchor="b"/>
-                </a:tc>
-                <a:tc>
-                  <a:txBody>
-                    <a:bodyPr/>
-                    <a:lstStyle/>
-                    <a:p>
-                      <a:pPr algn="l" fontAlgn="b"/>
-                      <a:r>
-                        <a:rPr lang="fr-FR" sz="1600" u="none" strike="noStrike">
-                          <a:effectLst/>
-                        </a:rPr>
-                        <a:t>Hauteur du centre de gravité</a:t>
-                      </a:r>
-                      <a:endParaRPr lang="fr-FR" sz="1600" b="0" i="0" u="none" strike="noStrike">
-                        <a:solidFill>
-                          <a:srgbClr val="000000"/>
-                        </a:solidFill>
-                        <a:effectLst/>
-                        <a:latin typeface="Calibri" panose="020F0502020204030204" pitchFamily="34" charset="0"/>
-                      </a:endParaRPr>
-                    </a:p>
-                  </a:txBody>
-                  <a:tcPr marL="9525" marR="9525" marT="9525" marB="0" anchor="b"/>
-                </a:tc>
-                <a:tc>
-                  <a:txBody>
-                    <a:bodyPr/>
-                    <a:lstStyle/>
-                    <a:p>
-                      <a:pPr algn="l" fontAlgn="b"/>
-                      <a:r>
-                        <a:rPr lang="fr-FR" sz="1600" u="none" strike="noStrike">
-                          <a:effectLst/>
-                        </a:rPr>
-                        <a:t>300mm</a:t>
-                      </a:r>
-                      <a:endParaRPr lang="fr-FR" sz="1600" b="0" i="0" u="none" strike="noStrike">
-                        <a:solidFill>
-                          <a:srgbClr val="000000"/>
-                        </a:solidFill>
-                        <a:effectLst/>
-                        <a:latin typeface="Calibri" panose="020F0502020204030204" pitchFamily="34" charset="0"/>
-                      </a:endParaRPr>
-                    </a:p>
-                  </a:txBody>
-                  <a:tcPr marL="9525" marR="9525" marT="9525" marB="0" anchor="b"/>
-                </a:tc>
-                <a:tc>
-                  <a:txBody>
-                    <a:bodyPr/>
-                    <a:lstStyle/>
-                    <a:p>
-                      <a:pPr algn="l" fontAlgn="b"/>
-                      <a:r>
-                        <a:rPr lang="fr-FR" sz="1600" u="none" strike="noStrike">
-                          <a:effectLst/>
-                        </a:rPr>
-                        <a:t>+/-2cm</a:t>
-                      </a:r>
-                      <a:endParaRPr lang="fr-FR" sz="1600" b="0" i="0" u="none" strike="noStrike">
-                        <a:solidFill>
-                          <a:srgbClr val="000000"/>
-                        </a:solidFill>
-                        <a:effectLst/>
-                        <a:latin typeface="Calibri" panose="020F0502020204030204" pitchFamily="34" charset="0"/>
-                      </a:endParaRPr>
-                    </a:p>
-                  </a:txBody>
-                  <a:tcPr marL="9525" marR="9525" marT="9525" marB="0" anchor="b"/>
-                </a:tc>
-                <a:extLst>
-                  <a:ext uri="{0D108BD9-81ED-4DB2-BD59-A6C34878D82A}">
-                    <a16:rowId xmlns:a16="http://schemas.microsoft.com/office/drawing/2014/main" val="764388490"/>
-                  </a:ext>
-                </a:extLst>
-              </a:tr>
-              <a:tr h="190500">
-                <a:tc>
-                  <a:txBody>
-                    <a:bodyPr/>
-                    <a:lstStyle/>
-                    <a:p>
-                      <a:pPr algn="l" fontAlgn="b"/>
-                      <a:endParaRPr lang="fr-FR" sz="1600" b="0" i="0" u="none" strike="noStrike">
-                        <a:solidFill>
-                          <a:srgbClr val="000000"/>
-                        </a:solidFill>
-                        <a:effectLst/>
-                        <a:latin typeface="Calibri" panose="020F0502020204030204" pitchFamily="34" charset="0"/>
-                      </a:endParaRPr>
-                    </a:p>
-                  </a:txBody>
-                  <a:tcPr marL="9525" marR="9525" marT="9525" marB="0" anchor="b"/>
-                </a:tc>
-                <a:tc>
-                  <a:txBody>
-                    <a:bodyPr/>
-                    <a:lstStyle/>
-                    <a:p>
-                      <a:pPr algn="l" fontAlgn="b"/>
-                      <a:endParaRPr lang="fr-FR" sz="1600" b="0" i="0" u="none" strike="noStrike">
-                        <a:solidFill>
-                          <a:srgbClr val="000000"/>
-                        </a:solidFill>
-                        <a:effectLst/>
-                        <a:latin typeface="Calibri" panose="020F0502020204030204" pitchFamily="34" charset="0"/>
-                      </a:endParaRPr>
-                    </a:p>
-                  </a:txBody>
-                  <a:tcPr marL="9525" marR="9525" marT="9525" marB="0" anchor="b"/>
-                </a:tc>
-                <a:tc>
-                  <a:txBody>
-                    <a:bodyPr/>
-                    <a:lstStyle/>
-                    <a:p>
-                      <a:pPr algn="l" fontAlgn="b"/>
-                      <a:endParaRPr lang="fr-FR" sz="1600" b="0" i="0" u="none" strike="noStrike">
-                        <a:solidFill>
-                          <a:srgbClr val="000000"/>
-                        </a:solidFill>
-                        <a:effectLst/>
-                        <a:latin typeface="Calibri" panose="020F0502020204030204" pitchFamily="34" charset="0"/>
-                      </a:endParaRPr>
-                    </a:p>
-                  </a:txBody>
-                  <a:tcPr marL="9525" marR="9525" marT="9525" marB="0" anchor="b"/>
-                </a:tc>
-                <a:tc>
-                  <a:txBody>
-                    <a:bodyPr/>
-                    <a:lstStyle/>
-                    <a:p>
-                      <a:pPr algn="l" fontAlgn="b"/>
-                      <a:endParaRPr lang="fr-FR" sz="1600" b="0" i="0" u="none" strike="noStrike">
-                        <a:solidFill>
-                          <a:srgbClr val="000000"/>
-                        </a:solidFill>
-                        <a:effectLst/>
-                        <a:latin typeface="Calibri" panose="020F0502020204030204" pitchFamily="34" charset="0"/>
-                      </a:endParaRPr>
-                    </a:p>
-                  </a:txBody>
-                  <a:tcPr marL="9525" marR="9525" marT="9525" marB="0" anchor="b"/>
-                </a:tc>
-                <a:extLst>
-                  <a:ext uri="{0D108BD9-81ED-4DB2-BD59-A6C34878D82A}">
-                    <a16:rowId xmlns:a16="http://schemas.microsoft.com/office/drawing/2014/main" val="1191199247"/>
-                  </a:ext>
-                </a:extLst>
-              </a:tr>
-              <a:tr h="190500">
-                <a:tc>
-                  <a:txBody>
-                    <a:bodyPr/>
-                    <a:lstStyle/>
-                    <a:p>
-                      <a:pPr algn="l" fontAlgn="b"/>
-                      <a:r>
-                        <a:rPr lang="fr-FR" sz="1600" u="none" strike="noStrike">
-                          <a:effectLst/>
-                        </a:rPr>
-                        <a:t>FC3: Comportement à l'accelération</a:t>
-                      </a:r>
-                      <a:endParaRPr lang="fr-FR" sz="1600" b="0" i="0" u="none" strike="noStrike">
-                        <a:solidFill>
-                          <a:srgbClr val="000000"/>
-                        </a:solidFill>
-                        <a:effectLst/>
-                        <a:latin typeface="Calibri" panose="020F0502020204030204" pitchFamily="34" charset="0"/>
-                      </a:endParaRPr>
-                    </a:p>
-                  </a:txBody>
-                  <a:tcPr marL="9525" marR="9525" marT="9525" marB="0" anchor="b"/>
-                </a:tc>
-                <a:tc>
-                  <a:txBody>
-                    <a:bodyPr/>
-                    <a:lstStyle/>
-                    <a:p>
-                      <a:pPr algn="l" fontAlgn="b"/>
-                      <a:r>
-                        <a:rPr lang="fr-FR" sz="1600" u="none" strike="noStrike">
-                          <a:effectLst/>
-                        </a:rPr>
-                        <a:t>Puissance</a:t>
-                      </a:r>
-                      <a:endParaRPr lang="fr-FR" sz="1600" b="0" i="0" u="none" strike="noStrike">
-                        <a:solidFill>
-                          <a:srgbClr val="000000"/>
-                        </a:solidFill>
-                        <a:effectLst/>
-                        <a:latin typeface="Calibri" panose="020F0502020204030204" pitchFamily="34" charset="0"/>
-                      </a:endParaRPr>
-                    </a:p>
-                  </a:txBody>
-                  <a:tcPr marL="9525" marR="9525" marT="9525" marB="0" anchor="b"/>
-                </a:tc>
-                <a:tc>
-                  <a:txBody>
-                    <a:bodyPr/>
-                    <a:lstStyle/>
-                    <a:p>
-                      <a:pPr algn="l" fontAlgn="b"/>
-                      <a:r>
-                        <a:rPr lang="fr-FR" sz="1600" u="none" strike="noStrike">
-                          <a:effectLst/>
-                        </a:rPr>
-                        <a:t>&gt;85hp</a:t>
-                      </a:r>
-                      <a:endParaRPr lang="fr-FR" sz="1600" b="0" i="0" u="none" strike="noStrike">
-                        <a:solidFill>
-                          <a:srgbClr val="000000"/>
-                        </a:solidFill>
-                        <a:effectLst/>
-                        <a:latin typeface="Calibri" panose="020F0502020204030204" pitchFamily="34" charset="0"/>
-                      </a:endParaRPr>
-                    </a:p>
-                  </a:txBody>
-                  <a:tcPr marL="9525" marR="9525" marT="9525" marB="0" anchor="b"/>
-                </a:tc>
-                <a:tc>
-                  <a:txBody>
-                    <a:bodyPr/>
-                    <a:lstStyle/>
-                    <a:p>
-                      <a:pPr algn="l" fontAlgn="b"/>
-                      <a:r>
-                        <a:rPr lang="fr-FR" sz="1600" u="none" strike="noStrike" dirty="0">
-                          <a:effectLst/>
-                        </a:rPr>
-                        <a:t>-5hp</a:t>
-                      </a:r>
-                      <a:endParaRPr lang="fr-FR" sz="1600" b="0" i="0" u="none" strike="noStrike" dirty="0">
-                        <a:solidFill>
-                          <a:srgbClr val="000000"/>
-                        </a:solidFill>
-                        <a:effectLst/>
-                        <a:latin typeface="Calibri" panose="020F0502020204030204" pitchFamily="34" charset="0"/>
-                      </a:endParaRPr>
-                    </a:p>
-                  </a:txBody>
-                  <a:tcPr marL="9525" marR="9525" marT="9525" marB="0" anchor="b"/>
-                </a:tc>
-                <a:extLst>
-                  <a:ext uri="{0D108BD9-81ED-4DB2-BD59-A6C34878D82A}">
-                    <a16:rowId xmlns:a16="http://schemas.microsoft.com/office/drawing/2014/main" val="1470165444"/>
-                  </a:ext>
-                </a:extLst>
-              </a:tr>
-            </a:tbl>
-          </a:graphicData>
-        </a:graphic>
-      </p:graphicFrame>
-    </p:spTree>
   </p:cSld>
   <p:clrMapOvr>
     <a:masterClrMapping/>
